--- a/js_ppt/4강. js_함수(메서드).pptx
+++ b/js_ppt/4강. js_함수(메서드).pptx
@@ -5,7 +5,7 @@
     <p:sldMasterId id="2147483648" r:id="rId1"/>
   </p:sldMasterIdLst>
   <p:notesMasterIdLst>
-    <p:notesMasterId r:id="rId33"/>
+    <p:notesMasterId r:id="rId36"/>
   </p:notesMasterIdLst>
   <p:sldIdLst>
     <p:sldId id="256" r:id="rId2"/>
@@ -27,18 +27,21 @@
     <p:sldId id="394" r:id="rId18"/>
     <p:sldId id="338" r:id="rId19"/>
     <p:sldId id="395" r:id="rId20"/>
-    <p:sldId id="405" r:id="rId21"/>
-    <p:sldId id="391" r:id="rId22"/>
-    <p:sldId id="398" r:id="rId23"/>
-    <p:sldId id="368" r:id="rId24"/>
-    <p:sldId id="401" r:id="rId25"/>
-    <p:sldId id="403" r:id="rId26"/>
-    <p:sldId id="402" r:id="rId27"/>
-    <p:sldId id="382" r:id="rId28"/>
-    <p:sldId id="400" r:id="rId29"/>
-    <p:sldId id="371" r:id="rId30"/>
-    <p:sldId id="372" r:id="rId31"/>
-    <p:sldId id="373" r:id="rId32"/>
+    <p:sldId id="406" r:id="rId21"/>
+    <p:sldId id="405" r:id="rId22"/>
+    <p:sldId id="391" r:id="rId23"/>
+    <p:sldId id="409" r:id="rId24"/>
+    <p:sldId id="398" r:id="rId25"/>
+    <p:sldId id="368" r:id="rId26"/>
+    <p:sldId id="407" r:id="rId27"/>
+    <p:sldId id="408" r:id="rId28"/>
+    <p:sldId id="401" r:id="rId29"/>
+    <p:sldId id="403" r:id="rId30"/>
+    <p:sldId id="402" r:id="rId31"/>
+    <p:sldId id="371" r:id="rId32"/>
+    <p:sldId id="372" r:id="rId33"/>
+    <p:sldId id="373" r:id="rId34"/>
+    <p:sldId id="410" r:id="rId35"/>
   </p:sldIdLst>
   <p:sldSz cx="9906000" cy="6858000" type="A4"/>
   <p:notesSz cx="6858000" cy="9144000"/>
@@ -238,7 +241,7 @@
           <a:p>
             <a:fld id="{7665CDAC-D627-4E87-877A-1B781DD4CADC}" type="datetimeFigureOut">
               <a:rPr lang="ko-KR" altLang="en-US" smtClean="0"/>
-              <a:t>2023-03-29</a:t>
+              <a:t>2023-03-30</a:t>
             </a:fld>
             <a:endParaRPr lang="ko-KR" altLang="en-US"/>
           </a:p>
@@ -652,7 +655,7 @@
           <a:p>
             <a:fld id="{C25BCFD5-C4DF-4EBC-B718-C69ED2FBDE6F}" type="datetime1">
               <a:rPr lang="ko-KR" altLang="en-US" smtClean="0"/>
-              <a:t>2023-03-29</a:t>
+              <a:t>2023-03-30</a:t>
             </a:fld>
             <a:endParaRPr lang="ko-KR" altLang="en-US"/>
           </a:p>
@@ -1070,7 +1073,7 @@
           <a:p>
             <a:fld id="{AB448CD7-D367-43D5-B461-ACE552E75063}" type="datetime1">
               <a:rPr lang="ko-KR" altLang="en-US" smtClean="0"/>
-              <a:t>2023-03-29</a:t>
+              <a:t>2023-03-30</a:t>
             </a:fld>
             <a:endParaRPr lang="ko-KR" altLang="en-US"/>
           </a:p>
@@ -1250,7 +1253,7 @@
           <a:p>
             <a:fld id="{B6E49E79-7361-4780-8BEF-7EDE3708298A}" type="datetime1">
               <a:rPr lang="ko-KR" altLang="en-US" smtClean="0"/>
-              <a:t>2023-03-29</a:t>
+              <a:t>2023-03-30</a:t>
             </a:fld>
             <a:endParaRPr lang="ko-KR" altLang="en-US"/>
           </a:p>
@@ -1424,7 +1427,7 @@
           <a:p>
             <a:fld id="{A4D42E3C-B70B-437C-85CF-1286301B9CBA}" type="datetime1">
               <a:rPr lang="ko-KR" altLang="en-US" smtClean="0"/>
-              <a:t>2023-03-29</a:t>
+              <a:t>2023-03-30</a:t>
             </a:fld>
             <a:endParaRPr lang="ko-KR" altLang="en-US"/>
           </a:p>
@@ -1670,7 +1673,7 @@
           <a:p>
             <a:fld id="{B3369A20-5B3D-4D98-A822-26B93D177A40}" type="datetime1">
               <a:rPr lang="ko-KR" altLang="en-US" smtClean="0"/>
-              <a:t>2023-03-29</a:t>
+              <a:t>2023-03-30</a:t>
             </a:fld>
             <a:endParaRPr lang="ko-KR" altLang="en-US"/>
           </a:p>
@@ -1958,7 +1961,7 @@
           <a:p>
             <a:fld id="{685CD4CE-9E43-4F70-A9D8-A2130CA7D92A}" type="datetime1">
               <a:rPr lang="ko-KR" altLang="en-US" smtClean="0"/>
-              <a:t>2023-03-29</a:t>
+              <a:t>2023-03-30</a:t>
             </a:fld>
             <a:endParaRPr lang="ko-KR" altLang="en-US"/>
           </a:p>
@@ -2380,7 +2383,7 @@
           <a:p>
             <a:fld id="{F752BD92-DA3E-4A0B-90C9-7DE5E15B6E96}" type="datetime1">
               <a:rPr lang="ko-KR" altLang="en-US" smtClean="0"/>
-              <a:t>2023-03-29</a:t>
+              <a:t>2023-03-30</a:t>
             </a:fld>
             <a:endParaRPr lang="ko-KR" altLang="en-US"/>
           </a:p>
@@ -2498,7 +2501,7 @@
           <a:p>
             <a:fld id="{8EA2B83A-F366-424E-B742-340ACF856BB5}" type="datetime1">
               <a:rPr lang="ko-KR" altLang="en-US" smtClean="0"/>
-              <a:t>2023-03-29</a:t>
+              <a:t>2023-03-30</a:t>
             </a:fld>
             <a:endParaRPr lang="ko-KR" altLang="en-US"/>
           </a:p>
@@ -2593,7 +2596,7 @@
           <a:p>
             <a:fld id="{9A49D68B-5DBD-48E9-A8D4-FCBC4B3DD9C6}" type="datetime1">
               <a:rPr lang="ko-KR" altLang="en-US" smtClean="0"/>
-              <a:t>2023-03-29</a:t>
+              <a:t>2023-03-30</a:t>
             </a:fld>
             <a:endParaRPr lang="ko-KR" altLang="en-US"/>
           </a:p>
@@ -2870,7 +2873,7 @@
           <a:p>
             <a:fld id="{4CAB534F-7D16-467B-9320-91F98915D181}" type="datetime1">
               <a:rPr lang="ko-KR" altLang="en-US" smtClean="0"/>
-              <a:t>2023-03-29</a:t>
+              <a:t>2023-03-30</a:t>
             </a:fld>
             <a:endParaRPr lang="ko-KR" altLang="en-US"/>
           </a:p>
@@ -3123,7 +3126,7 @@
           <a:p>
             <a:fld id="{A390A91F-2F8D-4486-A69D-D680F95444B0}" type="datetime1">
               <a:rPr lang="ko-KR" altLang="en-US" smtClean="0"/>
-              <a:t>2023-03-29</a:t>
+              <a:t>2023-03-30</a:t>
             </a:fld>
             <a:endParaRPr lang="ko-KR" altLang="en-US"/>
           </a:p>
@@ -3303,7 +3306,7 @@
           <a:p>
             <a:fld id="{2238BBEA-E8DD-414A-BF68-FC2AFA7CFF2D}" type="datetime1">
               <a:rPr lang="ko-KR" altLang="en-US" smtClean="0"/>
-              <a:t>2023-03-29</a:t>
+              <a:t>2023-03-30</a:t>
             </a:fld>
             <a:endParaRPr lang="ko-KR" altLang="en-US"/>
           </a:p>
@@ -4477,19 +4480,11 @@
             </a:r>
             <a:r>
               <a:rPr lang="en-US" altLang="ko-KR" dirty="0" err="1" smtClean="0"/>
-              <a:t>fn</a:t>
-            </a:r>
-            <a:r>
-              <a:rPr lang="en-US" altLang="ko-KR" dirty="0" err="1" smtClean="0"/>
-              <a:t>_complex</a:t>
+              <a:t>fn_complex</a:t>
             </a:r>
             <a:r>
               <a:rPr lang="en-US" altLang="ko-KR" dirty="0" smtClean="0"/>
-              <a:t>(x</a:t>
-            </a:r>
-            <a:r>
-              <a:rPr lang="en-US" altLang="ko-KR" dirty="0" smtClean="0"/>
-              <a:t>, y)  </a:t>
+              <a:t>(x, y)  </a:t>
             </a:r>
           </a:p>
           <a:p>
@@ -7551,15 +7546,7 @@
                   <a:srgbClr val="FF0000"/>
                 </a:solidFill>
               </a:rPr>
-              <a:t>fn</a:t>
-            </a:r>
-            <a:r>
-              <a:rPr lang="en-US" altLang="ko-KR" sz="1600" dirty="0" smtClean="0">
-                <a:solidFill>
-                  <a:srgbClr val="FF0000"/>
-                </a:solidFill>
-              </a:rPr>
-              <a:t>_check.html</a:t>
+              <a:t>fn_check.html</a:t>
             </a:r>
             <a:endParaRPr lang="ko-KR" altLang="en-US" sz="1600" dirty="0">
               <a:solidFill>
@@ -8164,7 +8151,7 @@
       </p:sp>
       <p:pic>
         <p:nvPicPr>
-          <p:cNvPr id="7" name="그림 6"/>
+          <p:cNvPr id="3" name="그림 2"/>
           <p:cNvPicPr>
             <a:picLocks noChangeAspect="1"/>
           </p:cNvPicPr>
@@ -8184,8 +8171,8 @@
         </p:blipFill>
         <p:spPr>
           <a:xfrm>
-            <a:off x="1712640" y="3140968"/>
-            <a:ext cx="6800753" cy="2448272"/>
+            <a:off x="1558871" y="3284984"/>
+            <a:ext cx="6058425" cy="2263336"/>
           </a:xfrm>
           <a:prstGeom prst="rect">
             <a:avLst/>
@@ -8199,9 +8186,47 @@
           </a:ln>
         </p:spPr>
       </p:pic>
+      <p:sp>
+        <p:nvSpPr>
+          <p:cNvPr id="6" name="TextBox 5"/>
+          <p:cNvSpPr txBox="1"/>
+          <p:nvPr/>
+        </p:nvSpPr>
+        <p:spPr>
+          <a:xfrm>
+            <a:off x="7257256" y="3403739"/>
+            <a:ext cx="1872208" cy="338554"/>
+          </a:xfrm>
+          <a:prstGeom prst="rect">
+            <a:avLst/>
+          </a:prstGeom>
+          <a:noFill/>
+        </p:spPr>
+        <p:txBody>
+          <a:bodyPr wrap="square" rtlCol="0">
+            <a:spAutoFit/>
+          </a:bodyPr>
+          <a:lstStyle/>
+          <a:p>
+            <a:r>
+              <a:rPr lang="en-US" altLang="ko-KR" sz="1600" dirty="0" smtClean="0">
+                <a:solidFill>
+                  <a:srgbClr val="FF0000"/>
+                </a:solidFill>
+              </a:rPr>
+              <a:t>get_el_byid1.html</a:t>
+            </a:r>
+            <a:endParaRPr lang="ko-KR" altLang="en-US" sz="1600" dirty="0">
+              <a:solidFill>
+                <a:srgbClr val="FF0000"/>
+              </a:solidFill>
+            </a:endParaRPr>
+          </a:p>
+        </p:txBody>
+      </p:sp>
       <p:pic>
         <p:nvPicPr>
-          <p:cNvPr id="9" name="그림 8"/>
+          <p:cNvPr id="5" name="그림 4"/>
           <p:cNvPicPr>
             <a:picLocks noChangeAspect="1"/>
           </p:cNvPicPr>
@@ -8221,8 +8246,8 @@
         </p:blipFill>
         <p:spPr>
           <a:xfrm>
-            <a:off x="1712640" y="1484784"/>
-            <a:ext cx="2506355" cy="1440160"/>
+            <a:off x="1558871" y="1484784"/>
+            <a:ext cx="3833192" cy="1585097"/>
           </a:xfrm>
           <a:prstGeom prst="rect">
             <a:avLst/>
@@ -8236,52 +8261,6 @@
           </a:ln>
         </p:spPr>
       </p:pic>
-      <p:sp>
-        <p:nvSpPr>
-          <p:cNvPr id="6" name="TextBox 5"/>
-          <p:cNvSpPr txBox="1"/>
-          <p:nvPr/>
-        </p:nvSpPr>
-        <p:spPr>
-          <a:xfrm>
-            <a:off x="7617296" y="3403739"/>
-            <a:ext cx="1512168" cy="338554"/>
-          </a:xfrm>
-          <a:prstGeom prst="rect">
-            <a:avLst/>
-          </a:prstGeom>
-          <a:noFill/>
-        </p:spPr>
-        <p:txBody>
-          <a:bodyPr wrap="square" rtlCol="0">
-            <a:spAutoFit/>
-          </a:bodyPr>
-          <a:lstStyle/>
-          <a:p>
-            <a:r>
-              <a:rPr lang="en-US" altLang="ko-KR" sz="1600" dirty="0" smtClean="0">
-                <a:solidFill>
-                  <a:srgbClr val="FF0000"/>
-                </a:solidFill>
-              </a:rPr>
-              <a:t>g</a:t>
-            </a:r>
-            <a:r>
-              <a:rPr lang="en-US" altLang="ko-KR" sz="1600" dirty="0" smtClean="0">
-                <a:solidFill>
-                  <a:srgbClr val="FF0000"/>
-                </a:solidFill>
-              </a:rPr>
-              <a:t>et_id.html</a:t>
-            </a:r>
-            <a:endParaRPr lang="ko-KR" altLang="en-US" sz="1600" dirty="0">
-              <a:solidFill>
-                <a:srgbClr val="FF0000"/>
-              </a:solidFill>
-            </a:endParaRPr>
-          </a:p>
-        </p:txBody>
-      </p:sp>
     </p:spTree>
     <p:extLst>
       <p:ext uri="{BB962C8B-B14F-4D97-AF65-F5344CB8AC3E}">
@@ -8295,83 +8274,7 @@
   <p:timing>
     <p:tnLst>
       <p:par>
-        <p:cTn id="1" dur="indefinite" restart="never" nodeType="tmRoot">
-          <p:childTnLst>
-            <p:seq concurrent="1" nextAc="seek">
-              <p:cTn id="2" dur="indefinite" nodeType="mainSeq">
-                <p:childTnLst>
-                  <p:par>
-                    <p:cTn id="3" fill="hold">
-                      <p:stCondLst>
-                        <p:cond delay="indefinite"/>
-                      </p:stCondLst>
-                      <p:childTnLst>
-                        <p:par>
-                          <p:cTn id="4" fill="hold">
-                            <p:stCondLst>
-                              <p:cond delay="0"/>
-                            </p:stCondLst>
-                            <p:childTnLst>
-                              <p:par>
-                                <p:cTn id="5" presetID="10" presetClass="entr" presetSubtype="0" fill="hold" nodeType="clickEffect">
-                                  <p:stCondLst>
-                                    <p:cond delay="0"/>
-                                  </p:stCondLst>
-                                  <p:childTnLst>
-                                    <p:set>
-                                      <p:cBhvr>
-                                        <p:cTn id="6" dur="1" fill="hold">
-                                          <p:stCondLst>
-                                            <p:cond delay="0"/>
-                                          </p:stCondLst>
-                                        </p:cTn>
-                                        <p:tgtEl>
-                                          <p:spTgt spid="7"/>
-                                        </p:tgtEl>
-                                        <p:attrNameLst>
-                                          <p:attrName>style.visibility</p:attrName>
-                                        </p:attrNameLst>
-                                      </p:cBhvr>
-                                      <p:to>
-                                        <p:strVal val="visible"/>
-                                      </p:to>
-                                    </p:set>
-                                    <p:animEffect transition="in" filter="fade">
-                                      <p:cBhvr>
-                                        <p:cTn id="7" dur="500"/>
-                                        <p:tgtEl>
-                                          <p:spTgt spid="7"/>
-                                        </p:tgtEl>
-                                      </p:cBhvr>
-                                    </p:animEffect>
-                                  </p:childTnLst>
-                                </p:cTn>
-                              </p:par>
-                            </p:childTnLst>
-                          </p:cTn>
-                        </p:par>
-                      </p:childTnLst>
-                    </p:cTn>
-                  </p:par>
-                </p:childTnLst>
-              </p:cTn>
-              <p:prevCondLst>
-                <p:cond evt="onPrev" delay="0">
-                  <p:tgtEl>
-                    <p:sldTgt/>
-                  </p:tgtEl>
-                </p:cond>
-              </p:prevCondLst>
-              <p:nextCondLst>
-                <p:cond evt="onNext" delay="0">
-                  <p:tgtEl>
-                    <p:sldTgt/>
-                  </p:tgtEl>
-                </p:cond>
-              </p:nextCondLst>
-            </p:seq>
-          </p:childTnLst>
-        </p:cTn>
+        <p:cTn id="1" dur="indefinite" restart="never" nodeType="tmRoot"/>
       </p:par>
     </p:tnLst>
   </p:timing>
@@ -9048,8 +8951,13 @@
             </a:r>
             <a:r>
               <a:rPr lang="ko-KR" altLang="en-US" sz="2800" dirty="0"/>
-              <a:t> 사용</a:t>
-            </a:r>
+              <a:t> </a:t>
+            </a:r>
+            <a:r>
+              <a:rPr lang="ko-KR" altLang="en-US" sz="2800" dirty="0" smtClean="0"/>
+              <a:t>사용</a:t>
+            </a:r>
+            <a:endParaRPr lang="ko-KR" altLang="en-US" sz="2800" dirty="0"/>
           </a:p>
         </p:txBody>
       </p:sp>
@@ -9078,14 +8986,14 @@
       </p:sp>
       <p:sp>
         <p:nvSpPr>
-          <p:cNvPr id="5" name="TextBox 4"/>
+          <p:cNvPr id="6" name="TextBox 5"/>
           <p:cNvSpPr txBox="1"/>
           <p:nvPr/>
         </p:nvSpPr>
         <p:spPr>
           <a:xfrm>
-            <a:off x="1084811" y="1290826"/>
-            <a:ext cx="5625026" cy="494494"/>
+            <a:off x="7257256" y="3403739"/>
+            <a:ext cx="1872208" cy="338554"/>
           </a:xfrm>
           <a:prstGeom prst="rect">
             <a:avLst/>
@@ -9098,46 +9006,25 @@
           </a:bodyPr>
           <a:lstStyle/>
           <a:p>
-            <a:pPr>
-              <a:lnSpc>
-                <a:spcPct val="150000"/>
-              </a:lnSpc>
-            </a:pPr>
-            <a:r>
-              <a:rPr lang="ko-KR" altLang="en-US" dirty="0"/>
-              <a:t> </a:t>
-            </a:r>
-            <a:r>
-              <a:rPr lang="ko-KR" altLang="en-US" sz="2000" b="1" dirty="0" smtClean="0"/>
-              <a:t>버튼에서 함수 호출하기</a:t>
-            </a:r>
-            <a:r>
-              <a:rPr lang="en-US" altLang="ko-KR" sz="2000" b="1" dirty="0"/>
-              <a:t> </a:t>
-            </a:r>
-            <a:r>
-              <a:rPr lang="en-US" altLang="ko-KR" sz="2000" b="1" dirty="0" smtClean="0"/>
-              <a:t>– </a:t>
-            </a:r>
-            <a:r>
-              <a:rPr lang="en-US" altLang="ko-KR" sz="2000" b="1" dirty="0" err="1" smtClean="0"/>
-              <a:t>myAbs</a:t>
-            </a:r>
-            <a:r>
-              <a:rPr lang="en-US" altLang="ko-KR" sz="2000" b="1" dirty="0" smtClean="0"/>
-              <a:t>(x) </a:t>
-            </a:r>
-            <a:r>
-              <a:rPr lang="ko-KR" altLang="en-US" sz="2000" b="1" dirty="0" smtClean="0"/>
-              <a:t>함수</a:t>
-            </a:r>
-            <a:endParaRPr lang="en-US" altLang="ko-KR" sz="2000" b="1" dirty="0" smtClean="0"/>
+            <a:r>
+              <a:rPr lang="en-US" altLang="ko-KR" sz="1600" dirty="0" smtClean="0">
+                <a:solidFill>
+                  <a:srgbClr val="FF0000"/>
+                </a:solidFill>
+              </a:rPr>
+              <a:t>get_el_byid2.html</a:t>
+            </a:r>
+            <a:endParaRPr lang="ko-KR" altLang="en-US" sz="1600" dirty="0">
+              <a:solidFill>
+                <a:srgbClr val="FF0000"/>
+              </a:solidFill>
+            </a:endParaRPr>
           </a:p>
         </p:txBody>
       </p:sp>
       <p:pic>
         <p:nvPicPr>
-          <p:cNvPr id="3" name="그림 2"/>
+          <p:cNvPr id="7" name="그림 6"/>
           <p:cNvPicPr>
             <a:picLocks noChangeAspect="1"/>
           </p:cNvPicPr>
@@ -9157,8 +9044,8 @@
         </p:blipFill>
         <p:spPr>
           <a:xfrm>
-            <a:off x="1280592" y="2037473"/>
-            <a:ext cx="6234272" cy="2399637"/>
+            <a:off x="1712640" y="3284984"/>
+            <a:ext cx="5356847" cy="1944216"/>
           </a:xfrm>
           <a:prstGeom prst="rect">
             <a:avLst/>
@@ -9172,48 +9059,47 @@
           </a:ln>
         </p:spPr>
       </p:pic>
-      <p:sp>
-        <p:nvSpPr>
-          <p:cNvPr id="10" name="TextBox 9"/>
-          <p:cNvSpPr txBox="1"/>
+      <p:pic>
+        <p:nvPicPr>
+          <p:cNvPr id="8" name="그림 7"/>
+          <p:cNvPicPr>
+            <a:picLocks noChangeAspect="1"/>
+          </p:cNvPicPr>
           <p:nvPr/>
-        </p:nvSpPr>
-        <p:spPr>
-          <a:xfrm>
-            <a:off x="6709837" y="2276872"/>
-            <a:ext cx="1944216" cy="338554"/>
+        </p:nvPicPr>
+        <p:blipFill>
+          <a:blip r:embed="rId3">
+            <a:extLst>
+              <a:ext uri="{28A0092B-C50C-407E-A947-70E740481C1C}">
+                <a14:useLocalDpi xmlns:a14="http://schemas.microsoft.com/office/drawing/2010/main" val="0"/>
+              </a:ext>
+            </a:extLst>
+          </a:blip>
+          <a:stretch>
+            <a:fillRect/>
+          </a:stretch>
+        </p:blipFill>
+        <p:spPr>
+          <a:xfrm>
+            <a:off x="1710914" y="1540155"/>
+            <a:ext cx="3414056" cy="1257409"/>
           </a:xfrm>
           <a:prstGeom prst="rect">
             <a:avLst/>
           </a:prstGeom>
-          <a:noFill/>
-        </p:spPr>
-        <p:txBody>
-          <a:bodyPr wrap="square" rtlCol="0">
-            <a:spAutoFit/>
-          </a:bodyPr>
-          <a:lstStyle/>
-          <a:p>
-            <a:r>
-              <a:rPr lang="en-US" altLang="ko-KR" sz="1600" dirty="0" smtClean="0">
-                <a:solidFill>
-                  <a:srgbClr val="FF0000"/>
-                </a:solidFill>
-              </a:rPr>
-              <a:t>btn-myabs.html</a:t>
-            </a:r>
-            <a:endParaRPr lang="ko-KR" altLang="en-US" sz="1600" dirty="0">
-              <a:solidFill>
-                <a:srgbClr val="FF0000"/>
-              </a:solidFill>
-            </a:endParaRPr>
-          </a:p>
-        </p:txBody>
-      </p:sp>
+          <a:ln>
+            <a:solidFill>
+              <a:schemeClr val="bg1">
+                <a:lumMod val="85000"/>
+              </a:schemeClr>
+            </a:solidFill>
+          </a:ln>
+        </p:spPr>
+      </p:pic>
     </p:spTree>
     <p:extLst>
       <p:ext uri="{BB962C8B-B14F-4D97-AF65-F5344CB8AC3E}">
-        <p14:creationId xmlns:p14="http://schemas.microsoft.com/office/powerpoint/2010/main" val="2839393601"/>
+        <p14:creationId xmlns:p14="http://schemas.microsoft.com/office/powerpoint/2010/main" val="3032625664"/>
       </p:ext>
     </p:extLst>
   </p:cSld>
@@ -9324,8 +9210,8 @@
         </p:nvSpPr>
         <p:spPr>
           <a:xfrm>
-            <a:off x="1208584" y="1199075"/>
-            <a:ext cx="3600400" cy="553998"/>
+            <a:off x="1084811" y="1290826"/>
+            <a:ext cx="5625026" cy="494494"/>
           </a:xfrm>
           <a:prstGeom prst="rect">
             <a:avLst/>
@@ -9344,24 +9230,40 @@
               </a:lnSpc>
             </a:pPr>
             <a:r>
+              <a:rPr lang="ko-KR" altLang="en-US" dirty="0"/>
+              <a:t> </a:t>
+            </a:r>
+            <a:r>
+              <a:rPr lang="ko-KR" altLang="en-US" sz="2000" b="1" dirty="0" smtClean="0"/>
+              <a:t>버튼에서 함수 호출하기</a:t>
+            </a:r>
+            <a:r>
+              <a:rPr lang="en-US" altLang="ko-KR" sz="2000" b="1" dirty="0"/>
+              <a:t> </a:t>
+            </a:r>
+            <a:r>
               <a:rPr lang="en-US" altLang="ko-KR" sz="2000" b="1" dirty="0" smtClean="0"/>
-              <a:t> </a:t>
+              <a:t>– </a:t>
+            </a:r>
+            <a:r>
+              <a:rPr lang="en-US" altLang="ko-KR" sz="2000" b="1" dirty="0" err="1" smtClean="0"/>
+              <a:t>myAbs</a:t>
+            </a:r>
+            <a:r>
+              <a:rPr lang="en-US" altLang="ko-KR" sz="2000" b="1" dirty="0" smtClean="0"/>
+              <a:t>(x) </a:t>
             </a:r>
             <a:r>
               <a:rPr lang="ko-KR" altLang="en-US" sz="2000" b="1" dirty="0" smtClean="0"/>
-              <a:t>나이 계산 프로그램</a:t>
-            </a:r>
-            <a:r>
-              <a:rPr lang="en-US" altLang="ko-KR" sz="2000" b="1" dirty="0" smtClean="0"/>
-              <a:t>.</a:t>
-            </a:r>
-            <a:endParaRPr lang="en-US" altLang="ko-KR" sz="2400" b="1" dirty="0" smtClean="0"/>
+              <a:t>함수</a:t>
+            </a:r>
+            <a:endParaRPr lang="en-US" altLang="ko-KR" sz="2000" b="1" dirty="0" smtClean="0"/>
           </a:p>
         </p:txBody>
       </p:sp>
       <p:pic>
         <p:nvPicPr>
-          <p:cNvPr id="6" name="그림 5"/>
+          <p:cNvPr id="3" name="그림 2"/>
           <p:cNvPicPr>
             <a:picLocks noChangeAspect="1"/>
           </p:cNvPicPr>
@@ -9381,8 +9283,8 @@
         </p:blipFill>
         <p:spPr>
           <a:xfrm>
-            <a:off x="1326849" y="1830643"/>
-            <a:ext cx="3076945" cy="1236224"/>
+            <a:off x="1280592" y="2037473"/>
+            <a:ext cx="6234272" cy="2399637"/>
           </a:xfrm>
           <a:prstGeom prst="rect">
             <a:avLst/>
@@ -9396,90 +9298,16 @@
           </a:ln>
         </p:spPr>
       </p:pic>
-      <p:pic>
-        <p:nvPicPr>
-          <p:cNvPr id="7" name="그림 6"/>
-          <p:cNvPicPr>
-            <a:picLocks noChangeAspect="1"/>
-          </p:cNvPicPr>
-          <p:nvPr/>
-        </p:nvPicPr>
-        <p:blipFill>
-          <a:blip r:embed="rId3">
-            <a:extLst>
-              <a:ext uri="{28A0092B-C50C-407E-A947-70E740481C1C}">
-                <a14:useLocalDpi xmlns:a14="http://schemas.microsoft.com/office/drawing/2010/main" val="0"/>
-              </a:ext>
-            </a:extLst>
-          </a:blip>
-          <a:stretch>
-            <a:fillRect/>
-          </a:stretch>
-        </p:blipFill>
-        <p:spPr>
-          <a:xfrm>
-            <a:off x="5169024" y="1829754"/>
-            <a:ext cx="2448272" cy="1270156"/>
-          </a:xfrm>
-          <a:prstGeom prst="rect">
-            <a:avLst/>
-          </a:prstGeom>
-          <a:ln>
-            <a:solidFill>
-              <a:schemeClr val="bg1">
-                <a:lumMod val="85000"/>
-              </a:schemeClr>
-            </a:solidFill>
-          </a:ln>
-        </p:spPr>
-      </p:pic>
-      <p:pic>
-        <p:nvPicPr>
-          <p:cNvPr id="3" name="그림 2"/>
-          <p:cNvPicPr>
-            <a:picLocks noChangeAspect="1"/>
-          </p:cNvPicPr>
-          <p:nvPr/>
-        </p:nvPicPr>
-        <p:blipFill>
-          <a:blip r:embed="rId4">
-            <a:extLst>
-              <a:ext uri="{28A0092B-C50C-407E-A947-70E740481C1C}">
-                <a14:useLocalDpi xmlns:a14="http://schemas.microsoft.com/office/drawing/2010/main" val="0"/>
-              </a:ext>
-            </a:extLst>
-          </a:blip>
-          <a:stretch>
-            <a:fillRect/>
-          </a:stretch>
-        </p:blipFill>
-        <p:spPr>
-          <a:xfrm>
-            <a:off x="1784648" y="3197463"/>
-            <a:ext cx="5466427" cy="3486308"/>
-          </a:xfrm>
-          <a:prstGeom prst="rect">
-            <a:avLst/>
-          </a:prstGeom>
-          <a:ln>
-            <a:solidFill>
-              <a:schemeClr val="bg1">
-                <a:lumMod val="85000"/>
-              </a:schemeClr>
-            </a:solidFill>
-          </a:ln>
-        </p:spPr>
-      </p:pic>
-      <p:sp>
-        <p:nvSpPr>
-          <p:cNvPr id="9" name="TextBox 8"/>
+      <p:sp>
+        <p:nvSpPr>
+          <p:cNvPr id="10" name="TextBox 9"/>
           <p:cNvSpPr txBox="1"/>
           <p:nvPr/>
         </p:nvSpPr>
         <p:spPr>
           <a:xfrm>
-            <a:off x="6393160" y="3789040"/>
-            <a:ext cx="1512168" cy="338554"/>
+            <a:off x="6709837" y="2276872"/>
+            <a:ext cx="1944216" cy="338554"/>
           </a:xfrm>
           <a:prstGeom prst="rect">
             <a:avLst/>
@@ -9492,21 +9320,13 @@
           </a:bodyPr>
           <a:lstStyle/>
           <a:p>
-            <a:r>
-              <a:rPr lang="en-US" altLang="ko-KR" sz="1600" dirty="0">
-                <a:solidFill>
-                  <a:srgbClr val="FF0000"/>
-                </a:solidFill>
-              </a:rPr>
-              <a:t>c</a:t>
-            </a:r>
             <a:r>
               <a:rPr lang="en-US" altLang="ko-KR" sz="1600" dirty="0" smtClean="0">
                 <a:solidFill>
                   <a:srgbClr val="FF0000"/>
                 </a:solidFill>
               </a:rPr>
-              <a:t>alc_age.html</a:t>
+              <a:t>btn-myabs.html</a:t>
             </a:r>
             <a:endParaRPr lang="ko-KR" altLang="en-US" sz="1600" dirty="0">
               <a:solidFill>
@@ -9519,7 +9339,7 @@
     </p:spTree>
     <p:extLst>
       <p:ext uri="{BB962C8B-B14F-4D97-AF65-F5344CB8AC3E}">
-        <p14:creationId xmlns:p14="http://schemas.microsoft.com/office/powerpoint/2010/main" val="736320772"/>
+        <p14:creationId xmlns:p14="http://schemas.microsoft.com/office/powerpoint/2010/main" val="2839393601"/>
       </p:ext>
     </p:extLst>
   </p:cSld>
@@ -9577,25 +9397,14 @@
           <a:p>
             <a:pPr algn="ctr"/>
             <a:r>
-              <a:rPr lang="en-US" altLang="ko-KR" sz="2800" b="1" dirty="0" err="1">
+              <a:rPr lang="ko-KR" altLang="en-US" sz="2800" b="1" dirty="0" smtClean="0">
                 <a:solidFill>
                   <a:srgbClr val="C00000"/>
                 </a:solidFill>
               </a:rPr>
-              <a:t>getElementById</a:t>
-            </a:r>
-            <a:r>
-              <a:rPr lang="en-US" altLang="ko-KR" sz="2800" b="1" dirty="0">
-                <a:solidFill>
-                  <a:srgbClr val="C00000"/>
-                </a:solidFill>
-              </a:rPr>
-              <a:t>()</a:t>
-            </a:r>
-            <a:r>
-              <a:rPr lang="ko-KR" altLang="en-US" sz="2800" dirty="0"/>
-              <a:t> 사용</a:t>
-            </a:r>
+              <a:t>실습 문제</a:t>
+            </a:r>
+            <a:endParaRPr lang="ko-KR" altLang="en-US" sz="2800" dirty="0"/>
           </a:p>
         </p:txBody>
       </p:sp>
@@ -9630,7 +9439,7 @@
         </p:nvSpPr>
         <p:spPr>
           <a:xfrm>
-            <a:off x="1280592" y="1278322"/>
+            <a:off x="1208584" y="1199075"/>
             <a:ext cx="3600400" cy="553998"/>
           </a:xfrm>
           <a:prstGeom prst="rect">
@@ -9644,24 +9453,18 @@
           </a:bodyPr>
           <a:lstStyle/>
           <a:p>
-            <a:pPr marL="342900" indent="-342900">
+            <a:pPr>
               <a:lnSpc>
                 <a:spcPct val="150000"/>
               </a:lnSpc>
-              <a:buFont typeface="Wingdings" panose="05000000000000000000" pitchFamily="2" charset="2"/>
-              <a:buChar char="l"/>
             </a:pPr>
             <a:r>
+              <a:rPr lang="en-US" altLang="ko-KR" sz="2000" b="1" dirty="0" smtClean="0"/>
+              <a:t> </a:t>
+            </a:r>
+            <a:r>
               <a:rPr lang="ko-KR" altLang="en-US" sz="2000" b="1" dirty="0" smtClean="0"/>
-              <a:t>버튼 클릭하면 </a:t>
-            </a:r>
-            <a:r>
-              <a:rPr lang="en-US" altLang="ko-KR" sz="2000" b="1" dirty="0" smtClean="0"/>
-              <a:t>1</a:t>
-            </a:r>
-            <a:r>
-              <a:rPr lang="ko-KR" altLang="en-US" sz="2000" b="1" dirty="0" smtClean="0"/>
-              <a:t>증가</a:t>
+              <a:t>나이 계산 프로그램</a:t>
             </a:r>
             <a:r>
               <a:rPr lang="en-US" altLang="ko-KR" sz="2000" b="1" dirty="0" smtClean="0"/>
@@ -9673,7 +9476,7 @@
       </p:sp>
       <p:pic>
         <p:nvPicPr>
-          <p:cNvPr id="3" name="그림 2"/>
+          <p:cNvPr id="6" name="그림 5"/>
           <p:cNvPicPr>
             <a:picLocks noChangeAspect="1"/>
           </p:cNvPicPr>
@@ -9693,8 +9496,8 @@
         </p:blipFill>
         <p:spPr>
           <a:xfrm>
-            <a:off x="1606388" y="2060848"/>
-            <a:ext cx="2551229" cy="1656184"/>
+            <a:off x="1712640" y="2044297"/>
+            <a:ext cx="3672408" cy="1475463"/>
           </a:xfrm>
           <a:prstGeom prst="rect">
             <a:avLst/>
@@ -9710,7 +9513,7 @@
       </p:pic>
       <p:pic>
         <p:nvPicPr>
-          <p:cNvPr id="10" name="그림 9"/>
+          <p:cNvPr id="7" name="그림 6"/>
           <p:cNvPicPr>
             <a:picLocks noChangeAspect="1"/>
           </p:cNvPicPr>
@@ -9730,8 +9533,8 @@
         </p:blipFill>
         <p:spPr>
           <a:xfrm>
-            <a:off x="4376935" y="2060848"/>
-            <a:ext cx="5057293" cy="2664296"/>
+            <a:off x="4326018" y="3810984"/>
+            <a:ext cx="3096345" cy="1606374"/>
           </a:xfrm>
           <a:prstGeom prst="rect">
             <a:avLst/>
@@ -9745,10 +9548,56 @@
           </a:ln>
         </p:spPr>
       </p:pic>
+      <p:sp>
+        <p:nvSpPr>
+          <p:cNvPr id="10" name="TextBox 9"/>
+          <p:cNvSpPr txBox="1"/>
+          <p:nvPr/>
+        </p:nvSpPr>
+        <p:spPr>
+          <a:xfrm>
+            <a:off x="5961112" y="3210303"/>
+            <a:ext cx="1512168" cy="338554"/>
+          </a:xfrm>
+          <a:prstGeom prst="rect">
+            <a:avLst/>
+          </a:prstGeom>
+          <a:noFill/>
+        </p:spPr>
+        <p:txBody>
+          <a:bodyPr wrap="square" rtlCol="0">
+            <a:spAutoFit/>
+          </a:bodyPr>
+          <a:lstStyle/>
+          <a:p>
+            <a:r>
+              <a:rPr lang="en-US" altLang="ko-KR" sz="1600" dirty="0">
+                <a:solidFill>
+                  <a:srgbClr val="FF0000"/>
+                </a:solidFill>
+              </a:rPr>
+              <a:t>c</a:t>
+            </a:r>
+            <a:r>
+              <a:rPr lang="en-US" altLang="ko-KR" sz="1600" dirty="0" smtClean="0">
+                <a:solidFill>
+                  <a:srgbClr val="FF0000"/>
+                </a:solidFill>
+              </a:rPr>
+              <a:t>alc_age.html</a:t>
+            </a:r>
+            <a:endParaRPr lang="ko-KR" altLang="en-US" sz="1600" dirty="0">
+              <a:solidFill>
+                <a:srgbClr val="FF0000"/>
+              </a:solidFill>
+            </a:endParaRPr>
+          </a:p>
+        </p:txBody>
+      </p:sp>
     </p:spTree>
     <p:extLst>
       <p:ext uri="{BB962C8B-B14F-4D97-AF65-F5344CB8AC3E}">
-        <p14:creationId xmlns:p14="http://schemas.microsoft.com/office/powerpoint/2010/main" val="1598354210"/>
+        <p14:creationId xmlns:p14="http://schemas.microsoft.com/office/powerpoint/2010/main" val="736320772"/>
       </p:ext>
     </p:extLst>
   </p:cSld>
@@ -9806,25 +9655,14 @@
           <a:p>
             <a:pPr algn="ctr"/>
             <a:r>
-              <a:rPr lang="en-US" altLang="ko-KR" sz="2800" b="1" dirty="0" err="1">
+              <a:rPr lang="ko-KR" altLang="en-US" sz="2800" b="1" dirty="0" smtClean="0">
                 <a:solidFill>
                   <a:srgbClr val="C00000"/>
                 </a:solidFill>
               </a:rPr>
-              <a:t>getElementById</a:t>
-            </a:r>
-            <a:r>
-              <a:rPr lang="en-US" altLang="ko-KR" sz="2800" b="1" dirty="0">
-                <a:solidFill>
-                  <a:srgbClr val="C00000"/>
-                </a:solidFill>
-              </a:rPr>
-              <a:t>()</a:t>
-            </a:r>
-            <a:r>
-              <a:rPr lang="ko-KR" altLang="en-US" sz="2800" dirty="0"/>
-              <a:t> 사용</a:t>
-            </a:r>
+              <a:t>실습 문제</a:t>
+            </a:r>
+            <a:endParaRPr lang="ko-KR" altLang="en-US" sz="2800" dirty="0"/>
           </a:p>
         </p:txBody>
       </p:sp>
@@ -9853,14 +9691,14 @@
       </p:sp>
       <p:sp>
         <p:nvSpPr>
-          <p:cNvPr id="14" name="TextBox 13"/>
+          <p:cNvPr id="5" name="TextBox 4"/>
           <p:cNvSpPr txBox="1"/>
           <p:nvPr/>
         </p:nvSpPr>
         <p:spPr>
           <a:xfrm>
-            <a:off x="1136576" y="1412776"/>
-            <a:ext cx="6048672" cy="553998"/>
+            <a:off x="1208584" y="1199075"/>
+            <a:ext cx="3600400" cy="553998"/>
           </a:xfrm>
           <a:prstGeom prst="rect">
             <a:avLst/>
@@ -9873,40 +9711,30 @@
           </a:bodyPr>
           <a:lstStyle/>
           <a:p>
-            <a:pPr marL="342900" indent="-342900">
+            <a:pPr>
               <a:lnSpc>
                 <a:spcPct val="150000"/>
               </a:lnSpc>
-              <a:buFont typeface="Wingdings" panose="05000000000000000000" pitchFamily="2" charset="2"/>
-              <a:buChar char="ü"/>
             </a:pPr>
             <a:r>
+              <a:rPr lang="en-US" altLang="ko-KR" sz="2000" b="1" dirty="0" smtClean="0"/>
+              <a:t> </a:t>
+            </a:r>
+            <a:r>
               <a:rPr lang="ko-KR" altLang="en-US" sz="2000" b="1" dirty="0" smtClean="0"/>
-              <a:t>마우스를 클릭하</a:t>
-            </a:r>
-            <a:r>
-              <a:rPr lang="ko-KR" altLang="en-US" sz="2000" b="1" dirty="0"/>
-              <a:t>여</a:t>
-            </a:r>
-            <a:r>
-              <a:rPr lang="ko-KR" altLang="en-US" sz="2000" b="1" dirty="0" smtClean="0"/>
-              <a:t> </a:t>
-            </a:r>
-            <a:r>
-              <a:rPr lang="ko-KR" altLang="en-US" sz="2000" b="1" dirty="0" err="1" smtClean="0"/>
-              <a:t>글자색을</a:t>
-            </a:r>
-            <a:r>
-              <a:rPr lang="ko-KR" altLang="en-US" sz="2000" b="1" dirty="0" smtClean="0"/>
-              <a:t> 바꾸기 </a:t>
-            </a:r>
-            <a:endParaRPr lang="en-US" altLang="ko-KR" sz="2000" b="1" dirty="0" smtClean="0"/>
+              <a:t>나이 계산 프로그램</a:t>
+            </a:r>
+            <a:r>
+              <a:rPr lang="en-US" altLang="ko-KR" sz="2000" b="1" dirty="0" smtClean="0"/>
+              <a:t>.</a:t>
+            </a:r>
+            <a:endParaRPr lang="en-US" altLang="ko-KR" sz="2400" b="1" dirty="0" smtClean="0"/>
           </a:p>
         </p:txBody>
       </p:sp>
       <p:pic>
         <p:nvPicPr>
-          <p:cNvPr id="9" name="그림 8"/>
+          <p:cNvPr id="3" name="그림 2"/>
           <p:cNvPicPr>
             <a:picLocks noChangeAspect="1"/>
           </p:cNvPicPr>
@@ -9926,147 +9754,8 @@
         </p:blipFill>
         <p:spPr>
           <a:xfrm>
-            <a:off x="1712640" y="2144991"/>
-            <a:ext cx="2773921" cy="563929"/>
-          </a:xfrm>
-          <a:prstGeom prst="rect">
-            <a:avLst/>
-          </a:prstGeom>
-          <a:ln>
-            <a:noFill/>
-          </a:ln>
-        </p:spPr>
-      </p:pic>
-      <p:cxnSp>
-        <p:nvCxnSpPr>
-          <p:cNvPr id="11" name="직선 화살표 연결선 10"/>
-          <p:cNvCxnSpPr/>
-          <p:nvPr/>
-        </p:nvCxnSpPr>
-        <p:spPr>
-          <a:xfrm>
-            <a:off x="4592960" y="2408439"/>
-            <a:ext cx="932245" cy="0"/>
-          </a:xfrm>
-          <a:prstGeom prst="straightConnector1">
-            <a:avLst/>
-          </a:prstGeom>
-          <a:ln w="19050">
-            <a:solidFill>
-              <a:srgbClr val="C00000"/>
-            </a:solidFill>
-            <a:prstDash val="dash"/>
-            <a:tailEnd type="arrow"/>
-          </a:ln>
-        </p:spPr>
-        <p:style>
-          <a:lnRef idx="1">
-            <a:schemeClr val="accent1"/>
-          </a:lnRef>
-          <a:fillRef idx="0">
-            <a:schemeClr val="accent1"/>
-          </a:fillRef>
-          <a:effectRef idx="0">
-            <a:schemeClr val="accent1"/>
-          </a:effectRef>
-          <a:fontRef idx="minor">
-            <a:schemeClr val="tx1"/>
-          </a:fontRef>
-        </p:style>
-      </p:cxnSp>
-      <p:sp>
-        <p:nvSpPr>
-          <p:cNvPr id="12" name="TextBox 11"/>
-          <p:cNvSpPr txBox="1"/>
-          <p:nvPr/>
-        </p:nvSpPr>
-        <p:spPr>
-          <a:xfrm>
-            <a:off x="4508301" y="2539643"/>
-            <a:ext cx="1135540" cy="338554"/>
-          </a:xfrm>
-          <a:prstGeom prst="rect">
-            <a:avLst/>
-          </a:prstGeom>
-          <a:noFill/>
-        </p:spPr>
-        <p:txBody>
-          <a:bodyPr wrap="square" rtlCol="0">
-            <a:spAutoFit/>
-          </a:bodyPr>
-          <a:lstStyle/>
-          <a:p>
-            <a:pPr algn="ctr"/>
-            <a:r>
-              <a:rPr lang="en-US" altLang="ko-KR" sz="1600" b="1" dirty="0" err="1" smtClean="0">
-                <a:solidFill>
-                  <a:srgbClr val="C00000"/>
-                </a:solidFill>
-              </a:rPr>
-              <a:t>onclick</a:t>
-            </a:r>
-            <a:endParaRPr lang="ko-KR" altLang="en-US" sz="1600" b="1" dirty="0">
-              <a:solidFill>
-                <a:srgbClr val="C00000"/>
-              </a:solidFill>
-            </a:endParaRPr>
-          </a:p>
-        </p:txBody>
-      </p:sp>
-      <p:pic>
-        <p:nvPicPr>
-          <p:cNvPr id="3" name="그림 2"/>
-          <p:cNvPicPr>
-            <a:picLocks noChangeAspect="1"/>
-          </p:cNvPicPr>
-          <p:nvPr/>
-        </p:nvPicPr>
-        <p:blipFill>
-          <a:blip r:embed="rId3">
-            <a:extLst>
-              <a:ext uri="{28A0092B-C50C-407E-A947-70E740481C1C}">
-                <a14:useLocalDpi xmlns:a14="http://schemas.microsoft.com/office/drawing/2010/main" val="0"/>
-              </a:ext>
-            </a:extLst>
-          </a:blip>
-          <a:stretch>
-            <a:fillRect/>
-          </a:stretch>
-        </p:blipFill>
-        <p:spPr>
-          <a:xfrm>
-            <a:off x="5745088" y="2116490"/>
-            <a:ext cx="2933954" cy="678239"/>
-          </a:xfrm>
-          <a:prstGeom prst="rect">
-            <a:avLst/>
-          </a:prstGeom>
-        </p:spPr>
-      </p:pic>
-      <p:pic>
-        <p:nvPicPr>
-          <p:cNvPr id="5" name="그림 4"/>
-          <p:cNvPicPr>
-            <a:picLocks noChangeAspect="1"/>
-          </p:cNvPicPr>
-          <p:nvPr/>
-        </p:nvPicPr>
-        <p:blipFill>
-          <a:blip r:embed="rId4">
-            <a:extLst>
-              <a:ext uri="{28A0092B-C50C-407E-A947-70E740481C1C}">
-                <a14:useLocalDpi xmlns:a14="http://schemas.microsoft.com/office/drawing/2010/main" val="0"/>
-              </a:ext>
-            </a:extLst>
-          </a:blip>
-          <a:stretch>
-            <a:fillRect/>
-          </a:stretch>
-        </p:blipFill>
-        <p:spPr>
-          <a:xfrm>
-            <a:off x="1712640" y="3212976"/>
-            <a:ext cx="6624736" cy="1702581"/>
+            <a:off x="1496616" y="1899412"/>
+            <a:ext cx="5894593" cy="3759378"/>
           </a:xfrm>
           <a:prstGeom prst="rect">
             <a:avLst/>
@@ -10074,54 +9763,16 @@
           <a:ln>
             <a:solidFill>
               <a:schemeClr val="bg1">
-                <a:lumMod val="95000"/>
+                <a:lumMod val="85000"/>
               </a:schemeClr>
             </a:solidFill>
           </a:ln>
         </p:spPr>
       </p:pic>
-      <p:sp>
-        <p:nvSpPr>
-          <p:cNvPr id="10" name="TextBox 9"/>
-          <p:cNvSpPr txBox="1"/>
-          <p:nvPr/>
-        </p:nvSpPr>
-        <p:spPr>
-          <a:xfrm>
-            <a:off x="7761312" y="3573016"/>
-            <a:ext cx="1872208" cy="338554"/>
-          </a:xfrm>
-          <a:prstGeom prst="rect">
-            <a:avLst/>
-          </a:prstGeom>
-          <a:noFill/>
-        </p:spPr>
-        <p:txBody>
-          <a:bodyPr wrap="square" rtlCol="0">
-            <a:spAutoFit/>
-          </a:bodyPr>
-          <a:lstStyle/>
-          <a:p>
-            <a:r>
-              <a:rPr lang="en-US" altLang="ko-KR" sz="1600" dirty="0" smtClean="0">
-                <a:solidFill>
-                  <a:srgbClr val="FF0000"/>
-                </a:solidFill>
-              </a:rPr>
-              <a:t>changeText.html</a:t>
-            </a:r>
-            <a:endParaRPr lang="ko-KR" altLang="en-US" sz="1600" dirty="0">
-              <a:solidFill>
-                <a:srgbClr val="FF0000"/>
-              </a:solidFill>
-            </a:endParaRPr>
-          </a:p>
-        </p:txBody>
-      </p:sp>
     </p:spTree>
     <p:extLst>
       <p:ext uri="{BB962C8B-B14F-4D97-AF65-F5344CB8AC3E}">
-        <p14:creationId xmlns:p14="http://schemas.microsoft.com/office/powerpoint/2010/main" val="268095839"/>
+        <p14:creationId xmlns:p14="http://schemas.microsoft.com/office/powerpoint/2010/main" val="1535392449"/>
       </p:ext>
     </p:extLst>
   </p:cSld>
@@ -10179,30 +9830,21 @@
           <a:p>
             <a:pPr algn="ctr"/>
             <a:r>
-              <a:rPr lang="en-US" altLang="ko-KR" sz="2800" b="1" dirty="0" err="1" smtClean="0"/>
-              <a:t>getElementById</a:t>
-            </a:r>
-            <a:r>
-              <a:rPr lang="en-US" altLang="ko-KR" sz="2800" b="1" dirty="0" smtClean="0"/>
-              <a:t>()</a:t>
-            </a:r>
-            <a:r>
-              <a:rPr lang="ko-KR" altLang="en-US" sz="2800" b="1" dirty="0" smtClean="0"/>
-              <a:t>의 </a:t>
-            </a:r>
-            <a:r>
-              <a:rPr lang="en-US" altLang="ko-KR" sz="2800" b="1" dirty="0" smtClean="0"/>
-              <a:t>style </a:t>
-            </a:r>
-            <a:r>
-              <a:rPr lang="ko-KR" altLang="en-US" sz="2800" b="1" dirty="0" smtClean="0"/>
-              <a:t>속성</a:t>
-            </a:r>
-            <a:r>
-              <a:rPr lang="en-US" altLang="ko-KR" sz="2800" dirty="0" smtClean="0"/>
+              <a:rPr lang="ko-KR" altLang="en-US" sz="2800" b="1" dirty="0" smtClean="0">
+                <a:solidFill>
+                  <a:srgbClr val="C00000"/>
+                </a:solidFill>
+              </a:rPr>
+              <a:t>전역 변수</a:t>
+            </a:r>
+            <a:r>
+              <a:rPr lang="ko-KR" altLang="en-US" sz="2800" dirty="0" smtClean="0"/>
               <a:t> </a:t>
             </a:r>
-            <a:endParaRPr lang="ko-KR" altLang="en-US" sz="2800" dirty="0"/>
+            <a:r>
+              <a:rPr lang="ko-KR" altLang="en-US" sz="2800" dirty="0"/>
+              <a:t>사용</a:t>
+            </a:r>
           </a:p>
         </p:txBody>
       </p:sp>
@@ -10231,14 +9873,14 @@
       </p:sp>
       <p:sp>
         <p:nvSpPr>
-          <p:cNvPr id="14" name="TextBox 13"/>
+          <p:cNvPr id="5" name="TextBox 4"/>
           <p:cNvSpPr txBox="1"/>
           <p:nvPr/>
         </p:nvSpPr>
         <p:spPr>
           <a:xfrm>
-            <a:off x="1136576" y="1336993"/>
-            <a:ext cx="3888432" cy="507831"/>
+            <a:off x="1280592" y="1278322"/>
+            <a:ext cx="3600400" cy="553998"/>
           </a:xfrm>
           <a:prstGeom prst="rect">
             <a:avLst/>
@@ -10251,24 +9893,30 @@
           </a:bodyPr>
           <a:lstStyle/>
           <a:p>
-            <a:pPr>
+            <a:pPr marL="342900" indent="-342900">
               <a:lnSpc>
                 <a:spcPct val="150000"/>
               </a:lnSpc>
+              <a:buFont typeface="Wingdings" panose="05000000000000000000" pitchFamily="2" charset="2"/>
+              <a:buChar char="l"/>
             </a:pPr>
             <a:r>
-              <a:rPr lang="ko-KR" altLang="en-US" dirty="0"/>
-              <a:t> </a:t>
-            </a:r>
-            <a:r>
-              <a:rPr lang="en-US" altLang="ko-KR" dirty="0" smtClean="0"/>
-              <a:t>- </a:t>
-            </a:r>
-            <a:r>
-              <a:rPr lang="ko-KR" altLang="en-US" b="1" dirty="0" smtClean="0"/>
-              <a:t>버튼을 클릭하여 배경색 넣기</a:t>
-            </a:r>
-            <a:endParaRPr lang="en-US" altLang="ko-KR" b="1" dirty="0" smtClean="0"/>
+              <a:rPr lang="ko-KR" altLang="en-US" sz="2000" b="1" dirty="0" smtClean="0"/>
+              <a:t>버튼 클릭하면 </a:t>
+            </a:r>
+            <a:r>
+              <a:rPr lang="en-US" altLang="ko-KR" sz="2000" b="1" dirty="0" smtClean="0"/>
+              <a:t>1</a:t>
+            </a:r>
+            <a:r>
+              <a:rPr lang="ko-KR" altLang="en-US" sz="2000" b="1" dirty="0" smtClean="0"/>
+              <a:t>증가</a:t>
+            </a:r>
+            <a:r>
+              <a:rPr lang="en-US" altLang="ko-KR" sz="2000" b="1" dirty="0" smtClean="0"/>
+              <a:t>.</a:t>
+            </a:r>
+            <a:endParaRPr lang="en-US" altLang="ko-KR" sz="2400" b="1" dirty="0" smtClean="0"/>
           </a:p>
         </p:txBody>
       </p:sp>
@@ -10294,331 +9942,8 @@
         </p:blipFill>
         <p:spPr>
           <a:xfrm>
-            <a:off x="1424608" y="1978362"/>
-            <a:ext cx="3888432" cy="3569594"/>
-          </a:xfrm>
-          <a:prstGeom prst="rect">
-            <a:avLst/>
-          </a:prstGeom>
-          <a:ln>
-            <a:noFill/>
-          </a:ln>
-        </p:spPr>
-      </p:pic>
-      <p:sp>
-        <p:nvSpPr>
-          <p:cNvPr id="7" name="TextBox 6"/>
-          <p:cNvSpPr txBox="1"/>
-          <p:nvPr/>
-        </p:nvSpPr>
-        <p:spPr>
-          <a:xfrm>
-            <a:off x="5529064" y="2747496"/>
-            <a:ext cx="3456384" cy="2031325"/>
-          </a:xfrm>
-          <a:prstGeom prst="rect">
-            <a:avLst/>
-          </a:prstGeom>
-          <a:noFill/>
-        </p:spPr>
-        <p:txBody>
-          <a:bodyPr wrap="square" rtlCol="0">
-            <a:spAutoFit/>
-          </a:bodyPr>
-          <a:lstStyle/>
-          <a:p>
-            <a:r>
-              <a:rPr lang="ko-KR" altLang="en-US" dirty="0">
-                <a:solidFill>
-                  <a:srgbClr val="C00000"/>
-                </a:solidFill>
-              </a:rPr>
-              <a:t>버튼은 </a:t>
-            </a:r>
-            <a:r>
-              <a:rPr lang="en-US" altLang="ko-KR" dirty="0">
-                <a:solidFill>
-                  <a:srgbClr val="C00000"/>
-                </a:solidFill>
-              </a:rPr>
-              <a:t>&lt;a&gt;</a:t>
-            </a:r>
-            <a:r>
-              <a:rPr lang="ko-KR" altLang="en-US" dirty="0">
-                <a:solidFill>
-                  <a:srgbClr val="C00000"/>
-                </a:solidFill>
-              </a:rPr>
-              <a:t>태그로 만들기</a:t>
-            </a:r>
-            <a:endParaRPr lang="en-US" altLang="ko-KR" dirty="0">
-              <a:solidFill>
-                <a:srgbClr val="C00000"/>
-              </a:solidFill>
-            </a:endParaRPr>
-          </a:p>
-          <a:p>
-            <a:endParaRPr lang="en-US" altLang="ko-KR" dirty="0"/>
-          </a:p>
-          <a:p>
-            <a:r>
-              <a:rPr lang="en-US" altLang="ko-KR" dirty="0" smtClean="0"/>
-              <a:t>Green</a:t>
-            </a:r>
-            <a:r>
-              <a:rPr lang="ko-KR" altLang="en-US" dirty="0" smtClean="0"/>
-              <a:t>을 클릭 </a:t>
-            </a:r>
-            <a:r>
-              <a:rPr lang="en-US" altLang="ko-KR" dirty="0" smtClean="0"/>
-              <a:t>-&gt; </a:t>
-            </a:r>
-            <a:r>
-              <a:rPr lang="ko-KR" altLang="en-US" dirty="0" smtClean="0"/>
-              <a:t>배경색 녹색</a:t>
-            </a:r>
-            <a:endParaRPr lang="en-US" altLang="ko-KR" dirty="0" smtClean="0"/>
-          </a:p>
-          <a:p>
-            <a:endParaRPr lang="en-US" altLang="ko-KR" dirty="0"/>
-          </a:p>
-          <a:p>
-            <a:r>
-              <a:rPr lang="en-US" altLang="ko-KR" dirty="0" smtClean="0"/>
-              <a:t>Black</a:t>
-            </a:r>
-            <a:r>
-              <a:rPr lang="ko-KR" altLang="en-US" dirty="0" smtClean="0"/>
-              <a:t>을 </a:t>
-            </a:r>
-            <a:r>
-              <a:rPr lang="ko-KR" altLang="en-US" dirty="0"/>
-              <a:t>클릭 </a:t>
-            </a:r>
-            <a:r>
-              <a:rPr lang="en-US" altLang="ko-KR" dirty="0"/>
-              <a:t>-&gt; </a:t>
-            </a:r>
-            <a:r>
-              <a:rPr lang="ko-KR" altLang="en-US" dirty="0"/>
-              <a:t>배경색 </a:t>
-            </a:r>
-            <a:r>
-              <a:rPr lang="ko-KR" altLang="en-US" dirty="0" smtClean="0"/>
-              <a:t>검정색</a:t>
-            </a:r>
-            <a:endParaRPr lang="en-US" altLang="ko-KR" dirty="0"/>
-          </a:p>
-          <a:p>
-            <a:endParaRPr lang="en-US" altLang="ko-KR" dirty="0" smtClean="0"/>
-          </a:p>
-          <a:p>
-            <a:r>
-              <a:rPr lang="en-US" altLang="ko-KR" dirty="0" smtClean="0"/>
-              <a:t>Pink</a:t>
-            </a:r>
-            <a:r>
-              <a:rPr lang="ko-KR" altLang="en-US" dirty="0" smtClean="0"/>
-              <a:t>를 </a:t>
-            </a:r>
-            <a:r>
-              <a:rPr lang="ko-KR" altLang="en-US" dirty="0"/>
-              <a:t>클릭 </a:t>
-            </a:r>
-            <a:r>
-              <a:rPr lang="en-US" altLang="ko-KR" dirty="0"/>
-              <a:t>-&gt; </a:t>
-            </a:r>
-            <a:r>
-              <a:rPr lang="ko-KR" altLang="en-US" dirty="0"/>
-              <a:t>배경색 </a:t>
-            </a:r>
-            <a:r>
-              <a:rPr lang="ko-KR" altLang="en-US" dirty="0" smtClean="0"/>
-              <a:t>분홍색</a:t>
-            </a:r>
-            <a:endParaRPr lang="en-US" altLang="ko-KR" dirty="0" smtClean="0"/>
-          </a:p>
-        </p:txBody>
-      </p:sp>
-    </p:spTree>
-    <p:extLst>
-      <p:ext uri="{BB962C8B-B14F-4D97-AF65-F5344CB8AC3E}">
-        <p14:creationId xmlns:p14="http://schemas.microsoft.com/office/powerpoint/2010/main" val="3661940421"/>
-      </p:ext>
-    </p:extLst>
-  </p:cSld>
-  <p:clrMapOvr>
-    <a:masterClrMapping/>
-  </p:clrMapOvr>
-  <p:timing>
-    <p:tnLst>
-      <p:par>
-        <p:cTn id="1" dur="indefinite" restart="never" nodeType="tmRoot"/>
-      </p:par>
-    </p:tnLst>
-  </p:timing>
-</p:sld>
-</file>
-
-<file path=ppt/slides/slide25.xml><?xml version="1.0" encoding="utf-8"?>
-<p:sld xmlns:a="http://schemas.openxmlformats.org/drawingml/2006/main" xmlns:r="http://schemas.openxmlformats.org/officeDocument/2006/relationships" xmlns:p="http://schemas.openxmlformats.org/presentationml/2006/main">
-  <p:cSld>
-    <p:spTree>
-      <p:nvGrpSpPr>
-        <p:cNvPr id="1" name=""/>
-        <p:cNvGrpSpPr/>
-        <p:nvPr/>
-      </p:nvGrpSpPr>
-      <p:grpSpPr>
-        <a:xfrm>
-          <a:off x="0" y="0"/>
-          <a:ext cx="0" cy="0"/>
-          <a:chOff x="0" y="0"/>
-          <a:chExt cx="0" cy="0"/>
-        </a:xfrm>
-      </p:grpSpPr>
-      <p:sp>
-        <p:nvSpPr>
-          <p:cNvPr id="2" name="제목 1"/>
-          <p:cNvSpPr>
-            <a:spLocks noGrp="1"/>
-          </p:cNvSpPr>
-          <p:nvPr>
-            <p:ph type="title"/>
-          </p:nvPr>
-        </p:nvSpPr>
-        <p:spPr>
-          <a:xfrm>
-            <a:off x="416497" y="197768"/>
-            <a:ext cx="6412780" cy="854968"/>
-          </a:xfrm>
-        </p:spPr>
-        <p:txBody>
-          <a:bodyPr>
-            <a:noAutofit/>
-          </a:bodyPr>
-          <a:lstStyle/>
-          <a:p>
-            <a:pPr algn="ctr"/>
-            <a:r>
-              <a:rPr lang="en-US" altLang="ko-KR" sz="2800" b="1" dirty="0" err="1" smtClean="0"/>
-              <a:t>getElementById</a:t>
-            </a:r>
-            <a:r>
-              <a:rPr lang="en-US" altLang="ko-KR" sz="2800" b="1" dirty="0" smtClean="0"/>
-              <a:t>()</a:t>
-            </a:r>
-            <a:r>
-              <a:rPr lang="ko-KR" altLang="en-US" sz="2800" b="1" dirty="0" smtClean="0"/>
-              <a:t>의 </a:t>
-            </a:r>
-            <a:r>
-              <a:rPr lang="en-US" altLang="ko-KR" sz="2800" b="1" dirty="0" smtClean="0"/>
-              <a:t>style </a:t>
-            </a:r>
-            <a:r>
-              <a:rPr lang="ko-KR" altLang="en-US" sz="2800" b="1" dirty="0" smtClean="0"/>
-              <a:t>속성</a:t>
-            </a:r>
-            <a:r>
-              <a:rPr lang="en-US" altLang="ko-KR" sz="2800" dirty="0" smtClean="0"/>
-              <a:t> </a:t>
-            </a:r>
-            <a:endParaRPr lang="ko-KR" altLang="en-US" sz="2800" dirty="0"/>
-          </a:p>
-        </p:txBody>
-      </p:sp>
-      <p:sp>
-        <p:nvSpPr>
-          <p:cNvPr id="4" name="슬라이드 번호 개체 틀 3"/>
-          <p:cNvSpPr>
-            <a:spLocks noGrp="1"/>
-          </p:cNvSpPr>
-          <p:nvPr>
-            <p:ph type="sldNum" sz="quarter" idx="12"/>
-          </p:nvPr>
-        </p:nvSpPr>
-        <p:spPr/>
-        <p:txBody>
-          <a:bodyPr/>
-          <a:lstStyle/>
-          <a:p>
-            <a:fld id="{1BDE3FE7-3AEA-4B05-AC5A-802D1816ACF0}" type="slidenum">
-              <a:rPr lang="ko-KR" altLang="en-US" smtClean="0"/>
-              <a:t>25</a:t>
-            </a:fld>
-            <a:endParaRPr lang="ko-KR" altLang="en-US"/>
-          </a:p>
-        </p:txBody>
-      </p:sp>
-      <p:sp>
-        <p:nvSpPr>
-          <p:cNvPr id="14" name="TextBox 13"/>
-          <p:cNvSpPr txBox="1"/>
-          <p:nvPr/>
-        </p:nvSpPr>
-        <p:spPr>
-          <a:xfrm>
-            <a:off x="920552" y="1264985"/>
-            <a:ext cx="3888432" cy="507831"/>
-          </a:xfrm>
-          <a:prstGeom prst="rect">
-            <a:avLst/>
-          </a:prstGeom>
-          <a:noFill/>
-        </p:spPr>
-        <p:txBody>
-          <a:bodyPr wrap="square" rtlCol="0">
-            <a:spAutoFit/>
-          </a:bodyPr>
-          <a:lstStyle/>
-          <a:p>
-            <a:pPr>
-              <a:lnSpc>
-                <a:spcPct val="150000"/>
-              </a:lnSpc>
-            </a:pPr>
-            <a:r>
-              <a:rPr lang="ko-KR" altLang="en-US" dirty="0"/>
-              <a:t> </a:t>
-            </a:r>
-            <a:r>
-              <a:rPr lang="en-US" altLang="ko-KR" dirty="0" smtClean="0"/>
-              <a:t>- </a:t>
-            </a:r>
-            <a:r>
-              <a:rPr lang="ko-KR" altLang="en-US" b="1" dirty="0" smtClean="0"/>
-              <a:t>버튼을 클릭하여 배경색 넣기</a:t>
-            </a:r>
-            <a:endParaRPr lang="en-US" altLang="ko-KR" b="1" dirty="0" smtClean="0"/>
-          </a:p>
-        </p:txBody>
-      </p:sp>
-      <p:pic>
-        <p:nvPicPr>
-          <p:cNvPr id="7" name="그림 6"/>
-          <p:cNvPicPr>
-            <a:picLocks noChangeAspect="1"/>
-          </p:cNvPicPr>
-          <p:nvPr/>
-        </p:nvPicPr>
-        <p:blipFill>
-          <a:blip r:embed="rId2">
-            <a:extLst>
-              <a:ext uri="{28A0092B-C50C-407E-A947-70E740481C1C}">
-                <a14:useLocalDpi xmlns:a14="http://schemas.microsoft.com/office/drawing/2010/main" val="0"/>
-              </a:ext>
-            </a:extLst>
-          </a:blip>
-          <a:stretch>
-            <a:fillRect/>
-          </a:stretch>
-        </p:blipFill>
-        <p:spPr>
-          <a:xfrm>
-            <a:off x="1833101" y="1772816"/>
-            <a:ext cx="5503271" cy="4752529"/>
+            <a:off x="1606388" y="2060848"/>
+            <a:ext cx="2551229" cy="1656184"/>
           </a:xfrm>
           <a:prstGeom prst="rect">
             <a:avLst/>
@@ -10632,712 +9957,9 @@
           </a:ln>
         </p:spPr>
       </p:pic>
-      <p:sp>
-        <p:nvSpPr>
-          <p:cNvPr id="5" name="TextBox 4"/>
-          <p:cNvSpPr txBox="1"/>
-          <p:nvPr/>
-        </p:nvSpPr>
-        <p:spPr>
-          <a:xfrm>
-            <a:off x="6609184" y="1962100"/>
-            <a:ext cx="1800200" cy="338554"/>
-          </a:xfrm>
-          <a:prstGeom prst="rect">
-            <a:avLst/>
-          </a:prstGeom>
-          <a:noFill/>
-        </p:spPr>
-        <p:txBody>
-          <a:bodyPr wrap="square" rtlCol="0">
-            <a:spAutoFit/>
-          </a:bodyPr>
-          <a:lstStyle/>
-          <a:p>
-            <a:r>
-              <a:rPr lang="en-US" altLang="ko-KR" sz="1600" dirty="0">
-                <a:solidFill>
-                  <a:srgbClr val="FF0000"/>
-                </a:solidFill>
-              </a:rPr>
-              <a:t>c</a:t>
-            </a:r>
-            <a:r>
-              <a:rPr lang="en-US" altLang="ko-KR" sz="1600" dirty="0" smtClean="0">
-                <a:solidFill>
-                  <a:srgbClr val="FF0000"/>
-                </a:solidFill>
-              </a:rPr>
-              <a:t>hangebg.html</a:t>
-            </a:r>
-            <a:endParaRPr lang="ko-KR" altLang="en-US" sz="1600" dirty="0">
-              <a:solidFill>
-                <a:srgbClr val="FF0000"/>
-              </a:solidFill>
-            </a:endParaRPr>
-          </a:p>
-        </p:txBody>
-      </p:sp>
-    </p:spTree>
-    <p:extLst>
-      <p:ext uri="{BB962C8B-B14F-4D97-AF65-F5344CB8AC3E}">
-        <p14:creationId xmlns:p14="http://schemas.microsoft.com/office/powerpoint/2010/main" val="2420352325"/>
-      </p:ext>
-    </p:extLst>
-  </p:cSld>
-  <p:clrMapOvr>
-    <a:masterClrMapping/>
-  </p:clrMapOvr>
-  <p:timing>
-    <p:tnLst>
-      <p:par>
-        <p:cTn id="1" dur="indefinite" restart="never" nodeType="tmRoot"/>
-      </p:par>
-    </p:tnLst>
-  </p:timing>
-</p:sld>
-</file>
-
-<file path=ppt/slides/slide26.xml><?xml version="1.0" encoding="utf-8"?>
-<p:sld xmlns:a="http://schemas.openxmlformats.org/drawingml/2006/main" xmlns:r="http://schemas.openxmlformats.org/officeDocument/2006/relationships" xmlns:p="http://schemas.openxmlformats.org/presentationml/2006/main">
-  <p:cSld>
-    <p:spTree>
-      <p:nvGrpSpPr>
-        <p:cNvPr id="1" name=""/>
-        <p:cNvGrpSpPr/>
-        <p:nvPr/>
-      </p:nvGrpSpPr>
-      <p:grpSpPr>
-        <a:xfrm>
-          <a:off x="0" y="0"/>
-          <a:ext cx="0" cy="0"/>
-          <a:chOff x="0" y="0"/>
-          <a:chExt cx="0" cy="0"/>
-        </a:xfrm>
-      </p:grpSpPr>
-      <p:sp>
-        <p:nvSpPr>
-          <p:cNvPr id="2" name="제목 1"/>
-          <p:cNvSpPr>
-            <a:spLocks noGrp="1"/>
-          </p:cNvSpPr>
-          <p:nvPr>
-            <p:ph type="title"/>
-          </p:nvPr>
-        </p:nvSpPr>
-        <p:spPr>
-          <a:xfrm>
-            <a:off x="416497" y="197768"/>
-            <a:ext cx="6412780" cy="854968"/>
-          </a:xfrm>
-        </p:spPr>
-        <p:txBody>
-          <a:bodyPr>
-            <a:noAutofit/>
-          </a:bodyPr>
-          <a:lstStyle/>
-          <a:p>
-            <a:pPr algn="ctr"/>
-            <a:r>
-              <a:rPr lang="en-US" altLang="ko-KR" sz="2800" b="1" dirty="0" err="1"/>
-              <a:t>getElementById</a:t>
-            </a:r>
-            <a:r>
-              <a:rPr lang="en-US" altLang="ko-KR" sz="2800" b="1" dirty="0"/>
-              <a:t>()</a:t>
-            </a:r>
-            <a:r>
-              <a:rPr lang="ko-KR" altLang="en-US" sz="2800" b="1" dirty="0"/>
-              <a:t>의 </a:t>
-            </a:r>
-            <a:r>
-              <a:rPr lang="en-US" altLang="ko-KR" sz="2800" b="1" dirty="0"/>
-              <a:t>style </a:t>
-            </a:r>
-            <a:r>
-              <a:rPr lang="ko-KR" altLang="en-US" sz="2800" b="1" dirty="0"/>
-              <a:t>속성</a:t>
-            </a:r>
-            <a:r>
-              <a:rPr lang="en-US" altLang="ko-KR" sz="2800" dirty="0"/>
-              <a:t> </a:t>
-            </a:r>
-            <a:endParaRPr lang="ko-KR" altLang="en-US" sz="2800" dirty="0"/>
-          </a:p>
-        </p:txBody>
-      </p:sp>
-      <p:sp>
-        <p:nvSpPr>
-          <p:cNvPr id="4" name="슬라이드 번호 개체 틀 3"/>
-          <p:cNvSpPr>
-            <a:spLocks noGrp="1"/>
-          </p:cNvSpPr>
-          <p:nvPr>
-            <p:ph type="sldNum" sz="quarter" idx="12"/>
-          </p:nvPr>
-        </p:nvSpPr>
-        <p:spPr/>
-        <p:txBody>
-          <a:bodyPr/>
-          <a:lstStyle/>
-          <a:p>
-            <a:fld id="{1BDE3FE7-3AEA-4B05-AC5A-802D1816ACF0}" type="slidenum">
-              <a:rPr lang="ko-KR" altLang="en-US" smtClean="0"/>
-              <a:t>26</a:t>
-            </a:fld>
-            <a:endParaRPr lang="ko-KR" altLang="en-US"/>
-          </a:p>
-        </p:txBody>
-      </p:sp>
       <p:pic>
         <p:nvPicPr>
-          <p:cNvPr id="3" name="그림 2"/>
-          <p:cNvPicPr>
-            <a:picLocks noChangeAspect="1"/>
-          </p:cNvPicPr>
-          <p:nvPr/>
-        </p:nvPicPr>
-        <p:blipFill>
-          <a:blip r:embed="rId2">
-            <a:extLst>
-              <a:ext uri="{28A0092B-C50C-407E-A947-70E740481C1C}">
-                <a14:useLocalDpi xmlns:a14="http://schemas.microsoft.com/office/drawing/2010/main" val="0"/>
-              </a:ext>
-            </a:extLst>
-          </a:blip>
-          <a:stretch>
-            <a:fillRect/>
-          </a:stretch>
-        </p:blipFill>
-        <p:spPr>
-          <a:xfrm>
-            <a:off x="1519917" y="1613665"/>
-            <a:ext cx="5806944" cy="4023709"/>
-          </a:xfrm>
-          <a:prstGeom prst="rect">
-            <a:avLst/>
-          </a:prstGeom>
-          <a:ln>
-            <a:solidFill>
-              <a:schemeClr val="bg1">
-                <a:lumMod val="85000"/>
-              </a:schemeClr>
-            </a:solidFill>
-          </a:ln>
-        </p:spPr>
-      </p:pic>
-      <p:sp>
-        <p:nvSpPr>
-          <p:cNvPr id="6" name="TextBox 5"/>
-          <p:cNvSpPr txBox="1"/>
-          <p:nvPr/>
-        </p:nvSpPr>
-        <p:spPr>
-          <a:xfrm>
-            <a:off x="6609184" y="2420888"/>
-            <a:ext cx="1368152" cy="338554"/>
-          </a:xfrm>
-          <a:prstGeom prst="rect">
-            <a:avLst/>
-          </a:prstGeom>
-          <a:noFill/>
-        </p:spPr>
-        <p:txBody>
-          <a:bodyPr wrap="square" rtlCol="0">
-            <a:spAutoFit/>
-          </a:bodyPr>
-          <a:lstStyle/>
-          <a:p>
-            <a:r>
-              <a:rPr lang="en-US" altLang="ko-KR" sz="1600" dirty="0">
-                <a:solidFill>
-                  <a:srgbClr val="FF0000"/>
-                </a:solidFill>
-              </a:rPr>
-              <a:t>b</a:t>
-            </a:r>
-            <a:r>
-              <a:rPr lang="en-US" altLang="ko-KR" sz="1600" dirty="0" smtClean="0">
-                <a:solidFill>
-                  <a:srgbClr val="FF0000"/>
-                </a:solidFill>
-              </a:rPr>
-              <a:t>g_color.css</a:t>
-            </a:r>
-            <a:endParaRPr lang="ko-KR" altLang="en-US" sz="1600" dirty="0">
-              <a:solidFill>
-                <a:srgbClr val="FF0000"/>
-              </a:solidFill>
-            </a:endParaRPr>
-          </a:p>
-        </p:txBody>
-      </p:sp>
-    </p:spTree>
-    <p:extLst>
-      <p:ext uri="{BB962C8B-B14F-4D97-AF65-F5344CB8AC3E}">
-        <p14:creationId xmlns:p14="http://schemas.microsoft.com/office/powerpoint/2010/main" val="2761823982"/>
-      </p:ext>
-    </p:extLst>
-  </p:cSld>
-  <p:clrMapOvr>
-    <a:masterClrMapping/>
-  </p:clrMapOvr>
-  <p:timing>
-    <p:tnLst>
-      <p:par>
-        <p:cTn id="1" dur="indefinite" restart="never" nodeType="tmRoot"/>
-      </p:par>
-    </p:tnLst>
-  </p:timing>
-</p:sld>
-</file>
-
-<file path=ppt/slides/slide27.xml><?xml version="1.0" encoding="utf-8"?>
-<p:sld xmlns:a="http://schemas.openxmlformats.org/drawingml/2006/main" xmlns:r="http://schemas.openxmlformats.org/officeDocument/2006/relationships" xmlns:p="http://schemas.openxmlformats.org/presentationml/2006/main">
-  <p:cSld>
-    <p:spTree>
-      <p:nvGrpSpPr>
-        <p:cNvPr id="1" name=""/>
-        <p:cNvGrpSpPr/>
-        <p:nvPr/>
-      </p:nvGrpSpPr>
-      <p:grpSpPr>
-        <a:xfrm>
-          <a:off x="0" y="0"/>
-          <a:ext cx="0" cy="0"/>
-          <a:chOff x="0" y="0"/>
-          <a:chExt cx="0" cy="0"/>
-        </a:xfrm>
-      </p:grpSpPr>
-      <p:sp>
-        <p:nvSpPr>
-          <p:cNvPr id="2" name="제목 1"/>
-          <p:cNvSpPr>
-            <a:spLocks noGrp="1"/>
-          </p:cNvSpPr>
-          <p:nvPr>
-            <p:ph type="title"/>
-          </p:nvPr>
-        </p:nvSpPr>
-        <p:spPr>
-          <a:xfrm>
-            <a:off x="416497" y="197768"/>
-            <a:ext cx="6412780" cy="854968"/>
-          </a:xfrm>
-        </p:spPr>
-        <p:txBody>
-          <a:bodyPr>
-            <a:noAutofit/>
-          </a:bodyPr>
-          <a:lstStyle/>
-          <a:p>
-            <a:pPr algn="ctr"/>
-            <a:r>
-              <a:rPr lang="en-US" altLang="ko-KR" sz="2800" b="1" dirty="0" err="1"/>
-              <a:t>getElementById</a:t>
-            </a:r>
-            <a:r>
-              <a:rPr lang="en-US" altLang="ko-KR" sz="2800" b="1" dirty="0"/>
-              <a:t>()</a:t>
-            </a:r>
-            <a:r>
-              <a:rPr lang="ko-KR" altLang="en-US" sz="2800" b="1" dirty="0"/>
-              <a:t>의 </a:t>
-            </a:r>
-            <a:r>
-              <a:rPr lang="en-US" altLang="ko-KR" sz="2800" b="1" dirty="0" smtClean="0"/>
-              <a:t>display </a:t>
-            </a:r>
-            <a:r>
-              <a:rPr lang="ko-KR" altLang="en-US" sz="2800" b="1" dirty="0"/>
-              <a:t>속성</a:t>
-            </a:r>
-            <a:r>
-              <a:rPr lang="en-US" altLang="ko-KR" sz="2800" dirty="0"/>
-              <a:t> </a:t>
-            </a:r>
-            <a:endParaRPr lang="ko-KR" altLang="en-US" sz="2800" dirty="0"/>
-          </a:p>
-        </p:txBody>
-      </p:sp>
-      <p:sp>
-        <p:nvSpPr>
-          <p:cNvPr id="4" name="슬라이드 번호 개체 틀 3"/>
-          <p:cNvSpPr>
-            <a:spLocks noGrp="1"/>
-          </p:cNvSpPr>
-          <p:nvPr>
-            <p:ph type="sldNum" sz="quarter" idx="12"/>
-          </p:nvPr>
-        </p:nvSpPr>
-        <p:spPr/>
-        <p:txBody>
-          <a:bodyPr/>
-          <a:lstStyle/>
-          <a:p>
-            <a:fld id="{1BDE3FE7-3AEA-4B05-AC5A-802D1816ACF0}" type="slidenum">
-              <a:rPr lang="ko-KR" altLang="en-US" smtClean="0"/>
-              <a:t>27</a:t>
-            </a:fld>
-            <a:endParaRPr lang="ko-KR" altLang="en-US"/>
-          </a:p>
-        </p:txBody>
-      </p:sp>
-      <p:sp>
-        <p:nvSpPr>
-          <p:cNvPr id="14" name="TextBox 13"/>
-          <p:cNvSpPr txBox="1"/>
-          <p:nvPr/>
-        </p:nvSpPr>
-        <p:spPr>
-          <a:xfrm>
-            <a:off x="870050" y="1268760"/>
-            <a:ext cx="8331422" cy="1015663"/>
-          </a:xfrm>
-          <a:prstGeom prst="rect">
-            <a:avLst/>
-          </a:prstGeom>
-          <a:noFill/>
-        </p:spPr>
-        <p:txBody>
-          <a:bodyPr wrap="square" rtlCol="0">
-            <a:spAutoFit/>
-          </a:bodyPr>
-          <a:lstStyle/>
-          <a:p>
-            <a:pPr marL="342900" indent="-342900">
-              <a:lnSpc>
-                <a:spcPct val="150000"/>
-              </a:lnSpc>
-              <a:buFont typeface="Wingdings" panose="05000000000000000000" pitchFamily="2" charset="2"/>
-              <a:buChar char="l"/>
-            </a:pPr>
-            <a:r>
-              <a:rPr lang="ko-KR" altLang="en-US" sz="2000" b="1" dirty="0" smtClean="0"/>
-              <a:t>이미지 숨기기</a:t>
-            </a:r>
-            <a:r>
-              <a:rPr lang="en-US" altLang="ko-KR" sz="2000" b="1" dirty="0" smtClean="0"/>
-              <a:t>/</a:t>
-            </a:r>
-            <a:r>
-              <a:rPr lang="ko-KR" altLang="en-US" sz="2000" b="1" dirty="0" smtClean="0"/>
-              <a:t>보이기</a:t>
-            </a:r>
-            <a:endParaRPr lang="en-US" altLang="ko-KR" sz="2000" b="1" dirty="0" smtClean="0"/>
-          </a:p>
-          <a:p>
-            <a:pPr>
-              <a:lnSpc>
-                <a:spcPct val="150000"/>
-              </a:lnSpc>
-            </a:pPr>
-            <a:r>
-              <a:rPr lang="en-US" altLang="ko-KR" sz="2000" b="1" dirty="0"/>
-              <a:t> </a:t>
-            </a:r>
-            <a:r>
-              <a:rPr lang="en-US" altLang="ko-KR" sz="2000" b="1" dirty="0" smtClean="0"/>
-              <a:t>  </a:t>
-            </a:r>
-            <a:r>
-              <a:rPr lang="ko-KR" altLang="en-US" dirty="0" smtClean="0"/>
-              <a:t>보이기 </a:t>
-            </a:r>
-            <a:r>
-              <a:rPr lang="en-US" altLang="ko-KR" dirty="0" smtClean="0"/>
-              <a:t>– </a:t>
-            </a:r>
-            <a:r>
-              <a:rPr lang="en-US" altLang="ko-KR" b="1" dirty="0" err="1" smtClean="0">
-                <a:solidFill>
-                  <a:srgbClr val="C00000"/>
-                </a:solidFill>
-              </a:rPr>
-              <a:t>style.display</a:t>
-            </a:r>
-            <a:r>
-              <a:rPr lang="en-US" altLang="ko-KR" b="1" dirty="0" smtClean="0">
-                <a:solidFill>
-                  <a:srgbClr val="C00000"/>
-                </a:solidFill>
-              </a:rPr>
-              <a:t> = ‘block’</a:t>
-            </a:r>
-            <a:r>
-              <a:rPr lang="en-US" altLang="ko-KR" dirty="0" smtClean="0"/>
-              <a:t>,  </a:t>
-            </a:r>
-            <a:r>
-              <a:rPr lang="ko-KR" altLang="en-US" dirty="0" smtClean="0"/>
-              <a:t>숨기기 </a:t>
-            </a:r>
-            <a:r>
-              <a:rPr lang="en-US" altLang="ko-KR" dirty="0" smtClean="0"/>
-              <a:t>– </a:t>
-            </a:r>
-            <a:r>
-              <a:rPr lang="en-US" altLang="ko-KR" b="1" dirty="0" err="1" smtClean="0">
-                <a:solidFill>
-                  <a:srgbClr val="C00000"/>
-                </a:solidFill>
-              </a:rPr>
-              <a:t>style.display</a:t>
-            </a:r>
-            <a:r>
-              <a:rPr lang="en-US" altLang="ko-KR" b="1" dirty="0" smtClean="0">
-                <a:solidFill>
-                  <a:srgbClr val="C00000"/>
-                </a:solidFill>
-              </a:rPr>
-              <a:t> = ‘none’</a:t>
-            </a:r>
-            <a:r>
-              <a:rPr lang="ko-KR" altLang="en-US" b="1" dirty="0" smtClean="0">
-                <a:solidFill>
-                  <a:srgbClr val="C00000"/>
-                </a:solidFill>
-              </a:rPr>
-              <a:t> </a:t>
-            </a:r>
-            <a:endParaRPr lang="en-US" altLang="ko-KR" b="1" dirty="0" smtClean="0">
-              <a:solidFill>
-                <a:srgbClr val="C00000"/>
-              </a:solidFill>
-            </a:endParaRPr>
-          </a:p>
-        </p:txBody>
-      </p:sp>
-      <p:pic>
-        <p:nvPicPr>
-          <p:cNvPr id="5" name="그림 4"/>
-          <p:cNvPicPr>
-            <a:picLocks noChangeAspect="1"/>
-          </p:cNvPicPr>
-          <p:nvPr/>
-        </p:nvPicPr>
-        <p:blipFill>
-          <a:blip r:embed="rId2">
-            <a:extLst>
-              <a:ext uri="{28A0092B-C50C-407E-A947-70E740481C1C}">
-                <a14:useLocalDpi xmlns:a14="http://schemas.microsoft.com/office/drawing/2010/main" val="0"/>
-              </a:ext>
-            </a:extLst>
-          </a:blip>
-          <a:stretch>
-            <a:fillRect/>
-          </a:stretch>
-        </p:blipFill>
-        <p:spPr>
-          <a:xfrm>
-            <a:off x="2432720" y="2477209"/>
-            <a:ext cx="4104455" cy="3611639"/>
-          </a:xfrm>
-          <a:prstGeom prst="rect">
-            <a:avLst/>
-          </a:prstGeom>
-          <a:ln>
-            <a:noFill/>
-          </a:ln>
-        </p:spPr>
-      </p:pic>
-    </p:spTree>
-    <p:extLst>
-      <p:ext uri="{BB962C8B-B14F-4D97-AF65-F5344CB8AC3E}">
-        <p14:creationId xmlns:p14="http://schemas.microsoft.com/office/powerpoint/2010/main" val="3297887948"/>
-      </p:ext>
-    </p:extLst>
-  </p:cSld>
-  <p:clrMapOvr>
-    <a:masterClrMapping/>
-  </p:clrMapOvr>
-  <p:timing>
-    <p:tnLst>
-      <p:par>
-        <p:cTn id="1" dur="indefinite" restart="never" nodeType="tmRoot"/>
-      </p:par>
-    </p:tnLst>
-  </p:timing>
-</p:sld>
-</file>
-
-<file path=ppt/slides/slide28.xml><?xml version="1.0" encoding="utf-8"?>
-<p:sld xmlns:a="http://schemas.openxmlformats.org/drawingml/2006/main" xmlns:r="http://schemas.openxmlformats.org/officeDocument/2006/relationships" xmlns:p="http://schemas.openxmlformats.org/presentationml/2006/main">
-  <p:cSld>
-    <p:spTree>
-      <p:nvGrpSpPr>
-        <p:cNvPr id="1" name=""/>
-        <p:cNvGrpSpPr/>
-        <p:nvPr/>
-      </p:nvGrpSpPr>
-      <p:grpSpPr>
-        <a:xfrm>
-          <a:off x="0" y="0"/>
-          <a:ext cx="0" cy="0"/>
-          <a:chOff x="0" y="0"/>
-          <a:chExt cx="0" cy="0"/>
-        </a:xfrm>
-      </p:grpSpPr>
-      <p:sp>
-        <p:nvSpPr>
-          <p:cNvPr id="2" name="제목 1"/>
-          <p:cNvSpPr>
-            <a:spLocks noGrp="1"/>
-          </p:cNvSpPr>
-          <p:nvPr>
-            <p:ph type="title"/>
-          </p:nvPr>
-        </p:nvSpPr>
-        <p:spPr>
-          <a:xfrm>
-            <a:off x="416497" y="197768"/>
-            <a:ext cx="6412780" cy="854968"/>
-          </a:xfrm>
-        </p:spPr>
-        <p:txBody>
-          <a:bodyPr>
-            <a:noAutofit/>
-          </a:bodyPr>
-          <a:lstStyle/>
-          <a:p>
-            <a:pPr algn="ctr"/>
-            <a:r>
-              <a:rPr lang="en-US" altLang="ko-KR" sz="2800" b="1" dirty="0" err="1"/>
-              <a:t>getElementById</a:t>
-            </a:r>
-            <a:r>
-              <a:rPr lang="en-US" altLang="ko-KR" sz="2800" b="1" dirty="0"/>
-              <a:t>()</a:t>
-            </a:r>
-            <a:r>
-              <a:rPr lang="ko-KR" altLang="en-US" sz="2800" b="1" dirty="0"/>
-              <a:t>의 </a:t>
-            </a:r>
-            <a:r>
-              <a:rPr lang="en-US" altLang="ko-KR" sz="2800" b="1" dirty="0"/>
-              <a:t>display </a:t>
-            </a:r>
-            <a:r>
-              <a:rPr lang="ko-KR" altLang="en-US" sz="2800" b="1" dirty="0"/>
-              <a:t>속성</a:t>
-            </a:r>
-            <a:r>
-              <a:rPr lang="en-US" altLang="ko-KR" sz="2800" dirty="0"/>
-              <a:t> </a:t>
-            </a:r>
-            <a:endParaRPr lang="ko-KR" altLang="en-US" sz="2800" dirty="0"/>
-          </a:p>
-        </p:txBody>
-      </p:sp>
-      <p:sp>
-        <p:nvSpPr>
-          <p:cNvPr id="4" name="슬라이드 번호 개체 틀 3"/>
-          <p:cNvSpPr>
-            <a:spLocks noGrp="1"/>
-          </p:cNvSpPr>
-          <p:nvPr>
-            <p:ph type="sldNum" sz="quarter" idx="12"/>
-          </p:nvPr>
-        </p:nvSpPr>
-        <p:spPr/>
-        <p:txBody>
-          <a:bodyPr/>
-          <a:lstStyle/>
-          <a:p>
-            <a:fld id="{1BDE3FE7-3AEA-4B05-AC5A-802D1816ACF0}" type="slidenum">
-              <a:rPr lang="ko-KR" altLang="en-US" smtClean="0"/>
-              <a:t>28</a:t>
-            </a:fld>
-            <a:endParaRPr lang="ko-KR" altLang="en-US"/>
-          </a:p>
-        </p:txBody>
-      </p:sp>
-      <p:pic>
-        <p:nvPicPr>
-          <p:cNvPr id="5" name="그림 4"/>
-          <p:cNvPicPr>
-            <a:picLocks noChangeAspect="1"/>
-          </p:cNvPicPr>
-          <p:nvPr/>
-        </p:nvPicPr>
-        <p:blipFill>
-          <a:blip r:embed="rId2">
-            <a:extLst>
-              <a:ext uri="{28A0092B-C50C-407E-A947-70E740481C1C}">
-                <a14:useLocalDpi xmlns:a14="http://schemas.microsoft.com/office/drawing/2010/main" val="0"/>
-              </a:ext>
-            </a:extLst>
-          </a:blip>
-          <a:stretch>
-            <a:fillRect/>
-          </a:stretch>
-        </p:blipFill>
-        <p:spPr>
-          <a:xfrm>
-            <a:off x="1208584" y="1484784"/>
-            <a:ext cx="5357340" cy="3576162"/>
-          </a:xfrm>
-          <a:prstGeom prst="rect">
-            <a:avLst/>
-          </a:prstGeom>
-          <a:ln>
-            <a:solidFill>
-              <a:schemeClr val="bg1">
-                <a:lumMod val="85000"/>
-              </a:schemeClr>
-            </a:solidFill>
-          </a:ln>
-        </p:spPr>
-      </p:pic>
-      <p:sp>
-        <p:nvSpPr>
-          <p:cNvPr id="7" name="TextBox 6"/>
-          <p:cNvSpPr txBox="1"/>
-          <p:nvPr/>
-        </p:nvSpPr>
-        <p:spPr>
-          <a:xfrm>
-            <a:off x="5961112" y="1656519"/>
-            <a:ext cx="1728192" cy="338554"/>
-          </a:xfrm>
-          <a:prstGeom prst="rect">
-            <a:avLst/>
-          </a:prstGeom>
-          <a:noFill/>
-        </p:spPr>
-        <p:txBody>
-          <a:bodyPr wrap="square" rtlCol="0">
-            <a:spAutoFit/>
-          </a:bodyPr>
-          <a:lstStyle/>
-          <a:p>
-            <a:r>
-              <a:rPr lang="en-US" altLang="ko-KR" sz="1600" dirty="0">
-                <a:solidFill>
-                  <a:srgbClr val="FF0000"/>
-                </a:solidFill>
-              </a:rPr>
-              <a:t>s</a:t>
-            </a:r>
-            <a:r>
-              <a:rPr lang="en-US" altLang="ko-KR" sz="1600" dirty="0" smtClean="0">
-                <a:solidFill>
-                  <a:srgbClr val="FF0000"/>
-                </a:solidFill>
-              </a:rPr>
-              <a:t>how-hide.html</a:t>
-            </a:r>
-            <a:endParaRPr lang="ko-KR" altLang="en-US" sz="1600" dirty="0">
-              <a:solidFill>
-                <a:srgbClr val="FF0000"/>
-              </a:solidFill>
-            </a:endParaRPr>
-          </a:p>
-        </p:txBody>
-      </p:sp>
-      <p:pic>
-        <p:nvPicPr>
-          <p:cNvPr id="3" name="그림 2"/>
+          <p:cNvPr id="6" name="그림 5"/>
           <p:cNvPicPr>
             <a:picLocks noChangeAspect="1"/>
           </p:cNvPicPr>
@@ -11357,8 +9979,8 @@
         </p:blipFill>
         <p:spPr>
           <a:xfrm>
-            <a:off x="5385048" y="4725144"/>
-            <a:ext cx="3443469" cy="1512168"/>
+            <a:off x="4321739" y="2535793"/>
+            <a:ext cx="5181367" cy="2405375"/>
           </a:xfrm>
           <a:prstGeom prst="rect">
             <a:avLst/>
@@ -11375,1299 +9997,7 @@
     </p:spTree>
     <p:extLst>
       <p:ext uri="{BB962C8B-B14F-4D97-AF65-F5344CB8AC3E}">
-        <p14:creationId xmlns:p14="http://schemas.microsoft.com/office/powerpoint/2010/main" val="1257305088"/>
-      </p:ext>
-    </p:extLst>
-  </p:cSld>
-  <p:clrMapOvr>
-    <a:masterClrMapping/>
-  </p:clrMapOvr>
-  <p:timing>
-    <p:tnLst>
-      <p:par>
-        <p:cTn id="1" dur="indefinite" restart="never" nodeType="tmRoot"/>
-      </p:par>
-    </p:tnLst>
-  </p:timing>
-</p:sld>
-</file>
-
-<file path=ppt/slides/slide29.xml><?xml version="1.0" encoding="utf-8"?>
-<p:sld xmlns:a="http://schemas.openxmlformats.org/drawingml/2006/main" xmlns:r="http://schemas.openxmlformats.org/officeDocument/2006/relationships" xmlns:p="http://schemas.openxmlformats.org/presentationml/2006/main">
-  <p:cSld>
-    <p:spTree>
-      <p:nvGrpSpPr>
-        <p:cNvPr id="1" name=""/>
-        <p:cNvGrpSpPr/>
-        <p:nvPr/>
-      </p:nvGrpSpPr>
-      <p:grpSpPr>
-        <a:xfrm>
-          <a:off x="0" y="0"/>
-          <a:ext cx="0" cy="0"/>
-          <a:chOff x="0" y="0"/>
-          <a:chExt cx="0" cy="0"/>
-        </a:xfrm>
-      </p:grpSpPr>
-      <p:sp>
-        <p:nvSpPr>
-          <p:cNvPr id="2" name="제목 1"/>
-          <p:cNvSpPr>
-            <a:spLocks noGrp="1"/>
-          </p:cNvSpPr>
-          <p:nvPr>
-            <p:ph type="title"/>
-          </p:nvPr>
-        </p:nvSpPr>
-        <p:spPr>
-          <a:xfrm>
-            <a:off x="416497" y="197768"/>
-            <a:ext cx="6412780" cy="854968"/>
-          </a:xfrm>
-        </p:spPr>
-        <p:txBody>
-          <a:bodyPr>
-            <a:noAutofit/>
-          </a:bodyPr>
-          <a:lstStyle/>
-          <a:p>
-            <a:pPr algn="ctr"/>
-            <a:r>
-              <a:rPr lang="ko-KR" altLang="en-US" sz="2800" b="1" dirty="0" smtClean="0"/>
-              <a:t>숨기기와 보이기 이벤트 효과</a:t>
-            </a:r>
-            <a:r>
-              <a:rPr lang="en-US" altLang="ko-KR" sz="2800" dirty="0" smtClean="0"/>
-              <a:t> </a:t>
-            </a:r>
-            <a:endParaRPr lang="ko-KR" altLang="en-US" sz="2800" dirty="0"/>
-          </a:p>
-        </p:txBody>
-      </p:sp>
-      <p:sp>
-        <p:nvSpPr>
-          <p:cNvPr id="4" name="슬라이드 번호 개체 틀 3"/>
-          <p:cNvSpPr>
-            <a:spLocks noGrp="1"/>
-          </p:cNvSpPr>
-          <p:nvPr>
-            <p:ph type="sldNum" sz="quarter" idx="12"/>
-          </p:nvPr>
-        </p:nvSpPr>
-        <p:spPr/>
-        <p:txBody>
-          <a:bodyPr/>
-          <a:lstStyle/>
-          <a:p>
-            <a:fld id="{1BDE3FE7-3AEA-4B05-AC5A-802D1816ACF0}" type="slidenum">
-              <a:rPr lang="ko-KR" altLang="en-US" smtClean="0"/>
-              <a:t>29</a:t>
-            </a:fld>
-            <a:endParaRPr lang="ko-KR" altLang="en-US"/>
-          </a:p>
-        </p:txBody>
-      </p:sp>
-      <p:pic>
-        <p:nvPicPr>
-          <p:cNvPr id="3" name="그림 2"/>
-          <p:cNvPicPr>
-            <a:picLocks noChangeAspect="1"/>
-          </p:cNvPicPr>
-          <p:nvPr/>
-        </p:nvPicPr>
-        <p:blipFill>
-          <a:blip r:embed="rId2">
-            <a:extLst>
-              <a:ext uri="{28A0092B-C50C-407E-A947-70E740481C1C}">
-                <a14:useLocalDpi xmlns:a14="http://schemas.microsoft.com/office/drawing/2010/main" val="0"/>
-              </a:ext>
-            </a:extLst>
-          </a:blip>
-          <a:stretch>
-            <a:fillRect/>
-          </a:stretch>
-        </p:blipFill>
-        <p:spPr>
-          <a:xfrm>
-            <a:off x="5148807" y="2585719"/>
-            <a:ext cx="2769123" cy="3795609"/>
-          </a:xfrm>
-          <a:prstGeom prst="rect">
-            <a:avLst/>
-          </a:prstGeom>
-          <a:ln>
-            <a:solidFill>
-              <a:schemeClr val="bg1">
-                <a:lumMod val="85000"/>
-              </a:schemeClr>
-            </a:solidFill>
-          </a:ln>
-        </p:spPr>
-      </p:pic>
-      <p:pic>
-        <p:nvPicPr>
-          <p:cNvPr id="8" name="그림 7"/>
-          <p:cNvPicPr>
-            <a:picLocks noChangeAspect="1"/>
-          </p:cNvPicPr>
-          <p:nvPr/>
-        </p:nvPicPr>
-        <p:blipFill>
-          <a:blip r:embed="rId3">
-            <a:extLst>
-              <a:ext uri="{28A0092B-C50C-407E-A947-70E740481C1C}">
-                <a14:useLocalDpi xmlns:a14="http://schemas.microsoft.com/office/drawing/2010/main" val="0"/>
-              </a:ext>
-            </a:extLst>
-          </a:blip>
-          <a:stretch>
-            <a:fillRect/>
-          </a:stretch>
-        </p:blipFill>
-        <p:spPr>
-          <a:xfrm>
-            <a:off x="1352600" y="2616769"/>
-            <a:ext cx="2834534" cy="2160239"/>
-          </a:xfrm>
-          <a:prstGeom prst="rect">
-            <a:avLst/>
-          </a:prstGeom>
-          <a:ln>
-            <a:solidFill>
-              <a:schemeClr val="bg1">
-                <a:lumMod val="85000"/>
-              </a:schemeClr>
-            </a:solidFill>
-          </a:ln>
-        </p:spPr>
-      </p:pic>
-      <p:sp>
-        <p:nvSpPr>
-          <p:cNvPr id="12" name="TextBox 11"/>
-          <p:cNvSpPr txBox="1"/>
-          <p:nvPr/>
-        </p:nvSpPr>
-        <p:spPr>
-          <a:xfrm>
-            <a:off x="1602900" y="1974309"/>
-            <a:ext cx="2125964" cy="374571"/>
-          </a:xfrm>
-          <a:prstGeom prst="roundRect">
-            <a:avLst/>
-          </a:prstGeom>
-        </p:spPr>
-        <p:style>
-          <a:lnRef idx="2">
-            <a:schemeClr val="accent2"/>
-          </a:lnRef>
-          <a:fillRef idx="1">
-            <a:schemeClr val="lt1"/>
-          </a:fillRef>
-          <a:effectRef idx="0">
-            <a:schemeClr val="accent2"/>
-          </a:effectRef>
-          <a:fontRef idx="minor">
-            <a:schemeClr val="dk1"/>
-          </a:fontRef>
-        </p:style>
-        <p:txBody>
-          <a:bodyPr wrap="square" rtlCol="0">
-            <a:spAutoFit/>
-          </a:bodyPr>
-          <a:lstStyle/>
-          <a:p>
-            <a:pPr algn="ctr"/>
-            <a:r>
-              <a:rPr lang="ko-KR" altLang="en-US" sz="1600" dirty="0" err="1" smtClean="0"/>
-              <a:t>설명글</a:t>
-            </a:r>
-            <a:r>
-              <a:rPr lang="ko-KR" altLang="en-US" sz="1600" dirty="0" smtClean="0"/>
-              <a:t> 숨기</a:t>
-            </a:r>
-            <a:r>
-              <a:rPr lang="ko-KR" altLang="en-US" sz="1600" dirty="0"/>
-              <a:t>기</a:t>
-            </a:r>
-            <a:endParaRPr lang="en-US" altLang="ko-KR" sz="1600" dirty="0" smtClean="0"/>
-          </a:p>
-        </p:txBody>
-      </p:sp>
-      <p:sp>
-        <p:nvSpPr>
-          <p:cNvPr id="13" name="TextBox 12"/>
-          <p:cNvSpPr txBox="1"/>
-          <p:nvPr/>
-        </p:nvSpPr>
-        <p:spPr>
-          <a:xfrm>
-            <a:off x="5275308" y="1974309"/>
-            <a:ext cx="2125964" cy="374571"/>
-          </a:xfrm>
-          <a:prstGeom prst="roundRect">
-            <a:avLst/>
-          </a:prstGeom>
-        </p:spPr>
-        <p:style>
-          <a:lnRef idx="2">
-            <a:schemeClr val="accent2"/>
-          </a:lnRef>
-          <a:fillRef idx="1">
-            <a:schemeClr val="lt1"/>
-          </a:fillRef>
-          <a:effectRef idx="0">
-            <a:schemeClr val="accent2"/>
-          </a:effectRef>
-          <a:fontRef idx="minor">
-            <a:schemeClr val="dk1"/>
-          </a:fontRef>
-        </p:style>
-        <p:txBody>
-          <a:bodyPr wrap="square" rtlCol="0">
-            <a:spAutoFit/>
-          </a:bodyPr>
-          <a:lstStyle/>
-          <a:p>
-            <a:pPr algn="ctr"/>
-            <a:r>
-              <a:rPr lang="ko-KR" altLang="en-US" sz="1600" dirty="0" err="1" smtClean="0"/>
-              <a:t>설명글</a:t>
-            </a:r>
-            <a:r>
-              <a:rPr lang="ko-KR" altLang="en-US" sz="1600" dirty="0"/>
-              <a:t> </a:t>
-            </a:r>
-            <a:r>
-              <a:rPr lang="ko-KR" altLang="en-US" sz="1600" dirty="0" smtClean="0"/>
-              <a:t>보이기</a:t>
-            </a:r>
-            <a:endParaRPr lang="en-US" altLang="ko-KR" sz="1600" dirty="0" smtClean="0"/>
-          </a:p>
-        </p:txBody>
-      </p:sp>
-      <p:sp>
-        <p:nvSpPr>
-          <p:cNvPr id="14" name="TextBox 13"/>
-          <p:cNvSpPr txBox="1"/>
-          <p:nvPr/>
-        </p:nvSpPr>
-        <p:spPr>
-          <a:xfrm>
-            <a:off x="704528" y="1264985"/>
-            <a:ext cx="7416824" cy="507831"/>
-          </a:xfrm>
-          <a:prstGeom prst="rect">
-            <a:avLst/>
-          </a:prstGeom>
-          <a:noFill/>
-        </p:spPr>
-        <p:txBody>
-          <a:bodyPr wrap="square" rtlCol="0">
-            <a:spAutoFit/>
-          </a:bodyPr>
-          <a:lstStyle/>
-          <a:p>
-            <a:pPr>
-              <a:lnSpc>
-                <a:spcPct val="150000"/>
-              </a:lnSpc>
-            </a:pPr>
-            <a:r>
-              <a:rPr lang="ko-KR" altLang="en-US" dirty="0"/>
-              <a:t> </a:t>
-            </a:r>
-            <a:r>
-              <a:rPr lang="en-US" altLang="ko-KR" dirty="0" smtClean="0"/>
-              <a:t>- </a:t>
-            </a:r>
-            <a:r>
-              <a:rPr lang="ko-KR" altLang="en-US" b="1" dirty="0" smtClean="0"/>
-              <a:t>버튼을 클릭하여 이미지와 텍스트를 숨기고 보이는 효과 만들기</a:t>
-            </a:r>
-            <a:endParaRPr lang="en-US" altLang="ko-KR" b="1" dirty="0" smtClean="0"/>
-          </a:p>
-        </p:txBody>
-      </p:sp>
-    </p:spTree>
-    <p:extLst>
-      <p:ext uri="{BB962C8B-B14F-4D97-AF65-F5344CB8AC3E}">
-        <p14:creationId xmlns:p14="http://schemas.microsoft.com/office/powerpoint/2010/main" val="2861238955"/>
-      </p:ext>
-    </p:extLst>
-  </p:cSld>
-  <p:clrMapOvr>
-    <a:masterClrMapping/>
-  </p:clrMapOvr>
-  <p:timing>
-    <p:tnLst>
-      <p:par>
-        <p:cTn id="1" dur="indefinite" restart="never" nodeType="tmRoot"/>
-      </p:par>
-    </p:tnLst>
-  </p:timing>
-</p:sld>
-</file>
-
-<file path=ppt/slides/slide3.xml><?xml version="1.0" encoding="utf-8"?>
-<p:sld xmlns:a="http://schemas.openxmlformats.org/drawingml/2006/main" xmlns:r="http://schemas.openxmlformats.org/officeDocument/2006/relationships" xmlns:p="http://schemas.openxmlformats.org/presentationml/2006/main">
-  <p:cSld>
-    <p:spTree>
-      <p:nvGrpSpPr>
-        <p:cNvPr id="1" name=""/>
-        <p:cNvGrpSpPr/>
-        <p:nvPr/>
-      </p:nvGrpSpPr>
-      <p:grpSpPr>
-        <a:xfrm>
-          <a:off x="0" y="0"/>
-          <a:ext cx="0" cy="0"/>
-          <a:chOff x="0" y="0"/>
-          <a:chExt cx="0" cy="0"/>
-        </a:xfrm>
-      </p:grpSpPr>
-      <p:sp>
-        <p:nvSpPr>
-          <p:cNvPr id="2" name="제목 1"/>
-          <p:cNvSpPr>
-            <a:spLocks noGrp="1"/>
-          </p:cNvSpPr>
-          <p:nvPr>
-            <p:ph type="title"/>
-          </p:nvPr>
-        </p:nvSpPr>
-        <p:spPr>
-          <a:xfrm>
-            <a:off x="416497" y="197768"/>
-            <a:ext cx="6412780" cy="854968"/>
-          </a:xfrm>
-        </p:spPr>
-        <p:txBody>
-          <a:bodyPr>
-            <a:noAutofit/>
-          </a:bodyPr>
-          <a:lstStyle/>
-          <a:p>
-            <a:pPr algn="ctr"/>
-            <a:r>
-              <a:rPr lang="ko-KR" altLang="en-US" sz="2800" dirty="0" smtClean="0"/>
-              <a:t>함수의 정의</a:t>
-            </a:r>
-            <a:endParaRPr lang="ko-KR" altLang="en-US" sz="2800" dirty="0"/>
-          </a:p>
-        </p:txBody>
-      </p:sp>
-      <p:sp>
-        <p:nvSpPr>
-          <p:cNvPr id="4" name="슬라이드 번호 개체 틀 3"/>
-          <p:cNvSpPr>
-            <a:spLocks noGrp="1"/>
-          </p:cNvSpPr>
-          <p:nvPr>
-            <p:ph type="sldNum" sz="quarter" idx="12"/>
-          </p:nvPr>
-        </p:nvSpPr>
-        <p:spPr/>
-        <p:txBody>
-          <a:bodyPr/>
-          <a:lstStyle/>
-          <a:p>
-            <a:fld id="{1BDE3FE7-3AEA-4B05-AC5A-802D1816ACF0}" type="slidenum">
-              <a:rPr lang="ko-KR" altLang="en-US" smtClean="0"/>
-              <a:t>3</a:t>
-            </a:fld>
-            <a:endParaRPr lang="ko-KR" altLang="en-US"/>
-          </a:p>
-        </p:txBody>
-      </p:sp>
-      <p:sp>
-        <p:nvSpPr>
-          <p:cNvPr id="5" name="TextBox 4"/>
-          <p:cNvSpPr txBox="1"/>
-          <p:nvPr/>
-        </p:nvSpPr>
-        <p:spPr>
-          <a:xfrm>
-            <a:off x="920552" y="1277759"/>
-            <a:ext cx="7560840" cy="1431161"/>
-          </a:xfrm>
-          <a:prstGeom prst="rect">
-            <a:avLst/>
-          </a:prstGeom>
-          <a:noFill/>
-        </p:spPr>
-        <p:txBody>
-          <a:bodyPr wrap="square" rtlCol="0">
-            <a:spAutoFit/>
-          </a:bodyPr>
-          <a:lstStyle/>
-          <a:p>
-            <a:pPr>
-              <a:lnSpc>
-                <a:spcPct val="150000"/>
-              </a:lnSpc>
-            </a:pPr>
-            <a:r>
-              <a:rPr lang="ko-KR" altLang="en-US" sz="2000" dirty="0"/>
-              <a:t> </a:t>
-            </a:r>
-            <a:r>
-              <a:rPr lang="ko-KR" altLang="en-US" sz="2000" b="1" dirty="0" smtClean="0"/>
-              <a:t>함수</a:t>
-            </a:r>
-            <a:r>
-              <a:rPr lang="en-US" altLang="ko-KR" sz="2000" b="1" dirty="0" smtClean="0"/>
-              <a:t>(Function)</a:t>
-            </a:r>
-          </a:p>
-          <a:p>
-            <a:pPr>
-              <a:lnSpc>
-                <a:spcPct val="150000"/>
-              </a:lnSpc>
-            </a:pPr>
-            <a:r>
-              <a:rPr lang="en-US" altLang="ko-KR" sz="2000" b="1" dirty="0" smtClean="0"/>
-              <a:t>   </a:t>
-            </a:r>
-            <a:r>
-              <a:rPr lang="en-US" altLang="ko-KR" dirty="0" smtClean="0"/>
-              <a:t>- </a:t>
-            </a:r>
-            <a:r>
-              <a:rPr lang="ko-KR" altLang="en-US" dirty="0" smtClean="0"/>
-              <a:t>특정한 하나의 기능을 수행하는 일련의 코드</a:t>
-            </a:r>
-            <a:endParaRPr lang="en-US" altLang="ko-KR" dirty="0" smtClean="0"/>
-          </a:p>
-          <a:p>
-            <a:pPr>
-              <a:lnSpc>
-                <a:spcPct val="150000"/>
-              </a:lnSpc>
-            </a:pPr>
-            <a:r>
-              <a:rPr lang="en-US" altLang="ko-KR" dirty="0"/>
-              <a:t> </a:t>
-            </a:r>
-            <a:r>
-              <a:rPr lang="en-US" altLang="ko-KR" dirty="0" smtClean="0"/>
-              <a:t>  - </a:t>
-            </a:r>
-            <a:r>
-              <a:rPr lang="ko-KR" altLang="en-US" dirty="0" smtClean="0"/>
-              <a:t>중복되는 기능은 함수로 구현하여 그 함수를 호출하여 사용한다</a:t>
-            </a:r>
-            <a:r>
-              <a:rPr lang="en-US" altLang="ko-KR" dirty="0" smtClean="0"/>
-              <a:t>.</a:t>
-            </a:r>
-            <a:r>
-              <a:rPr lang="ko-KR" altLang="en-US" dirty="0" smtClean="0"/>
-              <a:t>  </a:t>
-            </a:r>
-            <a:endParaRPr lang="en-US" altLang="ko-KR" sz="2000" dirty="0" smtClean="0"/>
-          </a:p>
-        </p:txBody>
-      </p:sp>
-      <p:sp>
-        <p:nvSpPr>
-          <p:cNvPr id="20" name="모서리가 둥근 직사각형 19"/>
-          <p:cNvSpPr/>
-          <p:nvPr/>
-        </p:nvSpPr>
-        <p:spPr>
-          <a:xfrm>
-            <a:off x="1568624" y="3284984"/>
-            <a:ext cx="2736304" cy="736784"/>
-          </a:xfrm>
-          <a:prstGeom prst="roundRect">
-            <a:avLst/>
-          </a:prstGeom>
-          <a:noFill/>
-          <a:ln w="12700"/>
-        </p:spPr>
-        <p:style>
-          <a:lnRef idx="2">
-            <a:schemeClr val="accent1">
-              <a:shade val="50000"/>
-            </a:schemeClr>
-          </a:lnRef>
-          <a:fillRef idx="1">
-            <a:schemeClr val="accent1"/>
-          </a:fillRef>
-          <a:effectRef idx="0">
-            <a:schemeClr val="accent1"/>
-          </a:effectRef>
-          <a:fontRef idx="minor">
-            <a:schemeClr val="lt1"/>
-          </a:fontRef>
-        </p:style>
-        <p:txBody>
-          <a:bodyPr rtlCol="0" anchor="ctr"/>
-          <a:lstStyle/>
-          <a:p>
-            <a:pPr algn="ctr"/>
-            <a:r>
-              <a:rPr lang="ko-KR" altLang="en-US" dirty="0" smtClean="0">
-                <a:solidFill>
-                  <a:sysClr val="windowText" lastClr="000000"/>
-                </a:solidFill>
-              </a:rPr>
-              <a:t>숫자 </a:t>
-            </a:r>
-            <a:r>
-              <a:rPr lang="en-US" altLang="ko-KR" dirty="0" smtClean="0">
-                <a:solidFill>
-                  <a:sysClr val="windowText" lastClr="000000"/>
-                </a:solidFill>
-              </a:rPr>
-              <a:t>2</a:t>
-            </a:r>
-            <a:r>
-              <a:rPr lang="ko-KR" altLang="en-US" dirty="0" smtClean="0">
-                <a:solidFill>
-                  <a:sysClr val="windowText" lastClr="000000"/>
-                </a:solidFill>
-              </a:rPr>
-              <a:t>개를 더한다</a:t>
-            </a:r>
-            <a:r>
-              <a:rPr lang="en-US" altLang="ko-KR" dirty="0" smtClean="0">
-                <a:solidFill>
-                  <a:sysClr val="windowText" lastClr="000000"/>
-                </a:solidFill>
-              </a:rPr>
-              <a:t>.</a:t>
-            </a:r>
-            <a:endParaRPr lang="ko-KR" altLang="en-US" dirty="0">
-              <a:solidFill>
-                <a:sysClr val="windowText" lastClr="000000"/>
-              </a:solidFill>
-            </a:endParaRPr>
-          </a:p>
-        </p:txBody>
-      </p:sp>
-      <p:sp>
-        <p:nvSpPr>
-          <p:cNvPr id="38" name="TextBox 37"/>
-          <p:cNvSpPr txBox="1"/>
-          <p:nvPr/>
-        </p:nvSpPr>
-        <p:spPr>
-          <a:xfrm>
-            <a:off x="5457056" y="3552825"/>
-            <a:ext cx="2304256" cy="1298377"/>
-          </a:xfrm>
-          <a:prstGeom prst="ellipse">
-            <a:avLst/>
-          </a:prstGeom>
-        </p:spPr>
-        <p:style>
-          <a:lnRef idx="1">
-            <a:schemeClr val="accent3"/>
-          </a:lnRef>
-          <a:fillRef idx="2">
-            <a:schemeClr val="accent3"/>
-          </a:fillRef>
-          <a:effectRef idx="1">
-            <a:schemeClr val="accent3"/>
-          </a:effectRef>
-          <a:fontRef idx="minor">
-            <a:schemeClr val="dk1"/>
-          </a:fontRef>
-        </p:style>
-        <p:txBody>
-          <a:bodyPr wrap="square" rtlCol="0">
-            <a:spAutoFit/>
-          </a:bodyPr>
-          <a:lstStyle/>
-          <a:p>
-            <a:pPr algn="ctr"/>
-            <a:r>
-              <a:rPr lang="ko-KR" altLang="en-US" dirty="0" smtClean="0"/>
-              <a:t>더하기 함수</a:t>
-            </a:r>
-            <a:endParaRPr lang="en-US" altLang="ko-KR" dirty="0" smtClean="0"/>
-          </a:p>
-          <a:p>
-            <a:pPr algn="ctr"/>
-            <a:endParaRPr lang="en-US" altLang="ko-KR" dirty="0" smtClean="0"/>
-          </a:p>
-          <a:p>
-            <a:pPr algn="ctr"/>
-            <a:r>
-              <a:rPr lang="en-US" altLang="ko-KR" dirty="0" err="1" smtClean="0"/>
-              <a:t>addNumber</a:t>
-            </a:r>
-            <a:r>
-              <a:rPr lang="en-US" altLang="ko-KR" dirty="0" smtClean="0"/>
-              <a:t>()</a:t>
-            </a:r>
-            <a:endParaRPr lang="ko-KR" altLang="en-US" dirty="0"/>
-          </a:p>
-        </p:txBody>
-      </p:sp>
-      <p:sp>
-        <p:nvSpPr>
-          <p:cNvPr id="40" name="모서리가 둥근 직사각형 39"/>
-          <p:cNvSpPr/>
-          <p:nvPr/>
-        </p:nvSpPr>
-        <p:spPr>
-          <a:xfrm>
-            <a:off x="1568624" y="4396770"/>
-            <a:ext cx="2736304" cy="736784"/>
-          </a:xfrm>
-          <a:prstGeom prst="roundRect">
-            <a:avLst/>
-          </a:prstGeom>
-          <a:noFill/>
-          <a:ln w="12700"/>
-        </p:spPr>
-        <p:style>
-          <a:lnRef idx="2">
-            <a:schemeClr val="accent1">
-              <a:shade val="50000"/>
-            </a:schemeClr>
-          </a:lnRef>
-          <a:fillRef idx="1">
-            <a:schemeClr val="accent1"/>
-          </a:fillRef>
-          <a:effectRef idx="0">
-            <a:schemeClr val="accent1"/>
-          </a:effectRef>
-          <a:fontRef idx="minor">
-            <a:schemeClr val="lt1"/>
-          </a:fontRef>
-        </p:style>
-        <p:txBody>
-          <a:bodyPr rtlCol="0" anchor="ctr"/>
-          <a:lstStyle/>
-          <a:p>
-            <a:pPr algn="ctr"/>
-            <a:r>
-              <a:rPr lang="ko-KR" altLang="en-US" dirty="0" smtClean="0">
-                <a:solidFill>
-                  <a:sysClr val="windowText" lastClr="000000"/>
-                </a:solidFill>
-              </a:rPr>
-              <a:t>두 점의 거리를 더한다</a:t>
-            </a:r>
-            <a:r>
-              <a:rPr lang="en-US" altLang="ko-KR" dirty="0" smtClean="0">
-                <a:solidFill>
-                  <a:sysClr val="windowText" lastClr="000000"/>
-                </a:solidFill>
-              </a:rPr>
-              <a:t>.</a:t>
-            </a:r>
-            <a:endParaRPr lang="ko-KR" altLang="en-US" dirty="0">
-              <a:solidFill>
-                <a:sysClr val="windowText" lastClr="000000"/>
-              </a:solidFill>
-            </a:endParaRPr>
-          </a:p>
-        </p:txBody>
-      </p:sp>
-      <p:sp>
-        <p:nvSpPr>
-          <p:cNvPr id="8" name="모서리가 둥근 직사각형 7"/>
-          <p:cNvSpPr/>
-          <p:nvPr/>
-        </p:nvSpPr>
-        <p:spPr>
-          <a:xfrm>
-            <a:off x="3309695" y="4513134"/>
-            <a:ext cx="923225" cy="504056"/>
-          </a:xfrm>
-          <a:prstGeom prst="roundRect">
-            <a:avLst/>
-          </a:prstGeom>
-          <a:noFill/>
-          <a:ln/>
-        </p:spPr>
-        <p:style>
-          <a:lnRef idx="2">
-            <a:schemeClr val="dk1"/>
-          </a:lnRef>
-          <a:fillRef idx="1">
-            <a:schemeClr val="lt1"/>
-          </a:fillRef>
-          <a:effectRef idx="0">
-            <a:schemeClr val="dk1"/>
-          </a:effectRef>
-          <a:fontRef idx="minor">
-            <a:schemeClr val="dk1"/>
-          </a:fontRef>
-        </p:style>
-        <p:txBody>
-          <a:bodyPr rtlCol="0" anchor="ctr"/>
-          <a:lstStyle/>
-          <a:p>
-            <a:pPr algn="ctr"/>
-            <a:endParaRPr lang="ko-KR" altLang="en-US"/>
-          </a:p>
-        </p:txBody>
-      </p:sp>
-      <p:sp>
-        <p:nvSpPr>
-          <p:cNvPr id="41" name="모서리가 둥근 직사각형 40"/>
-          <p:cNvSpPr/>
-          <p:nvPr/>
-        </p:nvSpPr>
-        <p:spPr>
-          <a:xfrm>
-            <a:off x="3119429" y="3407067"/>
-            <a:ext cx="897467" cy="504056"/>
-          </a:xfrm>
-          <a:prstGeom prst="roundRect">
-            <a:avLst/>
-          </a:prstGeom>
-          <a:noFill/>
-          <a:ln/>
-        </p:spPr>
-        <p:style>
-          <a:lnRef idx="2">
-            <a:schemeClr val="dk1"/>
-          </a:lnRef>
-          <a:fillRef idx="1">
-            <a:schemeClr val="lt1"/>
-          </a:fillRef>
-          <a:effectRef idx="0">
-            <a:schemeClr val="dk1"/>
-          </a:effectRef>
-          <a:fontRef idx="minor">
-            <a:schemeClr val="dk1"/>
-          </a:fontRef>
-        </p:style>
-        <p:txBody>
-          <a:bodyPr rtlCol="0" anchor="ctr"/>
-          <a:lstStyle/>
-          <a:p>
-            <a:pPr algn="ctr"/>
-            <a:endParaRPr lang="ko-KR" altLang="en-US"/>
-          </a:p>
-        </p:txBody>
-      </p:sp>
-      <p:cxnSp>
-        <p:nvCxnSpPr>
-          <p:cNvPr id="10" name="구부러진 연결선 9"/>
-          <p:cNvCxnSpPr/>
-          <p:nvPr/>
-        </p:nvCxnSpPr>
-        <p:spPr>
-          <a:xfrm rot="10800000">
-            <a:off x="4016896" y="3787629"/>
-            <a:ext cx="1440160" cy="468278"/>
-          </a:xfrm>
-          <a:prstGeom prst="curvedConnector3">
-            <a:avLst/>
-          </a:prstGeom>
-          <a:ln w="28575">
-            <a:tailEnd type="triangle"/>
-          </a:ln>
-        </p:spPr>
-        <p:style>
-          <a:lnRef idx="1">
-            <a:schemeClr val="accent1"/>
-          </a:lnRef>
-          <a:fillRef idx="0">
-            <a:schemeClr val="accent1"/>
-          </a:fillRef>
-          <a:effectRef idx="0">
-            <a:schemeClr val="accent1"/>
-          </a:effectRef>
-          <a:fontRef idx="minor">
-            <a:schemeClr val="tx1"/>
-          </a:fontRef>
-        </p:style>
-      </p:cxnSp>
-      <p:cxnSp>
-        <p:nvCxnSpPr>
-          <p:cNvPr id="16" name="구부러진 연결선 15"/>
-          <p:cNvCxnSpPr>
-            <a:endCxn id="8" idx="3"/>
-          </p:cNvCxnSpPr>
-          <p:nvPr/>
-        </p:nvCxnSpPr>
-        <p:spPr>
-          <a:xfrm rot="10800000" flipV="1">
-            <a:off x="4232920" y="4372270"/>
-            <a:ext cx="1224136" cy="392891"/>
-          </a:xfrm>
-          <a:prstGeom prst="curvedConnector3">
-            <a:avLst/>
-          </a:prstGeom>
-          <a:ln w="28575">
-            <a:solidFill>
-              <a:schemeClr val="accent1"/>
-            </a:solidFill>
-            <a:tailEnd type="triangle"/>
-          </a:ln>
-        </p:spPr>
-        <p:style>
-          <a:lnRef idx="1">
-            <a:schemeClr val="accent1"/>
-          </a:lnRef>
-          <a:fillRef idx="0">
-            <a:schemeClr val="accent1"/>
-          </a:fillRef>
-          <a:effectRef idx="0">
-            <a:schemeClr val="accent1"/>
-          </a:effectRef>
-          <a:fontRef idx="minor">
-            <a:schemeClr val="tx1"/>
-          </a:fontRef>
-        </p:style>
-      </p:cxnSp>
-    </p:spTree>
-    <p:extLst>
-      <p:ext uri="{BB962C8B-B14F-4D97-AF65-F5344CB8AC3E}">
-        <p14:creationId xmlns:p14="http://schemas.microsoft.com/office/powerpoint/2010/main" val="3704262400"/>
-      </p:ext>
-    </p:extLst>
-  </p:cSld>
-  <p:clrMapOvr>
-    <a:masterClrMapping/>
-  </p:clrMapOvr>
-  <p:timing>
-    <p:tnLst>
-      <p:par>
-        <p:cTn id="1" dur="indefinite" restart="never" nodeType="tmRoot"/>
-      </p:par>
-    </p:tnLst>
-  </p:timing>
-</p:sld>
-</file>
-
-<file path=ppt/slides/slide30.xml><?xml version="1.0" encoding="utf-8"?>
-<p:sld xmlns:a="http://schemas.openxmlformats.org/drawingml/2006/main" xmlns:r="http://schemas.openxmlformats.org/officeDocument/2006/relationships" xmlns:p="http://schemas.openxmlformats.org/presentationml/2006/main">
-  <p:cSld>
-    <p:spTree>
-      <p:nvGrpSpPr>
-        <p:cNvPr id="1" name=""/>
-        <p:cNvGrpSpPr/>
-        <p:nvPr/>
-      </p:nvGrpSpPr>
-      <p:grpSpPr>
-        <a:xfrm>
-          <a:off x="0" y="0"/>
-          <a:ext cx="0" cy="0"/>
-          <a:chOff x="0" y="0"/>
-          <a:chExt cx="0" cy="0"/>
-        </a:xfrm>
-      </p:grpSpPr>
-      <p:sp>
-        <p:nvSpPr>
-          <p:cNvPr id="2" name="제목 1"/>
-          <p:cNvSpPr>
-            <a:spLocks noGrp="1"/>
-          </p:cNvSpPr>
-          <p:nvPr>
-            <p:ph type="title"/>
-          </p:nvPr>
-        </p:nvSpPr>
-        <p:spPr>
-          <a:xfrm>
-            <a:off x="416497" y="197768"/>
-            <a:ext cx="6412780" cy="854968"/>
-          </a:xfrm>
-        </p:spPr>
-        <p:txBody>
-          <a:bodyPr>
-            <a:noAutofit/>
-          </a:bodyPr>
-          <a:lstStyle/>
-          <a:p>
-            <a:pPr algn="ctr"/>
-            <a:r>
-              <a:rPr lang="ko-KR" altLang="en-US" sz="2800" b="1" dirty="0"/>
-              <a:t>숨기기와 보이기 이벤트 효과</a:t>
-            </a:r>
-            <a:r>
-              <a:rPr lang="en-US" altLang="ko-KR" sz="2800" dirty="0"/>
-              <a:t> </a:t>
-            </a:r>
-            <a:endParaRPr lang="ko-KR" altLang="en-US" sz="2800" dirty="0"/>
-          </a:p>
-        </p:txBody>
-      </p:sp>
-      <p:sp>
-        <p:nvSpPr>
-          <p:cNvPr id="4" name="슬라이드 번호 개체 틀 3"/>
-          <p:cNvSpPr>
-            <a:spLocks noGrp="1"/>
-          </p:cNvSpPr>
-          <p:nvPr>
-            <p:ph type="sldNum" sz="quarter" idx="12"/>
-          </p:nvPr>
-        </p:nvSpPr>
-        <p:spPr/>
-        <p:txBody>
-          <a:bodyPr/>
-          <a:lstStyle/>
-          <a:p>
-            <a:fld id="{1BDE3FE7-3AEA-4B05-AC5A-802D1816ACF0}" type="slidenum">
-              <a:rPr lang="ko-KR" altLang="en-US" smtClean="0"/>
-              <a:t>30</a:t>
-            </a:fld>
-            <a:endParaRPr lang="ko-KR" altLang="en-US"/>
-          </a:p>
-        </p:txBody>
-      </p:sp>
-      <p:pic>
-        <p:nvPicPr>
-          <p:cNvPr id="3" name="그림 2"/>
-          <p:cNvPicPr>
-            <a:picLocks noChangeAspect="1"/>
-          </p:cNvPicPr>
-          <p:nvPr/>
-        </p:nvPicPr>
-        <p:blipFill>
-          <a:blip r:embed="rId2">
-            <a:extLst>
-              <a:ext uri="{28A0092B-C50C-407E-A947-70E740481C1C}">
-                <a14:useLocalDpi xmlns:a14="http://schemas.microsoft.com/office/drawing/2010/main" val="0"/>
-              </a:ext>
-            </a:extLst>
-          </a:blip>
-          <a:stretch>
-            <a:fillRect/>
-          </a:stretch>
-        </p:blipFill>
-        <p:spPr>
-          <a:xfrm>
-            <a:off x="920552" y="1644154"/>
-            <a:ext cx="7992888" cy="3585046"/>
-          </a:xfrm>
-          <a:prstGeom prst="rect">
-            <a:avLst/>
-          </a:prstGeom>
-          <a:ln>
-            <a:solidFill>
-              <a:schemeClr val="bg1">
-                <a:lumMod val="85000"/>
-              </a:schemeClr>
-            </a:solidFill>
-          </a:ln>
-        </p:spPr>
-      </p:pic>
-      <p:sp>
-        <p:nvSpPr>
-          <p:cNvPr id="10" name="TextBox 9"/>
-          <p:cNvSpPr txBox="1"/>
-          <p:nvPr/>
-        </p:nvSpPr>
-        <p:spPr>
-          <a:xfrm>
-            <a:off x="7545288" y="1531361"/>
-            <a:ext cx="1872208" cy="374571"/>
-          </a:xfrm>
-          <a:prstGeom prst="roundRect">
-            <a:avLst/>
-          </a:prstGeom>
-          <a:ln w="19050"/>
-        </p:spPr>
-        <p:style>
-          <a:lnRef idx="2">
-            <a:schemeClr val="accent1"/>
-          </a:lnRef>
-          <a:fillRef idx="1">
-            <a:schemeClr val="lt1"/>
-          </a:fillRef>
-          <a:effectRef idx="0">
-            <a:schemeClr val="accent1"/>
-          </a:effectRef>
-          <a:fontRef idx="minor">
-            <a:schemeClr val="dk1"/>
-          </a:fontRef>
-        </p:style>
-        <p:txBody>
-          <a:bodyPr wrap="square" rtlCol="0">
-            <a:spAutoFit/>
-          </a:bodyPr>
-          <a:lstStyle/>
-          <a:p>
-            <a:pPr algn="ctr"/>
-            <a:r>
-              <a:rPr lang="en-US" altLang="ko-KR" sz="1600" dirty="0"/>
-              <a:t>s</a:t>
-            </a:r>
-            <a:r>
-              <a:rPr lang="en-US" altLang="ko-KR" sz="1600" dirty="0" smtClean="0"/>
-              <a:t>how_hide2.html</a:t>
-            </a:r>
-            <a:endParaRPr lang="ko-KR" altLang="en-US" sz="1600" dirty="0"/>
-          </a:p>
-        </p:txBody>
-      </p:sp>
-    </p:spTree>
-    <p:extLst>
-      <p:ext uri="{BB962C8B-B14F-4D97-AF65-F5344CB8AC3E}">
-        <p14:creationId xmlns:p14="http://schemas.microsoft.com/office/powerpoint/2010/main" val="2509129757"/>
-      </p:ext>
-    </p:extLst>
-  </p:cSld>
-  <p:clrMapOvr>
-    <a:masterClrMapping/>
-  </p:clrMapOvr>
-  <p:timing>
-    <p:tnLst>
-      <p:par>
-        <p:cTn id="1" dur="indefinite" restart="never" nodeType="tmRoot"/>
-      </p:par>
-    </p:tnLst>
-  </p:timing>
-</p:sld>
-</file>
-
-<file path=ppt/slides/slide31.xml><?xml version="1.0" encoding="utf-8"?>
-<p:sld xmlns:a="http://schemas.openxmlformats.org/drawingml/2006/main" xmlns:r="http://schemas.openxmlformats.org/officeDocument/2006/relationships" xmlns:p="http://schemas.openxmlformats.org/presentationml/2006/main">
-  <p:cSld>
-    <p:spTree>
-      <p:nvGrpSpPr>
-        <p:cNvPr id="1" name=""/>
-        <p:cNvGrpSpPr/>
-        <p:nvPr/>
-      </p:nvGrpSpPr>
-      <p:grpSpPr>
-        <a:xfrm>
-          <a:off x="0" y="0"/>
-          <a:ext cx="0" cy="0"/>
-          <a:chOff x="0" y="0"/>
-          <a:chExt cx="0" cy="0"/>
-        </a:xfrm>
-      </p:grpSpPr>
-      <p:sp>
-        <p:nvSpPr>
-          <p:cNvPr id="2" name="제목 1"/>
-          <p:cNvSpPr>
-            <a:spLocks noGrp="1"/>
-          </p:cNvSpPr>
-          <p:nvPr>
-            <p:ph type="title"/>
-          </p:nvPr>
-        </p:nvSpPr>
-        <p:spPr>
-          <a:xfrm>
-            <a:off x="416497" y="197768"/>
-            <a:ext cx="6412780" cy="854968"/>
-          </a:xfrm>
-        </p:spPr>
-        <p:txBody>
-          <a:bodyPr>
-            <a:noAutofit/>
-          </a:bodyPr>
-          <a:lstStyle/>
-          <a:p>
-            <a:pPr algn="ctr"/>
-            <a:r>
-              <a:rPr lang="ko-KR" altLang="en-US" sz="2800" b="1" dirty="0"/>
-              <a:t>숨기기와 보이기 이벤트 효과</a:t>
-            </a:r>
-            <a:r>
-              <a:rPr lang="en-US" altLang="ko-KR" sz="2800" dirty="0"/>
-              <a:t> </a:t>
-            </a:r>
-            <a:endParaRPr lang="ko-KR" altLang="en-US" sz="2800" dirty="0"/>
-          </a:p>
-        </p:txBody>
-      </p:sp>
-      <p:sp>
-        <p:nvSpPr>
-          <p:cNvPr id="4" name="슬라이드 번호 개체 틀 3"/>
-          <p:cNvSpPr>
-            <a:spLocks noGrp="1"/>
-          </p:cNvSpPr>
-          <p:nvPr>
-            <p:ph type="sldNum" sz="quarter" idx="12"/>
-          </p:nvPr>
-        </p:nvSpPr>
-        <p:spPr/>
-        <p:txBody>
-          <a:bodyPr/>
-          <a:lstStyle/>
-          <a:p>
-            <a:fld id="{1BDE3FE7-3AEA-4B05-AC5A-802D1816ACF0}" type="slidenum">
-              <a:rPr lang="ko-KR" altLang="en-US" smtClean="0"/>
-              <a:t>31</a:t>
-            </a:fld>
-            <a:endParaRPr lang="ko-KR" altLang="en-US"/>
-          </a:p>
-        </p:txBody>
-      </p:sp>
-      <p:pic>
-        <p:nvPicPr>
-          <p:cNvPr id="6" name="그림 5"/>
-          <p:cNvPicPr>
-            <a:picLocks noChangeAspect="1"/>
-          </p:cNvPicPr>
-          <p:nvPr/>
-        </p:nvPicPr>
-        <p:blipFill>
-          <a:blip r:embed="rId2">
-            <a:extLst>
-              <a:ext uri="{28A0092B-C50C-407E-A947-70E740481C1C}">
-                <a14:useLocalDpi xmlns:a14="http://schemas.microsoft.com/office/drawing/2010/main" val="0"/>
-              </a:ext>
-            </a:extLst>
-          </a:blip>
-          <a:stretch>
-            <a:fillRect/>
-          </a:stretch>
-        </p:blipFill>
-        <p:spPr>
-          <a:xfrm>
-            <a:off x="1352600" y="1484784"/>
-            <a:ext cx="5380187" cy="990686"/>
-          </a:xfrm>
-          <a:prstGeom prst="rect">
-            <a:avLst/>
-          </a:prstGeom>
-          <a:ln>
-            <a:solidFill>
-              <a:schemeClr val="bg1">
-                <a:lumMod val="85000"/>
-              </a:schemeClr>
-            </a:solidFill>
-          </a:ln>
-        </p:spPr>
-      </p:pic>
-      <p:sp>
-        <p:nvSpPr>
-          <p:cNvPr id="7" name="TextBox 6"/>
-          <p:cNvSpPr txBox="1"/>
-          <p:nvPr/>
-        </p:nvSpPr>
-        <p:spPr>
-          <a:xfrm>
-            <a:off x="6825208" y="1695363"/>
-            <a:ext cx="1296144" cy="374571"/>
-          </a:xfrm>
-          <a:prstGeom prst="roundRect">
-            <a:avLst/>
-          </a:prstGeom>
-          <a:ln w="19050"/>
-        </p:spPr>
-        <p:style>
-          <a:lnRef idx="2">
-            <a:schemeClr val="accent1"/>
-          </a:lnRef>
-          <a:fillRef idx="1">
-            <a:schemeClr val="lt1"/>
-          </a:fillRef>
-          <a:effectRef idx="0">
-            <a:schemeClr val="accent1"/>
-          </a:effectRef>
-          <a:fontRef idx="minor">
-            <a:schemeClr val="dk1"/>
-          </a:fontRef>
-        </p:style>
-        <p:txBody>
-          <a:bodyPr wrap="square" rtlCol="0">
-            <a:spAutoFit/>
-          </a:bodyPr>
-          <a:lstStyle/>
-          <a:p>
-            <a:pPr algn="ctr"/>
-            <a:r>
-              <a:rPr lang="en-US" altLang="ko-KR" sz="1600" dirty="0" smtClean="0"/>
-              <a:t>event.css</a:t>
-            </a:r>
-            <a:endParaRPr lang="ko-KR" altLang="en-US" sz="1600" dirty="0"/>
-          </a:p>
-        </p:txBody>
-      </p:sp>
-      <p:pic>
-        <p:nvPicPr>
-          <p:cNvPr id="5" name="그림 4"/>
-          <p:cNvPicPr>
-            <a:picLocks noChangeAspect="1"/>
-          </p:cNvPicPr>
-          <p:nvPr/>
-        </p:nvPicPr>
-        <p:blipFill>
-          <a:blip r:embed="rId3">
-            <a:extLst>
-              <a:ext uri="{28A0092B-C50C-407E-A947-70E740481C1C}">
-                <a14:useLocalDpi xmlns:a14="http://schemas.microsoft.com/office/drawing/2010/main" val="0"/>
-              </a:ext>
-            </a:extLst>
-          </a:blip>
-          <a:stretch>
-            <a:fillRect/>
-          </a:stretch>
-        </p:blipFill>
-        <p:spPr>
-          <a:xfrm>
-            <a:off x="1352600" y="2674921"/>
-            <a:ext cx="7087103" cy="3850423"/>
-          </a:xfrm>
-          <a:prstGeom prst="rect">
-            <a:avLst/>
-          </a:prstGeom>
-          <a:ln>
-            <a:solidFill>
-              <a:schemeClr val="bg1">
-                <a:lumMod val="85000"/>
-              </a:schemeClr>
-            </a:solidFill>
-          </a:ln>
-        </p:spPr>
-      </p:pic>
-      <p:sp>
-        <p:nvSpPr>
-          <p:cNvPr id="11" name="TextBox 10"/>
-          <p:cNvSpPr txBox="1"/>
-          <p:nvPr/>
-        </p:nvSpPr>
-        <p:spPr>
-          <a:xfrm>
-            <a:off x="7972329" y="3068960"/>
-            <a:ext cx="1025706" cy="374571"/>
-          </a:xfrm>
-          <a:prstGeom prst="roundRect">
-            <a:avLst/>
-          </a:prstGeom>
-          <a:ln w="19050"/>
-        </p:spPr>
-        <p:style>
-          <a:lnRef idx="2">
-            <a:schemeClr val="accent1"/>
-          </a:lnRef>
-          <a:fillRef idx="1">
-            <a:schemeClr val="lt1"/>
-          </a:fillRef>
-          <a:effectRef idx="0">
-            <a:schemeClr val="accent1"/>
-          </a:effectRef>
-          <a:fontRef idx="minor">
-            <a:schemeClr val="dk1"/>
-          </a:fontRef>
-        </p:style>
-        <p:txBody>
-          <a:bodyPr wrap="square" rtlCol="0">
-            <a:spAutoFit/>
-          </a:bodyPr>
-          <a:lstStyle/>
-          <a:p>
-            <a:pPr algn="ctr"/>
-            <a:r>
-              <a:rPr lang="en-US" altLang="ko-KR" sz="1600" dirty="0"/>
-              <a:t>e</a:t>
-            </a:r>
-            <a:r>
-              <a:rPr lang="en-US" altLang="ko-KR" sz="1600" dirty="0" smtClean="0"/>
-              <a:t>vent.js</a:t>
-            </a:r>
-            <a:endParaRPr lang="ko-KR" altLang="en-US" sz="1600" dirty="0"/>
-          </a:p>
-        </p:txBody>
-      </p:sp>
-    </p:spTree>
-    <p:extLst>
-      <p:ext uri="{BB962C8B-B14F-4D97-AF65-F5344CB8AC3E}">
-        <p14:creationId xmlns:p14="http://schemas.microsoft.com/office/powerpoint/2010/main" val="2678707703"/>
+        <p14:creationId xmlns:p14="http://schemas.microsoft.com/office/powerpoint/2010/main" val="1598354210"/>
       </p:ext>
     </p:extLst>
   </p:cSld>
@@ -12806,6 +10136,2961 @@
 </p:sld>
 </file>
 
+<file path=ppt/slides/slide25.xml><?xml version="1.0" encoding="utf-8"?>
+<p:sld xmlns:a="http://schemas.openxmlformats.org/drawingml/2006/main" xmlns:r="http://schemas.openxmlformats.org/officeDocument/2006/relationships" xmlns:p="http://schemas.openxmlformats.org/presentationml/2006/main">
+  <p:cSld>
+    <p:spTree>
+      <p:nvGrpSpPr>
+        <p:cNvPr id="1" name=""/>
+        <p:cNvGrpSpPr/>
+        <p:nvPr/>
+      </p:nvGrpSpPr>
+      <p:grpSpPr>
+        <a:xfrm>
+          <a:off x="0" y="0"/>
+          <a:ext cx="0" cy="0"/>
+          <a:chOff x="0" y="0"/>
+          <a:chExt cx="0" cy="0"/>
+        </a:xfrm>
+      </p:grpSpPr>
+      <p:sp>
+        <p:nvSpPr>
+          <p:cNvPr id="2" name="제목 1"/>
+          <p:cNvSpPr>
+            <a:spLocks noGrp="1"/>
+          </p:cNvSpPr>
+          <p:nvPr>
+            <p:ph type="title"/>
+          </p:nvPr>
+        </p:nvSpPr>
+        <p:spPr>
+          <a:xfrm>
+            <a:off x="416497" y="197768"/>
+            <a:ext cx="6412780" cy="854968"/>
+          </a:xfrm>
+        </p:spPr>
+        <p:txBody>
+          <a:bodyPr>
+            <a:noAutofit/>
+          </a:bodyPr>
+          <a:lstStyle/>
+          <a:p>
+            <a:pPr algn="ctr"/>
+            <a:r>
+              <a:rPr lang="en-US" altLang="ko-KR" sz="2800" dirty="0" smtClean="0"/>
+              <a:t>style </a:t>
+            </a:r>
+            <a:r>
+              <a:rPr lang="ko-KR" altLang="en-US" sz="2800" dirty="0" smtClean="0"/>
+              <a:t>속성 </a:t>
+            </a:r>
+            <a:r>
+              <a:rPr lang="ko-KR" altLang="en-US" sz="2800" dirty="0"/>
+              <a:t>사용</a:t>
+            </a:r>
+          </a:p>
+        </p:txBody>
+      </p:sp>
+      <p:sp>
+        <p:nvSpPr>
+          <p:cNvPr id="4" name="슬라이드 번호 개체 틀 3"/>
+          <p:cNvSpPr>
+            <a:spLocks noGrp="1"/>
+          </p:cNvSpPr>
+          <p:nvPr>
+            <p:ph type="sldNum" sz="quarter" idx="12"/>
+          </p:nvPr>
+        </p:nvSpPr>
+        <p:spPr/>
+        <p:txBody>
+          <a:bodyPr/>
+          <a:lstStyle/>
+          <a:p>
+            <a:fld id="{1BDE3FE7-3AEA-4B05-AC5A-802D1816ACF0}" type="slidenum">
+              <a:rPr lang="ko-KR" altLang="en-US" smtClean="0"/>
+              <a:t>25</a:t>
+            </a:fld>
+            <a:endParaRPr lang="ko-KR" altLang="en-US"/>
+          </a:p>
+        </p:txBody>
+      </p:sp>
+      <p:sp>
+        <p:nvSpPr>
+          <p:cNvPr id="14" name="TextBox 13"/>
+          <p:cNvSpPr txBox="1"/>
+          <p:nvPr/>
+        </p:nvSpPr>
+        <p:spPr>
+          <a:xfrm>
+            <a:off x="1136576" y="1412776"/>
+            <a:ext cx="6048672" cy="553998"/>
+          </a:xfrm>
+          <a:prstGeom prst="rect">
+            <a:avLst/>
+          </a:prstGeom>
+          <a:noFill/>
+        </p:spPr>
+        <p:txBody>
+          <a:bodyPr wrap="square" rtlCol="0">
+            <a:spAutoFit/>
+          </a:bodyPr>
+          <a:lstStyle/>
+          <a:p>
+            <a:pPr marL="342900" indent="-342900">
+              <a:lnSpc>
+                <a:spcPct val="150000"/>
+              </a:lnSpc>
+              <a:buFont typeface="Wingdings" panose="05000000000000000000" pitchFamily="2" charset="2"/>
+              <a:buChar char="ü"/>
+            </a:pPr>
+            <a:r>
+              <a:rPr lang="ko-KR" altLang="en-US" sz="2000" b="1" dirty="0" smtClean="0"/>
+              <a:t>마우스를 클릭하</a:t>
+            </a:r>
+            <a:r>
+              <a:rPr lang="ko-KR" altLang="en-US" sz="2000" b="1" dirty="0"/>
+              <a:t>여</a:t>
+            </a:r>
+            <a:r>
+              <a:rPr lang="ko-KR" altLang="en-US" sz="2000" b="1" dirty="0" smtClean="0"/>
+              <a:t> </a:t>
+            </a:r>
+            <a:r>
+              <a:rPr lang="ko-KR" altLang="en-US" sz="2000" b="1" dirty="0" err="1" smtClean="0"/>
+              <a:t>글자색을</a:t>
+            </a:r>
+            <a:r>
+              <a:rPr lang="ko-KR" altLang="en-US" sz="2000" b="1" dirty="0" smtClean="0"/>
+              <a:t> 바꾸기 </a:t>
+            </a:r>
+            <a:endParaRPr lang="en-US" altLang="ko-KR" sz="2000" b="1" dirty="0" smtClean="0"/>
+          </a:p>
+        </p:txBody>
+      </p:sp>
+      <p:pic>
+        <p:nvPicPr>
+          <p:cNvPr id="9" name="그림 8"/>
+          <p:cNvPicPr>
+            <a:picLocks noChangeAspect="1"/>
+          </p:cNvPicPr>
+          <p:nvPr/>
+        </p:nvPicPr>
+        <p:blipFill>
+          <a:blip r:embed="rId2">
+            <a:extLst>
+              <a:ext uri="{28A0092B-C50C-407E-A947-70E740481C1C}">
+                <a14:useLocalDpi xmlns:a14="http://schemas.microsoft.com/office/drawing/2010/main" val="0"/>
+              </a:ext>
+            </a:extLst>
+          </a:blip>
+          <a:stretch>
+            <a:fillRect/>
+          </a:stretch>
+        </p:blipFill>
+        <p:spPr>
+          <a:xfrm>
+            <a:off x="1712640" y="2144991"/>
+            <a:ext cx="2773921" cy="563929"/>
+          </a:xfrm>
+          <a:prstGeom prst="rect">
+            <a:avLst/>
+          </a:prstGeom>
+          <a:ln>
+            <a:noFill/>
+          </a:ln>
+        </p:spPr>
+      </p:pic>
+      <p:cxnSp>
+        <p:nvCxnSpPr>
+          <p:cNvPr id="11" name="직선 화살표 연결선 10"/>
+          <p:cNvCxnSpPr/>
+          <p:nvPr/>
+        </p:nvCxnSpPr>
+        <p:spPr>
+          <a:xfrm>
+            <a:off x="4592960" y="2408439"/>
+            <a:ext cx="932245" cy="0"/>
+          </a:xfrm>
+          <a:prstGeom prst="straightConnector1">
+            <a:avLst/>
+          </a:prstGeom>
+          <a:ln w="19050">
+            <a:solidFill>
+              <a:srgbClr val="C00000"/>
+            </a:solidFill>
+            <a:prstDash val="dash"/>
+            <a:tailEnd type="arrow"/>
+          </a:ln>
+        </p:spPr>
+        <p:style>
+          <a:lnRef idx="1">
+            <a:schemeClr val="accent1"/>
+          </a:lnRef>
+          <a:fillRef idx="0">
+            <a:schemeClr val="accent1"/>
+          </a:fillRef>
+          <a:effectRef idx="0">
+            <a:schemeClr val="accent1"/>
+          </a:effectRef>
+          <a:fontRef idx="minor">
+            <a:schemeClr val="tx1"/>
+          </a:fontRef>
+        </p:style>
+      </p:cxnSp>
+      <p:sp>
+        <p:nvSpPr>
+          <p:cNvPr id="12" name="TextBox 11"/>
+          <p:cNvSpPr txBox="1"/>
+          <p:nvPr/>
+        </p:nvSpPr>
+        <p:spPr>
+          <a:xfrm>
+            <a:off x="4508301" y="2539643"/>
+            <a:ext cx="1135540" cy="338554"/>
+          </a:xfrm>
+          <a:prstGeom prst="rect">
+            <a:avLst/>
+          </a:prstGeom>
+          <a:noFill/>
+        </p:spPr>
+        <p:txBody>
+          <a:bodyPr wrap="square" rtlCol="0">
+            <a:spAutoFit/>
+          </a:bodyPr>
+          <a:lstStyle/>
+          <a:p>
+            <a:pPr algn="ctr"/>
+            <a:r>
+              <a:rPr lang="en-US" altLang="ko-KR" sz="1600" b="1" dirty="0" err="1" smtClean="0">
+                <a:solidFill>
+                  <a:srgbClr val="C00000"/>
+                </a:solidFill>
+              </a:rPr>
+              <a:t>onclick</a:t>
+            </a:r>
+            <a:endParaRPr lang="ko-KR" altLang="en-US" sz="1600" b="1" dirty="0">
+              <a:solidFill>
+                <a:srgbClr val="C00000"/>
+              </a:solidFill>
+            </a:endParaRPr>
+          </a:p>
+        </p:txBody>
+      </p:sp>
+      <p:pic>
+        <p:nvPicPr>
+          <p:cNvPr id="3" name="그림 2"/>
+          <p:cNvPicPr>
+            <a:picLocks noChangeAspect="1"/>
+          </p:cNvPicPr>
+          <p:nvPr/>
+        </p:nvPicPr>
+        <p:blipFill>
+          <a:blip r:embed="rId3">
+            <a:extLst>
+              <a:ext uri="{28A0092B-C50C-407E-A947-70E740481C1C}">
+                <a14:useLocalDpi xmlns:a14="http://schemas.microsoft.com/office/drawing/2010/main" val="0"/>
+              </a:ext>
+            </a:extLst>
+          </a:blip>
+          <a:stretch>
+            <a:fillRect/>
+          </a:stretch>
+        </p:blipFill>
+        <p:spPr>
+          <a:xfrm>
+            <a:off x="5745088" y="2116490"/>
+            <a:ext cx="2933954" cy="678239"/>
+          </a:xfrm>
+          <a:prstGeom prst="rect">
+            <a:avLst/>
+          </a:prstGeom>
+        </p:spPr>
+      </p:pic>
+      <p:pic>
+        <p:nvPicPr>
+          <p:cNvPr id="5" name="그림 4"/>
+          <p:cNvPicPr>
+            <a:picLocks noChangeAspect="1"/>
+          </p:cNvPicPr>
+          <p:nvPr/>
+        </p:nvPicPr>
+        <p:blipFill>
+          <a:blip r:embed="rId4">
+            <a:extLst>
+              <a:ext uri="{28A0092B-C50C-407E-A947-70E740481C1C}">
+                <a14:useLocalDpi xmlns:a14="http://schemas.microsoft.com/office/drawing/2010/main" val="0"/>
+              </a:ext>
+            </a:extLst>
+          </a:blip>
+          <a:stretch>
+            <a:fillRect/>
+          </a:stretch>
+        </p:blipFill>
+        <p:spPr>
+          <a:xfrm>
+            <a:off x="1712640" y="3212976"/>
+            <a:ext cx="6624736" cy="1702581"/>
+          </a:xfrm>
+          <a:prstGeom prst="rect">
+            <a:avLst/>
+          </a:prstGeom>
+          <a:ln>
+            <a:solidFill>
+              <a:schemeClr val="bg1">
+                <a:lumMod val="95000"/>
+              </a:schemeClr>
+            </a:solidFill>
+          </a:ln>
+        </p:spPr>
+      </p:pic>
+      <p:sp>
+        <p:nvSpPr>
+          <p:cNvPr id="10" name="TextBox 9"/>
+          <p:cNvSpPr txBox="1"/>
+          <p:nvPr/>
+        </p:nvSpPr>
+        <p:spPr>
+          <a:xfrm>
+            <a:off x="7761312" y="3573016"/>
+            <a:ext cx="1872208" cy="338554"/>
+          </a:xfrm>
+          <a:prstGeom prst="rect">
+            <a:avLst/>
+          </a:prstGeom>
+          <a:noFill/>
+        </p:spPr>
+        <p:txBody>
+          <a:bodyPr wrap="square" rtlCol="0">
+            <a:spAutoFit/>
+          </a:bodyPr>
+          <a:lstStyle/>
+          <a:p>
+            <a:r>
+              <a:rPr lang="en-US" altLang="ko-KR" sz="1600" dirty="0" smtClean="0">
+                <a:solidFill>
+                  <a:srgbClr val="FF0000"/>
+                </a:solidFill>
+              </a:rPr>
+              <a:t>changet_text.html</a:t>
+            </a:r>
+            <a:endParaRPr lang="ko-KR" altLang="en-US" sz="1600" dirty="0">
+              <a:solidFill>
+                <a:srgbClr val="FF0000"/>
+              </a:solidFill>
+            </a:endParaRPr>
+          </a:p>
+        </p:txBody>
+      </p:sp>
+    </p:spTree>
+    <p:extLst>
+      <p:ext uri="{BB962C8B-B14F-4D97-AF65-F5344CB8AC3E}">
+        <p14:creationId xmlns:p14="http://schemas.microsoft.com/office/powerpoint/2010/main" val="268095839"/>
+      </p:ext>
+    </p:extLst>
+  </p:cSld>
+  <p:clrMapOvr>
+    <a:masterClrMapping/>
+  </p:clrMapOvr>
+  <p:timing>
+    <p:tnLst>
+      <p:par>
+        <p:cTn id="1" dur="indefinite" restart="never" nodeType="tmRoot"/>
+      </p:par>
+    </p:tnLst>
+  </p:timing>
+</p:sld>
+</file>
+
+<file path=ppt/slides/slide26.xml><?xml version="1.0" encoding="utf-8"?>
+<p:sld xmlns:a="http://schemas.openxmlformats.org/drawingml/2006/main" xmlns:r="http://schemas.openxmlformats.org/officeDocument/2006/relationships" xmlns:p="http://schemas.openxmlformats.org/presentationml/2006/main">
+  <p:cSld>
+    <p:spTree>
+      <p:nvGrpSpPr>
+        <p:cNvPr id="1" name=""/>
+        <p:cNvGrpSpPr/>
+        <p:nvPr/>
+      </p:nvGrpSpPr>
+      <p:grpSpPr>
+        <a:xfrm>
+          <a:off x="0" y="0"/>
+          <a:ext cx="0" cy="0"/>
+          <a:chOff x="0" y="0"/>
+          <a:chExt cx="0" cy="0"/>
+        </a:xfrm>
+      </p:grpSpPr>
+      <p:sp>
+        <p:nvSpPr>
+          <p:cNvPr id="2" name="제목 1"/>
+          <p:cNvSpPr>
+            <a:spLocks noGrp="1"/>
+          </p:cNvSpPr>
+          <p:nvPr>
+            <p:ph type="title"/>
+          </p:nvPr>
+        </p:nvSpPr>
+        <p:spPr>
+          <a:xfrm>
+            <a:off x="416497" y="197768"/>
+            <a:ext cx="6412780" cy="854968"/>
+          </a:xfrm>
+        </p:spPr>
+        <p:txBody>
+          <a:bodyPr>
+            <a:noAutofit/>
+          </a:bodyPr>
+          <a:lstStyle/>
+          <a:p>
+            <a:pPr algn="ctr"/>
+            <a:r>
+              <a:rPr lang="en-US" altLang="ko-KR" sz="2800" dirty="0"/>
+              <a:t>style </a:t>
+            </a:r>
+            <a:r>
+              <a:rPr lang="ko-KR" altLang="en-US" sz="2800" dirty="0" smtClean="0"/>
+              <a:t>속성 사용 예제</a:t>
+            </a:r>
+            <a:endParaRPr lang="ko-KR" altLang="en-US" sz="2800" dirty="0"/>
+          </a:p>
+        </p:txBody>
+      </p:sp>
+      <p:sp>
+        <p:nvSpPr>
+          <p:cNvPr id="4" name="슬라이드 번호 개체 틀 3"/>
+          <p:cNvSpPr>
+            <a:spLocks noGrp="1"/>
+          </p:cNvSpPr>
+          <p:nvPr>
+            <p:ph type="sldNum" sz="quarter" idx="12"/>
+          </p:nvPr>
+        </p:nvSpPr>
+        <p:spPr/>
+        <p:txBody>
+          <a:bodyPr/>
+          <a:lstStyle/>
+          <a:p>
+            <a:fld id="{1BDE3FE7-3AEA-4B05-AC5A-802D1816ACF0}" type="slidenum">
+              <a:rPr lang="ko-KR" altLang="en-US" smtClean="0"/>
+              <a:t>26</a:t>
+            </a:fld>
+            <a:endParaRPr lang="ko-KR" altLang="en-US"/>
+          </a:p>
+        </p:txBody>
+      </p:sp>
+      <p:sp>
+        <p:nvSpPr>
+          <p:cNvPr id="14" name="TextBox 13"/>
+          <p:cNvSpPr txBox="1"/>
+          <p:nvPr/>
+        </p:nvSpPr>
+        <p:spPr>
+          <a:xfrm>
+            <a:off x="870050" y="1268760"/>
+            <a:ext cx="8331422" cy="1015663"/>
+          </a:xfrm>
+          <a:prstGeom prst="rect">
+            <a:avLst/>
+          </a:prstGeom>
+          <a:noFill/>
+        </p:spPr>
+        <p:txBody>
+          <a:bodyPr wrap="square" rtlCol="0">
+            <a:spAutoFit/>
+          </a:bodyPr>
+          <a:lstStyle/>
+          <a:p>
+            <a:pPr marL="342900" indent="-342900">
+              <a:lnSpc>
+                <a:spcPct val="150000"/>
+              </a:lnSpc>
+              <a:buFont typeface="Wingdings" panose="05000000000000000000" pitchFamily="2" charset="2"/>
+              <a:buChar char="l"/>
+            </a:pPr>
+            <a:r>
+              <a:rPr lang="ko-KR" altLang="en-US" sz="2000" b="1" dirty="0" smtClean="0"/>
+              <a:t>이미지 숨기기</a:t>
+            </a:r>
+            <a:r>
+              <a:rPr lang="en-US" altLang="ko-KR" sz="2000" b="1" dirty="0" smtClean="0"/>
+              <a:t>/</a:t>
+            </a:r>
+            <a:r>
+              <a:rPr lang="ko-KR" altLang="en-US" sz="2000" b="1" dirty="0" smtClean="0"/>
+              <a:t>보이기</a:t>
+            </a:r>
+            <a:endParaRPr lang="en-US" altLang="ko-KR" sz="2000" b="1" dirty="0" smtClean="0"/>
+          </a:p>
+          <a:p>
+            <a:pPr>
+              <a:lnSpc>
+                <a:spcPct val="150000"/>
+              </a:lnSpc>
+            </a:pPr>
+            <a:r>
+              <a:rPr lang="en-US" altLang="ko-KR" sz="2000" b="1" dirty="0"/>
+              <a:t> </a:t>
+            </a:r>
+            <a:r>
+              <a:rPr lang="en-US" altLang="ko-KR" sz="2000" b="1" dirty="0" smtClean="0"/>
+              <a:t>  </a:t>
+            </a:r>
+            <a:r>
+              <a:rPr lang="ko-KR" altLang="en-US" dirty="0" smtClean="0"/>
+              <a:t>보이기 </a:t>
+            </a:r>
+            <a:r>
+              <a:rPr lang="en-US" altLang="ko-KR" dirty="0" smtClean="0"/>
+              <a:t>– </a:t>
+            </a:r>
+            <a:r>
+              <a:rPr lang="en-US" altLang="ko-KR" b="1" dirty="0" err="1" smtClean="0">
+                <a:solidFill>
+                  <a:srgbClr val="C00000"/>
+                </a:solidFill>
+              </a:rPr>
+              <a:t>style.display</a:t>
+            </a:r>
+            <a:r>
+              <a:rPr lang="en-US" altLang="ko-KR" b="1" dirty="0" smtClean="0">
+                <a:solidFill>
+                  <a:srgbClr val="C00000"/>
+                </a:solidFill>
+              </a:rPr>
+              <a:t> = ‘block’</a:t>
+            </a:r>
+            <a:r>
+              <a:rPr lang="en-US" altLang="ko-KR" dirty="0" smtClean="0"/>
+              <a:t>,  </a:t>
+            </a:r>
+            <a:r>
+              <a:rPr lang="ko-KR" altLang="en-US" dirty="0" smtClean="0"/>
+              <a:t>숨기기 </a:t>
+            </a:r>
+            <a:r>
+              <a:rPr lang="en-US" altLang="ko-KR" dirty="0" smtClean="0"/>
+              <a:t>– </a:t>
+            </a:r>
+            <a:r>
+              <a:rPr lang="en-US" altLang="ko-KR" b="1" dirty="0" err="1" smtClean="0">
+                <a:solidFill>
+                  <a:srgbClr val="C00000"/>
+                </a:solidFill>
+              </a:rPr>
+              <a:t>style.display</a:t>
+            </a:r>
+            <a:r>
+              <a:rPr lang="en-US" altLang="ko-KR" b="1" dirty="0" smtClean="0">
+                <a:solidFill>
+                  <a:srgbClr val="C00000"/>
+                </a:solidFill>
+              </a:rPr>
+              <a:t> = ‘none’</a:t>
+            </a:r>
+            <a:r>
+              <a:rPr lang="ko-KR" altLang="en-US" b="1" dirty="0" smtClean="0">
+                <a:solidFill>
+                  <a:srgbClr val="C00000"/>
+                </a:solidFill>
+              </a:rPr>
+              <a:t> </a:t>
+            </a:r>
+            <a:endParaRPr lang="en-US" altLang="ko-KR" b="1" dirty="0" smtClean="0">
+              <a:solidFill>
+                <a:srgbClr val="C00000"/>
+              </a:solidFill>
+            </a:endParaRPr>
+          </a:p>
+        </p:txBody>
+      </p:sp>
+      <p:pic>
+        <p:nvPicPr>
+          <p:cNvPr id="5" name="그림 4"/>
+          <p:cNvPicPr>
+            <a:picLocks noChangeAspect="1"/>
+          </p:cNvPicPr>
+          <p:nvPr/>
+        </p:nvPicPr>
+        <p:blipFill>
+          <a:blip r:embed="rId2">
+            <a:extLst>
+              <a:ext uri="{28A0092B-C50C-407E-A947-70E740481C1C}">
+                <a14:useLocalDpi xmlns:a14="http://schemas.microsoft.com/office/drawing/2010/main" val="0"/>
+              </a:ext>
+            </a:extLst>
+          </a:blip>
+          <a:stretch>
+            <a:fillRect/>
+          </a:stretch>
+        </p:blipFill>
+        <p:spPr>
+          <a:xfrm>
+            <a:off x="2432720" y="2477209"/>
+            <a:ext cx="4104455" cy="3611639"/>
+          </a:xfrm>
+          <a:prstGeom prst="rect">
+            <a:avLst/>
+          </a:prstGeom>
+          <a:ln>
+            <a:noFill/>
+          </a:ln>
+        </p:spPr>
+      </p:pic>
+    </p:spTree>
+    <p:extLst>
+      <p:ext uri="{BB962C8B-B14F-4D97-AF65-F5344CB8AC3E}">
+        <p14:creationId xmlns:p14="http://schemas.microsoft.com/office/powerpoint/2010/main" val="585333024"/>
+      </p:ext>
+    </p:extLst>
+  </p:cSld>
+  <p:clrMapOvr>
+    <a:masterClrMapping/>
+  </p:clrMapOvr>
+  <p:timing>
+    <p:tnLst>
+      <p:par>
+        <p:cTn id="1" dur="indefinite" restart="never" nodeType="tmRoot"/>
+      </p:par>
+    </p:tnLst>
+  </p:timing>
+</p:sld>
+</file>
+
+<file path=ppt/slides/slide27.xml><?xml version="1.0" encoding="utf-8"?>
+<p:sld xmlns:a="http://schemas.openxmlformats.org/drawingml/2006/main" xmlns:r="http://schemas.openxmlformats.org/officeDocument/2006/relationships" xmlns:p="http://schemas.openxmlformats.org/presentationml/2006/main">
+  <p:cSld>
+    <p:spTree>
+      <p:nvGrpSpPr>
+        <p:cNvPr id="1" name=""/>
+        <p:cNvGrpSpPr/>
+        <p:nvPr/>
+      </p:nvGrpSpPr>
+      <p:grpSpPr>
+        <a:xfrm>
+          <a:off x="0" y="0"/>
+          <a:ext cx="0" cy="0"/>
+          <a:chOff x="0" y="0"/>
+          <a:chExt cx="0" cy="0"/>
+        </a:xfrm>
+      </p:grpSpPr>
+      <p:sp>
+        <p:nvSpPr>
+          <p:cNvPr id="2" name="제목 1"/>
+          <p:cNvSpPr>
+            <a:spLocks noGrp="1"/>
+          </p:cNvSpPr>
+          <p:nvPr>
+            <p:ph type="title"/>
+          </p:nvPr>
+        </p:nvSpPr>
+        <p:spPr>
+          <a:xfrm>
+            <a:off x="416497" y="197768"/>
+            <a:ext cx="6412780" cy="854968"/>
+          </a:xfrm>
+        </p:spPr>
+        <p:txBody>
+          <a:bodyPr>
+            <a:noAutofit/>
+          </a:bodyPr>
+          <a:lstStyle/>
+          <a:p>
+            <a:pPr algn="ctr"/>
+            <a:r>
+              <a:rPr lang="en-US" altLang="ko-KR" sz="2800" dirty="0"/>
+              <a:t>style </a:t>
+            </a:r>
+            <a:r>
+              <a:rPr lang="ko-KR" altLang="en-US" sz="2800" dirty="0"/>
+              <a:t>속성 사용 예제</a:t>
+            </a:r>
+            <a:endParaRPr lang="ko-KR" altLang="en-US" sz="2800" dirty="0"/>
+          </a:p>
+        </p:txBody>
+      </p:sp>
+      <p:sp>
+        <p:nvSpPr>
+          <p:cNvPr id="4" name="슬라이드 번호 개체 틀 3"/>
+          <p:cNvSpPr>
+            <a:spLocks noGrp="1"/>
+          </p:cNvSpPr>
+          <p:nvPr>
+            <p:ph type="sldNum" sz="quarter" idx="12"/>
+          </p:nvPr>
+        </p:nvSpPr>
+        <p:spPr/>
+        <p:txBody>
+          <a:bodyPr/>
+          <a:lstStyle/>
+          <a:p>
+            <a:fld id="{1BDE3FE7-3AEA-4B05-AC5A-802D1816ACF0}" type="slidenum">
+              <a:rPr lang="ko-KR" altLang="en-US" smtClean="0"/>
+              <a:t>27</a:t>
+            </a:fld>
+            <a:endParaRPr lang="ko-KR" altLang="en-US"/>
+          </a:p>
+        </p:txBody>
+      </p:sp>
+      <p:pic>
+        <p:nvPicPr>
+          <p:cNvPr id="5" name="그림 4"/>
+          <p:cNvPicPr>
+            <a:picLocks noChangeAspect="1"/>
+          </p:cNvPicPr>
+          <p:nvPr/>
+        </p:nvPicPr>
+        <p:blipFill>
+          <a:blip r:embed="rId2">
+            <a:extLst>
+              <a:ext uri="{28A0092B-C50C-407E-A947-70E740481C1C}">
+                <a14:useLocalDpi xmlns:a14="http://schemas.microsoft.com/office/drawing/2010/main" val="0"/>
+              </a:ext>
+            </a:extLst>
+          </a:blip>
+          <a:stretch>
+            <a:fillRect/>
+          </a:stretch>
+        </p:blipFill>
+        <p:spPr>
+          <a:xfrm>
+            <a:off x="1208584" y="1484784"/>
+            <a:ext cx="5357340" cy="3576162"/>
+          </a:xfrm>
+          <a:prstGeom prst="rect">
+            <a:avLst/>
+          </a:prstGeom>
+          <a:ln>
+            <a:solidFill>
+              <a:schemeClr val="bg1">
+                <a:lumMod val="85000"/>
+              </a:schemeClr>
+            </a:solidFill>
+          </a:ln>
+        </p:spPr>
+      </p:pic>
+      <p:sp>
+        <p:nvSpPr>
+          <p:cNvPr id="7" name="TextBox 6"/>
+          <p:cNvSpPr txBox="1"/>
+          <p:nvPr/>
+        </p:nvSpPr>
+        <p:spPr>
+          <a:xfrm>
+            <a:off x="5961112" y="1656519"/>
+            <a:ext cx="1728192" cy="338554"/>
+          </a:xfrm>
+          <a:prstGeom prst="rect">
+            <a:avLst/>
+          </a:prstGeom>
+          <a:noFill/>
+        </p:spPr>
+        <p:txBody>
+          <a:bodyPr wrap="square" rtlCol="0">
+            <a:spAutoFit/>
+          </a:bodyPr>
+          <a:lstStyle/>
+          <a:p>
+            <a:r>
+              <a:rPr lang="en-US" altLang="ko-KR" sz="1600" dirty="0">
+                <a:solidFill>
+                  <a:srgbClr val="FF0000"/>
+                </a:solidFill>
+              </a:rPr>
+              <a:t>s</a:t>
+            </a:r>
+            <a:r>
+              <a:rPr lang="en-US" altLang="ko-KR" sz="1600" dirty="0" smtClean="0">
+                <a:solidFill>
+                  <a:srgbClr val="FF0000"/>
+                </a:solidFill>
+              </a:rPr>
+              <a:t>how-hide.html</a:t>
+            </a:r>
+            <a:endParaRPr lang="ko-KR" altLang="en-US" sz="1600" dirty="0">
+              <a:solidFill>
+                <a:srgbClr val="FF0000"/>
+              </a:solidFill>
+            </a:endParaRPr>
+          </a:p>
+        </p:txBody>
+      </p:sp>
+      <p:pic>
+        <p:nvPicPr>
+          <p:cNvPr id="3" name="그림 2"/>
+          <p:cNvPicPr>
+            <a:picLocks noChangeAspect="1"/>
+          </p:cNvPicPr>
+          <p:nvPr/>
+        </p:nvPicPr>
+        <p:blipFill>
+          <a:blip r:embed="rId3">
+            <a:extLst>
+              <a:ext uri="{28A0092B-C50C-407E-A947-70E740481C1C}">
+                <a14:useLocalDpi xmlns:a14="http://schemas.microsoft.com/office/drawing/2010/main" val="0"/>
+              </a:ext>
+            </a:extLst>
+          </a:blip>
+          <a:stretch>
+            <a:fillRect/>
+          </a:stretch>
+        </p:blipFill>
+        <p:spPr>
+          <a:xfrm>
+            <a:off x="5385048" y="4725144"/>
+            <a:ext cx="3443469" cy="1512168"/>
+          </a:xfrm>
+          <a:prstGeom prst="rect">
+            <a:avLst/>
+          </a:prstGeom>
+          <a:ln>
+            <a:solidFill>
+              <a:schemeClr val="bg1">
+                <a:lumMod val="85000"/>
+              </a:schemeClr>
+            </a:solidFill>
+          </a:ln>
+        </p:spPr>
+      </p:pic>
+    </p:spTree>
+    <p:extLst>
+      <p:ext uri="{BB962C8B-B14F-4D97-AF65-F5344CB8AC3E}">
+        <p14:creationId xmlns:p14="http://schemas.microsoft.com/office/powerpoint/2010/main" val="2455255886"/>
+      </p:ext>
+    </p:extLst>
+  </p:cSld>
+  <p:clrMapOvr>
+    <a:masterClrMapping/>
+  </p:clrMapOvr>
+  <p:timing>
+    <p:tnLst>
+      <p:par>
+        <p:cTn id="1" dur="indefinite" restart="never" nodeType="tmRoot"/>
+      </p:par>
+    </p:tnLst>
+  </p:timing>
+</p:sld>
+</file>
+
+<file path=ppt/slides/slide28.xml><?xml version="1.0" encoding="utf-8"?>
+<p:sld xmlns:a="http://schemas.openxmlformats.org/drawingml/2006/main" xmlns:r="http://schemas.openxmlformats.org/officeDocument/2006/relationships" xmlns:p="http://schemas.openxmlformats.org/presentationml/2006/main">
+  <p:cSld>
+    <p:spTree>
+      <p:nvGrpSpPr>
+        <p:cNvPr id="1" name=""/>
+        <p:cNvGrpSpPr/>
+        <p:nvPr/>
+      </p:nvGrpSpPr>
+      <p:grpSpPr>
+        <a:xfrm>
+          <a:off x="0" y="0"/>
+          <a:ext cx="0" cy="0"/>
+          <a:chOff x="0" y="0"/>
+          <a:chExt cx="0" cy="0"/>
+        </a:xfrm>
+      </p:grpSpPr>
+      <p:sp>
+        <p:nvSpPr>
+          <p:cNvPr id="2" name="제목 1"/>
+          <p:cNvSpPr>
+            <a:spLocks noGrp="1"/>
+          </p:cNvSpPr>
+          <p:nvPr>
+            <p:ph type="title"/>
+          </p:nvPr>
+        </p:nvSpPr>
+        <p:spPr>
+          <a:xfrm>
+            <a:off x="416497" y="197768"/>
+            <a:ext cx="6412780" cy="854968"/>
+          </a:xfrm>
+        </p:spPr>
+        <p:txBody>
+          <a:bodyPr>
+            <a:noAutofit/>
+          </a:bodyPr>
+          <a:lstStyle/>
+          <a:p>
+            <a:pPr algn="ctr"/>
+            <a:r>
+              <a:rPr lang="en-US" altLang="ko-KR" sz="2800" dirty="0"/>
+              <a:t>style </a:t>
+            </a:r>
+            <a:r>
+              <a:rPr lang="ko-KR" altLang="en-US" sz="2800" dirty="0"/>
+              <a:t>속성 사용 예제</a:t>
+            </a:r>
+            <a:endParaRPr lang="ko-KR" altLang="en-US" sz="2800" dirty="0"/>
+          </a:p>
+        </p:txBody>
+      </p:sp>
+      <p:sp>
+        <p:nvSpPr>
+          <p:cNvPr id="4" name="슬라이드 번호 개체 틀 3"/>
+          <p:cNvSpPr>
+            <a:spLocks noGrp="1"/>
+          </p:cNvSpPr>
+          <p:nvPr>
+            <p:ph type="sldNum" sz="quarter" idx="12"/>
+          </p:nvPr>
+        </p:nvSpPr>
+        <p:spPr/>
+        <p:txBody>
+          <a:bodyPr/>
+          <a:lstStyle/>
+          <a:p>
+            <a:fld id="{1BDE3FE7-3AEA-4B05-AC5A-802D1816ACF0}" type="slidenum">
+              <a:rPr lang="ko-KR" altLang="en-US" smtClean="0"/>
+              <a:t>28</a:t>
+            </a:fld>
+            <a:endParaRPr lang="ko-KR" altLang="en-US"/>
+          </a:p>
+        </p:txBody>
+      </p:sp>
+      <p:sp>
+        <p:nvSpPr>
+          <p:cNvPr id="14" name="TextBox 13"/>
+          <p:cNvSpPr txBox="1"/>
+          <p:nvPr/>
+        </p:nvSpPr>
+        <p:spPr>
+          <a:xfrm>
+            <a:off x="1136576" y="1336993"/>
+            <a:ext cx="3888432" cy="507831"/>
+          </a:xfrm>
+          <a:prstGeom prst="rect">
+            <a:avLst/>
+          </a:prstGeom>
+          <a:noFill/>
+        </p:spPr>
+        <p:txBody>
+          <a:bodyPr wrap="square" rtlCol="0">
+            <a:spAutoFit/>
+          </a:bodyPr>
+          <a:lstStyle/>
+          <a:p>
+            <a:pPr>
+              <a:lnSpc>
+                <a:spcPct val="150000"/>
+              </a:lnSpc>
+            </a:pPr>
+            <a:r>
+              <a:rPr lang="ko-KR" altLang="en-US" dirty="0"/>
+              <a:t> </a:t>
+            </a:r>
+            <a:r>
+              <a:rPr lang="en-US" altLang="ko-KR" dirty="0" smtClean="0"/>
+              <a:t>- </a:t>
+            </a:r>
+            <a:r>
+              <a:rPr lang="ko-KR" altLang="en-US" b="1" dirty="0" smtClean="0"/>
+              <a:t>버튼을 클릭하여 배경색 넣기</a:t>
+            </a:r>
+            <a:endParaRPr lang="en-US" altLang="ko-KR" b="1" dirty="0" smtClean="0"/>
+          </a:p>
+        </p:txBody>
+      </p:sp>
+      <p:pic>
+        <p:nvPicPr>
+          <p:cNvPr id="3" name="그림 2"/>
+          <p:cNvPicPr>
+            <a:picLocks noChangeAspect="1"/>
+          </p:cNvPicPr>
+          <p:nvPr/>
+        </p:nvPicPr>
+        <p:blipFill>
+          <a:blip r:embed="rId2">
+            <a:extLst>
+              <a:ext uri="{28A0092B-C50C-407E-A947-70E740481C1C}">
+                <a14:useLocalDpi xmlns:a14="http://schemas.microsoft.com/office/drawing/2010/main" val="0"/>
+              </a:ext>
+            </a:extLst>
+          </a:blip>
+          <a:stretch>
+            <a:fillRect/>
+          </a:stretch>
+        </p:blipFill>
+        <p:spPr>
+          <a:xfrm>
+            <a:off x="1424608" y="1978362"/>
+            <a:ext cx="3888432" cy="3569594"/>
+          </a:xfrm>
+          <a:prstGeom prst="rect">
+            <a:avLst/>
+          </a:prstGeom>
+          <a:ln>
+            <a:noFill/>
+          </a:ln>
+        </p:spPr>
+      </p:pic>
+      <p:sp>
+        <p:nvSpPr>
+          <p:cNvPr id="7" name="TextBox 6"/>
+          <p:cNvSpPr txBox="1"/>
+          <p:nvPr/>
+        </p:nvSpPr>
+        <p:spPr>
+          <a:xfrm>
+            <a:off x="5529064" y="2747496"/>
+            <a:ext cx="3456384" cy="2031325"/>
+          </a:xfrm>
+          <a:prstGeom prst="rect">
+            <a:avLst/>
+          </a:prstGeom>
+          <a:noFill/>
+        </p:spPr>
+        <p:txBody>
+          <a:bodyPr wrap="square" rtlCol="0">
+            <a:spAutoFit/>
+          </a:bodyPr>
+          <a:lstStyle/>
+          <a:p>
+            <a:r>
+              <a:rPr lang="ko-KR" altLang="en-US" dirty="0">
+                <a:solidFill>
+                  <a:srgbClr val="C00000"/>
+                </a:solidFill>
+              </a:rPr>
+              <a:t>버튼은 </a:t>
+            </a:r>
+            <a:r>
+              <a:rPr lang="en-US" altLang="ko-KR" dirty="0">
+                <a:solidFill>
+                  <a:srgbClr val="C00000"/>
+                </a:solidFill>
+              </a:rPr>
+              <a:t>&lt;a&gt;</a:t>
+            </a:r>
+            <a:r>
+              <a:rPr lang="ko-KR" altLang="en-US" dirty="0">
+                <a:solidFill>
+                  <a:srgbClr val="C00000"/>
+                </a:solidFill>
+              </a:rPr>
+              <a:t>태그로 만들기</a:t>
+            </a:r>
+            <a:endParaRPr lang="en-US" altLang="ko-KR" dirty="0">
+              <a:solidFill>
+                <a:srgbClr val="C00000"/>
+              </a:solidFill>
+            </a:endParaRPr>
+          </a:p>
+          <a:p>
+            <a:endParaRPr lang="en-US" altLang="ko-KR" dirty="0"/>
+          </a:p>
+          <a:p>
+            <a:r>
+              <a:rPr lang="en-US" altLang="ko-KR" dirty="0" smtClean="0"/>
+              <a:t>Green</a:t>
+            </a:r>
+            <a:r>
+              <a:rPr lang="ko-KR" altLang="en-US" dirty="0" smtClean="0"/>
+              <a:t>을 클릭 </a:t>
+            </a:r>
+            <a:r>
+              <a:rPr lang="en-US" altLang="ko-KR" dirty="0" smtClean="0"/>
+              <a:t>-&gt; </a:t>
+            </a:r>
+            <a:r>
+              <a:rPr lang="ko-KR" altLang="en-US" dirty="0" smtClean="0"/>
+              <a:t>배경색 녹색</a:t>
+            </a:r>
+            <a:endParaRPr lang="en-US" altLang="ko-KR" dirty="0" smtClean="0"/>
+          </a:p>
+          <a:p>
+            <a:endParaRPr lang="en-US" altLang="ko-KR" dirty="0"/>
+          </a:p>
+          <a:p>
+            <a:r>
+              <a:rPr lang="en-US" altLang="ko-KR" dirty="0" smtClean="0"/>
+              <a:t>Black</a:t>
+            </a:r>
+            <a:r>
+              <a:rPr lang="ko-KR" altLang="en-US" dirty="0" smtClean="0"/>
+              <a:t>을 </a:t>
+            </a:r>
+            <a:r>
+              <a:rPr lang="ko-KR" altLang="en-US" dirty="0"/>
+              <a:t>클릭 </a:t>
+            </a:r>
+            <a:r>
+              <a:rPr lang="en-US" altLang="ko-KR" dirty="0"/>
+              <a:t>-&gt; </a:t>
+            </a:r>
+            <a:r>
+              <a:rPr lang="ko-KR" altLang="en-US" dirty="0"/>
+              <a:t>배경색 </a:t>
+            </a:r>
+            <a:r>
+              <a:rPr lang="ko-KR" altLang="en-US" dirty="0" smtClean="0"/>
+              <a:t>검정색</a:t>
+            </a:r>
+            <a:endParaRPr lang="en-US" altLang="ko-KR" dirty="0"/>
+          </a:p>
+          <a:p>
+            <a:endParaRPr lang="en-US" altLang="ko-KR" dirty="0" smtClean="0"/>
+          </a:p>
+          <a:p>
+            <a:r>
+              <a:rPr lang="en-US" altLang="ko-KR" dirty="0" smtClean="0"/>
+              <a:t>Pink</a:t>
+            </a:r>
+            <a:r>
+              <a:rPr lang="ko-KR" altLang="en-US" dirty="0" smtClean="0"/>
+              <a:t>를 </a:t>
+            </a:r>
+            <a:r>
+              <a:rPr lang="ko-KR" altLang="en-US" dirty="0"/>
+              <a:t>클릭 </a:t>
+            </a:r>
+            <a:r>
+              <a:rPr lang="en-US" altLang="ko-KR" dirty="0"/>
+              <a:t>-&gt; </a:t>
+            </a:r>
+            <a:r>
+              <a:rPr lang="ko-KR" altLang="en-US" dirty="0"/>
+              <a:t>배경색 </a:t>
+            </a:r>
+            <a:r>
+              <a:rPr lang="ko-KR" altLang="en-US" dirty="0" smtClean="0"/>
+              <a:t>분홍색</a:t>
+            </a:r>
+            <a:endParaRPr lang="en-US" altLang="ko-KR" dirty="0" smtClean="0"/>
+          </a:p>
+        </p:txBody>
+      </p:sp>
+    </p:spTree>
+    <p:extLst>
+      <p:ext uri="{BB962C8B-B14F-4D97-AF65-F5344CB8AC3E}">
+        <p14:creationId xmlns:p14="http://schemas.microsoft.com/office/powerpoint/2010/main" val="3661940421"/>
+      </p:ext>
+    </p:extLst>
+  </p:cSld>
+  <p:clrMapOvr>
+    <a:masterClrMapping/>
+  </p:clrMapOvr>
+  <p:timing>
+    <p:tnLst>
+      <p:par>
+        <p:cTn id="1" dur="indefinite" restart="never" nodeType="tmRoot"/>
+      </p:par>
+    </p:tnLst>
+  </p:timing>
+</p:sld>
+</file>
+
+<file path=ppt/slides/slide29.xml><?xml version="1.0" encoding="utf-8"?>
+<p:sld xmlns:a="http://schemas.openxmlformats.org/drawingml/2006/main" xmlns:r="http://schemas.openxmlformats.org/officeDocument/2006/relationships" xmlns:p="http://schemas.openxmlformats.org/presentationml/2006/main">
+  <p:cSld>
+    <p:spTree>
+      <p:nvGrpSpPr>
+        <p:cNvPr id="1" name=""/>
+        <p:cNvGrpSpPr/>
+        <p:nvPr/>
+      </p:nvGrpSpPr>
+      <p:grpSpPr>
+        <a:xfrm>
+          <a:off x="0" y="0"/>
+          <a:ext cx="0" cy="0"/>
+          <a:chOff x="0" y="0"/>
+          <a:chExt cx="0" cy="0"/>
+        </a:xfrm>
+      </p:grpSpPr>
+      <p:sp>
+        <p:nvSpPr>
+          <p:cNvPr id="2" name="제목 1"/>
+          <p:cNvSpPr>
+            <a:spLocks noGrp="1"/>
+          </p:cNvSpPr>
+          <p:nvPr>
+            <p:ph type="title"/>
+          </p:nvPr>
+        </p:nvSpPr>
+        <p:spPr>
+          <a:xfrm>
+            <a:off x="416497" y="197768"/>
+            <a:ext cx="6412780" cy="854968"/>
+          </a:xfrm>
+        </p:spPr>
+        <p:txBody>
+          <a:bodyPr>
+            <a:noAutofit/>
+          </a:bodyPr>
+          <a:lstStyle/>
+          <a:p>
+            <a:pPr algn="ctr"/>
+            <a:r>
+              <a:rPr lang="ko-KR" altLang="en-US" sz="2800" dirty="0" smtClean="0"/>
+              <a:t>배경색 바꾸기</a:t>
+            </a:r>
+            <a:endParaRPr lang="ko-KR" altLang="en-US" sz="2800" dirty="0"/>
+          </a:p>
+        </p:txBody>
+      </p:sp>
+      <p:sp>
+        <p:nvSpPr>
+          <p:cNvPr id="4" name="슬라이드 번호 개체 틀 3"/>
+          <p:cNvSpPr>
+            <a:spLocks noGrp="1"/>
+          </p:cNvSpPr>
+          <p:nvPr>
+            <p:ph type="sldNum" sz="quarter" idx="12"/>
+          </p:nvPr>
+        </p:nvSpPr>
+        <p:spPr/>
+        <p:txBody>
+          <a:bodyPr/>
+          <a:lstStyle/>
+          <a:p>
+            <a:fld id="{1BDE3FE7-3AEA-4B05-AC5A-802D1816ACF0}" type="slidenum">
+              <a:rPr lang="ko-KR" altLang="en-US" smtClean="0"/>
+              <a:t>29</a:t>
+            </a:fld>
+            <a:endParaRPr lang="ko-KR" altLang="en-US"/>
+          </a:p>
+        </p:txBody>
+      </p:sp>
+      <p:sp>
+        <p:nvSpPr>
+          <p:cNvPr id="14" name="TextBox 13"/>
+          <p:cNvSpPr txBox="1"/>
+          <p:nvPr/>
+        </p:nvSpPr>
+        <p:spPr>
+          <a:xfrm>
+            <a:off x="920552" y="1264985"/>
+            <a:ext cx="3888432" cy="507831"/>
+          </a:xfrm>
+          <a:prstGeom prst="rect">
+            <a:avLst/>
+          </a:prstGeom>
+          <a:noFill/>
+        </p:spPr>
+        <p:txBody>
+          <a:bodyPr wrap="square" rtlCol="0">
+            <a:spAutoFit/>
+          </a:bodyPr>
+          <a:lstStyle/>
+          <a:p>
+            <a:pPr>
+              <a:lnSpc>
+                <a:spcPct val="150000"/>
+              </a:lnSpc>
+            </a:pPr>
+            <a:r>
+              <a:rPr lang="ko-KR" altLang="en-US" dirty="0"/>
+              <a:t> </a:t>
+            </a:r>
+            <a:r>
+              <a:rPr lang="en-US" altLang="ko-KR" dirty="0" smtClean="0"/>
+              <a:t>- </a:t>
+            </a:r>
+            <a:r>
+              <a:rPr lang="ko-KR" altLang="en-US" b="1" dirty="0" smtClean="0"/>
+              <a:t>버튼을 클릭하여 배경색 넣기</a:t>
+            </a:r>
+            <a:endParaRPr lang="en-US" altLang="ko-KR" b="1" dirty="0" smtClean="0"/>
+          </a:p>
+        </p:txBody>
+      </p:sp>
+      <p:pic>
+        <p:nvPicPr>
+          <p:cNvPr id="7" name="그림 6"/>
+          <p:cNvPicPr>
+            <a:picLocks noChangeAspect="1"/>
+          </p:cNvPicPr>
+          <p:nvPr/>
+        </p:nvPicPr>
+        <p:blipFill>
+          <a:blip r:embed="rId2">
+            <a:extLst>
+              <a:ext uri="{28A0092B-C50C-407E-A947-70E740481C1C}">
+                <a14:useLocalDpi xmlns:a14="http://schemas.microsoft.com/office/drawing/2010/main" val="0"/>
+              </a:ext>
+            </a:extLst>
+          </a:blip>
+          <a:stretch>
+            <a:fillRect/>
+          </a:stretch>
+        </p:blipFill>
+        <p:spPr>
+          <a:xfrm>
+            <a:off x="1833101" y="1772816"/>
+            <a:ext cx="5503271" cy="4752529"/>
+          </a:xfrm>
+          <a:prstGeom prst="rect">
+            <a:avLst/>
+          </a:prstGeom>
+          <a:ln>
+            <a:solidFill>
+              <a:schemeClr val="bg1">
+                <a:lumMod val="85000"/>
+              </a:schemeClr>
+            </a:solidFill>
+          </a:ln>
+        </p:spPr>
+      </p:pic>
+      <p:sp>
+        <p:nvSpPr>
+          <p:cNvPr id="5" name="TextBox 4"/>
+          <p:cNvSpPr txBox="1"/>
+          <p:nvPr/>
+        </p:nvSpPr>
+        <p:spPr>
+          <a:xfrm>
+            <a:off x="6609184" y="1962100"/>
+            <a:ext cx="1800200" cy="338554"/>
+          </a:xfrm>
+          <a:prstGeom prst="rect">
+            <a:avLst/>
+          </a:prstGeom>
+          <a:noFill/>
+        </p:spPr>
+        <p:txBody>
+          <a:bodyPr wrap="square" rtlCol="0">
+            <a:spAutoFit/>
+          </a:bodyPr>
+          <a:lstStyle/>
+          <a:p>
+            <a:r>
+              <a:rPr lang="en-US" altLang="ko-KR" sz="1600" dirty="0">
+                <a:solidFill>
+                  <a:srgbClr val="FF0000"/>
+                </a:solidFill>
+              </a:rPr>
+              <a:t>c</a:t>
+            </a:r>
+            <a:r>
+              <a:rPr lang="en-US" altLang="ko-KR" sz="1600" dirty="0" smtClean="0">
+                <a:solidFill>
+                  <a:srgbClr val="FF0000"/>
+                </a:solidFill>
+              </a:rPr>
+              <a:t>hange_bg.html</a:t>
+            </a:r>
+            <a:endParaRPr lang="ko-KR" altLang="en-US" sz="1600" dirty="0">
+              <a:solidFill>
+                <a:srgbClr val="FF0000"/>
+              </a:solidFill>
+            </a:endParaRPr>
+          </a:p>
+        </p:txBody>
+      </p:sp>
+    </p:spTree>
+    <p:extLst>
+      <p:ext uri="{BB962C8B-B14F-4D97-AF65-F5344CB8AC3E}">
+        <p14:creationId xmlns:p14="http://schemas.microsoft.com/office/powerpoint/2010/main" val="2420352325"/>
+      </p:ext>
+    </p:extLst>
+  </p:cSld>
+  <p:clrMapOvr>
+    <a:masterClrMapping/>
+  </p:clrMapOvr>
+  <p:timing>
+    <p:tnLst>
+      <p:par>
+        <p:cTn id="1" dur="indefinite" restart="never" nodeType="tmRoot"/>
+      </p:par>
+    </p:tnLst>
+  </p:timing>
+</p:sld>
+</file>
+
+<file path=ppt/slides/slide3.xml><?xml version="1.0" encoding="utf-8"?>
+<p:sld xmlns:a="http://schemas.openxmlformats.org/drawingml/2006/main" xmlns:r="http://schemas.openxmlformats.org/officeDocument/2006/relationships" xmlns:p="http://schemas.openxmlformats.org/presentationml/2006/main">
+  <p:cSld>
+    <p:spTree>
+      <p:nvGrpSpPr>
+        <p:cNvPr id="1" name=""/>
+        <p:cNvGrpSpPr/>
+        <p:nvPr/>
+      </p:nvGrpSpPr>
+      <p:grpSpPr>
+        <a:xfrm>
+          <a:off x="0" y="0"/>
+          <a:ext cx="0" cy="0"/>
+          <a:chOff x="0" y="0"/>
+          <a:chExt cx="0" cy="0"/>
+        </a:xfrm>
+      </p:grpSpPr>
+      <p:sp>
+        <p:nvSpPr>
+          <p:cNvPr id="2" name="제목 1"/>
+          <p:cNvSpPr>
+            <a:spLocks noGrp="1"/>
+          </p:cNvSpPr>
+          <p:nvPr>
+            <p:ph type="title"/>
+          </p:nvPr>
+        </p:nvSpPr>
+        <p:spPr>
+          <a:xfrm>
+            <a:off x="416497" y="197768"/>
+            <a:ext cx="6412780" cy="854968"/>
+          </a:xfrm>
+        </p:spPr>
+        <p:txBody>
+          <a:bodyPr>
+            <a:noAutofit/>
+          </a:bodyPr>
+          <a:lstStyle/>
+          <a:p>
+            <a:pPr algn="ctr"/>
+            <a:r>
+              <a:rPr lang="ko-KR" altLang="en-US" sz="2800" dirty="0" smtClean="0"/>
+              <a:t>함수의 정의</a:t>
+            </a:r>
+            <a:endParaRPr lang="ko-KR" altLang="en-US" sz="2800" dirty="0"/>
+          </a:p>
+        </p:txBody>
+      </p:sp>
+      <p:sp>
+        <p:nvSpPr>
+          <p:cNvPr id="4" name="슬라이드 번호 개체 틀 3"/>
+          <p:cNvSpPr>
+            <a:spLocks noGrp="1"/>
+          </p:cNvSpPr>
+          <p:nvPr>
+            <p:ph type="sldNum" sz="quarter" idx="12"/>
+          </p:nvPr>
+        </p:nvSpPr>
+        <p:spPr/>
+        <p:txBody>
+          <a:bodyPr/>
+          <a:lstStyle/>
+          <a:p>
+            <a:fld id="{1BDE3FE7-3AEA-4B05-AC5A-802D1816ACF0}" type="slidenum">
+              <a:rPr lang="ko-KR" altLang="en-US" smtClean="0"/>
+              <a:t>3</a:t>
+            </a:fld>
+            <a:endParaRPr lang="ko-KR" altLang="en-US"/>
+          </a:p>
+        </p:txBody>
+      </p:sp>
+      <p:sp>
+        <p:nvSpPr>
+          <p:cNvPr id="5" name="TextBox 4"/>
+          <p:cNvSpPr txBox="1"/>
+          <p:nvPr/>
+        </p:nvSpPr>
+        <p:spPr>
+          <a:xfrm>
+            <a:off x="920552" y="1277759"/>
+            <a:ext cx="7560840" cy="1431161"/>
+          </a:xfrm>
+          <a:prstGeom prst="rect">
+            <a:avLst/>
+          </a:prstGeom>
+          <a:noFill/>
+        </p:spPr>
+        <p:txBody>
+          <a:bodyPr wrap="square" rtlCol="0">
+            <a:spAutoFit/>
+          </a:bodyPr>
+          <a:lstStyle/>
+          <a:p>
+            <a:pPr>
+              <a:lnSpc>
+                <a:spcPct val="150000"/>
+              </a:lnSpc>
+            </a:pPr>
+            <a:r>
+              <a:rPr lang="ko-KR" altLang="en-US" sz="2000" dirty="0"/>
+              <a:t> </a:t>
+            </a:r>
+            <a:r>
+              <a:rPr lang="ko-KR" altLang="en-US" sz="2000" b="1" dirty="0" smtClean="0"/>
+              <a:t>함수</a:t>
+            </a:r>
+            <a:r>
+              <a:rPr lang="en-US" altLang="ko-KR" sz="2000" b="1" dirty="0" smtClean="0"/>
+              <a:t>(Function)</a:t>
+            </a:r>
+          </a:p>
+          <a:p>
+            <a:pPr>
+              <a:lnSpc>
+                <a:spcPct val="150000"/>
+              </a:lnSpc>
+            </a:pPr>
+            <a:r>
+              <a:rPr lang="en-US" altLang="ko-KR" sz="2000" b="1" dirty="0" smtClean="0"/>
+              <a:t>   </a:t>
+            </a:r>
+            <a:r>
+              <a:rPr lang="en-US" altLang="ko-KR" dirty="0" smtClean="0"/>
+              <a:t>- </a:t>
+            </a:r>
+            <a:r>
+              <a:rPr lang="ko-KR" altLang="en-US" dirty="0" smtClean="0"/>
+              <a:t>특정한 하나의 기능을 수행하는 일련의 코드</a:t>
+            </a:r>
+            <a:endParaRPr lang="en-US" altLang="ko-KR" dirty="0" smtClean="0"/>
+          </a:p>
+          <a:p>
+            <a:pPr>
+              <a:lnSpc>
+                <a:spcPct val="150000"/>
+              </a:lnSpc>
+            </a:pPr>
+            <a:r>
+              <a:rPr lang="en-US" altLang="ko-KR" dirty="0"/>
+              <a:t> </a:t>
+            </a:r>
+            <a:r>
+              <a:rPr lang="en-US" altLang="ko-KR" dirty="0" smtClean="0"/>
+              <a:t>  - </a:t>
+            </a:r>
+            <a:r>
+              <a:rPr lang="ko-KR" altLang="en-US" dirty="0" smtClean="0"/>
+              <a:t>중복되는 기능은 함수로 구현하여 그 함수를 호출하여 사용한다</a:t>
+            </a:r>
+            <a:r>
+              <a:rPr lang="en-US" altLang="ko-KR" dirty="0" smtClean="0"/>
+              <a:t>.</a:t>
+            </a:r>
+            <a:r>
+              <a:rPr lang="ko-KR" altLang="en-US" dirty="0" smtClean="0"/>
+              <a:t>  </a:t>
+            </a:r>
+            <a:endParaRPr lang="en-US" altLang="ko-KR" sz="2000" dirty="0" smtClean="0"/>
+          </a:p>
+        </p:txBody>
+      </p:sp>
+      <p:sp>
+        <p:nvSpPr>
+          <p:cNvPr id="20" name="모서리가 둥근 직사각형 19"/>
+          <p:cNvSpPr/>
+          <p:nvPr/>
+        </p:nvSpPr>
+        <p:spPr>
+          <a:xfrm>
+            <a:off x="1568624" y="3284984"/>
+            <a:ext cx="2736304" cy="736784"/>
+          </a:xfrm>
+          <a:prstGeom prst="roundRect">
+            <a:avLst/>
+          </a:prstGeom>
+          <a:noFill/>
+          <a:ln w="12700"/>
+        </p:spPr>
+        <p:style>
+          <a:lnRef idx="2">
+            <a:schemeClr val="accent1">
+              <a:shade val="50000"/>
+            </a:schemeClr>
+          </a:lnRef>
+          <a:fillRef idx="1">
+            <a:schemeClr val="accent1"/>
+          </a:fillRef>
+          <a:effectRef idx="0">
+            <a:schemeClr val="accent1"/>
+          </a:effectRef>
+          <a:fontRef idx="minor">
+            <a:schemeClr val="lt1"/>
+          </a:fontRef>
+        </p:style>
+        <p:txBody>
+          <a:bodyPr rtlCol="0" anchor="ctr"/>
+          <a:lstStyle/>
+          <a:p>
+            <a:pPr algn="ctr"/>
+            <a:r>
+              <a:rPr lang="ko-KR" altLang="en-US" dirty="0" smtClean="0">
+                <a:solidFill>
+                  <a:sysClr val="windowText" lastClr="000000"/>
+                </a:solidFill>
+              </a:rPr>
+              <a:t>숫자 </a:t>
+            </a:r>
+            <a:r>
+              <a:rPr lang="en-US" altLang="ko-KR" dirty="0" smtClean="0">
+                <a:solidFill>
+                  <a:sysClr val="windowText" lastClr="000000"/>
+                </a:solidFill>
+              </a:rPr>
+              <a:t>2</a:t>
+            </a:r>
+            <a:r>
+              <a:rPr lang="ko-KR" altLang="en-US" dirty="0" smtClean="0">
+                <a:solidFill>
+                  <a:sysClr val="windowText" lastClr="000000"/>
+                </a:solidFill>
+              </a:rPr>
+              <a:t>개를 더한다</a:t>
+            </a:r>
+            <a:r>
+              <a:rPr lang="en-US" altLang="ko-KR" dirty="0" smtClean="0">
+                <a:solidFill>
+                  <a:sysClr val="windowText" lastClr="000000"/>
+                </a:solidFill>
+              </a:rPr>
+              <a:t>.</a:t>
+            </a:r>
+            <a:endParaRPr lang="ko-KR" altLang="en-US" dirty="0">
+              <a:solidFill>
+                <a:sysClr val="windowText" lastClr="000000"/>
+              </a:solidFill>
+            </a:endParaRPr>
+          </a:p>
+        </p:txBody>
+      </p:sp>
+      <p:sp>
+        <p:nvSpPr>
+          <p:cNvPr id="38" name="TextBox 37"/>
+          <p:cNvSpPr txBox="1"/>
+          <p:nvPr/>
+        </p:nvSpPr>
+        <p:spPr>
+          <a:xfrm>
+            <a:off x="5457056" y="3552825"/>
+            <a:ext cx="2304256" cy="1298377"/>
+          </a:xfrm>
+          <a:prstGeom prst="ellipse">
+            <a:avLst/>
+          </a:prstGeom>
+        </p:spPr>
+        <p:style>
+          <a:lnRef idx="1">
+            <a:schemeClr val="accent3"/>
+          </a:lnRef>
+          <a:fillRef idx="2">
+            <a:schemeClr val="accent3"/>
+          </a:fillRef>
+          <a:effectRef idx="1">
+            <a:schemeClr val="accent3"/>
+          </a:effectRef>
+          <a:fontRef idx="minor">
+            <a:schemeClr val="dk1"/>
+          </a:fontRef>
+        </p:style>
+        <p:txBody>
+          <a:bodyPr wrap="square" rtlCol="0">
+            <a:spAutoFit/>
+          </a:bodyPr>
+          <a:lstStyle/>
+          <a:p>
+            <a:pPr algn="ctr"/>
+            <a:r>
+              <a:rPr lang="ko-KR" altLang="en-US" dirty="0" smtClean="0"/>
+              <a:t>더하기 함수</a:t>
+            </a:r>
+            <a:endParaRPr lang="en-US" altLang="ko-KR" dirty="0" smtClean="0"/>
+          </a:p>
+          <a:p>
+            <a:pPr algn="ctr"/>
+            <a:endParaRPr lang="en-US" altLang="ko-KR" dirty="0" smtClean="0"/>
+          </a:p>
+          <a:p>
+            <a:pPr algn="ctr"/>
+            <a:r>
+              <a:rPr lang="en-US" altLang="ko-KR" dirty="0" err="1" smtClean="0"/>
+              <a:t>addNumber</a:t>
+            </a:r>
+            <a:r>
+              <a:rPr lang="en-US" altLang="ko-KR" dirty="0" smtClean="0"/>
+              <a:t>()</a:t>
+            </a:r>
+            <a:endParaRPr lang="ko-KR" altLang="en-US" dirty="0"/>
+          </a:p>
+        </p:txBody>
+      </p:sp>
+      <p:sp>
+        <p:nvSpPr>
+          <p:cNvPr id="40" name="모서리가 둥근 직사각형 39"/>
+          <p:cNvSpPr/>
+          <p:nvPr/>
+        </p:nvSpPr>
+        <p:spPr>
+          <a:xfrm>
+            <a:off x="1568624" y="4396770"/>
+            <a:ext cx="2736304" cy="736784"/>
+          </a:xfrm>
+          <a:prstGeom prst="roundRect">
+            <a:avLst/>
+          </a:prstGeom>
+          <a:noFill/>
+          <a:ln w="12700"/>
+        </p:spPr>
+        <p:style>
+          <a:lnRef idx="2">
+            <a:schemeClr val="accent1">
+              <a:shade val="50000"/>
+            </a:schemeClr>
+          </a:lnRef>
+          <a:fillRef idx="1">
+            <a:schemeClr val="accent1"/>
+          </a:fillRef>
+          <a:effectRef idx="0">
+            <a:schemeClr val="accent1"/>
+          </a:effectRef>
+          <a:fontRef idx="minor">
+            <a:schemeClr val="lt1"/>
+          </a:fontRef>
+        </p:style>
+        <p:txBody>
+          <a:bodyPr rtlCol="0" anchor="ctr"/>
+          <a:lstStyle/>
+          <a:p>
+            <a:pPr algn="ctr"/>
+            <a:r>
+              <a:rPr lang="ko-KR" altLang="en-US" dirty="0" smtClean="0">
+                <a:solidFill>
+                  <a:sysClr val="windowText" lastClr="000000"/>
+                </a:solidFill>
+              </a:rPr>
+              <a:t>두 점의 거리를 더한다</a:t>
+            </a:r>
+            <a:r>
+              <a:rPr lang="en-US" altLang="ko-KR" dirty="0" smtClean="0">
+                <a:solidFill>
+                  <a:sysClr val="windowText" lastClr="000000"/>
+                </a:solidFill>
+              </a:rPr>
+              <a:t>.</a:t>
+            </a:r>
+            <a:endParaRPr lang="ko-KR" altLang="en-US" dirty="0">
+              <a:solidFill>
+                <a:sysClr val="windowText" lastClr="000000"/>
+              </a:solidFill>
+            </a:endParaRPr>
+          </a:p>
+        </p:txBody>
+      </p:sp>
+      <p:sp>
+        <p:nvSpPr>
+          <p:cNvPr id="8" name="모서리가 둥근 직사각형 7"/>
+          <p:cNvSpPr/>
+          <p:nvPr/>
+        </p:nvSpPr>
+        <p:spPr>
+          <a:xfrm>
+            <a:off x="3309695" y="4513134"/>
+            <a:ext cx="923225" cy="504056"/>
+          </a:xfrm>
+          <a:prstGeom prst="roundRect">
+            <a:avLst/>
+          </a:prstGeom>
+          <a:noFill/>
+          <a:ln/>
+        </p:spPr>
+        <p:style>
+          <a:lnRef idx="2">
+            <a:schemeClr val="dk1"/>
+          </a:lnRef>
+          <a:fillRef idx="1">
+            <a:schemeClr val="lt1"/>
+          </a:fillRef>
+          <a:effectRef idx="0">
+            <a:schemeClr val="dk1"/>
+          </a:effectRef>
+          <a:fontRef idx="minor">
+            <a:schemeClr val="dk1"/>
+          </a:fontRef>
+        </p:style>
+        <p:txBody>
+          <a:bodyPr rtlCol="0" anchor="ctr"/>
+          <a:lstStyle/>
+          <a:p>
+            <a:pPr algn="ctr"/>
+            <a:endParaRPr lang="ko-KR" altLang="en-US"/>
+          </a:p>
+        </p:txBody>
+      </p:sp>
+      <p:sp>
+        <p:nvSpPr>
+          <p:cNvPr id="41" name="모서리가 둥근 직사각형 40"/>
+          <p:cNvSpPr/>
+          <p:nvPr/>
+        </p:nvSpPr>
+        <p:spPr>
+          <a:xfrm>
+            <a:off x="3119429" y="3407067"/>
+            <a:ext cx="897467" cy="504056"/>
+          </a:xfrm>
+          <a:prstGeom prst="roundRect">
+            <a:avLst/>
+          </a:prstGeom>
+          <a:noFill/>
+          <a:ln/>
+        </p:spPr>
+        <p:style>
+          <a:lnRef idx="2">
+            <a:schemeClr val="dk1"/>
+          </a:lnRef>
+          <a:fillRef idx="1">
+            <a:schemeClr val="lt1"/>
+          </a:fillRef>
+          <a:effectRef idx="0">
+            <a:schemeClr val="dk1"/>
+          </a:effectRef>
+          <a:fontRef idx="minor">
+            <a:schemeClr val="dk1"/>
+          </a:fontRef>
+        </p:style>
+        <p:txBody>
+          <a:bodyPr rtlCol="0" anchor="ctr"/>
+          <a:lstStyle/>
+          <a:p>
+            <a:pPr algn="ctr"/>
+            <a:endParaRPr lang="ko-KR" altLang="en-US"/>
+          </a:p>
+        </p:txBody>
+      </p:sp>
+      <p:cxnSp>
+        <p:nvCxnSpPr>
+          <p:cNvPr id="10" name="구부러진 연결선 9"/>
+          <p:cNvCxnSpPr/>
+          <p:nvPr/>
+        </p:nvCxnSpPr>
+        <p:spPr>
+          <a:xfrm rot="10800000">
+            <a:off x="4016896" y="3787629"/>
+            <a:ext cx="1440160" cy="468278"/>
+          </a:xfrm>
+          <a:prstGeom prst="curvedConnector3">
+            <a:avLst/>
+          </a:prstGeom>
+          <a:ln w="28575">
+            <a:tailEnd type="triangle"/>
+          </a:ln>
+        </p:spPr>
+        <p:style>
+          <a:lnRef idx="1">
+            <a:schemeClr val="accent1"/>
+          </a:lnRef>
+          <a:fillRef idx="0">
+            <a:schemeClr val="accent1"/>
+          </a:fillRef>
+          <a:effectRef idx="0">
+            <a:schemeClr val="accent1"/>
+          </a:effectRef>
+          <a:fontRef idx="minor">
+            <a:schemeClr val="tx1"/>
+          </a:fontRef>
+        </p:style>
+      </p:cxnSp>
+      <p:cxnSp>
+        <p:nvCxnSpPr>
+          <p:cNvPr id="16" name="구부러진 연결선 15"/>
+          <p:cNvCxnSpPr>
+            <a:endCxn id="8" idx="3"/>
+          </p:cNvCxnSpPr>
+          <p:nvPr/>
+        </p:nvCxnSpPr>
+        <p:spPr>
+          <a:xfrm rot="10800000" flipV="1">
+            <a:off x="4232920" y="4372270"/>
+            <a:ext cx="1224136" cy="392891"/>
+          </a:xfrm>
+          <a:prstGeom prst="curvedConnector3">
+            <a:avLst/>
+          </a:prstGeom>
+          <a:ln w="28575">
+            <a:solidFill>
+              <a:schemeClr val="accent1"/>
+            </a:solidFill>
+            <a:tailEnd type="triangle"/>
+          </a:ln>
+        </p:spPr>
+        <p:style>
+          <a:lnRef idx="1">
+            <a:schemeClr val="accent1"/>
+          </a:lnRef>
+          <a:fillRef idx="0">
+            <a:schemeClr val="accent1"/>
+          </a:fillRef>
+          <a:effectRef idx="0">
+            <a:schemeClr val="accent1"/>
+          </a:effectRef>
+          <a:fontRef idx="minor">
+            <a:schemeClr val="tx1"/>
+          </a:fontRef>
+        </p:style>
+      </p:cxnSp>
+    </p:spTree>
+    <p:extLst>
+      <p:ext uri="{BB962C8B-B14F-4D97-AF65-F5344CB8AC3E}">
+        <p14:creationId xmlns:p14="http://schemas.microsoft.com/office/powerpoint/2010/main" val="3704262400"/>
+      </p:ext>
+    </p:extLst>
+  </p:cSld>
+  <p:clrMapOvr>
+    <a:masterClrMapping/>
+  </p:clrMapOvr>
+  <p:timing>
+    <p:tnLst>
+      <p:par>
+        <p:cTn id="1" dur="indefinite" restart="never" nodeType="tmRoot"/>
+      </p:par>
+    </p:tnLst>
+  </p:timing>
+</p:sld>
+</file>
+
+<file path=ppt/slides/slide30.xml><?xml version="1.0" encoding="utf-8"?>
+<p:sld xmlns:a="http://schemas.openxmlformats.org/drawingml/2006/main" xmlns:r="http://schemas.openxmlformats.org/officeDocument/2006/relationships" xmlns:p="http://schemas.openxmlformats.org/presentationml/2006/main">
+  <p:cSld>
+    <p:spTree>
+      <p:nvGrpSpPr>
+        <p:cNvPr id="1" name=""/>
+        <p:cNvGrpSpPr/>
+        <p:nvPr/>
+      </p:nvGrpSpPr>
+      <p:grpSpPr>
+        <a:xfrm>
+          <a:off x="0" y="0"/>
+          <a:ext cx="0" cy="0"/>
+          <a:chOff x="0" y="0"/>
+          <a:chExt cx="0" cy="0"/>
+        </a:xfrm>
+      </p:grpSpPr>
+      <p:sp>
+        <p:nvSpPr>
+          <p:cNvPr id="2" name="제목 1"/>
+          <p:cNvSpPr>
+            <a:spLocks noGrp="1"/>
+          </p:cNvSpPr>
+          <p:nvPr>
+            <p:ph type="title"/>
+          </p:nvPr>
+        </p:nvSpPr>
+        <p:spPr>
+          <a:xfrm>
+            <a:off x="416497" y="197768"/>
+            <a:ext cx="6412780" cy="854968"/>
+          </a:xfrm>
+        </p:spPr>
+        <p:txBody>
+          <a:bodyPr>
+            <a:noAutofit/>
+          </a:bodyPr>
+          <a:lstStyle/>
+          <a:p>
+            <a:pPr algn="ctr"/>
+            <a:r>
+              <a:rPr lang="ko-KR" altLang="en-US" sz="2800" dirty="0"/>
+              <a:t>배경색 바꾸기</a:t>
+            </a:r>
+            <a:endParaRPr lang="ko-KR" altLang="en-US" sz="2800" dirty="0"/>
+          </a:p>
+        </p:txBody>
+      </p:sp>
+      <p:sp>
+        <p:nvSpPr>
+          <p:cNvPr id="4" name="슬라이드 번호 개체 틀 3"/>
+          <p:cNvSpPr>
+            <a:spLocks noGrp="1"/>
+          </p:cNvSpPr>
+          <p:nvPr>
+            <p:ph type="sldNum" sz="quarter" idx="12"/>
+          </p:nvPr>
+        </p:nvSpPr>
+        <p:spPr/>
+        <p:txBody>
+          <a:bodyPr/>
+          <a:lstStyle/>
+          <a:p>
+            <a:fld id="{1BDE3FE7-3AEA-4B05-AC5A-802D1816ACF0}" type="slidenum">
+              <a:rPr lang="ko-KR" altLang="en-US" smtClean="0"/>
+              <a:t>30</a:t>
+            </a:fld>
+            <a:endParaRPr lang="ko-KR" altLang="en-US"/>
+          </a:p>
+        </p:txBody>
+      </p:sp>
+      <p:pic>
+        <p:nvPicPr>
+          <p:cNvPr id="5" name="그림 4"/>
+          <p:cNvPicPr>
+            <a:picLocks noChangeAspect="1"/>
+          </p:cNvPicPr>
+          <p:nvPr/>
+        </p:nvPicPr>
+        <p:blipFill>
+          <a:blip r:embed="rId2">
+            <a:extLst>
+              <a:ext uri="{28A0092B-C50C-407E-A947-70E740481C1C}">
+                <a14:useLocalDpi xmlns:a14="http://schemas.microsoft.com/office/drawing/2010/main" val="0"/>
+              </a:ext>
+            </a:extLst>
+          </a:blip>
+          <a:stretch>
+            <a:fillRect/>
+          </a:stretch>
+        </p:blipFill>
+        <p:spPr>
+          <a:xfrm>
+            <a:off x="1568624" y="1412776"/>
+            <a:ext cx="5997460" cy="4519052"/>
+          </a:xfrm>
+          <a:prstGeom prst="rect">
+            <a:avLst/>
+          </a:prstGeom>
+          <a:ln>
+            <a:solidFill>
+              <a:schemeClr val="bg1">
+                <a:lumMod val="85000"/>
+              </a:schemeClr>
+            </a:solidFill>
+          </a:ln>
+        </p:spPr>
+      </p:pic>
+      <p:sp>
+        <p:nvSpPr>
+          <p:cNvPr id="6" name="TextBox 5"/>
+          <p:cNvSpPr txBox="1"/>
+          <p:nvPr/>
+        </p:nvSpPr>
+        <p:spPr>
+          <a:xfrm>
+            <a:off x="6609184" y="2420888"/>
+            <a:ext cx="1368152" cy="338554"/>
+          </a:xfrm>
+          <a:prstGeom prst="rect">
+            <a:avLst/>
+          </a:prstGeom>
+          <a:noFill/>
+        </p:spPr>
+        <p:txBody>
+          <a:bodyPr wrap="square" rtlCol="0">
+            <a:spAutoFit/>
+          </a:bodyPr>
+          <a:lstStyle/>
+          <a:p>
+            <a:r>
+              <a:rPr lang="en-US" altLang="ko-KR" sz="1600" dirty="0">
+                <a:solidFill>
+                  <a:srgbClr val="FF0000"/>
+                </a:solidFill>
+              </a:rPr>
+              <a:t>b</a:t>
+            </a:r>
+            <a:r>
+              <a:rPr lang="en-US" altLang="ko-KR" sz="1600" dirty="0" smtClean="0">
+                <a:solidFill>
+                  <a:srgbClr val="FF0000"/>
+                </a:solidFill>
+              </a:rPr>
+              <a:t>g_color.css</a:t>
+            </a:r>
+            <a:endParaRPr lang="ko-KR" altLang="en-US" sz="1600" dirty="0">
+              <a:solidFill>
+                <a:srgbClr val="FF0000"/>
+              </a:solidFill>
+            </a:endParaRPr>
+          </a:p>
+        </p:txBody>
+      </p:sp>
+    </p:spTree>
+    <p:extLst>
+      <p:ext uri="{BB962C8B-B14F-4D97-AF65-F5344CB8AC3E}">
+        <p14:creationId xmlns:p14="http://schemas.microsoft.com/office/powerpoint/2010/main" val="2761823982"/>
+      </p:ext>
+    </p:extLst>
+  </p:cSld>
+  <p:clrMapOvr>
+    <a:masterClrMapping/>
+  </p:clrMapOvr>
+  <p:timing>
+    <p:tnLst>
+      <p:par>
+        <p:cTn id="1" dur="indefinite" restart="never" nodeType="tmRoot"/>
+      </p:par>
+    </p:tnLst>
+  </p:timing>
+</p:sld>
+</file>
+
+<file path=ppt/slides/slide31.xml><?xml version="1.0" encoding="utf-8"?>
+<p:sld xmlns:a="http://schemas.openxmlformats.org/drawingml/2006/main" xmlns:r="http://schemas.openxmlformats.org/officeDocument/2006/relationships" xmlns:p="http://schemas.openxmlformats.org/presentationml/2006/main">
+  <p:cSld>
+    <p:spTree>
+      <p:nvGrpSpPr>
+        <p:cNvPr id="1" name=""/>
+        <p:cNvGrpSpPr/>
+        <p:nvPr/>
+      </p:nvGrpSpPr>
+      <p:grpSpPr>
+        <a:xfrm>
+          <a:off x="0" y="0"/>
+          <a:ext cx="0" cy="0"/>
+          <a:chOff x="0" y="0"/>
+          <a:chExt cx="0" cy="0"/>
+        </a:xfrm>
+      </p:grpSpPr>
+      <p:sp>
+        <p:nvSpPr>
+          <p:cNvPr id="2" name="제목 1"/>
+          <p:cNvSpPr>
+            <a:spLocks noGrp="1"/>
+          </p:cNvSpPr>
+          <p:nvPr>
+            <p:ph type="title"/>
+          </p:nvPr>
+        </p:nvSpPr>
+        <p:spPr>
+          <a:xfrm>
+            <a:off x="416497" y="197768"/>
+            <a:ext cx="6412780" cy="854968"/>
+          </a:xfrm>
+        </p:spPr>
+        <p:txBody>
+          <a:bodyPr>
+            <a:noAutofit/>
+          </a:bodyPr>
+          <a:lstStyle/>
+          <a:p>
+            <a:pPr algn="ctr"/>
+            <a:r>
+              <a:rPr lang="ko-KR" altLang="en-US" sz="2800" b="1" dirty="0" smtClean="0"/>
+              <a:t>숨기기와 보이기 이벤트 효과</a:t>
+            </a:r>
+            <a:r>
+              <a:rPr lang="en-US" altLang="ko-KR" sz="2800" dirty="0" smtClean="0"/>
+              <a:t> </a:t>
+            </a:r>
+            <a:endParaRPr lang="ko-KR" altLang="en-US" sz="2800" dirty="0"/>
+          </a:p>
+        </p:txBody>
+      </p:sp>
+      <p:sp>
+        <p:nvSpPr>
+          <p:cNvPr id="4" name="슬라이드 번호 개체 틀 3"/>
+          <p:cNvSpPr>
+            <a:spLocks noGrp="1"/>
+          </p:cNvSpPr>
+          <p:nvPr>
+            <p:ph type="sldNum" sz="quarter" idx="12"/>
+          </p:nvPr>
+        </p:nvSpPr>
+        <p:spPr/>
+        <p:txBody>
+          <a:bodyPr/>
+          <a:lstStyle/>
+          <a:p>
+            <a:fld id="{1BDE3FE7-3AEA-4B05-AC5A-802D1816ACF0}" type="slidenum">
+              <a:rPr lang="ko-KR" altLang="en-US" smtClean="0"/>
+              <a:t>31</a:t>
+            </a:fld>
+            <a:endParaRPr lang="ko-KR" altLang="en-US"/>
+          </a:p>
+        </p:txBody>
+      </p:sp>
+      <p:pic>
+        <p:nvPicPr>
+          <p:cNvPr id="3" name="그림 2"/>
+          <p:cNvPicPr>
+            <a:picLocks noChangeAspect="1"/>
+          </p:cNvPicPr>
+          <p:nvPr/>
+        </p:nvPicPr>
+        <p:blipFill>
+          <a:blip r:embed="rId2">
+            <a:extLst>
+              <a:ext uri="{28A0092B-C50C-407E-A947-70E740481C1C}">
+                <a14:useLocalDpi xmlns:a14="http://schemas.microsoft.com/office/drawing/2010/main" val="0"/>
+              </a:ext>
+            </a:extLst>
+          </a:blip>
+          <a:stretch>
+            <a:fillRect/>
+          </a:stretch>
+        </p:blipFill>
+        <p:spPr>
+          <a:xfrm>
+            <a:off x="5148807" y="2585719"/>
+            <a:ext cx="2769123" cy="3795609"/>
+          </a:xfrm>
+          <a:prstGeom prst="rect">
+            <a:avLst/>
+          </a:prstGeom>
+          <a:ln>
+            <a:solidFill>
+              <a:schemeClr val="bg1">
+                <a:lumMod val="85000"/>
+              </a:schemeClr>
+            </a:solidFill>
+          </a:ln>
+        </p:spPr>
+      </p:pic>
+      <p:pic>
+        <p:nvPicPr>
+          <p:cNvPr id="8" name="그림 7"/>
+          <p:cNvPicPr>
+            <a:picLocks noChangeAspect="1"/>
+          </p:cNvPicPr>
+          <p:nvPr/>
+        </p:nvPicPr>
+        <p:blipFill>
+          <a:blip r:embed="rId3">
+            <a:extLst>
+              <a:ext uri="{28A0092B-C50C-407E-A947-70E740481C1C}">
+                <a14:useLocalDpi xmlns:a14="http://schemas.microsoft.com/office/drawing/2010/main" val="0"/>
+              </a:ext>
+            </a:extLst>
+          </a:blip>
+          <a:stretch>
+            <a:fillRect/>
+          </a:stretch>
+        </p:blipFill>
+        <p:spPr>
+          <a:xfrm>
+            <a:off x="1352600" y="2616769"/>
+            <a:ext cx="2834534" cy="2160239"/>
+          </a:xfrm>
+          <a:prstGeom prst="rect">
+            <a:avLst/>
+          </a:prstGeom>
+          <a:ln>
+            <a:solidFill>
+              <a:schemeClr val="bg1">
+                <a:lumMod val="85000"/>
+              </a:schemeClr>
+            </a:solidFill>
+          </a:ln>
+        </p:spPr>
+      </p:pic>
+      <p:sp>
+        <p:nvSpPr>
+          <p:cNvPr id="12" name="TextBox 11"/>
+          <p:cNvSpPr txBox="1"/>
+          <p:nvPr/>
+        </p:nvSpPr>
+        <p:spPr>
+          <a:xfrm>
+            <a:off x="1602900" y="1974309"/>
+            <a:ext cx="2125964" cy="374571"/>
+          </a:xfrm>
+          <a:prstGeom prst="roundRect">
+            <a:avLst/>
+          </a:prstGeom>
+        </p:spPr>
+        <p:style>
+          <a:lnRef idx="2">
+            <a:schemeClr val="accent2"/>
+          </a:lnRef>
+          <a:fillRef idx="1">
+            <a:schemeClr val="lt1"/>
+          </a:fillRef>
+          <a:effectRef idx="0">
+            <a:schemeClr val="accent2"/>
+          </a:effectRef>
+          <a:fontRef idx="minor">
+            <a:schemeClr val="dk1"/>
+          </a:fontRef>
+        </p:style>
+        <p:txBody>
+          <a:bodyPr wrap="square" rtlCol="0">
+            <a:spAutoFit/>
+          </a:bodyPr>
+          <a:lstStyle/>
+          <a:p>
+            <a:pPr algn="ctr"/>
+            <a:r>
+              <a:rPr lang="ko-KR" altLang="en-US" sz="1600" dirty="0" err="1" smtClean="0"/>
+              <a:t>설명글</a:t>
+            </a:r>
+            <a:r>
+              <a:rPr lang="ko-KR" altLang="en-US" sz="1600" dirty="0" smtClean="0"/>
+              <a:t> 숨기</a:t>
+            </a:r>
+            <a:r>
+              <a:rPr lang="ko-KR" altLang="en-US" sz="1600" dirty="0"/>
+              <a:t>기</a:t>
+            </a:r>
+            <a:endParaRPr lang="en-US" altLang="ko-KR" sz="1600" dirty="0" smtClean="0"/>
+          </a:p>
+        </p:txBody>
+      </p:sp>
+      <p:sp>
+        <p:nvSpPr>
+          <p:cNvPr id="13" name="TextBox 12"/>
+          <p:cNvSpPr txBox="1"/>
+          <p:nvPr/>
+        </p:nvSpPr>
+        <p:spPr>
+          <a:xfrm>
+            <a:off x="5275308" y="1974309"/>
+            <a:ext cx="2125964" cy="374571"/>
+          </a:xfrm>
+          <a:prstGeom prst="roundRect">
+            <a:avLst/>
+          </a:prstGeom>
+        </p:spPr>
+        <p:style>
+          <a:lnRef idx="2">
+            <a:schemeClr val="accent2"/>
+          </a:lnRef>
+          <a:fillRef idx="1">
+            <a:schemeClr val="lt1"/>
+          </a:fillRef>
+          <a:effectRef idx="0">
+            <a:schemeClr val="accent2"/>
+          </a:effectRef>
+          <a:fontRef idx="minor">
+            <a:schemeClr val="dk1"/>
+          </a:fontRef>
+        </p:style>
+        <p:txBody>
+          <a:bodyPr wrap="square" rtlCol="0">
+            <a:spAutoFit/>
+          </a:bodyPr>
+          <a:lstStyle/>
+          <a:p>
+            <a:pPr algn="ctr"/>
+            <a:r>
+              <a:rPr lang="ko-KR" altLang="en-US" sz="1600" dirty="0" err="1" smtClean="0"/>
+              <a:t>설명글</a:t>
+            </a:r>
+            <a:r>
+              <a:rPr lang="ko-KR" altLang="en-US" sz="1600" dirty="0"/>
+              <a:t> </a:t>
+            </a:r>
+            <a:r>
+              <a:rPr lang="ko-KR" altLang="en-US" sz="1600" dirty="0" smtClean="0"/>
+              <a:t>보이기</a:t>
+            </a:r>
+            <a:endParaRPr lang="en-US" altLang="ko-KR" sz="1600" dirty="0" smtClean="0"/>
+          </a:p>
+        </p:txBody>
+      </p:sp>
+      <p:sp>
+        <p:nvSpPr>
+          <p:cNvPr id="14" name="TextBox 13"/>
+          <p:cNvSpPr txBox="1"/>
+          <p:nvPr/>
+        </p:nvSpPr>
+        <p:spPr>
+          <a:xfrm>
+            <a:off x="704528" y="1264985"/>
+            <a:ext cx="7416824" cy="507831"/>
+          </a:xfrm>
+          <a:prstGeom prst="rect">
+            <a:avLst/>
+          </a:prstGeom>
+          <a:noFill/>
+        </p:spPr>
+        <p:txBody>
+          <a:bodyPr wrap="square" rtlCol="0">
+            <a:spAutoFit/>
+          </a:bodyPr>
+          <a:lstStyle/>
+          <a:p>
+            <a:pPr>
+              <a:lnSpc>
+                <a:spcPct val="150000"/>
+              </a:lnSpc>
+            </a:pPr>
+            <a:r>
+              <a:rPr lang="ko-KR" altLang="en-US" dirty="0"/>
+              <a:t> </a:t>
+            </a:r>
+            <a:r>
+              <a:rPr lang="en-US" altLang="ko-KR" dirty="0" smtClean="0"/>
+              <a:t>- </a:t>
+            </a:r>
+            <a:r>
+              <a:rPr lang="ko-KR" altLang="en-US" b="1" dirty="0" smtClean="0"/>
+              <a:t>버튼을 클릭하여 이미지와 텍스트를 숨기고 보이는 효과 만들기</a:t>
+            </a:r>
+            <a:endParaRPr lang="en-US" altLang="ko-KR" b="1" dirty="0" smtClean="0"/>
+          </a:p>
+        </p:txBody>
+      </p:sp>
+    </p:spTree>
+    <p:extLst>
+      <p:ext uri="{BB962C8B-B14F-4D97-AF65-F5344CB8AC3E}">
+        <p14:creationId xmlns:p14="http://schemas.microsoft.com/office/powerpoint/2010/main" val="2861238955"/>
+      </p:ext>
+    </p:extLst>
+  </p:cSld>
+  <p:clrMapOvr>
+    <a:masterClrMapping/>
+  </p:clrMapOvr>
+  <p:timing>
+    <p:tnLst>
+      <p:par>
+        <p:cTn id="1" dur="indefinite" restart="never" nodeType="tmRoot"/>
+      </p:par>
+    </p:tnLst>
+  </p:timing>
+</p:sld>
+</file>
+
+<file path=ppt/slides/slide32.xml><?xml version="1.0" encoding="utf-8"?>
+<p:sld xmlns:a="http://schemas.openxmlformats.org/drawingml/2006/main" xmlns:r="http://schemas.openxmlformats.org/officeDocument/2006/relationships" xmlns:p="http://schemas.openxmlformats.org/presentationml/2006/main">
+  <p:cSld>
+    <p:spTree>
+      <p:nvGrpSpPr>
+        <p:cNvPr id="1" name=""/>
+        <p:cNvGrpSpPr/>
+        <p:nvPr/>
+      </p:nvGrpSpPr>
+      <p:grpSpPr>
+        <a:xfrm>
+          <a:off x="0" y="0"/>
+          <a:ext cx="0" cy="0"/>
+          <a:chOff x="0" y="0"/>
+          <a:chExt cx="0" cy="0"/>
+        </a:xfrm>
+      </p:grpSpPr>
+      <p:sp>
+        <p:nvSpPr>
+          <p:cNvPr id="2" name="제목 1"/>
+          <p:cNvSpPr>
+            <a:spLocks noGrp="1"/>
+          </p:cNvSpPr>
+          <p:nvPr>
+            <p:ph type="title"/>
+          </p:nvPr>
+        </p:nvSpPr>
+        <p:spPr>
+          <a:xfrm>
+            <a:off x="416497" y="197768"/>
+            <a:ext cx="6412780" cy="854968"/>
+          </a:xfrm>
+        </p:spPr>
+        <p:txBody>
+          <a:bodyPr>
+            <a:noAutofit/>
+          </a:bodyPr>
+          <a:lstStyle/>
+          <a:p>
+            <a:pPr algn="ctr"/>
+            <a:r>
+              <a:rPr lang="ko-KR" altLang="en-US" sz="2800" b="1" dirty="0"/>
+              <a:t>숨기기와 보이기 이벤트 효과</a:t>
+            </a:r>
+            <a:r>
+              <a:rPr lang="en-US" altLang="ko-KR" sz="2800" dirty="0"/>
+              <a:t> </a:t>
+            </a:r>
+            <a:endParaRPr lang="ko-KR" altLang="en-US" sz="2800" dirty="0"/>
+          </a:p>
+        </p:txBody>
+      </p:sp>
+      <p:sp>
+        <p:nvSpPr>
+          <p:cNvPr id="4" name="슬라이드 번호 개체 틀 3"/>
+          <p:cNvSpPr>
+            <a:spLocks noGrp="1"/>
+          </p:cNvSpPr>
+          <p:nvPr>
+            <p:ph type="sldNum" sz="quarter" idx="12"/>
+          </p:nvPr>
+        </p:nvSpPr>
+        <p:spPr/>
+        <p:txBody>
+          <a:bodyPr/>
+          <a:lstStyle/>
+          <a:p>
+            <a:fld id="{1BDE3FE7-3AEA-4B05-AC5A-802D1816ACF0}" type="slidenum">
+              <a:rPr lang="ko-KR" altLang="en-US" smtClean="0"/>
+              <a:t>32</a:t>
+            </a:fld>
+            <a:endParaRPr lang="ko-KR" altLang="en-US"/>
+          </a:p>
+        </p:txBody>
+      </p:sp>
+      <p:pic>
+        <p:nvPicPr>
+          <p:cNvPr id="3" name="그림 2"/>
+          <p:cNvPicPr>
+            <a:picLocks noChangeAspect="1"/>
+          </p:cNvPicPr>
+          <p:nvPr/>
+        </p:nvPicPr>
+        <p:blipFill>
+          <a:blip r:embed="rId2">
+            <a:extLst>
+              <a:ext uri="{28A0092B-C50C-407E-A947-70E740481C1C}">
+                <a14:useLocalDpi xmlns:a14="http://schemas.microsoft.com/office/drawing/2010/main" val="0"/>
+              </a:ext>
+            </a:extLst>
+          </a:blip>
+          <a:stretch>
+            <a:fillRect/>
+          </a:stretch>
+        </p:blipFill>
+        <p:spPr>
+          <a:xfrm>
+            <a:off x="920552" y="1644154"/>
+            <a:ext cx="7992888" cy="3585046"/>
+          </a:xfrm>
+          <a:prstGeom prst="rect">
+            <a:avLst/>
+          </a:prstGeom>
+          <a:ln>
+            <a:solidFill>
+              <a:schemeClr val="bg1">
+                <a:lumMod val="85000"/>
+              </a:schemeClr>
+            </a:solidFill>
+          </a:ln>
+        </p:spPr>
+      </p:pic>
+      <p:sp>
+        <p:nvSpPr>
+          <p:cNvPr id="10" name="TextBox 9"/>
+          <p:cNvSpPr txBox="1"/>
+          <p:nvPr/>
+        </p:nvSpPr>
+        <p:spPr>
+          <a:xfrm>
+            <a:off x="7545288" y="1531361"/>
+            <a:ext cx="1872208" cy="374571"/>
+          </a:xfrm>
+          <a:prstGeom prst="roundRect">
+            <a:avLst/>
+          </a:prstGeom>
+          <a:ln w="19050"/>
+        </p:spPr>
+        <p:style>
+          <a:lnRef idx="2">
+            <a:schemeClr val="accent1"/>
+          </a:lnRef>
+          <a:fillRef idx="1">
+            <a:schemeClr val="lt1"/>
+          </a:fillRef>
+          <a:effectRef idx="0">
+            <a:schemeClr val="accent1"/>
+          </a:effectRef>
+          <a:fontRef idx="minor">
+            <a:schemeClr val="dk1"/>
+          </a:fontRef>
+        </p:style>
+        <p:txBody>
+          <a:bodyPr wrap="square" rtlCol="0">
+            <a:spAutoFit/>
+          </a:bodyPr>
+          <a:lstStyle/>
+          <a:p>
+            <a:pPr algn="ctr"/>
+            <a:r>
+              <a:rPr lang="en-US" altLang="ko-KR" sz="1600" dirty="0"/>
+              <a:t>s</a:t>
+            </a:r>
+            <a:r>
+              <a:rPr lang="en-US" altLang="ko-KR" sz="1600" dirty="0" smtClean="0"/>
+              <a:t>how_hide2.html</a:t>
+            </a:r>
+            <a:endParaRPr lang="ko-KR" altLang="en-US" sz="1600" dirty="0"/>
+          </a:p>
+        </p:txBody>
+      </p:sp>
+    </p:spTree>
+    <p:extLst>
+      <p:ext uri="{BB962C8B-B14F-4D97-AF65-F5344CB8AC3E}">
+        <p14:creationId xmlns:p14="http://schemas.microsoft.com/office/powerpoint/2010/main" val="2509129757"/>
+      </p:ext>
+    </p:extLst>
+  </p:cSld>
+  <p:clrMapOvr>
+    <a:masterClrMapping/>
+  </p:clrMapOvr>
+  <p:timing>
+    <p:tnLst>
+      <p:par>
+        <p:cTn id="1" dur="indefinite" restart="never" nodeType="tmRoot"/>
+      </p:par>
+    </p:tnLst>
+  </p:timing>
+</p:sld>
+</file>
+
+<file path=ppt/slides/slide33.xml><?xml version="1.0" encoding="utf-8"?>
+<p:sld xmlns:a="http://schemas.openxmlformats.org/drawingml/2006/main" xmlns:r="http://schemas.openxmlformats.org/officeDocument/2006/relationships" xmlns:p="http://schemas.openxmlformats.org/presentationml/2006/main">
+  <p:cSld>
+    <p:spTree>
+      <p:nvGrpSpPr>
+        <p:cNvPr id="1" name=""/>
+        <p:cNvGrpSpPr/>
+        <p:nvPr/>
+      </p:nvGrpSpPr>
+      <p:grpSpPr>
+        <a:xfrm>
+          <a:off x="0" y="0"/>
+          <a:ext cx="0" cy="0"/>
+          <a:chOff x="0" y="0"/>
+          <a:chExt cx="0" cy="0"/>
+        </a:xfrm>
+      </p:grpSpPr>
+      <p:sp>
+        <p:nvSpPr>
+          <p:cNvPr id="2" name="제목 1"/>
+          <p:cNvSpPr>
+            <a:spLocks noGrp="1"/>
+          </p:cNvSpPr>
+          <p:nvPr>
+            <p:ph type="title"/>
+          </p:nvPr>
+        </p:nvSpPr>
+        <p:spPr>
+          <a:xfrm>
+            <a:off x="416497" y="197768"/>
+            <a:ext cx="6412780" cy="854968"/>
+          </a:xfrm>
+        </p:spPr>
+        <p:txBody>
+          <a:bodyPr>
+            <a:noAutofit/>
+          </a:bodyPr>
+          <a:lstStyle/>
+          <a:p>
+            <a:pPr algn="ctr"/>
+            <a:r>
+              <a:rPr lang="ko-KR" altLang="en-US" sz="2800" b="1" dirty="0"/>
+              <a:t>숨기기와 보이기 이벤트 효과</a:t>
+            </a:r>
+            <a:r>
+              <a:rPr lang="en-US" altLang="ko-KR" sz="2800" dirty="0"/>
+              <a:t> </a:t>
+            </a:r>
+            <a:endParaRPr lang="ko-KR" altLang="en-US" sz="2800" dirty="0"/>
+          </a:p>
+        </p:txBody>
+      </p:sp>
+      <p:sp>
+        <p:nvSpPr>
+          <p:cNvPr id="4" name="슬라이드 번호 개체 틀 3"/>
+          <p:cNvSpPr>
+            <a:spLocks noGrp="1"/>
+          </p:cNvSpPr>
+          <p:nvPr>
+            <p:ph type="sldNum" sz="quarter" idx="12"/>
+          </p:nvPr>
+        </p:nvSpPr>
+        <p:spPr/>
+        <p:txBody>
+          <a:bodyPr/>
+          <a:lstStyle/>
+          <a:p>
+            <a:fld id="{1BDE3FE7-3AEA-4B05-AC5A-802D1816ACF0}" type="slidenum">
+              <a:rPr lang="ko-KR" altLang="en-US" smtClean="0"/>
+              <a:t>33</a:t>
+            </a:fld>
+            <a:endParaRPr lang="ko-KR" altLang="en-US"/>
+          </a:p>
+        </p:txBody>
+      </p:sp>
+      <p:sp>
+        <p:nvSpPr>
+          <p:cNvPr id="7" name="TextBox 6"/>
+          <p:cNvSpPr txBox="1"/>
+          <p:nvPr/>
+        </p:nvSpPr>
+        <p:spPr>
+          <a:xfrm>
+            <a:off x="7113240" y="2204864"/>
+            <a:ext cx="1296144" cy="374571"/>
+          </a:xfrm>
+          <a:prstGeom prst="roundRect">
+            <a:avLst/>
+          </a:prstGeom>
+          <a:ln w="19050"/>
+        </p:spPr>
+        <p:style>
+          <a:lnRef idx="2">
+            <a:schemeClr val="accent1"/>
+          </a:lnRef>
+          <a:fillRef idx="1">
+            <a:schemeClr val="lt1"/>
+          </a:fillRef>
+          <a:effectRef idx="0">
+            <a:schemeClr val="accent1"/>
+          </a:effectRef>
+          <a:fontRef idx="minor">
+            <a:schemeClr val="dk1"/>
+          </a:fontRef>
+        </p:style>
+        <p:txBody>
+          <a:bodyPr wrap="square" rtlCol="0">
+            <a:spAutoFit/>
+          </a:bodyPr>
+          <a:lstStyle/>
+          <a:p>
+            <a:pPr algn="ctr"/>
+            <a:r>
+              <a:rPr lang="en-US" altLang="ko-KR" sz="1600" dirty="0" smtClean="0"/>
+              <a:t>event.css</a:t>
+            </a:r>
+            <a:endParaRPr lang="ko-KR" altLang="en-US" sz="1600" dirty="0"/>
+          </a:p>
+        </p:txBody>
+      </p:sp>
+      <p:pic>
+        <p:nvPicPr>
+          <p:cNvPr id="3" name="그림 2"/>
+          <p:cNvPicPr>
+            <a:picLocks noChangeAspect="1"/>
+          </p:cNvPicPr>
+          <p:nvPr/>
+        </p:nvPicPr>
+        <p:blipFill>
+          <a:blip r:embed="rId2">
+            <a:extLst>
+              <a:ext uri="{28A0092B-C50C-407E-A947-70E740481C1C}">
+                <a14:useLocalDpi xmlns:a14="http://schemas.microsoft.com/office/drawing/2010/main" val="0"/>
+              </a:ext>
+            </a:extLst>
+          </a:blip>
+          <a:stretch>
+            <a:fillRect/>
+          </a:stretch>
+        </p:blipFill>
+        <p:spPr>
+          <a:xfrm>
+            <a:off x="1352600" y="1988840"/>
+            <a:ext cx="5563082" cy="1143099"/>
+          </a:xfrm>
+          <a:prstGeom prst="rect">
+            <a:avLst/>
+          </a:prstGeom>
+          <a:ln>
+            <a:solidFill>
+              <a:schemeClr val="bg1">
+                <a:lumMod val="85000"/>
+              </a:schemeClr>
+            </a:solidFill>
+          </a:ln>
+        </p:spPr>
+      </p:pic>
+      <p:pic>
+        <p:nvPicPr>
+          <p:cNvPr id="8" name="그림 7"/>
+          <p:cNvPicPr>
+            <a:picLocks noChangeAspect="1"/>
+          </p:cNvPicPr>
+          <p:nvPr/>
+        </p:nvPicPr>
+        <p:blipFill>
+          <a:blip r:embed="rId3">
+            <a:extLst>
+              <a:ext uri="{28A0092B-C50C-407E-A947-70E740481C1C}">
+                <a14:useLocalDpi xmlns:a14="http://schemas.microsoft.com/office/drawing/2010/main" val="0"/>
+              </a:ext>
+            </a:extLst>
+          </a:blip>
+          <a:stretch>
+            <a:fillRect/>
+          </a:stretch>
+        </p:blipFill>
+        <p:spPr>
+          <a:xfrm>
+            <a:off x="1352599" y="3573016"/>
+            <a:ext cx="7500833" cy="1163307"/>
+          </a:xfrm>
+          <a:prstGeom prst="rect">
+            <a:avLst/>
+          </a:prstGeom>
+          <a:ln>
+            <a:solidFill>
+              <a:schemeClr val="bg1">
+                <a:lumMod val="85000"/>
+              </a:schemeClr>
+            </a:solidFill>
+          </a:ln>
+        </p:spPr>
+      </p:pic>
+    </p:spTree>
+    <p:extLst>
+      <p:ext uri="{BB962C8B-B14F-4D97-AF65-F5344CB8AC3E}">
+        <p14:creationId xmlns:p14="http://schemas.microsoft.com/office/powerpoint/2010/main" val="2678707703"/>
+      </p:ext>
+    </p:extLst>
+  </p:cSld>
+  <p:clrMapOvr>
+    <a:masterClrMapping/>
+  </p:clrMapOvr>
+  <p:timing>
+    <p:tnLst>
+      <p:par>
+        <p:cTn id="1" dur="indefinite" restart="never" nodeType="tmRoot"/>
+      </p:par>
+    </p:tnLst>
+  </p:timing>
+</p:sld>
+</file>
+
+<file path=ppt/slides/slide34.xml><?xml version="1.0" encoding="utf-8"?>
+<p:sld xmlns:a="http://schemas.openxmlformats.org/drawingml/2006/main" xmlns:r="http://schemas.openxmlformats.org/officeDocument/2006/relationships" xmlns:p="http://schemas.openxmlformats.org/presentationml/2006/main">
+  <p:cSld>
+    <p:spTree>
+      <p:nvGrpSpPr>
+        <p:cNvPr id="1" name=""/>
+        <p:cNvGrpSpPr/>
+        <p:nvPr/>
+      </p:nvGrpSpPr>
+      <p:grpSpPr>
+        <a:xfrm>
+          <a:off x="0" y="0"/>
+          <a:ext cx="0" cy="0"/>
+          <a:chOff x="0" y="0"/>
+          <a:chExt cx="0" cy="0"/>
+        </a:xfrm>
+      </p:grpSpPr>
+      <p:sp>
+        <p:nvSpPr>
+          <p:cNvPr id="2" name="제목 1"/>
+          <p:cNvSpPr>
+            <a:spLocks noGrp="1"/>
+          </p:cNvSpPr>
+          <p:nvPr>
+            <p:ph type="title"/>
+          </p:nvPr>
+        </p:nvSpPr>
+        <p:spPr>
+          <a:xfrm>
+            <a:off x="416497" y="197768"/>
+            <a:ext cx="6412780" cy="854968"/>
+          </a:xfrm>
+        </p:spPr>
+        <p:txBody>
+          <a:bodyPr>
+            <a:noAutofit/>
+          </a:bodyPr>
+          <a:lstStyle/>
+          <a:p>
+            <a:pPr algn="ctr"/>
+            <a:r>
+              <a:rPr lang="ko-KR" altLang="en-US" sz="2800" b="1" dirty="0"/>
+              <a:t>숨기기와 보이기 이벤트 효과</a:t>
+            </a:r>
+            <a:r>
+              <a:rPr lang="en-US" altLang="ko-KR" sz="2800" dirty="0"/>
+              <a:t> </a:t>
+            </a:r>
+            <a:endParaRPr lang="ko-KR" altLang="en-US" sz="2800" dirty="0"/>
+          </a:p>
+        </p:txBody>
+      </p:sp>
+      <p:sp>
+        <p:nvSpPr>
+          <p:cNvPr id="4" name="슬라이드 번호 개체 틀 3"/>
+          <p:cNvSpPr>
+            <a:spLocks noGrp="1"/>
+          </p:cNvSpPr>
+          <p:nvPr>
+            <p:ph type="sldNum" sz="quarter" idx="12"/>
+          </p:nvPr>
+        </p:nvSpPr>
+        <p:spPr/>
+        <p:txBody>
+          <a:bodyPr/>
+          <a:lstStyle/>
+          <a:p>
+            <a:fld id="{1BDE3FE7-3AEA-4B05-AC5A-802D1816ACF0}" type="slidenum">
+              <a:rPr lang="ko-KR" altLang="en-US" smtClean="0"/>
+              <a:t>34</a:t>
+            </a:fld>
+            <a:endParaRPr lang="ko-KR" altLang="en-US"/>
+          </a:p>
+        </p:txBody>
+      </p:sp>
+      <p:pic>
+        <p:nvPicPr>
+          <p:cNvPr id="5" name="그림 4"/>
+          <p:cNvPicPr>
+            <a:picLocks noChangeAspect="1"/>
+          </p:cNvPicPr>
+          <p:nvPr/>
+        </p:nvPicPr>
+        <p:blipFill>
+          <a:blip r:embed="rId2">
+            <a:extLst>
+              <a:ext uri="{28A0092B-C50C-407E-A947-70E740481C1C}">
+                <a14:useLocalDpi xmlns:a14="http://schemas.microsoft.com/office/drawing/2010/main" val="0"/>
+              </a:ext>
+            </a:extLst>
+          </a:blip>
+          <a:stretch>
+            <a:fillRect/>
+          </a:stretch>
+        </p:blipFill>
+        <p:spPr>
+          <a:xfrm>
+            <a:off x="1253477" y="1700808"/>
+            <a:ext cx="7087103" cy="3850423"/>
+          </a:xfrm>
+          <a:prstGeom prst="rect">
+            <a:avLst/>
+          </a:prstGeom>
+          <a:ln>
+            <a:solidFill>
+              <a:schemeClr val="bg1">
+                <a:lumMod val="85000"/>
+              </a:schemeClr>
+            </a:solidFill>
+          </a:ln>
+        </p:spPr>
+      </p:pic>
+      <p:sp>
+        <p:nvSpPr>
+          <p:cNvPr id="11" name="TextBox 10"/>
+          <p:cNvSpPr txBox="1"/>
+          <p:nvPr/>
+        </p:nvSpPr>
+        <p:spPr>
+          <a:xfrm>
+            <a:off x="7761312" y="1916832"/>
+            <a:ext cx="1025706" cy="374571"/>
+          </a:xfrm>
+          <a:prstGeom prst="roundRect">
+            <a:avLst/>
+          </a:prstGeom>
+          <a:ln w="19050"/>
+        </p:spPr>
+        <p:style>
+          <a:lnRef idx="2">
+            <a:schemeClr val="accent1"/>
+          </a:lnRef>
+          <a:fillRef idx="1">
+            <a:schemeClr val="lt1"/>
+          </a:fillRef>
+          <a:effectRef idx="0">
+            <a:schemeClr val="accent1"/>
+          </a:effectRef>
+          <a:fontRef idx="minor">
+            <a:schemeClr val="dk1"/>
+          </a:fontRef>
+        </p:style>
+        <p:txBody>
+          <a:bodyPr wrap="square" rtlCol="0">
+            <a:spAutoFit/>
+          </a:bodyPr>
+          <a:lstStyle/>
+          <a:p>
+            <a:pPr algn="ctr"/>
+            <a:r>
+              <a:rPr lang="en-US" altLang="ko-KR" sz="1600" dirty="0"/>
+              <a:t>e</a:t>
+            </a:r>
+            <a:r>
+              <a:rPr lang="en-US" altLang="ko-KR" sz="1600" dirty="0" smtClean="0"/>
+              <a:t>vent.js</a:t>
+            </a:r>
+            <a:endParaRPr lang="ko-KR" altLang="en-US" sz="1600" dirty="0"/>
+          </a:p>
+        </p:txBody>
+      </p:sp>
+    </p:spTree>
+    <p:extLst>
+      <p:ext uri="{BB962C8B-B14F-4D97-AF65-F5344CB8AC3E}">
+        <p14:creationId xmlns:p14="http://schemas.microsoft.com/office/powerpoint/2010/main" val="125533772"/>
+      </p:ext>
+    </p:extLst>
+  </p:cSld>
+  <p:clrMapOvr>
+    <a:masterClrMapping/>
+  </p:clrMapOvr>
+  <p:timing>
+    <p:tnLst>
+      <p:par>
+        <p:cTn id="1" dur="indefinite" restart="never" nodeType="tmRoot"/>
+      </p:par>
+    </p:tnLst>
+  </p:timing>
+</p:sld>
+</file>
+
 <file path=ppt/slides/slide4.xml><?xml version="1.0" encoding="utf-8"?>
 <p:sld xmlns:a="http://schemas.openxmlformats.org/drawingml/2006/main" xmlns:r="http://schemas.openxmlformats.org/officeDocument/2006/relationships" xmlns:p="http://schemas.openxmlformats.org/presentationml/2006/main">
   <p:cSld>
@@ -13796,15 +14081,7 @@
                   <a:srgbClr val="FF0000"/>
                 </a:solidFill>
               </a:rPr>
-              <a:t>function1</a:t>
-            </a:r>
-            <a:r>
-              <a:rPr lang="en-US" altLang="ko-KR" sz="1600" dirty="0" smtClean="0">
-                <a:solidFill>
-                  <a:srgbClr val="FF0000"/>
-                </a:solidFill>
-              </a:rPr>
-              <a:t>.html</a:t>
+              <a:t>function1.html</a:t>
             </a:r>
             <a:endParaRPr lang="ko-KR" altLang="en-US" sz="1600" dirty="0">
               <a:solidFill>

--- a/js_ppt/4강. js_함수(메서드).pptx
+++ b/js_ppt/4강. js_함수(메서드).pptx
@@ -5,7 +5,7 @@
     <p:sldMasterId id="2147483648" r:id="rId1"/>
   </p:sldMasterIdLst>
   <p:notesMasterIdLst>
-    <p:notesMasterId r:id="rId36"/>
+    <p:notesMasterId r:id="rId38"/>
   </p:notesMasterIdLst>
   <p:sldIdLst>
     <p:sldId id="256" r:id="rId2"/>
@@ -32,16 +32,18 @@
     <p:sldId id="391" r:id="rId23"/>
     <p:sldId id="409" r:id="rId24"/>
     <p:sldId id="398" r:id="rId25"/>
-    <p:sldId id="368" r:id="rId26"/>
-    <p:sldId id="407" r:id="rId27"/>
-    <p:sldId id="408" r:id="rId28"/>
-    <p:sldId id="401" r:id="rId29"/>
-    <p:sldId id="403" r:id="rId30"/>
-    <p:sldId id="402" r:id="rId31"/>
-    <p:sldId id="371" r:id="rId32"/>
-    <p:sldId id="372" r:id="rId33"/>
-    <p:sldId id="373" r:id="rId34"/>
-    <p:sldId id="410" r:id="rId35"/>
+    <p:sldId id="411" r:id="rId26"/>
+    <p:sldId id="412" r:id="rId27"/>
+    <p:sldId id="368" r:id="rId28"/>
+    <p:sldId id="407" r:id="rId29"/>
+    <p:sldId id="408" r:id="rId30"/>
+    <p:sldId id="401" r:id="rId31"/>
+    <p:sldId id="403" r:id="rId32"/>
+    <p:sldId id="402" r:id="rId33"/>
+    <p:sldId id="371" r:id="rId34"/>
+    <p:sldId id="372" r:id="rId35"/>
+    <p:sldId id="373" r:id="rId36"/>
+    <p:sldId id="410" r:id="rId37"/>
   </p:sldIdLst>
   <p:sldSz cx="9906000" cy="6858000" type="A4"/>
   <p:notesSz cx="6858000" cy="9144000"/>
@@ -241,7 +243,7 @@
           <a:p>
             <a:fld id="{7665CDAC-D627-4E87-877A-1B781DD4CADC}" type="datetimeFigureOut">
               <a:rPr lang="ko-KR" altLang="en-US" smtClean="0"/>
-              <a:t>2023-03-30</a:t>
+              <a:t>2023-03-31</a:t>
             </a:fld>
             <a:endParaRPr lang="ko-KR" altLang="en-US"/>
           </a:p>
@@ -655,7 +657,7 @@
           <a:p>
             <a:fld id="{C25BCFD5-C4DF-4EBC-B718-C69ED2FBDE6F}" type="datetime1">
               <a:rPr lang="ko-KR" altLang="en-US" smtClean="0"/>
-              <a:t>2023-03-30</a:t>
+              <a:t>2023-03-31</a:t>
             </a:fld>
             <a:endParaRPr lang="ko-KR" altLang="en-US"/>
           </a:p>
@@ -1073,7 +1075,7 @@
           <a:p>
             <a:fld id="{AB448CD7-D367-43D5-B461-ACE552E75063}" type="datetime1">
               <a:rPr lang="ko-KR" altLang="en-US" smtClean="0"/>
-              <a:t>2023-03-30</a:t>
+              <a:t>2023-03-31</a:t>
             </a:fld>
             <a:endParaRPr lang="ko-KR" altLang="en-US"/>
           </a:p>
@@ -1253,7 +1255,7 @@
           <a:p>
             <a:fld id="{B6E49E79-7361-4780-8BEF-7EDE3708298A}" type="datetime1">
               <a:rPr lang="ko-KR" altLang="en-US" smtClean="0"/>
-              <a:t>2023-03-30</a:t>
+              <a:t>2023-03-31</a:t>
             </a:fld>
             <a:endParaRPr lang="ko-KR" altLang="en-US"/>
           </a:p>
@@ -1427,7 +1429,7 @@
           <a:p>
             <a:fld id="{A4D42E3C-B70B-437C-85CF-1286301B9CBA}" type="datetime1">
               <a:rPr lang="ko-KR" altLang="en-US" smtClean="0"/>
-              <a:t>2023-03-30</a:t>
+              <a:t>2023-03-31</a:t>
             </a:fld>
             <a:endParaRPr lang="ko-KR" altLang="en-US"/>
           </a:p>
@@ -1673,7 +1675,7 @@
           <a:p>
             <a:fld id="{B3369A20-5B3D-4D98-A822-26B93D177A40}" type="datetime1">
               <a:rPr lang="ko-KR" altLang="en-US" smtClean="0"/>
-              <a:t>2023-03-30</a:t>
+              <a:t>2023-03-31</a:t>
             </a:fld>
             <a:endParaRPr lang="ko-KR" altLang="en-US"/>
           </a:p>
@@ -1961,7 +1963,7 @@
           <a:p>
             <a:fld id="{685CD4CE-9E43-4F70-A9D8-A2130CA7D92A}" type="datetime1">
               <a:rPr lang="ko-KR" altLang="en-US" smtClean="0"/>
-              <a:t>2023-03-30</a:t>
+              <a:t>2023-03-31</a:t>
             </a:fld>
             <a:endParaRPr lang="ko-KR" altLang="en-US"/>
           </a:p>
@@ -2383,7 +2385,7 @@
           <a:p>
             <a:fld id="{F752BD92-DA3E-4A0B-90C9-7DE5E15B6E96}" type="datetime1">
               <a:rPr lang="ko-KR" altLang="en-US" smtClean="0"/>
-              <a:t>2023-03-30</a:t>
+              <a:t>2023-03-31</a:t>
             </a:fld>
             <a:endParaRPr lang="ko-KR" altLang="en-US"/>
           </a:p>
@@ -2501,7 +2503,7 @@
           <a:p>
             <a:fld id="{8EA2B83A-F366-424E-B742-340ACF856BB5}" type="datetime1">
               <a:rPr lang="ko-KR" altLang="en-US" smtClean="0"/>
-              <a:t>2023-03-30</a:t>
+              <a:t>2023-03-31</a:t>
             </a:fld>
             <a:endParaRPr lang="ko-KR" altLang="en-US"/>
           </a:p>
@@ -2596,7 +2598,7 @@
           <a:p>
             <a:fld id="{9A49D68B-5DBD-48E9-A8D4-FCBC4B3DD9C6}" type="datetime1">
               <a:rPr lang="ko-KR" altLang="en-US" smtClean="0"/>
-              <a:t>2023-03-30</a:t>
+              <a:t>2023-03-31</a:t>
             </a:fld>
             <a:endParaRPr lang="ko-KR" altLang="en-US"/>
           </a:p>
@@ -2873,7 +2875,7 @@
           <a:p>
             <a:fld id="{4CAB534F-7D16-467B-9320-91F98915D181}" type="datetime1">
               <a:rPr lang="ko-KR" altLang="en-US" smtClean="0"/>
-              <a:t>2023-03-30</a:t>
+              <a:t>2023-03-31</a:t>
             </a:fld>
             <a:endParaRPr lang="ko-KR" altLang="en-US"/>
           </a:p>
@@ -3126,7 +3128,7 @@
           <a:p>
             <a:fld id="{A390A91F-2F8D-4486-A69D-D680F95444B0}" type="datetime1">
               <a:rPr lang="ko-KR" altLang="en-US" smtClean="0"/>
-              <a:t>2023-03-30</a:t>
+              <a:t>2023-03-31</a:t>
             </a:fld>
             <a:endParaRPr lang="ko-KR" altLang="en-US"/>
           </a:p>
@@ -3306,7 +3308,7 @@
           <a:p>
             <a:fld id="{2238BBEA-E8DD-414A-BF68-FC2AFA7CFF2D}" type="datetime1">
               <a:rPr lang="ko-KR" altLang="en-US" smtClean="0"/>
-              <a:t>2023-03-30</a:t>
+              <a:t>2023-03-31</a:t>
             </a:fld>
             <a:endParaRPr lang="ko-KR" altLang="en-US"/>
           </a:p>
@@ -9496,7 +9498,7 @@
         </p:blipFill>
         <p:spPr>
           <a:xfrm>
-            <a:off x="1712640" y="2044297"/>
+            <a:off x="2000672" y="3861048"/>
             <a:ext cx="3672408" cy="1475463"/>
           </a:xfrm>
           <a:prstGeom prst="rect">
@@ -9533,7 +9535,7 @@
         </p:blipFill>
         <p:spPr>
           <a:xfrm>
-            <a:off x="4326018" y="3810984"/>
+            <a:off x="2288704" y="1931222"/>
             <a:ext cx="3096345" cy="1606374"/>
           </a:xfrm>
           <a:prstGeom prst="rect">
@@ -9548,52 +9550,6 @@
           </a:ln>
         </p:spPr>
       </p:pic>
-      <p:sp>
-        <p:nvSpPr>
-          <p:cNvPr id="10" name="TextBox 9"/>
-          <p:cNvSpPr txBox="1"/>
-          <p:nvPr/>
-        </p:nvSpPr>
-        <p:spPr>
-          <a:xfrm>
-            <a:off x="5961112" y="3210303"/>
-            <a:ext cx="1512168" cy="338554"/>
-          </a:xfrm>
-          <a:prstGeom prst="rect">
-            <a:avLst/>
-          </a:prstGeom>
-          <a:noFill/>
-        </p:spPr>
-        <p:txBody>
-          <a:bodyPr wrap="square" rtlCol="0">
-            <a:spAutoFit/>
-          </a:bodyPr>
-          <a:lstStyle/>
-          <a:p>
-            <a:r>
-              <a:rPr lang="en-US" altLang="ko-KR" sz="1600" dirty="0">
-                <a:solidFill>
-                  <a:srgbClr val="FF0000"/>
-                </a:solidFill>
-              </a:rPr>
-              <a:t>c</a:t>
-            </a:r>
-            <a:r>
-              <a:rPr lang="en-US" altLang="ko-KR" sz="1600" dirty="0" smtClean="0">
-                <a:solidFill>
-                  <a:srgbClr val="FF0000"/>
-                </a:solidFill>
-              </a:rPr>
-              <a:t>alc_age.html</a:t>
-            </a:r>
-            <a:endParaRPr lang="ko-KR" altLang="en-US" sz="1600" dirty="0">
-              <a:solidFill>
-                <a:srgbClr val="FF0000"/>
-              </a:solidFill>
-            </a:endParaRPr>
-          </a:p>
-        </p:txBody>
-      </p:sp>
     </p:spTree>
     <p:extLst>
       <p:ext uri="{BB962C8B-B14F-4D97-AF65-F5344CB8AC3E}">
@@ -9734,7 +9690,7 @@
       </p:sp>
       <p:pic>
         <p:nvPicPr>
-          <p:cNvPr id="3" name="그림 2"/>
+          <p:cNvPr id="7" name="그림 6"/>
           <p:cNvPicPr>
             <a:picLocks noChangeAspect="1"/>
           </p:cNvPicPr>
@@ -9754,8 +9710,91 @@
         </p:blipFill>
         <p:spPr>
           <a:xfrm>
-            <a:off x="1496616" y="1899412"/>
-            <a:ext cx="5894593" cy="3759378"/>
+            <a:off x="1424608" y="1826330"/>
+            <a:ext cx="7226534" cy="4673064"/>
+          </a:xfrm>
+          <a:prstGeom prst="rect">
+            <a:avLst/>
+          </a:prstGeom>
+          <a:ln>
+            <a:solidFill>
+              <a:schemeClr val="bg1">
+                <a:lumMod val="85000"/>
+              </a:schemeClr>
+            </a:solidFill>
+          </a:ln>
+        </p:spPr>
+      </p:pic>
+      <p:sp>
+        <p:nvSpPr>
+          <p:cNvPr id="6" name="TextBox 5"/>
+          <p:cNvSpPr txBox="1"/>
+          <p:nvPr/>
+        </p:nvSpPr>
+        <p:spPr>
+          <a:xfrm>
+            <a:off x="3872880" y="1306797"/>
+            <a:ext cx="1512168" cy="338554"/>
+          </a:xfrm>
+          <a:prstGeom prst="rect">
+            <a:avLst/>
+          </a:prstGeom>
+          <a:noFill/>
+        </p:spPr>
+        <p:txBody>
+          <a:bodyPr wrap="square" rtlCol="0">
+            <a:spAutoFit/>
+          </a:bodyPr>
+          <a:lstStyle/>
+          <a:p>
+            <a:r>
+              <a:rPr lang="en-US" altLang="ko-KR" sz="1600" dirty="0">
+                <a:solidFill>
+                  <a:srgbClr val="FF0000"/>
+                </a:solidFill>
+              </a:rPr>
+              <a:t>c</a:t>
+            </a:r>
+            <a:r>
+              <a:rPr lang="en-US" altLang="ko-KR" sz="1600" dirty="0" smtClean="0">
+                <a:solidFill>
+                  <a:srgbClr val="FF0000"/>
+                </a:solidFill>
+              </a:rPr>
+              <a:t>alc_age.html</a:t>
+            </a:r>
+            <a:endParaRPr lang="ko-KR" altLang="en-US" sz="1600" dirty="0">
+              <a:solidFill>
+                <a:srgbClr val="FF0000"/>
+              </a:solidFill>
+            </a:endParaRPr>
+          </a:p>
+        </p:txBody>
+      </p:sp>
+      <p:pic>
+        <p:nvPicPr>
+          <p:cNvPr id="8" name="그림 7"/>
+          <p:cNvPicPr>
+            <a:picLocks noChangeAspect="1"/>
+          </p:cNvPicPr>
+          <p:nvPr/>
+        </p:nvPicPr>
+        <p:blipFill>
+          <a:blip r:embed="rId3">
+            <a:extLst>
+              <a:ext uri="{28A0092B-C50C-407E-A947-70E740481C1C}">
+                <a14:useLocalDpi xmlns:a14="http://schemas.microsoft.com/office/drawing/2010/main" val="0"/>
+              </a:ext>
+            </a:extLst>
+          </a:blip>
+          <a:stretch>
+            <a:fillRect/>
+          </a:stretch>
+        </p:blipFill>
+        <p:spPr>
+          <a:xfrm>
+            <a:off x="6537176" y="1412776"/>
+            <a:ext cx="2635681" cy="2266686"/>
           </a:xfrm>
           <a:prstGeom prst="rect">
             <a:avLst/>
@@ -10177,17 +10216,14 @@
           <a:p>
             <a:pPr algn="ctr"/>
             <a:r>
-              <a:rPr lang="en-US" altLang="ko-KR" sz="2800" dirty="0" smtClean="0"/>
-              <a:t>style </a:t>
-            </a:r>
-            <a:r>
-              <a:rPr lang="ko-KR" altLang="en-US" sz="2800" dirty="0" smtClean="0"/>
-              <a:t>속성 </a:t>
-            </a:r>
-            <a:r>
-              <a:rPr lang="ko-KR" altLang="en-US" sz="2800" dirty="0"/>
-              <a:t>사용</a:t>
-            </a:r>
+              <a:rPr lang="ko-KR" altLang="en-US" sz="2800" b="1" dirty="0" smtClean="0">
+                <a:solidFill>
+                  <a:srgbClr val="C00000"/>
+                </a:solidFill>
+              </a:rPr>
+              <a:t>구구단 출력하기</a:t>
+            </a:r>
+            <a:endParaRPr lang="ko-KR" altLang="en-US" sz="2800" dirty="0"/>
           </a:p>
         </p:txBody>
       </p:sp>
@@ -10214,62 +10250,9 @@
           </a:p>
         </p:txBody>
       </p:sp>
-      <p:sp>
-        <p:nvSpPr>
-          <p:cNvPr id="14" name="TextBox 13"/>
-          <p:cNvSpPr txBox="1"/>
-          <p:nvPr/>
-        </p:nvSpPr>
-        <p:spPr>
-          <a:xfrm>
-            <a:off x="1136576" y="1412776"/>
-            <a:ext cx="6048672" cy="553998"/>
-          </a:xfrm>
-          <a:prstGeom prst="rect">
-            <a:avLst/>
-          </a:prstGeom>
-          <a:noFill/>
-        </p:spPr>
-        <p:txBody>
-          <a:bodyPr wrap="square" rtlCol="0">
-            <a:spAutoFit/>
-          </a:bodyPr>
-          <a:lstStyle/>
-          <a:p>
-            <a:pPr marL="342900" indent="-342900">
-              <a:lnSpc>
-                <a:spcPct val="150000"/>
-              </a:lnSpc>
-              <a:buFont typeface="Wingdings" panose="05000000000000000000" pitchFamily="2" charset="2"/>
-              <a:buChar char="ü"/>
-            </a:pPr>
-            <a:r>
-              <a:rPr lang="ko-KR" altLang="en-US" sz="2000" b="1" dirty="0" smtClean="0"/>
-              <a:t>마우스를 클릭하</a:t>
-            </a:r>
-            <a:r>
-              <a:rPr lang="ko-KR" altLang="en-US" sz="2000" b="1" dirty="0"/>
-              <a:t>여</a:t>
-            </a:r>
-            <a:r>
-              <a:rPr lang="ko-KR" altLang="en-US" sz="2000" b="1" dirty="0" smtClean="0"/>
-              <a:t> </a:t>
-            </a:r>
-            <a:r>
-              <a:rPr lang="ko-KR" altLang="en-US" sz="2000" b="1" dirty="0" err="1" smtClean="0"/>
-              <a:t>글자색을</a:t>
-            </a:r>
-            <a:r>
-              <a:rPr lang="ko-KR" altLang="en-US" sz="2000" b="1" dirty="0" smtClean="0"/>
-              <a:t> 바꾸기 </a:t>
-            </a:r>
-            <a:endParaRPr lang="en-US" altLang="ko-KR" sz="2000" b="1" dirty="0" smtClean="0"/>
-          </a:p>
-        </p:txBody>
-      </p:sp>
       <p:pic>
         <p:nvPicPr>
-          <p:cNvPr id="9" name="그림 8"/>
+          <p:cNvPr id="8" name="그림 7"/>
           <p:cNvPicPr>
             <a:picLocks noChangeAspect="1"/>
           </p:cNvPicPr>
@@ -10289,147 +10272,8 @@
         </p:blipFill>
         <p:spPr>
           <a:xfrm>
-            <a:off x="1712640" y="2144991"/>
-            <a:ext cx="2773921" cy="563929"/>
-          </a:xfrm>
-          <a:prstGeom prst="rect">
-            <a:avLst/>
-          </a:prstGeom>
-          <a:ln>
-            <a:noFill/>
-          </a:ln>
-        </p:spPr>
-      </p:pic>
-      <p:cxnSp>
-        <p:nvCxnSpPr>
-          <p:cNvPr id="11" name="직선 화살표 연결선 10"/>
-          <p:cNvCxnSpPr/>
-          <p:nvPr/>
-        </p:nvCxnSpPr>
-        <p:spPr>
-          <a:xfrm>
-            <a:off x="4592960" y="2408439"/>
-            <a:ext cx="932245" cy="0"/>
-          </a:xfrm>
-          <a:prstGeom prst="straightConnector1">
-            <a:avLst/>
-          </a:prstGeom>
-          <a:ln w="19050">
-            <a:solidFill>
-              <a:srgbClr val="C00000"/>
-            </a:solidFill>
-            <a:prstDash val="dash"/>
-            <a:tailEnd type="arrow"/>
-          </a:ln>
-        </p:spPr>
-        <p:style>
-          <a:lnRef idx="1">
-            <a:schemeClr val="accent1"/>
-          </a:lnRef>
-          <a:fillRef idx="0">
-            <a:schemeClr val="accent1"/>
-          </a:fillRef>
-          <a:effectRef idx="0">
-            <a:schemeClr val="accent1"/>
-          </a:effectRef>
-          <a:fontRef idx="minor">
-            <a:schemeClr val="tx1"/>
-          </a:fontRef>
-        </p:style>
-      </p:cxnSp>
-      <p:sp>
-        <p:nvSpPr>
-          <p:cNvPr id="12" name="TextBox 11"/>
-          <p:cNvSpPr txBox="1"/>
-          <p:nvPr/>
-        </p:nvSpPr>
-        <p:spPr>
-          <a:xfrm>
-            <a:off x="4508301" y="2539643"/>
-            <a:ext cx="1135540" cy="338554"/>
-          </a:xfrm>
-          <a:prstGeom prst="rect">
-            <a:avLst/>
-          </a:prstGeom>
-          <a:noFill/>
-        </p:spPr>
-        <p:txBody>
-          <a:bodyPr wrap="square" rtlCol="0">
-            <a:spAutoFit/>
-          </a:bodyPr>
-          <a:lstStyle/>
-          <a:p>
-            <a:pPr algn="ctr"/>
-            <a:r>
-              <a:rPr lang="en-US" altLang="ko-KR" sz="1600" b="1" dirty="0" err="1" smtClean="0">
-                <a:solidFill>
-                  <a:srgbClr val="C00000"/>
-                </a:solidFill>
-              </a:rPr>
-              <a:t>onclick</a:t>
-            </a:r>
-            <a:endParaRPr lang="ko-KR" altLang="en-US" sz="1600" b="1" dirty="0">
-              <a:solidFill>
-                <a:srgbClr val="C00000"/>
-              </a:solidFill>
-            </a:endParaRPr>
-          </a:p>
-        </p:txBody>
-      </p:sp>
-      <p:pic>
-        <p:nvPicPr>
-          <p:cNvPr id="3" name="그림 2"/>
-          <p:cNvPicPr>
-            <a:picLocks noChangeAspect="1"/>
-          </p:cNvPicPr>
-          <p:nvPr/>
-        </p:nvPicPr>
-        <p:blipFill>
-          <a:blip r:embed="rId3">
-            <a:extLst>
-              <a:ext uri="{28A0092B-C50C-407E-A947-70E740481C1C}">
-                <a14:useLocalDpi xmlns:a14="http://schemas.microsoft.com/office/drawing/2010/main" val="0"/>
-              </a:ext>
-            </a:extLst>
-          </a:blip>
-          <a:stretch>
-            <a:fillRect/>
-          </a:stretch>
-        </p:blipFill>
-        <p:spPr>
-          <a:xfrm>
-            <a:off x="5745088" y="2116490"/>
-            <a:ext cx="2933954" cy="678239"/>
-          </a:xfrm>
-          <a:prstGeom prst="rect">
-            <a:avLst/>
-          </a:prstGeom>
-        </p:spPr>
-      </p:pic>
-      <p:pic>
-        <p:nvPicPr>
-          <p:cNvPr id="5" name="그림 4"/>
-          <p:cNvPicPr>
-            <a:picLocks noChangeAspect="1"/>
-          </p:cNvPicPr>
-          <p:nvPr/>
-        </p:nvPicPr>
-        <p:blipFill>
-          <a:blip r:embed="rId4">
-            <a:extLst>
-              <a:ext uri="{28A0092B-C50C-407E-A947-70E740481C1C}">
-                <a14:useLocalDpi xmlns:a14="http://schemas.microsoft.com/office/drawing/2010/main" val="0"/>
-              </a:ext>
-            </a:extLst>
-          </a:blip>
-          <a:stretch>
-            <a:fillRect/>
-          </a:stretch>
-        </p:blipFill>
-        <p:spPr>
-          <a:xfrm>
-            <a:off x="1712640" y="3212976"/>
-            <a:ext cx="6624736" cy="1702581"/>
+            <a:off x="2792760" y="1916832"/>
+            <a:ext cx="2514818" cy="3810330"/>
           </a:xfrm>
           <a:prstGeom prst="rect">
             <a:avLst/>
@@ -10437,54 +10281,16 @@
           <a:ln>
             <a:solidFill>
               <a:schemeClr val="bg1">
-                <a:lumMod val="95000"/>
+                <a:lumMod val="85000"/>
               </a:schemeClr>
             </a:solidFill>
           </a:ln>
         </p:spPr>
       </p:pic>
-      <p:sp>
-        <p:nvSpPr>
-          <p:cNvPr id="10" name="TextBox 9"/>
-          <p:cNvSpPr txBox="1"/>
-          <p:nvPr/>
-        </p:nvSpPr>
-        <p:spPr>
-          <a:xfrm>
-            <a:off x="7761312" y="3573016"/>
-            <a:ext cx="1872208" cy="338554"/>
-          </a:xfrm>
-          <a:prstGeom prst="rect">
-            <a:avLst/>
-          </a:prstGeom>
-          <a:noFill/>
-        </p:spPr>
-        <p:txBody>
-          <a:bodyPr wrap="square" rtlCol="0">
-            <a:spAutoFit/>
-          </a:bodyPr>
-          <a:lstStyle/>
-          <a:p>
-            <a:r>
-              <a:rPr lang="en-US" altLang="ko-KR" sz="1600" dirty="0" smtClean="0">
-                <a:solidFill>
-                  <a:srgbClr val="FF0000"/>
-                </a:solidFill>
-              </a:rPr>
-              <a:t>changet_text.html</a:t>
-            </a:r>
-            <a:endParaRPr lang="ko-KR" altLang="en-US" sz="1600" dirty="0">
-              <a:solidFill>
-                <a:srgbClr val="FF0000"/>
-              </a:solidFill>
-            </a:endParaRPr>
-          </a:p>
-        </p:txBody>
-      </p:sp>
     </p:spTree>
     <p:extLst>
       <p:ext uri="{BB962C8B-B14F-4D97-AF65-F5344CB8AC3E}">
-        <p14:creationId xmlns:p14="http://schemas.microsoft.com/office/powerpoint/2010/main" val="268095839"/>
+        <p14:creationId xmlns:p14="http://schemas.microsoft.com/office/powerpoint/2010/main" val="3003952610"/>
       </p:ext>
     </p:extLst>
   </p:cSld>
@@ -10542,12 +10348,12 @@
           <a:p>
             <a:pPr algn="ctr"/>
             <a:r>
-              <a:rPr lang="en-US" altLang="ko-KR" sz="2800" dirty="0"/>
-              <a:t>style </a:t>
-            </a:r>
-            <a:r>
-              <a:rPr lang="ko-KR" altLang="en-US" sz="2800" dirty="0" smtClean="0"/>
-              <a:t>속성 사용 예제</a:t>
+              <a:rPr lang="ko-KR" altLang="en-US" sz="2800" b="1" dirty="0" smtClean="0">
+                <a:solidFill>
+                  <a:srgbClr val="C00000"/>
+                </a:solidFill>
+              </a:rPr>
+              <a:t>구구단 출력하기</a:t>
             </a:r>
             <a:endParaRPr lang="ko-KR" altLang="en-US" sz="2800" dirty="0"/>
           </a:p>
@@ -10576,134 +10382,9 @@
           </a:p>
         </p:txBody>
       </p:sp>
-      <p:sp>
-        <p:nvSpPr>
-          <p:cNvPr id="14" name="TextBox 13"/>
-          <p:cNvSpPr txBox="1"/>
-          <p:nvPr/>
-        </p:nvSpPr>
-        <p:spPr>
-          <a:xfrm>
-            <a:off x="870050" y="1268760"/>
-            <a:ext cx="8331422" cy="1015663"/>
-          </a:xfrm>
-          <a:prstGeom prst="rect">
-            <a:avLst/>
-          </a:prstGeom>
-          <a:noFill/>
-        </p:spPr>
-        <p:txBody>
-          <a:bodyPr wrap="square" rtlCol="0">
-            <a:spAutoFit/>
-          </a:bodyPr>
-          <a:lstStyle/>
-          <a:p>
-            <a:pPr marL="342900" indent="-342900">
-              <a:lnSpc>
-                <a:spcPct val="150000"/>
-              </a:lnSpc>
-              <a:buFont typeface="Wingdings" panose="05000000000000000000" pitchFamily="2" charset="2"/>
-              <a:buChar char="l"/>
-            </a:pPr>
-            <a:r>
-              <a:rPr lang="ko-KR" altLang="en-US" sz="2000" b="1" dirty="0" smtClean="0"/>
-              <a:t>이미지 숨기기</a:t>
-            </a:r>
-            <a:r>
-              <a:rPr lang="en-US" altLang="ko-KR" sz="2000" b="1" dirty="0" smtClean="0"/>
-              <a:t>/</a:t>
-            </a:r>
-            <a:r>
-              <a:rPr lang="ko-KR" altLang="en-US" sz="2000" b="1" dirty="0" smtClean="0"/>
-              <a:t>보이기</a:t>
-            </a:r>
-            <a:endParaRPr lang="en-US" altLang="ko-KR" sz="2000" b="1" dirty="0" smtClean="0"/>
-          </a:p>
-          <a:p>
-            <a:pPr>
-              <a:lnSpc>
-                <a:spcPct val="150000"/>
-              </a:lnSpc>
-            </a:pPr>
-            <a:r>
-              <a:rPr lang="en-US" altLang="ko-KR" sz="2000" b="1" dirty="0"/>
-              <a:t> </a:t>
-            </a:r>
-            <a:r>
-              <a:rPr lang="en-US" altLang="ko-KR" sz="2000" b="1" dirty="0" smtClean="0"/>
-              <a:t>  </a:t>
-            </a:r>
-            <a:r>
-              <a:rPr lang="ko-KR" altLang="en-US" dirty="0" smtClean="0"/>
-              <a:t>보이기 </a:t>
-            </a:r>
-            <a:r>
-              <a:rPr lang="en-US" altLang="ko-KR" dirty="0" smtClean="0"/>
-              <a:t>– </a:t>
-            </a:r>
-            <a:r>
-              <a:rPr lang="en-US" altLang="ko-KR" b="1" dirty="0" err="1" smtClean="0">
-                <a:solidFill>
-                  <a:srgbClr val="C00000"/>
-                </a:solidFill>
-              </a:rPr>
-              <a:t>style.display</a:t>
-            </a:r>
-            <a:r>
-              <a:rPr lang="en-US" altLang="ko-KR" b="1" dirty="0" smtClean="0">
-                <a:solidFill>
-                  <a:srgbClr val="C00000"/>
-                </a:solidFill>
-              </a:rPr>
-              <a:t> = ‘block’</a:t>
-            </a:r>
-            <a:r>
-              <a:rPr lang="en-US" altLang="ko-KR" dirty="0" smtClean="0"/>
-              <a:t>,  </a:t>
-            </a:r>
-            <a:r>
-              <a:rPr lang="ko-KR" altLang="en-US" dirty="0" smtClean="0"/>
-              <a:t>숨기기 </a:t>
-            </a:r>
-            <a:r>
-              <a:rPr lang="en-US" altLang="ko-KR" dirty="0" smtClean="0"/>
-              <a:t>– </a:t>
-            </a:r>
-            <a:r>
-              <a:rPr lang="en-US" altLang="ko-KR" b="1" dirty="0" err="1" smtClean="0">
-                <a:solidFill>
-                  <a:srgbClr val="C00000"/>
-                </a:solidFill>
-              </a:rPr>
-              <a:t>style.display</a:t>
-            </a:r>
-            <a:r>
-              <a:rPr lang="en-US" altLang="ko-KR" b="1" dirty="0" smtClean="0">
-                <a:solidFill>
-                  <a:srgbClr val="C00000"/>
-                </a:solidFill>
-              </a:rPr>
-              <a:t> = ‘none’</a:t>
-            </a:r>
-            <a:r>
-              <a:rPr lang="ko-KR" altLang="en-US" b="1" dirty="0" smtClean="0">
-                <a:solidFill>
-                  <a:srgbClr val="C00000"/>
-                </a:solidFill>
-              </a:rPr>
-              <a:t> </a:t>
-            </a:r>
-            <a:endParaRPr lang="en-US" altLang="ko-KR" b="1" dirty="0" smtClean="0">
-              <a:solidFill>
-                <a:srgbClr val="C00000"/>
-              </a:solidFill>
-            </a:endParaRPr>
-          </a:p>
-        </p:txBody>
-      </p:sp>
       <p:pic>
         <p:nvPicPr>
-          <p:cNvPr id="5" name="그림 4"/>
+          <p:cNvPr id="7" name="그림 6"/>
           <p:cNvPicPr>
             <a:picLocks noChangeAspect="1"/>
           </p:cNvPicPr>
@@ -10723,21 +10404,71 @@
         </p:blipFill>
         <p:spPr>
           <a:xfrm>
-            <a:off x="2432720" y="2477209"/>
-            <a:ext cx="4104455" cy="3611639"/>
+            <a:off x="1424608" y="1988840"/>
+            <a:ext cx="6988146" cy="3482642"/>
           </a:xfrm>
           <a:prstGeom prst="rect">
             <a:avLst/>
           </a:prstGeom>
           <a:ln>
-            <a:noFill/>
+            <a:solidFill>
+              <a:schemeClr val="bg1">
+                <a:lumMod val="85000"/>
+              </a:schemeClr>
+            </a:solidFill>
           </a:ln>
         </p:spPr>
       </p:pic>
+      <p:sp>
+        <p:nvSpPr>
+          <p:cNvPr id="6" name="TextBox 5"/>
+          <p:cNvSpPr txBox="1"/>
+          <p:nvPr/>
+        </p:nvSpPr>
+        <p:spPr>
+          <a:xfrm>
+            <a:off x="6684562" y="1556792"/>
+            <a:ext cx="1728192" cy="338554"/>
+          </a:xfrm>
+          <a:prstGeom prst="rect">
+            <a:avLst/>
+          </a:prstGeom>
+          <a:noFill/>
+        </p:spPr>
+        <p:txBody>
+          <a:bodyPr wrap="square" rtlCol="0">
+            <a:spAutoFit/>
+          </a:bodyPr>
+          <a:lstStyle/>
+          <a:p>
+            <a:r>
+              <a:rPr lang="en-US" altLang="ko-KR" sz="1600" dirty="0" smtClean="0">
+                <a:solidFill>
+                  <a:srgbClr val="FF0000"/>
+                </a:solidFill>
+              </a:rPr>
+              <a:t>f</a:t>
+            </a:r>
+            <a:r>
+              <a:rPr lang="en-US" altLang="ko-KR" sz="1600" dirty="0" smtClean="0">
+                <a:solidFill>
+                  <a:srgbClr val="FF0000"/>
+                </a:solidFill>
+              </a:rPr>
+              <a:t>unc_gugu2.html</a:t>
+            </a:r>
+            <a:endParaRPr lang="ko-KR" altLang="en-US" sz="1600" dirty="0">
+              <a:solidFill>
+                <a:srgbClr val="FF0000"/>
+              </a:solidFill>
+            </a:endParaRPr>
+          </a:p>
+        </p:txBody>
+      </p:sp>
     </p:spTree>
     <p:extLst>
       <p:ext uri="{BB962C8B-B14F-4D97-AF65-F5344CB8AC3E}">
-        <p14:creationId xmlns:p14="http://schemas.microsoft.com/office/powerpoint/2010/main" val="585333024"/>
+        <p14:creationId xmlns:p14="http://schemas.microsoft.com/office/powerpoint/2010/main" val="505915866"/>
       </p:ext>
     </p:extLst>
   </p:cSld>
@@ -10795,14 +10526,17 @@
           <a:p>
             <a:pPr algn="ctr"/>
             <a:r>
-              <a:rPr lang="en-US" altLang="ko-KR" sz="2800" dirty="0"/>
+              <a:rPr lang="en-US" altLang="ko-KR" sz="2800" dirty="0" smtClean="0"/>
               <a:t>style </a:t>
             </a:r>
             <a:r>
+              <a:rPr lang="ko-KR" altLang="en-US" sz="2800" dirty="0" smtClean="0"/>
+              <a:t>속성 </a:t>
+            </a:r>
+            <a:r>
               <a:rPr lang="ko-KR" altLang="en-US" sz="2800" dirty="0"/>
-              <a:t>속성 사용 예제</a:t>
-            </a:r>
-            <a:endParaRPr lang="ko-KR" altLang="en-US" sz="2800" dirty="0"/>
+              <a:t>사용</a:t>
+            </a:r>
           </a:p>
         </p:txBody>
       </p:sp>
@@ -10829,9 +10563,62 @@
           </a:p>
         </p:txBody>
       </p:sp>
+      <p:sp>
+        <p:nvSpPr>
+          <p:cNvPr id="14" name="TextBox 13"/>
+          <p:cNvSpPr txBox="1"/>
+          <p:nvPr/>
+        </p:nvSpPr>
+        <p:spPr>
+          <a:xfrm>
+            <a:off x="1136576" y="1412776"/>
+            <a:ext cx="6048672" cy="553998"/>
+          </a:xfrm>
+          <a:prstGeom prst="rect">
+            <a:avLst/>
+          </a:prstGeom>
+          <a:noFill/>
+        </p:spPr>
+        <p:txBody>
+          <a:bodyPr wrap="square" rtlCol="0">
+            <a:spAutoFit/>
+          </a:bodyPr>
+          <a:lstStyle/>
+          <a:p>
+            <a:pPr marL="342900" indent="-342900">
+              <a:lnSpc>
+                <a:spcPct val="150000"/>
+              </a:lnSpc>
+              <a:buFont typeface="Wingdings" panose="05000000000000000000" pitchFamily="2" charset="2"/>
+              <a:buChar char="ü"/>
+            </a:pPr>
+            <a:r>
+              <a:rPr lang="ko-KR" altLang="en-US" sz="2000" b="1" dirty="0" smtClean="0"/>
+              <a:t>마우스를 클릭하</a:t>
+            </a:r>
+            <a:r>
+              <a:rPr lang="ko-KR" altLang="en-US" sz="2000" b="1" dirty="0"/>
+              <a:t>여</a:t>
+            </a:r>
+            <a:r>
+              <a:rPr lang="ko-KR" altLang="en-US" sz="2000" b="1" dirty="0" smtClean="0"/>
+              <a:t> </a:t>
+            </a:r>
+            <a:r>
+              <a:rPr lang="ko-KR" altLang="en-US" sz="2000" b="1" dirty="0" err="1" smtClean="0"/>
+              <a:t>글자색을</a:t>
+            </a:r>
+            <a:r>
+              <a:rPr lang="ko-KR" altLang="en-US" sz="2000" b="1" dirty="0" smtClean="0"/>
+              <a:t> 바꾸기 </a:t>
+            </a:r>
+            <a:endParaRPr lang="en-US" altLang="ko-KR" sz="2000" b="1" dirty="0" smtClean="0"/>
+          </a:p>
+        </p:txBody>
+      </p:sp>
       <p:pic>
         <p:nvPicPr>
-          <p:cNvPr id="5" name="그림 4"/>
+          <p:cNvPr id="9" name="그림 8"/>
           <p:cNvPicPr>
             <a:picLocks noChangeAspect="1"/>
           </p:cNvPicPr>
@@ -10851,31 +10638,64 @@
         </p:blipFill>
         <p:spPr>
           <a:xfrm>
-            <a:off x="1208584" y="1484784"/>
-            <a:ext cx="5357340" cy="3576162"/>
+            <a:off x="1712640" y="2144991"/>
+            <a:ext cx="2773921" cy="563929"/>
           </a:xfrm>
           <a:prstGeom prst="rect">
             <a:avLst/>
           </a:prstGeom>
           <a:ln>
+            <a:noFill/>
+          </a:ln>
+        </p:spPr>
+      </p:pic>
+      <p:cxnSp>
+        <p:nvCxnSpPr>
+          <p:cNvPr id="11" name="직선 화살표 연결선 10"/>
+          <p:cNvCxnSpPr/>
+          <p:nvPr/>
+        </p:nvCxnSpPr>
+        <p:spPr>
+          <a:xfrm>
+            <a:off x="4592960" y="2408439"/>
+            <a:ext cx="932245" cy="0"/>
+          </a:xfrm>
+          <a:prstGeom prst="straightConnector1">
+            <a:avLst/>
+          </a:prstGeom>
+          <a:ln w="19050">
             <a:solidFill>
-              <a:schemeClr val="bg1">
-                <a:lumMod val="85000"/>
-              </a:schemeClr>
+              <a:srgbClr val="C00000"/>
             </a:solidFill>
+            <a:prstDash val="dash"/>
+            <a:tailEnd type="arrow"/>
           </a:ln>
         </p:spPr>
-      </p:pic>
-      <p:sp>
-        <p:nvSpPr>
-          <p:cNvPr id="7" name="TextBox 6"/>
+        <p:style>
+          <a:lnRef idx="1">
+            <a:schemeClr val="accent1"/>
+          </a:lnRef>
+          <a:fillRef idx="0">
+            <a:schemeClr val="accent1"/>
+          </a:fillRef>
+          <a:effectRef idx="0">
+            <a:schemeClr val="accent1"/>
+          </a:effectRef>
+          <a:fontRef idx="minor">
+            <a:schemeClr val="tx1"/>
+          </a:fontRef>
+        </p:style>
+      </p:cxnSp>
+      <p:sp>
+        <p:nvSpPr>
+          <p:cNvPr id="12" name="TextBox 11"/>
           <p:cNvSpPr txBox="1"/>
           <p:nvPr/>
         </p:nvSpPr>
         <p:spPr>
           <a:xfrm>
-            <a:off x="5961112" y="1656519"/>
-            <a:ext cx="1728192" cy="338554"/>
+            <a:off x="4508301" y="2539643"/>
+            <a:ext cx="1135540" cy="338554"/>
           </a:xfrm>
           <a:prstGeom prst="rect">
             <a:avLst/>
@@ -10888,25 +10708,18 @@
           </a:bodyPr>
           <a:lstStyle/>
           <a:p>
-            <a:r>
-              <a:rPr lang="en-US" altLang="ko-KR" sz="1600" dirty="0">
+            <a:pPr algn="ctr"/>
+            <a:r>
+              <a:rPr lang="en-US" altLang="ko-KR" sz="1600" b="1" dirty="0" err="1" smtClean="0">
                 <a:solidFill>
-                  <a:srgbClr val="FF0000"/>
+                  <a:srgbClr val="C00000"/>
                 </a:solidFill>
               </a:rPr>
-              <a:t>s</a:t>
-            </a:r>
-            <a:r>
-              <a:rPr lang="en-US" altLang="ko-KR" sz="1600" dirty="0" smtClean="0">
-                <a:solidFill>
-                  <a:srgbClr val="FF0000"/>
-                </a:solidFill>
-              </a:rPr>
-              <a:t>how-hide.html</a:t>
-            </a:r>
-            <a:endParaRPr lang="ko-KR" altLang="en-US" sz="1600" dirty="0">
+              <a:t>onclick</a:t>
+            </a:r>
+            <a:endParaRPr lang="ko-KR" altLang="en-US" sz="1600" b="1" dirty="0">
               <a:solidFill>
-                <a:srgbClr val="FF0000"/>
+                <a:srgbClr val="C00000"/>
               </a:solidFill>
             </a:endParaRPr>
           </a:p>
@@ -10934,8 +10747,38 @@
         </p:blipFill>
         <p:spPr>
           <a:xfrm>
-            <a:off x="5385048" y="4725144"/>
-            <a:ext cx="3443469" cy="1512168"/>
+            <a:off x="5745088" y="2116490"/>
+            <a:ext cx="2933954" cy="678239"/>
+          </a:xfrm>
+          <a:prstGeom prst="rect">
+            <a:avLst/>
+          </a:prstGeom>
+        </p:spPr>
+      </p:pic>
+      <p:pic>
+        <p:nvPicPr>
+          <p:cNvPr id="5" name="그림 4"/>
+          <p:cNvPicPr>
+            <a:picLocks noChangeAspect="1"/>
+          </p:cNvPicPr>
+          <p:nvPr/>
+        </p:nvPicPr>
+        <p:blipFill>
+          <a:blip r:embed="rId4">
+            <a:extLst>
+              <a:ext uri="{28A0092B-C50C-407E-A947-70E740481C1C}">
+                <a14:useLocalDpi xmlns:a14="http://schemas.microsoft.com/office/drawing/2010/main" val="0"/>
+              </a:ext>
+            </a:extLst>
+          </a:blip>
+          <a:stretch>
+            <a:fillRect/>
+          </a:stretch>
+        </p:blipFill>
+        <p:spPr>
+          <a:xfrm>
+            <a:off x="1712640" y="3212976"/>
+            <a:ext cx="6624736" cy="1702581"/>
           </a:xfrm>
           <a:prstGeom prst="rect">
             <a:avLst/>
@@ -10943,16 +10786,54 @@
           <a:ln>
             <a:solidFill>
               <a:schemeClr val="bg1">
-                <a:lumMod val="85000"/>
+                <a:lumMod val="95000"/>
               </a:schemeClr>
             </a:solidFill>
           </a:ln>
         </p:spPr>
       </p:pic>
+      <p:sp>
+        <p:nvSpPr>
+          <p:cNvPr id="10" name="TextBox 9"/>
+          <p:cNvSpPr txBox="1"/>
+          <p:nvPr/>
+        </p:nvSpPr>
+        <p:spPr>
+          <a:xfrm>
+            <a:off x="7761312" y="3573016"/>
+            <a:ext cx="1872208" cy="338554"/>
+          </a:xfrm>
+          <a:prstGeom prst="rect">
+            <a:avLst/>
+          </a:prstGeom>
+          <a:noFill/>
+        </p:spPr>
+        <p:txBody>
+          <a:bodyPr wrap="square" rtlCol="0">
+            <a:spAutoFit/>
+          </a:bodyPr>
+          <a:lstStyle/>
+          <a:p>
+            <a:r>
+              <a:rPr lang="en-US" altLang="ko-KR" sz="1600" dirty="0" smtClean="0">
+                <a:solidFill>
+                  <a:srgbClr val="FF0000"/>
+                </a:solidFill>
+              </a:rPr>
+              <a:t>changet_text.html</a:t>
+            </a:r>
+            <a:endParaRPr lang="ko-KR" altLang="en-US" sz="1600" dirty="0">
+              <a:solidFill>
+                <a:srgbClr val="FF0000"/>
+              </a:solidFill>
+            </a:endParaRPr>
+          </a:p>
+        </p:txBody>
+      </p:sp>
     </p:spTree>
     <p:extLst>
       <p:ext uri="{BB962C8B-B14F-4D97-AF65-F5344CB8AC3E}">
-        <p14:creationId xmlns:p14="http://schemas.microsoft.com/office/powerpoint/2010/main" val="2455255886"/>
+        <p14:creationId xmlns:p14="http://schemas.microsoft.com/office/powerpoint/2010/main" val="268095839"/>
       </p:ext>
     </p:extLst>
   </p:cSld>
@@ -11014,7 +10895,7 @@
               <a:t>style </a:t>
             </a:r>
             <a:r>
-              <a:rPr lang="ko-KR" altLang="en-US" sz="2800" dirty="0"/>
+              <a:rPr lang="ko-KR" altLang="en-US" sz="2800" dirty="0" smtClean="0"/>
               <a:t>속성 사용 예제</a:t>
             </a:r>
             <a:endParaRPr lang="ko-KR" altLang="en-US" sz="2800" dirty="0"/>
@@ -11052,8 +10933,8 @@
         </p:nvSpPr>
         <p:spPr>
           <a:xfrm>
-            <a:off x="1136576" y="1336993"/>
-            <a:ext cx="3888432" cy="507831"/>
+            <a:off x="870050" y="1268760"/>
+            <a:ext cx="8331422" cy="1015663"/>
           </a:xfrm>
           <a:prstGeom prst="rect">
             <a:avLst/>
@@ -11065,6 +10946,28 @@
             <a:spAutoFit/>
           </a:bodyPr>
           <a:lstStyle/>
+          <a:p>
+            <a:pPr marL="342900" indent="-342900">
+              <a:lnSpc>
+                <a:spcPct val="150000"/>
+              </a:lnSpc>
+              <a:buFont typeface="Wingdings" panose="05000000000000000000" pitchFamily="2" charset="2"/>
+              <a:buChar char="l"/>
+            </a:pPr>
+            <a:r>
+              <a:rPr lang="ko-KR" altLang="en-US" sz="2000" b="1" dirty="0" smtClean="0"/>
+              <a:t>이미지 숨기기</a:t>
+            </a:r>
+            <a:r>
+              <a:rPr lang="en-US" altLang="ko-KR" sz="2000" b="1" dirty="0" smtClean="0"/>
+              <a:t>/</a:t>
+            </a:r>
+            <a:r>
+              <a:rPr lang="ko-KR" altLang="en-US" sz="2000" b="1" dirty="0" smtClean="0"/>
+              <a:t>보이기</a:t>
+            </a:r>
+            <a:endParaRPr lang="en-US" altLang="ko-KR" sz="2000" b="1" dirty="0" smtClean="0"/>
+          </a:p>
           <a:p>
             <a:pPr>
               <a:lnSpc>
@@ -11072,24 +10975,84 @@
               </a:lnSpc>
             </a:pPr>
             <a:r>
-              <a:rPr lang="ko-KR" altLang="en-US" dirty="0"/>
+              <a:rPr lang="en-US" altLang="ko-KR" sz="2000" b="1" dirty="0"/>
               <a:t> </a:t>
             </a:r>
             <a:r>
+              <a:rPr lang="en-US" altLang="ko-KR" sz="2000" b="1" dirty="0" smtClean="0"/>
+              <a:t>  </a:t>
+            </a:r>
+            <a:r>
+              <a:rPr lang="ko-KR" altLang="en-US" dirty="0" smtClean="0"/>
+              <a:t>보이기 </a:t>
+            </a:r>
+            <a:r>
               <a:rPr lang="en-US" altLang="ko-KR" dirty="0" smtClean="0"/>
-              <a:t>- </a:t>
-            </a:r>
-            <a:r>
-              <a:rPr lang="ko-KR" altLang="en-US" b="1" dirty="0" smtClean="0"/>
-              <a:t>버튼을 클릭하여 배경색 넣기</a:t>
-            </a:r>
-            <a:endParaRPr lang="en-US" altLang="ko-KR" b="1" dirty="0" smtClean="0"/>
+              <a:t>– </a:t>
+            </a:r>
+            <a:r>
+              <a:rPr lang="en-US" altLang="ko-KR" b="1" dirty="0" err="1" smtClean="0">
+                <a:solidFill>
+                  <a:srgbClr val="C00000"/>
+                </a:solidFill>
+              </a:rPr>
+              <a:t>style.display</a:t>
+            </a:r>
+            <a:r>
+              <a:rPr lang="en-US" altLang="ko-KR" b="1" dirty="0" smtClean="0">
+                <a:solidFill>
+                  <a:srgbClr val="C00000"/>
+                </a:solidFill>
+              </a:rPr>
+              <a:t> = ‘block’</a:t>
+            </a:r>
+            <a:r>
+              <a:rPr lang="en-US" altLang="ko-KR" dirty="0" smtClean="0"/>
+              <a:t>,  </a:t>
+            </a:r>
+            <a:r>
+              <a:rPr lang="ko-KR" altLang="en-US" dirty="0" smtClean="0"/>
+              <a:t>숨기기 </a:t>
+            </a:r>
+            <a:r>
+              <a:rPr lang="en-US" altLang="ko-KR" dirty="0" smtClean="0"/>
+              <a:t>– </a:t>
+            </a:r>
+            <a:r>
+              <a:rPr lang="en-US" altLang="ko-KR" b="1" dirty="0" err="1" smtClean="0">
+                <a:solidFill>
+                  <a:srgbClr val="C00000"/>
+                </a:solidFill>
+              </a:rPr>
+              <a:t>style.display</a:t>
+            </a:r>
+            <a:r>
+              <a:rPr lang="en-US" altLang="ko-KR" b="1" dirty="0" smtClean="0">
+                <a:solidFill>
+                  <a:srgbClr val="C00000"/>
+                </a:solidFill>
+              </a:rPr>
+              <a:t> = ‘none’</a:t>
+            </a:r>
+            <a:r>
+              <a:rPr lang="ko-KR" altLang="en-US" b="1" dirty="0" smtClean="0">
+                <a:solidFill>
+                  <a:srgbClr val="C00000"/>
+                </a:solidFill>
+              </a:rPr>
+              <a:t> </a:t>
+            </a:r>
+            <a:endParaRPr lang="en-US" altLang="ko-KR" b="1" dirty="0" smtClean="0">
+              <a:solidFill>
+                <a:srgbClr val="C00000"/>
+              </a:solidFill>
+            </a:endParaRPr>
           </a:p>
         </p:txBody>
       </p:sp>
       <p:pic>
         <p:nvPicPr>
-          <p:cNvPr id="3" name="그림 2"/>
+          <p:cNvPr id="5" name="그림 4"/>
           <p:cNvPicPr>
             <a:picLocks noChangeAspect="1"/>
           </p:cNvPicPr>
@@ -11109,8 +11072,8 @@
         </p:blipFill>
         <p:spPr>
           <a:xfrm>
-            <a:off x="1424608" y="1978362"/>
-            <a:ext cx="3888432" cy="3569594"/>
+            <a:off x="2432720" y="2477209"/>
+            <a:ext cx="4104455" cy="3611639"/>
           </a:xfrm>
           <a:prstGeom prst="rect">
             <a:avLst/>
@@ -11120,146 +11083,10 @@
           </a:ln>
         </p:spPr>
       </p:pic>
-      <p:sp>
-        <p:nvSpPr>
-          <p:cNvPr id="7" name="TextBox 6"/>
-          <p:cNvSpPr txBox="1"/>
-          <p:nvPr/>
-        </p:nvSpPr>
-        <p:spPr>
-          <a:xfrm>
-            <a:off x="5529064" y="2747496"/>
-            <a:ext cx="3456384" cy="2031325"/>
-          </a:xfrm>
-          <a:prstGeom prst="rect">
-            <a:avLst/>
-          </a:prstGeom>
-          <a:noFill/>
-        </p:spPr>
-        <p:txBody>
-          <a:bodyPr wrap="square" rtlCol="0">
-            <a:spAutoFit/>
-          </a:bodyPr>
-          <a:lstStyle/>
-          <a:p>
-            <a:r>
-              <a:rPr lang="ko-KR" altLang="en-US" dirty="0">
-                <a:solidFill>
-                  <a:srgbClr val="C00000"/>
-                </a:solidFill>
-              </a:rPr>
-              <a:t>버튼은 </a:t>
-            </a:r>
-            <a:r>
-              <a:rPr lang="en-US" altLang="ko-KR" dirty="0">
-                <a:solidFill>
-                  <a:srgbClr val="C00000"/>
-                </a:solidFill>
-              </a:rPr>
-              <a:t>&lt;a&gt;</a:t>
-            </a:r>
-            <a:r>
-              <a:rPr lang="ko-KR" altLang="en-US" dirty="0">
-                <a:solidFill>
-                  <a:srgbClr val="C00000"/>
-                </a:solidFill>
-              </a:rPr>
-              <a:t>태그로 만들기</a:t>
-            </a:r>
-            <a:endParaRPr lang="en-US" altLang="ko-KR" dirty="0">
-              <a:solidFill>
-                <a:srgbClr val="C00000"/>
-              </a:solidFill>
-            </a:endParaRPr>
-          </a:p>
-          <a:p>
-            <a:endParaRPr lang="en-US" altLang="ko-KR" dirty="0"/>
-          </a:p>
-          <a:p>
-            <a:r>
-              <a:rPr lang="en-US" altLang="ko-KR" dirty="0" smtClean="0"/>
-              <a:t>Green</a:t>
-            </a:r>
-            <a:r>
-              <a:rPr lang="ko-KR" altLang="en-US" dirty="0" smtClean="0"/>
-              <a:t>을 클릭 </a:t>
-            </a:r>
-            <a:r>
-              <a:rPr lang="en-US" altLang="ko-KR" dirty="0" smtClean="0"/>
-              <a:t>-&gt; </a:t>
-            </a:r>
-            <a:r>
-              <a:rPr lang="ko-KR" altLang="en-US" dirty="0" smtClean="0"/>
-              <a:t>배경색 녹색</a:t>
-            </a:r>
-            <a:endParaRPr lang="en-US" altLang="ko-KR" dirty="0" smtClean="0"/>
-          </a:p>
-          <a:p>
-            <a:endParaRPr lang="en-US" altLang="ko-KR" dirty="0"/>
-          </a:p>
-          <a:p>
-            <a:r>
-              <a:rPr lang="en-US" altLang="ko-KR" dirty="0" smtClean="0"/>
-              <a:t>Black</a:t>
-            </a:r>
-            <a:r>
-              <a:rPr lang="ko-KR" altLang="en-US" dirty="0" smtClean="0"/>
-              <a:t>을 </a:t>
-            </a:r>
-            <a:r>
-              <a:rPr lang="ko-KR" altLang="en-US" dirty="0"/>
-              <a:t>클릭 </a:t>
-            </a:r>
-            <a:r>
-              <a:rPr lang="en-US" altLang="ko-KR" dirty="0"/>
-              <a:t>-&gt; </a:t>
-            </a:r>
-            <a:r>
-              <a:rPr lang="ko-KR" altLang="en-US" dirty="0"/>
-              <a:t>배경색 </a:t>
-            </a:r>
-            <a:r>
-              <a:rPr lang="ko-KR" altLang="en-US" dirty="0" smtClean="0"/>
-              <a:t>검정색</a:t>
-            </a:r>
-            <a:endParaRPr lang="en-US" altLang="ko-KR" dirty="0"/>
-          </a:p>
-          <a:p>
-            <a:endParaRPr lang="en-US" altLang="ko-KR" dirty="0" smtClean="0"/>
-          </a:p>
-          <a:p>
-            <a:r>
-              <a:rPr lang="en-US" altLang="ko-KR" dirty="0" smtClean="0"/>
-              <a:t>Pink</a:t>
-            </a:r>
-            <a:r>
-              <a:rPr lang="ko-KR" altLang="en-US" dirty="0" smtClean="0"/>
-              <a:t>를 </a:t>
-            </a:r>
-            <a:r>
-              <a:rPr lang="ko-KR" altLang="en-US" dirty="0"/>
-              <a:t>클릭 </a:t>
-            </a:r>
-            <a:r>
-              <a:rPr lang="en-US" altLang="ko-KR" dirty="0"/>
-              <a:t>-&gt; </a:t>
-            </a:r>
-            <a:r>
-              <a:rPr lang="ko-KR" altLang="en-US" dirty="0"/>
-              <a:t>배경색 </a:t>
-            </a:r>
-            <a:r>
-              <a:rPr lang="ko-KR" altLang="en-US" dirty="0" smtClean="0"/>
-              <a:t>분홍색</a:t>
-            </a:r>
-            <a:endParaRPr lang="en-US" altLang="ko-KR" dirty="0" smtClean="0"/>
-          </a:p>
-        </p:txBody>
-      </p:sp>
     </p:spTree>
     <p:extLst>
       <p:ext uri="{BB962C8B-B14F-4D97-AF65-F5344CB8AC3E}">
-        <p14:creationId xmlns:p14="http://schemas.microsoft.com/office/powerpoint/2010/main" val="3661940421"/>
+        <p14:creationId xmlns:p14="http://schemas.microsoft.com/office/powerpoint/2010/main" val="585333024"/>
       </p:ext>
     </p:extLst>
   </p:cSld>
@@ -11317,10 +11144,13 @@
           <a:p>
             <a:pPr algn="ctr"/>
             <a:r>
-              <a:rPr lang="ko-KR" altLang="en-US" sz="2800" dirty="0" smtClean="0"/>
-              <a:t>배경색 바꾸기</a:t>
-            </a:r>
-            <a:endParaRPr lang="ko-KR" altLang="en-US" sz="2800" dirty="0"/>
+              <a:rPr lang="en-US" altLang="ko-KR" sz="2800" dirty="0"/>
+              <a:t>style </a:t>
+            </a:r>
+            <a:r>
+              <a:rPr lang="ko-KR" altLang="en-US" sz="2800" dirty="0"/>
+              <a:t>속성 사용 예제</a:t>
+            </a:r>
           </a:p>
         </p:txBody>
       </p:sp>
@@ -11347,52 +11177,9 @@
           </a:p>
         </p:txBody>
       </p:sp>
-      <p:sp>
-        <p:nvSpPr>
-          <p:cNvPr id="14" name="TextBox 13"/>
-          <p:cNvSpPr txBox="1"/>
-          <p:nvPr/>
-        </p:nvSpPr>
-        <p:spPr>
-          <a:xfrm>
-            <a:off x="920552" y="1264985"/>
-            <a:ext cx="3888432" cy="507831"/>
-          </a:xfrm>
-          <a:prstGeom prst="rect">
-            <a:avLst/>
-          </a:prstGeom>
-          <a:noFill/>
-        </p:spPr>
-        <p:txBody>
-          <a:bodyPr wrap="square" rtlCol="0">
-            <a:spAutoFit/>
-          </a:bodyPr>
-          <a:lstStyle/>
-          <a:p>
-            <a:pPr>
-              <a:lnSpc>
-                <a:spcPct val="150000"/>
-              </a:lnSpc>
-            </a:pPr>
-            <a:r>
-              <a:rPr lang="ko-KR" altLang="en-US" dirty="0"/>
-              <a:t> </a:t>
-            </a:r>
-            <a:r>
-              <a:rPr lang="en-US" altLang="ko-KR" dirty="0" smtClean="0"/>
-              <a:t>- </a:t>
-            </a:r>
-            <a:r>
-              <a:rPr lang="ko-KR" altLang="en-US" b="1" dirty="0" smtClean="0"/>
-              <a:t>버튼을 클릭하여 배경색 넣기</a:t>
-            </a:r>
-            <a:endParaRPr lang="en-US" altLang="ko-KR" b="1" dirty="0" smtClean="0"/>
-          </a:p>
-        </p:txBody>
-      </p:sp>
       <p:pic>
         <p:nvPicPr>
-          <p:cNvPr id="7" name="그림 6"/>
+          <p:cNvPr id="5" name="그림 4"/>
           <p:cNvPicPr>
             <a:picLocks noChangeAspect="1"/>
           </p:cNvPicPr>
@@ -11412,8 +11199,8 @@
         </p:blipFill>
         <p:spPr>
           <a:xfrm>
-            <a:off x="1833101" y="1772816"/>
-            <a:ext cx="5503271" cy="4752529"/>
+            <a:off x="1208584" y="1484784"/>
+            <a:ext cx="5357340" cy="3576162"/>
           </a:xfrm>
           <a:prstGeom prst="rect">
             <a:avLst/>
@@ -11429,14 +11216,14 @@
       </p:pic>
       <p:sp>
         <p:nvSpPr>
-          <p:cNvPr id="5" name="TextBox 4"/>
+          <p:cNvPr id="7" name="TextBox 6"/>
           <p:cNvSpPr txBox="1"/>
           <p:nvPr/>
         </p:nvSpPr>
         <p:spPr>
           <a:xfrm>
-            <a:off x="6609184" y="1962100"/>
-            <a:ext cx="1800200" cy="338554"/>
+            <a:off x="5961112" y="1656519"/>
+            <a:ext cx="1728192" cy="338554"/>
           </a:xfrm>
           <a:prstGeom prst="rect">
             <a:avLst/>
@@ -11455,7 +11242,7 @@
                   <a:srgbClr val="FF0000"/>
                 </a:solidFill>
               </a:rPr>
-              <a:t>c</a:t>
+              <a:t>s</a:t>
             </a:r>
             <a:r>
               <a:rPr lang="en-US" altLang="ko-KR" sz="1600" dirty="0" smtClean="0">
@@ -11463,7 +11250,7 @@
                   <a:srgbClr val="FF0000"/>
                 </a:solidFill>
               </a:rPr>
-              <a:t>hange_bg.html</a:t>
+              <a:t>how-hide.html</a:t>
             </a:r>
             <a:endParaRPr lang="ko-KR" altLang="en-US" sz="1600" dirty="0">
               <a:solidFill>
@@ -11473,10 +11260,47 @@
           </a:p>
         </p:txBody>
       </p:sp>
+      <p:pic>
+        <p:nvPicPr>
+          <p:cNvPr id="3" name="그림 2"/>
+          <p:cNvPicPr>
+            <a:picLocks noChangeAspect="1"/>
+          </p:cNvPicPr>
+          <p:nvPr/>
+        </p:nvPicPr>
+        <p:blipFill>
+          <a:blip r:embed="rId3">
+            <a:extLst>
+              <a:ext uri="{28A0092B-C50C-407E-A947-70E740481C1C}">
+                <a14:useLocalDpi xmlns:a14="http://schemas.microsoft.com/office/drawing/2010/main" val="0"/>
+              </a:ext>
+            </a:extLst>
+          </a:blip>
+          <a:stretch>
+            <a:fillRect/>
+          </a:stretch>
+        </p:blipFill>
+        <p:spPr>
+          <a:xfrm>
+            <a:off x="5385048" y="4725144"/>
+            <a:ext cx="3443469" cy="1512168"/>
+          </a:xfrm>
+          <a:prstGeom prst="rect">
+            <a:avLst/>
+          </a:prstGeom>
+          <a:ln>
+            <a:solidFill>
+              <a:schemeClr val="bg1">
+                <a:lumMod val="85000"/>
+              </a:schemeClr>
+            </a:solidFill>
+          </a:ln>
+        </p:spPr>
+      </p:pic>
     </p:spTree>
     <p:extLst>
       <p:ext uri="{BB962C8B-B14F-4D97-AF65-F5344CB8AC3E}">
-        <p14:creationId xmlns:p14="http://schemas.microsoft.com/office/powerpoint/2010/main" val="2420352325"/>
+        <p14:creationId xmlns:p14="http://schemas.microsoft.com/office/powerpoint/2010/main" val="2455255886"/>
       </p:ext>
     </p:extLst>
   </p:cSld>
@@ -12066,10 +11890,13 @@
           <a:p>
             <a:pPr algn="ctr"/>
             <a:r>
+              <a:rPr lang="en-US" altLang="ko-KR" sz="2800" dirty="0"/>
+              <a:t>style </a:t>
+            </a:r>
+            <a:r>
               <a:rPr lang="ko-KR" altLang="en-US" sz="2800" dirty="0"/>
-              <a:t>배경색 바꾸기</a:t>
-            </a:r>
-            <a:endParaRPr lang="ko-KR" altLang="en-US" sz="2800" dirty="0"/>
+              <a:t>속성 사용 예제</a:t>
+            </a:r>
           </a:p>
         </p:txBody>
       </p:sp>
@@ -12096,9 +11923,52 @@
           </a:p>
         </p:txBody>
       </p:sp>
+      <p:sp>
+        <p:nvSpPr>
+          <p:cNvPr id="14" name="TextBox 13"/>
+          <p:cNvSpPr txBox="1"/>
+          <p:nvPr/>
+        </p:nvSpPr>
+        <p:spPr>
+          <a:xfrm>
+            <a:off x="1136576" y="1336993"/>
+            <a:ext cx="3888432" cy="507831"/>
+          </a:xfrm>
+          <a:prstGeom prst="rect">
+            <a:avLst/>
+          </a:prstGeom>
+          <a:noFill/>
+        </p:spPr>
+        <p:txBody>
+          <a:bodyPr wrap="square" rtlCol="0">
+            <a:spAutoFit/>
+          </a:bodyPr>
+          <a:lstStyle/>
+          <a:p>
+            <a:pPr>
+              <a:lnSpc>
+                <a:spcPct val="150000"/>
+              </a:lnSpc>
+            </a:pPr>
+            <a:r>
+              <a:rPr lang="ko-KR" altLang="en-US" dirty="0"/>
+              <a:t> </a:t>
+            </a:r>
+            <a:r>
+              <a:rPr lang="en-US" altLang="ko-KR" dirty="0" smtClean="0"/>
+              <a:t>- </a:t>
+            </a:r>
+            <a:r>
+              <a:rPr lang="ko-KR" altLang="en-US" b="1" dirty="0" smtClean="0"/>
+              <a:t>버튼을 클릭하여 배경색 넣기</a:t>
+            </a:r>
+            <a:endParaRPr lang="en-US" altLang="ko-KR" b="1" dirty="0" smtClean="0"/>
+          </a:p>
+        </p:txBody>
+      </p:sp>
       <p:pic>
         <p:nvPicPr>
-          <p:cNvPr id="5" name="그림 4"/>
+          <p:cNvPr id="3" name="그림 2"/>
           <p:cNvPicPr>
             <a:picLocks noChangeAspect="1"/>
           </p:cNvPicPr>
@@ -12118,31 +11988,27 @@
         </p:blipFill>
         <p:spPr>
           <a:xfrm>
-            <a:off x="1568624" y="1412776"/>
-            <a:ext cx="5997460" cy="4519052"/>
+            <a:off x="1424608" y="1978362"/>
+            <a:ext cx="3888432" cy="3569594"/>
           </a:xfrm>
           <a:prstGeom prst="rect">
             <a:avLst/>
           </a:prstGeom>
           <a:ln>
-            <a:solidFill>
-              <a:schemeClr val="bg1">
-                <a:lumMod val="85000"/>
-              </a:schemeClr>
-            </a:solidFill>
+            <a:noFill/>
           </a:ln>
         </p:spPr>
       </p:pic>
       <p:sp>
         <p:nvSpPr>
-          <p:cNvPr id="6" name="TextBox 5"/>
+          <p:cNvPr id="7" name="TextBox 6"/>
           <p:cNvSpPr txBox="1"/>
           <p:nvPr/>
         </p:nvSpPr>
         <p:spPr>
           <a:xfrm>
-            <a:off x="6609184" y="2420888"/>
-            <a:ext cx="1368152" cy="338554"/>
+            <a:off x="5529064" y="2747496"/>
+            <a:ext cx="3456384" cy="2031325"/>
           </a:xfrm>
           <a:prstGeom prst="rect">
             <a:avLst/>
@@ -12156,33 +12022,123 @@
           <a:lstStyle/>
           <a:p>
             <a:r>
-              <a:rPr lang="en-US" altLang="ko-KR" sz="1600" dirty="0">
+              <a:rPr lang="ko-KR" altLang="en-US" dirty="0">
                 <a:solidFill>
-                  <a:srgbClr val="FF0000"/>
+                  <a:srgbClr val="C00000"/>
                 </a:solidFill>
               </a:rPr>
-              <a:t>b</a:t>
-            </a:r>
-            <a:r>
-              <a:rPr lang="en-US" altLang="ko-KR" sz="1600" dirty="0" smtClean="0">
+              <a:t>버튼은 </a:t>
+            </a:r>
+            <a:r>
+              <a:rPr lang="en-US" altLang="ko-KR" dirty="0">
                 <a:solidFill>
-                  <a:srgbClr val="FF0000"/>
+                  <a:srgbClr val="C00000"/>
                 </a:solidFill>
               </a:rPr>
-              <a:t>g_color.css</a:t>
-            </a:r>
-            <a:endParaRPr lang="ko-KR" altLang="en-US" sz="1600" dirty="0">
+              <a:t>&lt;a&gt;</a:t>
+            </a:r>
+            <a:r>
+              <a:rPr lang="ko-KR" altLang="en-US" dirty="0">
+                <a:solidFill>
+                  <a:srgbClr val="C00000"/>
+                </a:solidFill>
+              </a:rPr>
+              <a:t>태그로 만들기</a:t>
+            </a:r>
+            <a:endParaRPr lang="en-US" altLang="ko-KR" dirty="0">
               <a:solidFill>
-                <a:srgbClr val="FF0000"/>
+                <a:srgbClr val="C00000"/>
               </a:solidFill>
             </a:endParaRPr>
+          </a:p>
+          <a:p>
+            <a:endParaRPr lang="en-US" altLang="ko-KR" dirty="0"/>
+          </a:p>
+          <a:p>
+            <a:r>
+              <a:rPr lang="en-US" altLang="ko-KR" dirty="0" smtClean="0"/>
+              <a:t>Green</a:t>
+            </a:r>
+            <a:r>
+              <a:rPr lang="ko-KR" altLang="en-US" dirty="0" smtClean="0"/>
+              <a:t>을 클릭 </a:t>
+            </a:r>
+            <a:r>
+              <a:rPr lang="en-US" altLang="ko-KR" dirty="0" smtClean="0"/>
+              <a:t>-&gt; </a:t>
+            </a:r>
+            <a:r>
+              <a:rPr lang="ko-KR" altLang="en-US" dirty="0" smtClean="0"/>
+              <a:t>배경색 녹색</a:t>
+            </a:r>
+            <a:endParaRPr lang="en-US" altLang="ko-KR" dirty="0" smtClean="0"/>
+          </a:p>
+          <a:p>
+            <a:endParaRPr lang="en-US" altLang="ko-KR" dirty="0"/>
+          </a:p>
+          <a:p>
+            <a:r>
+              <a:rPr lang="en-US" altLang="ko-KR" dirty="0" smtClean="0"/>
+              <a:t>Black</a:t>
+            </a:r>
+            <a:r>
+              <a:rPr lang="ko-KR" altLang="en-US" dirty="0" smtClean="0"/>
+              <a:t>을 </a:t>
+            </a:r>
+            <a:r>
+              <a:rPr lang="ko-KR" altLang="en-US" dirty="0"/>
+              <a:t>클릭 </a:t>
+            </a:r>
+            <a:r>
+              <a:rPr lang="en-US" altLang="ko-KR" dirty="0"/>
+              <a:t>-&gt; </a:t>
+            </a:r>
+            <a:r>
+              <a:rPr lang="ko-KR" altLang="en-US" dirty="0"/>
+              <a:t>배경색 </a:t>
+            </a:r>
+            <a:r>
+              <a:rPr lang="ko-KR" altLang="en-US" dirty="0" smtClean="0"/>
+              <a:t>검정색</a:t>
+            </a:r>
+            <a:endParaRPr lang="en-US" altLang="ko-KR" dirty="0"/>
+          </a:p>
+          <a:p>
+            <a:endParaRPr lang="en-US" altLang="ko-KR" dirty="0" smtClean="0"/>
+          </a:p>
+          <a:p>
+            <a:r>
+              <a:rPr lang="en-US" altLang="ko-KR" dirty="0" smtClean="0"/>
+              <a:t>Pink</a:t>
+            </a:r>
+            <a:r>
+              <a:rPr lang="ko-KR" altLang="en-US" dirty="0" smtClean="0"/>
+              <a:t>를 </a:t>
+            </a:r>
+            <a:r>
+              <a:rPr lang="ko-KR" altLang="en-US" dirty="0"/>
+              <a:t>클릭 </a:t>
+            </a:r>
+            <a:r>
+              <a:rPr lang="en-US" altLang="ko-KR" dirty="0"/>
+              <a:t>-&gt; </a:t>
+            </a:r>
+            <a:r>
+              <a:rPr lang="ko-KR" altLang="en-US" dirty="0"/>
+              <a:t>배경색 </a:t>
+            </a:r>
+            <a:r>
+              <a:rPr lang="ko-KR" altLang="en-US" dirty="0" smtClean="0"/>
+              <a:t>분홍색</a:t>
+            </a:r>
+            <a:endParaRPr lang="en-US" altLang="ko-KR" dirty="0" smtClean="0"/>
           </a:p>
         </p:txBody>
       </p:sp>
     </p:spTree>
     <p:extLst>
       <p:ext uri="{BB962C8B-B14F-4D97-AF65-F5344CB8AC3E}">
-        <p14:creationId xmlns:p14="http://schemas.microsoft.com/office/powerpoint/2010/main" val="2761823982"/>
+        <p14:creationId xmlns:p14="http://schemas.microsoft.com/office/powerpoint/2010/main" val="3661940421"/>
       </p:ext>
     </p:extLst>
   </p:cSld>
@@ -12240,12 +12196,8 @@
           <a:p>
             <a:pPr algn="ctr"/>
             <a:r>
-              <a:rPr lang="ko-KR" altLang="en-US" sz="2800" b="1" dirty="0" smtClean="0"/>
-              <a:t>숨기기와 보이기 이벤트 효과</a:t>
-            </a:r>
-            <a:r>
-              <a:rPr lang="en-US" altLang="ko-KR" sz="2800" dirty="0" smtClean="0"/>
-              <a:t> </a:t>
+              <a:rPr lang="ko-KR" altLang="en-US" sz="2800" dirty="0" smtClean="0"/>
+              <a:t>배경색 바꾸기</a:t>
             </a:r>
             <a:endParaRPr lang="ko-KR" altLang="en-US" sz="2800" dirty="0"/>
           </a:p>
@@ -12274,9 +12226,52 @@
           </a:p>
         </p:txBody>
       </p:sp>
+      <p:sp>
+        <p:nvSpPr>
+          <p:cNvPr id="14" name="TextBox 13"/>
+          <p:cNvSpPr txBox="1"/>
+          <p:nvPr/>
+        </p:nvSpPr>
+        <p:spPr>
+          <a:xfrm>
+            <a:off x="920552" y="1264985"/>
+            <a:ext cx="3888432" cy="507831"/>
+          </a:xfrm>
+          <a:prstGeom prst="rect">
+            <a:avLst/>
+          </a:prstGeom>
+          <a:noFill/>
+        </p:spPr>
+        <p:txBody>
+          <a:bodyPr wrap="square" rtlCol="0">
+            <a:spAutoFit/>
+          </a:bodyPr>
+          <a:lstStyle/>
+          <a:p>
+            <a:pPr>
+              <a:lnSpc>
+                <a:spcPct val="150000"/>
+              </a:lnSpc>
+            </a:pPr>
+            <a:r>
+              <a:rPr lang="ko-KR" altLang="en-US" dirty="0"/>
+              <a:t> </a:t>
+            </a:r>
+            <a:r>
+              <a:rPr lang="en-US" altLang="ko-KR" dirty="0" smtClean="0"/>
+              <a:t>- </a:t>
+            </a:r>
+            <a:r>
+              <a:rPr lang="ko-KR" altLang="en-US" b="1" dirty="0" smtClean="0"/>
+              <a:t>버튼을 클릭하여 배경색 넣기</a:t>
+            </a:r>
+            <a:endParaRPr lang="en-US" altLang="ko-KR" b="1" dirty="0" smtClean="0"/>
+          </a:p>
+        </p:txBody>
+      </p:sp>
       <p:pic>
         <p:nvPicPr>
-          <p:cNvPr id="3" name="그림 2"/>
+          <p:cNvPr id="7" name="그림 6"/>
           <p:cNvPicPr>
             <a:picLocks noChangeAspect="1"/>
           </p:cNvPicPr>
@@ -12296,8 +12291,8 @@
         </p:blipFill>
         <p:spPr>
           <a:xfrm>
-            <a:off x="5148807" y="2585719"/>
-            <a:ext cx="2769123" cy="3795609"/>
+            <a:off x="1833101" y="1772816"/>
+            <a:ext cx="5503271" cy="4752529"/>
           </a:xfrm>
           <a:prstGeom prst="rect">
             <a:avLst/>
@@ -12311,157 +12306,16 @@
           </a:ln>
         </p:spPr>
       </p:pic>
-      <p:pic>
-        <p:nvPicPr>
-          <p:cNvPr id="8" name="그림 7"/>
-          <p:cNvPicPr>
-            <a:picLocks noChangeAspect="1"/>
-          </p:cNvPicPr>
-          <p:nvPr/>
-        </p:nvPicPr>
-        <p:blipFill>
-          <a:blip r:embed="rId3">
-            <a:extLst>
-              <a:ext uri="{28A0092B-C50C-407E-A947-70E740481C1C}">
-                <a14:useLocalDpi xmlns:a14="http://schemas.microsoft.com/office/drawing/2010/main" val="0"/>
-              </a:ext>
-            </a:extLst>
-          </a:blip>
-          <a:stretch>
-            <a:fillRect/>
-          </a:stretch>
-        </p:blipFill>
-        <p:spPr>
-          <a:xfrm>
-            <a:off x="1352600" y="2616769"/>
-            <a:ext cx="2834534" cy="2160239"/>
-          </a:xfrm>
-          <a:prstGeom prst="rect">
-            <a:avLst/>
-          </a:prstGeom>
-          <a:ln>
-            <a:solidFill>
-              <a:schemeClr val="bg1">
-                <a:lumMod val="85000"/>
-              </a:schemeClr>
-            </a:solidFill>
-          </a:ln>
-        </p:spPr>
-      </p:pic>
-      <p:sp>
-        <p:nvSpPr>
-          <p:cNvPr id="12" name="TextBox 11"/>
+      <p:sp>
+        <p:nvSpPr>
+          <p:cNvPr id="5" name="TextBox 4"/>
           <p:cNvSpPr txBox="1"/>
           <p:nvPr/>
         </p:nvSpPr>
         <p:spPr>
           <a:xfrm>
-            <a:off x="1602900" y="1974309"/>
-            <a:ext cx="2125964" cy="374571"/>
-          </a:xfrm>
-          <a:prstGeom prst="roundRect">
-            <a:avLst/>
-          </a:prstGeom>
-        </p:spPr>
-        <p:style>
-          <a:lnRef idx="2">
-            <a:schemeClr val="accent2"/>
-          </a:lnRef>
-          <a:fillRef idx="1">
-            <a:schemeClr val="lt1"/>
-          </a:fillRef>
-          <a:effectRef idx="0">
-            <a:schemeClr val="accent2"/>
-          </a:effectRef>
-          <a:fontRef idx="minor">
-            <a:schemeClr val="dk1"/>
-          </a:fontRef>
-        </p:style>
-        <p:txBody>
-          <a:bodyPr wrap="square" rtlCol="0">
-            <a:spAutoFit/>
-          </a:bodyPr>
-          <a:lstStyle/>
-          <a:p>
-            <a:pPr algn="ctr"/>
-            <a:r>
-              <a:rPr lang="ko-KR" altLang="en-US" sz="1600" dirty="0" err="1" smtClean="0"/>
-              <a:t>설명글</a:t>
-            </a:r>
-            <a:r>
-              <a:rPr lang="ko-KR" altLang="en-US" sz="1600" dirty="0" smtClean="0"/>
-              <a:t> 숨기</a:t>
-            </a:r>
-            <a:r>
-              <a:rPr lang="ko-KR" altLang="en-US" sz="1600" dirty="0"/>
-              <a:t>기</a:t>
-            </a:r>
-            <a:endParaRPr lang="en-US" altLang="ko-KR" sz="1600" dirty="0" smtClean="0"/>
-          </a:p>
-        </p:txBody>
-      </p:sp>
-      <p:sp>
-        <p:nvSpPr>
-          <p:cNvPr id="13" name="TextBox 12"/>
-          <p:cNvSpPr txBox="1"/>
-          <p:nvPr/>
-        </p:nvSpPr>
-        <p:spPr>
-          <a:xfrm>
-            <a:off x="5275308" y="1974309"/>
-            <a:ext cx="2125964" cy="374571"/>
-          </a:xfrm>
-          <a:prstGeom prst="roundRect">
-            <a:avLst/>
-          </a:prstGeom>
-        </p:spPr>
-        <p:style>
-          <a:lnRef idx="2">
-            <a:schemeClr val="accent2"/>
-          </a:lnRef>
-          <a:fillRef idx="1">
-            <a:schemeClr val="lt1"/>
-          </a:fillRef>
-          <a:effectRef idx="0">
-            <a:schemeClr val="accent2"/>
-          </a:effectRef>
-          <a:fontRef idx="minor">
-            <a:schemeClr val="dk1"/>
-          </a:fontRef>
-        </p:style>
-        <p:txBody>
-          <a:bodyPr wrap="square" rtlCol="0">
-            <a:spAutoFit/>
-          </a:bodyPr>
-          <a:lstStyle/>
-          <a:p>
-            <a:pPr algn="ctr"/>
-            <a:r>
-              <a:rPr lang="ko-KR" altLang="en-US" sz="1600" dirty="0" err="1" smtClean="0"/>
-              <a:t>설명글</a:t>
-            </a:r>
-            <a:r>
-              <a:rPr lang="ko-KR" altLang="en-US" sz="1600" dirty="0"/>
-              <a:t> </a:t>
-            </a:r>
-            <a:r>
-              <a:rPr lang="ko-KR" altLang="en-US" sz="1600" dirty="0" smtClean="0"/>
-              <a:t>보이기</a:t>
-            </a:r>
-            <a:endParaRPr lang="en-US" altLang="ko-KR" sz="1600" dirty="0" smtClean="0"/>
-          </a:p>
-        </p:txBody>
-      </p:sp>
-      <p:sp>
-        <p:nvSpPr>
-          <p:cNvPr id="14" name="TextBox 13"/>
-          <p:cNvSpPr txBox="1"/>
-          <p:nvPr/>
-        </p:nvSpPr>
-        <p:spPr>
-          <a:xfrm>
-            <a:off x="704528" y="1264985"/>
-            <a:ext cx="7416824" cy="507831"/>
+            <a:off x="6609184" y="1962100"/>
+            <a:ext cx="1800200" cy="338554"/>
           </a:xfrm>
           <a:prstGeom prst="rect">
             <a:avLst/>
@@ -12474,31 +12328,34 @@
           </a:bodyPr>
           <a:lstStyle/>
           <a:p>
-            <a:pPr>
-              <a:lnSpc>
-                <a:spcPct val="150000"/>
-              </a:lnSpc>
-            </a:pPr>
-            <a:r>
-              <a:rPr lang="ko-KR" altLang="en-US" dirty="0"/>
-              <a:t> </a:t>
-            </a:r>
-            <a:r>
-              <a:rPr lang="en-US" altLang="ko-KR" dirty="0" smtClean="0"/>
-              <a:t>- </a:t>
-            </a:r>
-            <a:r>
-              <a:rPr lang="ko-KR" altLang="en-US" b="1" dirty="0" smtClean="0"/>
-              <a:t>버튼을 클릭하여 이미지와 텍스트를 숨기고 보이는 효과 만들기</a:t>
-            </a:r>
-            <a:endParaRPr lang="en-US" altLang="ko-KR" b="1" dirty="0" smtClean="0"/>
+            <a:r>
+              <a:rPr lang="en-US" altLang="ko-KR" sz="1600" dirty="0">
+                <a:solidFill>
+                  <a:srgbClr val="FF0000"/>
+                </a:solidFill>
+              </a:rPr>
+              <a:t>c</a:t>
+            </a:r>
+            <a:r>
+              <a:rPr lang="en-US" altLang="ko-KR" sz="1600" dirty="0" smtClean="0">
+                <a:solidFill>
+                  <a:srgbClr val="FF0000"/>
+                </a:solidFill>
+              </a:rPr>
+              <a:t>hange_bg.html</a:t>
+            </a:r>
+            <a:endParaRPr lang="ko-KR" altLang="en-US" sz="1600" dirty="0">
+              <a:solidFill>
+                <a:srgbClr val="FF0000"/>
+              </a:solidFill>
+            </a:endParaRPr>
           </a:p>
         </p:txBody>
       </p:sp>
     </p:spTree>
     <p:extLst>
       <p:ext uri="{BB962C8B-B14F-4D97-AF65-F5344CB8AC3E}">
-        <p14:creationId xmlns:p14="http://schemas.microsoft.com/office/powerpoint/2010/main" val="2861238955"/>
+        <p14:creationId xmlns:p14="http://schemas.microsoft.com/office/powerpoint/2010/main" val="2420352325"/>
       </p:ext>
     </p:extLst>
   </p:cSld>
@@ -12556,14 +12413,9 @@
           <a:p>
             <a:pPr algn="ctr"/>
             <a:r>
-              <a:rPr lang="ko-KR" altLang="en-US" sz="2800" b="1" dirty="0"/>
-              <a:t>숨기기와 보이기 이벤트 효과</a:t>
-            </a:r>
-            <a:r>
-              <a:rPr lang="en-US" altLang="ko-KR" sz="2800" dirty="0"/>
-              <a:t> </a:t>
-            </a:r>
-            <a:endParaRPr lang="ko-KR" altLang="en-US" sz="2800" dirty="0"/>
+              <a:rPr lang="ko-KR" altLang="en-US" sz="2800" dirty="0"/>
+              <a:t>배경색 바꾸기</a:t>
+            </a:r>
           </a:p>
         </p:txBody>
       </p:sp>
@@ -12592,7 +12444,7 @@
       </p:sp>
       <p:pic>
         <p:nvPicPr>
-          <p:cNvPr id="3" name="그림 2"/>
+          <p:cNvPr id="5" name="그림 4"/>
           <p:cNvPicPr>
             <a:picLocks noChangeAspect="1"/>
           </p:cNvPicPr>
@@ -12612,8 +12464,8 @@
         </p:blipFill>
         <p:spPr>
           <a:xfrm>
-            <a:off x="920552" y="1644154"/>
-            <a:ext cx="7992888" cy="3585046"/>
+            <a:off x="1568624" y="1412776"/>
+            <a:ext cx="5997460" cy="4519052"/>
           </a:xfrm>
           <a:prstGeom prst="rect">
             <a:avLst/>
@@ -12629,57 +12481,54 @@
       </p:pic>
       <p:sp>
         <p:nvSpPr>
-          <p:cNvPr id="10" name="TextBox 9"/>
+          <p:cNvPr id="6" name="TextBox 5"/>
           <p:cNvSpPr txBox="1"/>
           <p:nvPr/>
         </p:nvSpPr>
         <p:spPr>
           <a:xfrm>
-            <a:off x="7545288" y="1531361"/>
-            <a:ext cx="1872208" cy="374571"/>
-          </a:xfrm>
-          <a:prstGeom prst="roundRect">
+            <a:off x="6609184" y="2420888"/>
+            <a:ext cx="1368152" cy="338554"/>
+          </a:xfrm>
+          <a:prstGeom prst="rect">
             <a:avLst/>
           </a:prstGeom>
-          <a:ln w="19050"/>
-        </p:spPr>
-        <p:style>
-          <a:lnRef idx="2">
-            <a:schemeClr val="accent1"/>
-          </a:lnRef>
-          <a:fillRef idx="1">
-            <a:schemeClr val="lt1"/>
-          </a:fillRef>
-          <a:effectRef idx="0">
-            <a:schemeClr val="accent1"/>
-          </a:effectRef>
-          <a:fontRef idx="minor">
-            <a:schemeClr val="dk1"/>
-          </a:fontRef>
-        </p:style>
+          <a:noFill/>
+        </p:spPr>
         <p:txBody>
           <a:bodyPr wrap="square" rtlCol="0">
             <a:spAutoFit/>
           </a:bodyPr>
           <a:lstStyle/>
           <a:p>
-            <a:pPr algn="ctr"/>
-            <a:r>
-              <a:rPr lang="en-US" altLang="ko-KR" sz="1600" dirty="0"/>
-              <a:t>s</a:t>
-            </a:r>
-            <a:r>
-              <a:rPr lang="en-US" altLang="ko-KR" sz="1600" dirty="0" smtClean="0"/>
-              <a:t>how_hide2.html</a:t>
-            </a:r>
-            <a:endParaRPr lang="ko-KR" altLang="en-US" sz="1600" dirty="0"/>
+            <a:r>
+              <a:rPr lang="en-US" altLang="ko-KR" sz="1600" dirty="0">
+                <a:solidFill>
+                  <a:srgbClr val="FF0000"/>
+                </a:solidFill>
+              </a:rPr>
+              <a:t>b</a:t>
+            </a:r>
+            <a:r>
+              <a:rPr lang="en-US" altLang="ko-KR" sz="1600" dirty="0" smtClean="0">
+                <a:solidFill>
+                  <a:srgbClr val="FF0000"/>
+                </a:solidFill>
+              </a:rPr>
+              <a:t>g_color.css</a:t>
+            </a:r>
+            <a:endParaRPr lang="ko-KR" altLang="en-US" sz="1600" dirty="0">
+              <a:solidFill>
+                <a:srgbClr val="FF0000"/>
+              </a:solidFill>
+            </a:endParaRPr>
           </a:p>
         </p:txBody>
       </p:sp>
     </p:spTree>
     <p:extLst>
       <p:ext uri="{BB962C8B-B14F-4D97-AF65-F5344CB8AC3E}">
-        <p14:creationId xmlns:p14="http://schemas.microsoft.com/office/powerpoint/2010/main" val="2509129757"/>
+        <p14:creationId xmlns:p14="http://schemas.microsoft.com/office/powerpoint/2010/main" val="2761823982"/>
       </p:ext>
     </p:extLst>
   </p:cSld>
@@ -12737,11 +12586,11 @@
           <a:p>
             <a:pPr algn="ctr"/>
             <a:r>
-              <a:rPr lang="ko-KR" altLang="en-US" sz="2800" b="1" dirty="0"/>
+              <a:rPr lang="ko-KR" altLang="en-US" sz="2800" b="1" dirty="0" smtClean="0"/>
               <a:t>숨기기와 보이기 이벤트 효과</a:t>
             </a:r>
             <a:r>
-              <a:rPr lang="en-US" altLang="ko-KR" sz="2800" dirty="0"/>
+              <a:rPr lang="en-US" altLang="ko-KR" sz="2800" dirty="0" smtClean="0"/>
               <a:t> </a:t>
             </a:r>
             <a:endParaRPr lang="ko-KR" altLang="en-US" sz="2800" dirty="0"/>
@@ -12768,51 +12617,6 @@
               <a:t>33</a:t>
             </a:fld>
             <a:endParaRPr lang="ko-KR" altLang="en-US"/>
-          </a:p>
-        </p:txBody>
-      </p:sp>
-      <p:sp>
-        <p:nvSpPr>
-          <p:cNvPr id="7" name="TextBox 6"/>
-          <p:cNvSpPr txBox="1"/>
-          <p:nvPr/>
-        </p:nvSpPr>
-        <p:spPr>
-          <a:xfrm>
-            <a:off x="7113240" y="2204864"/>
-            <a:ext cx="1296144" cy="374571"/>
-          </a:xfrm>
-          <a:prstGeom prst="roundRect">
-            <a:avLst/>
-          </a:prstGeom>
-          <a:ln w="19050"/>
-        </p:spPr>
-        <p:style>
-          <a:lnRef idx="2">
-            <a:schemeClr val="accent1"/>
-          </a:lnRef>
-          <a:fillRef idx="1">
-            <a:schemeClr val="lt1"/>
-          </a:fillRef>
-          <a:effectRef idx="0">
-            <a:schemeClr val="accent1"/>
-          </a:effectRef>
-          <a:fontRef idx="minor">
-            <a:schemeClr val="dk1"/>
-          </a:fontRef>
-        </p:style>
-        <p:txBody>
-          <a:bodyPr wrap="square" rtlCol="0">
-            <a:spAutoFit/>
-          </a:bodyPr>
-          <a:lstStyle/>
-          <a:p>
-            <a:pPr algn="ctr"/>
-            <a:r>
-              <a:rPr lang="en-US" altLang="ko-KR" sz="1600" dirty="0" smtClean="0"/>
-              <a:t>event.css</a:t>
-            </a:r>
-            <a:endParaRPr lang="ko-KR" altLang="en-US" sz="1600" dirty="0"/>
           </a:p>
         </p:txBody>
       </p:sp>
@@ -12838,8 +12642,8 @@
         </p:blipFill>
         <p:spPr>
           <a:xfrm>
-            <a:off x="1352600" y="1988840"/>
-            <a:ext cx="5563082" cy="1143099"/>
+            <a:off x="5148807" y="2585719"/>
+            <a:ext cx="2769123" cy="3795609"/>
           </a:xfrm>
           <a:prstGeom prst="rect">
             <a:avLst/>
@@ -12875,8 +12679,8 @@
         </p:blipFill>
         <p:spPr>
           <a:xfrm>
-            <a:off x="1352599" y="3573016"/>
-            <a:ext cx="7500833" cy="1163307"/>
+            <a:off x="1352600" y="2616769"/>
+            <a:ext cx="2834534" cy="2160239"/>
           </a:xfrm>
           <a:prstGeom prst="rect">
             <a:avLst/>
@@ -12890,10 +12694,157 @@
           </a:ln>
         </p:spPr>
       </p:pic>
+      <p:sp>
+        <p:nvSpPr>
+          <p:cNvPr id="12" name="TextBox 11"/>
+          <p:cNvSpPr txBox="1"/>
+          <p:nvPr/>
+        </p:nvSpPr>
+        <p:spPr>
+          <a:xfrm>
+            <a:off x="1602900" y="1974309"/>
+            <a:ext cx="2125964" cy="374571"/>
+          </a:xfrm>
+          <a:prstGeom prst="roundRect">
+            <a:avLst/>
+          </a:prstGeom>
+        </p:spPr>
+        <p:style>
+          <a:lnRef idx="2">
+            <a:schemeClr val="accent2"/>
+          </a:lnRef>
+          <a:fillRef idx="1">
+            <a:schemeClr val="lt1"/>
+          </a:fillRef>
+          <a:effectRef idx="0">
+            <a:schemeClr val="accent2"/>
+          </a:effectRef>
+          <a:fontRef idx="minor">
+            <a:schemeClr val="dk1"/>
+          </a:fontRef>
+        </p:style>
+        <p:txBody>
+          <a:bodyPr wrap="square" rtlCol="0">
+            <a:spAutoFit/>
+          </a:bodyPr>
+          <a:lstStyle/>
+          <a:p>
+            <a:pPr algn="ctr"/>
+            <a:r>
+              <a:rPr lang="ko-KR" altLang="en-US" sz="1600" dirty="0" err="1" smtClean="0"/>
+              <a:t>설명글</a:t>
+            </a:r>
+            <a:r>
+              <a:rPr lang="ko-KR" altLang="en-US" sz="1600" dirty="0" smtClean="0"/>
+              <a:t> 숨기</a:t>
+            </a:r>
+            <a:r>
+              <a:rPr lang="ko-KR" altLang="en-US" sz="1600" dirty="0"/>
+              <a:t>기</a:t>
+            </a:r>
+            <a:endParaRPr lang="en-US" altLang="ko-KR" sz="1600" dirty="0" smtClean="0"/>
+          </a:p>
+        </p:txBody>
+      </p:sp>
+      <p:sp>
+        <p:nvSpPr>
+          <p:cNvPr id="13" name="TextBox 12"/>
+          <p:cNvSpPr txBox="1"/>
+          <p:nvPr/>
+        </p:nvSpPr>
+        <p:spPr>
+          <a:xfrm>
+            <a:off x="5275308" y="1974309"/>
+            <a:ext cx="2125964" cy="374571"/>
+          </a:xfrm>
+          <a:prstGeom prst="roundRect">
+            <a:avLst/>
+          </a:prstGeom>
+        </p:spPr>
+        <p:style>
+          <a:lnRef idx="2">
+            <a:schemeClr val="accent2"/>
+          </a:lnRef>
+          <a:fillRef idx="1">
+            <a:schemeClr val="lt1"/>
+          </a:fillRef>
+          <a:effectRef idx="0">
+            <a:schemeClr val="accent2"/>
+          </a:effectRef>
+          <a:fontRef idx="minor">
+            <a:schemeClr val="dk1"/>
+          </a:fontRef>
+        </p:style>
+        <p:txBody>
+          <a:bodyPr wrap="square" rtlCol="0">
+            <a:spAutoFit/>
+          </a:bodyPr>
+          <a:lstStyle/>
+          <a:p>
+            <a:pPr algn="ctr"/>
+            <a:r>
+              <a:rPr lang="ko-KR" altLang="en-US" sz="1600" dirty="0" err="1" smtClean="0"/>
+              <a:t>설명글</a:t>
+            </a:r>
+            <a:r>
+              <a:rPr lang="ko-KR" altLang="en-US" sz="1600" dirty="0"/>
+              <a:t> </a:t>
+            </a:r>
+            <a:r>
+              <a:rPr lang="ko-KR" altLang="en-US" sz="1600" dirty="0" smtClean="0"/>
+              <a:t>보이기</a:t>
+            </a:r>
+            <a:endParaRPr lang="en-US" altLang="ko-KR" sz="1600" dirty="0" smtClean="0"/>
+          </a:p>
+        </p:txBody>
+      </p:sp>
+      <p:sp>
+        <p:nvSpPr>
+          <p:cNvPr id="14" name="TextBox 13"/>
+          <p:cNvSpPr txBox="1"/>
+          <p:nvPr/>
+        </p:nvSpPr>
+        <p:spPr>
+          <a:xfrm>
+            <a:off x="704528" y="1264985"/>
+            <a:ext cx="7416824" cy="507831"/>
+          </a:xfrm>
+          <a:prstGeom prst="rect">
+            <a:avLst/>
+          </a:prstGeom>
+          <a:noFill/>
+        </p:spPr>
+        <p:txBody>
+          <a:bodyPr wrap="square" rtlCol="0">
+            <a:spAutoFit/>
+          </a:bodyPr>
+          <a:lstStyle/>
+          <a:p>
+            <a:pPr>
+              <a:lnSpc>
+                <a:spcPct val="150000"/>
+              </a:lnSpc>
+            </a:pPr>
+            <a:r>
+              <a:rPr lang="ko-KR" altLang="en-US" dirty="0"/>
+              <a:t> </a:t>
+            </a:r>
+            <a:r>
+              <a:rPr lang="en-US" altLang="ko-KR" dirty="0" smtClean="0"/>
+              <a:t>- </a:t>
+            </a:r>
+            <a:r>
+              <a:rPr lang="ko-KR" altLang="en-US" b="1" dirty="0" smtClean="0"/>
+              <a:t>버튼을 클릭하여 이미지와 텍스트를 숨기고 보이는 효과 만들기</a:t>
+            </a:r>
+            <a:endParaRPr lang="en-US" altLang="ko-KR" b="1" dirty="0" smtClean="0"/>
+          </a:p>
+        </p:txBody>
+      </p:sp>
     </p:spTree>
     <p:extLst>
       <p:ext uri="{BB962C8B-B14F-4D97-AF65-F5344CB8AC3E}">
-        <p14:creationId xmlns:p14="http://schemas.microsoft.com/office/powerpoint/2010/main" val="2678707703"/>
+        <p14:creationId xmlns:p14="http://schemas.microsoft.com/office/powerpoint/2010/main" val="2861238955"/>
       </p:ext>
     </p:extLst>
   </p:cSld>
@@ -12980,6 +12931,401 @@
             <a:fld id="{1BDE3FE7-3AEA-4B05-AC5A-802D1816ACF0}" type="slidenum">
               <a:rPr lang="ko-KR" altLang="en-US" smtClean="0"/>
               <a:t>34</a:t>
+            </a:fld>
+            <a:endParaRPr lang="ko-KR" altLang="en-US"/>
+          </a:p>
+        </p:txBody>
+      </p:sp>
+      <p:pic>
+        <p:nvPicPr>
+          <p:cNvPr id="3" name="그림 2"/>
+          <p:cNvPicPr>
+            <a:picLocks noChangeAspect="1"/>
+          </p:cNvPicPr>
+          <p:nvPr/>
+        </p:nvPicPr>
+        <p:blipFill>
+          <a:blip r:embed="rId2">
+            <a:extLst>
+              <a:ext uri="{28A0092B-C50C-407E-A947-70E740481C1C}">
+                <a14:useLocalDpi xmlns:a14="http://schemas.microsoft.com/office/drawing/2010/main" val="0"/>
+              </a:ext>
+            </a:extLst>
+          </a:blip>
+          <a:stretch>
+            <a:fillRect/>
+          </a:stretch>
+        </p:blipFill>
+        <p:spPr>
+          <a:xfrm>
+            <a:off x="920552" y="1644154"/>
+            <a:ext cx="7992888" cy="3585046"/>
+          </a:xfrm>
+          <a:prstGeom prst="rect">
+            <a:avLst/>
+          </a:prstGeom>
+          <a:ln>
+            <a:solidFill>
+              <a:schemeClr val="bg1">
+                <a:lumMod val="85000"/>
+              </a:schemeClr>
+            </a:solidFill>
+          </a:ln>
+        </p:spPr>
+      </p:pic>
+      <p:sp>
+        <p:nvSpPr>
+          <p:cNvPr id="10" name="TextBox 9"/>
+          <p:cNvSpPr txBox="1"/>
+          <p:nvPr/>
+        </p:nvSpPr>
+        <p:spPr>
+          <a:xfrm>
+            <a:off x="7545288" y="1531361"/>
+            <a:ext cx="1872208" cy="374571"/>
+          </a:xfrm>
+          <a:prstGeom prst="roundRect">
+            <a:avLst/>
+          </a:prstGeom>
+          <a:ln w="19050"/>
+        </p:spPr>
+        <p:style>
+          <a:lnRef idx="2">
+            <a:schemeClr val="accent1"/>
+          </a:lnRef>
+          <a:fillRef idx="1">
+            <a:schemeClr val="lt1"/>
+          </a:fillRef>
+          <a:effectRef idx="0">
+            <a:schemeClr val="accent1"/>
+          </a:effectRef>
+          <a:fontRef idx="minor">
+            <a:schemeClr val="dk1"/>
+          </a:fontRef>
+        </p:style>
+        <p:txBody>
+          <a:bodyPr wrap="square" rtlCol="0">
+            <a:spAutoFit/>
+          </a:bodyPr>
+          <a:lstStyle/>
+          <a:p>
+            <a:pPr algn="ctr"/>
+            <a:r>
+              <a:rPr lang="en-US" altLang="ko-KR" sz="1600" dirty="0"/>
+              <a:t>s</a:t>
+            </a:r>
+            <a:r>
+              <a:rPr lang="en-US" altLang="ko-KR" sz="1600" dirty="0" smtClean="0"/>
+              <a:t>how_hide2.html</a:t>
+            </a:r>
+            <a:endParaRPr lang="ko-KR" altLang="en-US" sz="1600" dirty="0"/>
+          </a:p>
+        </p:txBody>
+      </p:sp>
+    </p:spTree>
+    <p:extLst>
+      <p:ext uri="{BB962C8B-B14F-4D97-AF65-F5344CB8AC3E}">
+        <p14:creationId xmlns:p14="http://schemas.microsoft.com/office/powerpoint/2010/main" val="2509129757"/>
+      </p:ext>
+    </p:extLst>
+  </p:cSld>
+  <p:clrMapOvr>
+    <a:masterClrMapping/>
+  </p:clrMapOvr>
+  <p:timing>
+    <p:tnLst>
+      <p:par>
+        <p:cTn id="1" dur="indefinite" restart="never" nodeType="tmRoot"/>
+      </p:par>
+    </p:tnLst>
+  </p:timing>
+</p:sld>
+</file>
+
+<file path=ppt/slides/slide35.xml><?xml version="1.0" encoding="utf-8"?>
+<p:sld xmlns:a="http://schemas.openxmlformats.org/drawingml/2006/main" xmlns:r="http://schemas.openxmlformats.org/officeDocument/2006/relationships" xmlns:p="http://schemas.openxmlformats.org/presentationml/2006/main">
+  <p:cSld>
+    <p:spTree>
+      <p:nvGrpSpPr>
+        <p:cNvPr id="1" name=""/>
+        <p:cNvGrpSpPr/>
+        <p:nvPr/>
+      </p:nvGrpSpPr>
+      <p:grpSpPr>
+        <a:xfrm>
+          <a:off x="0" y="0"/>
+          <a:ext cx="0" cy="0"/>
+          <a:chOff x="0" y="0"/>
+          <a:chExt cx="0" cy="0"/>
+        </a:xfrm>
+      </p:grpSpPr>
+      <p:sp>
+        <p:nvSpPr>
+          <p:cNvPr id="2" name="제목 1"/>
+          <p:cNvSpPr>
+            <a:spLocks noGrp="1"/>
+          </p:cNvSpPr>
+          <p:nvPr>
+            <p:ph type="title"/>
+          </p:nvPr>
+        </p:nvSpPr>
+        <p:spPr>
+          <a:xfrm>
+            <a:off x="416497" y="197768"/>
+            <a:ext cx="6412780" cy="854968"/>
+          </a:xfrm>
+        </p:spPr>
+        <p:txBody>
+          <a:bodyPr>
+            <a:noAutofit/>
+          </a:bodyPr>
+          <a:lstStyle/>
+          <a:p>
+            <a:pPr algn="ctr"/>
+            <a:r>
+              <a:rPr lang="ko-KR" altLang="en-US" sz="2800" b="1" dirty="0"/>
+              <a:t>숨기기와 보이기 이벤트 효과</a:t>
+            </a:r>
+            <a:r>
+              <a:rPr lang="en-US" altLang="ko-KR" sz="2800" dirty="0"/>
+              <a:t> </a:t>
+            </a:r>
+            <a:endParaRPr lang="ko-KR" altLang="en-US" sz="2800" dirty="0"/>
+          </a:p>
+        </p:txBody>
+      </p:sp>
+      <p:sp>
+        <p:nvSpPr>
+          <p:cNvPr id="4" name="슬라이드 번호 개체 틀 3"/>
+          <p:cNvSpPr>
+            <a:spLocks noGrp="1"/>
+          </p:cNvSpPr>
+          <p:nvPr>
+            <p:ph type="sldNum" sz="quarter" idx="12"/>
+          </p:nvPr>
+        </p:nvSpPr>
+        <p:spPr/>
+        <p:txBody>
+          <a:bodyPr/>
+          <a:lstStyle/>
+          <a:p>
+            <a:fld id="{1BDE3FE7-3AEA-4B05-AC5A-802D1816ACF0}" type="slidenum">
+              <a:rPr lang="ko-KR" altLang="en-US" smtClean="0"/>
+              <a:t>35</a:t>
+            </a:fld>
+            <a:endParaRPr lang="ko-KR" altLang="en-US"/>
+          </a:p>
+        </p:txBody>
+      </p:sp>
+      <p:sp>
+        <p:nvSpPr>
+          <p:cNvPr id="7" name="TextBox 6"/>
+          <p:cNvSpPr txBox="1"/>
+          <p:nvPr/>
+        </p:nvSpPr>
+        <p:spPr>
+          <a:xfrm>
+            <a:off x="7113240" y="2204864"/>
+            <a:ext cx="1296144" cy="374571"/>
+          </a:xfrm>
+          <a:prstGeom prst="roundRect">
+            <a:avLst/>
+          </a:prstGeom>
+          <a:ln w="19050"/>
+        </p:spPr>
+        <p:style>
+          <a:lnRef idx="2">
+            <a:schemeClr val="accent1"/>
+          </a:lnRef>
+          <a:fillRef idx="1">
+            <a:schemeClr val="lt1"/>
+          </a:fillRef>
+          <a:effectRef idx="0">
+            <a:schemeClr val="accent1"/>
+          </a:effectRef>
+          <a:fontRef idx="minor">
+            <a:schemeClr val="dk1"/>
+          </a:fontRef>
+        </p:style>
+        <p:txBody>
+          <a:bodyPr wrap="square" rtlCol="0">
+            <a:spAutoFit/>
+          </a:bodyPr>
+          <a:lstStyle/>
+          <a:p>
+            <a:pPr algn="ctr"/>
+            <a:r>
+              <a:rPr lang="en-US" altLang="ko-KR" sz="1600" dirty="0" smtClean="0"/>
+              <a:t>event.css</a:t>
+            </a:r>
+            <a:endParaRPr lang="ko-KR" altLang="en-US" sz="1600" dirty="0"/>
+          </a:p>
+        </p:txBody>
+      </p:sp>
+      <p:pic>
+        <p:nvPicPr>
+          <p:cNvPr id="3" name="그림 2"/>
+          <p:cNvPicPr>
+            <a:picLocks noChangeAspect="1"/>
+          </p:cNvPicPr>
+          <p:nvPr/>
+        </p:nvPicPr>
+        <p:blipFill>
+          <a:blip r:embed="rId2">
+            <a:extLst>
+              <a:ext uri="{28A0092B-C50C-407E-A947-70E740481C1C}">
+                <a14:useLocalDpi xmlns:a14="http://schemas.microsoft.com/office/drawing/2010/main" val="0"/>
+              </a:ext>
+            </a:extLst>
+          </a:blip>
+          <a:stretch>
+            <a:fillRect/>
+          </a:stretch>
+        </p:blipFill>
+        <p:spPr>
+          <a:xfrm>
+            <a:off x="1352600" y="1988840"/>
+            <a:ext cx="5563082" cy="1143099"/>
+          </a:xfrm>
+          <a:prstGeom prst="rect">
+            <a:avLst/>
+          </a:prstGeom>
+          <a:ln>
+            <a:solidFill>
+              <a:schemeClr val="bg1">
+                <a:lumMod val="85000"/>
+              </a:schemeClr>
+            </a:solidFill>
+          </a:ln>
+        </p:spPr>
+      </p:pic>
+      <p:pic>
+        <p:nvPicPr>
+          <p:cNvPr id="8" name="그림 7"/>
+          <p:cNvPicPr>
+            <a:picLocks noChangeAspect="1"/>
+          </p:cNvPicPr>
+          <p:nvPr/>
+        </p:nvPicPr>
+        <p:blipFill>
+          <a:blip r:embed="rId3">
+            <a:extLst>
+              <a:ext uri="{28A0092B-C50C-407E-A947-70E740481C1C}">
+                <a14:useLocalDpi xmlns:a14="http://schemas.microsoft.com/office/drawing/2010/main" val="0"/>
+              </a:ext>
+            </a:extLst>
+          </a:blip>
+          <a:stretch>
+            <a:fillRect/>
+          </a:stretch>
+        </p:blipFill>
+        <p:spPr>
+          <a:xfrm>
+            <a:off x="1352599" y="3573016"/>
+            <a:ext cx="7500833" cy="1163307"/>
+          </a:xfrm>
+          <a:prstGeom prst="rect">
+            <a:avLst/>
+          </a:prstGeom>
+          <a:ln>
+            <a:solidFill>
+              <a:schemeClr val="bg1">
+                <a:lumMod val="85000"/>
+              </a:schemeClr>
+            </a:solidFill>
+          </a:ln>
+        </p:spPr>
+      </p:pic>
+    </p:spTree>
+    <p:extLst>
+      <p:ext uri="{BB962C8B-B14F-4D97-AF65-F5344CB8AC3E}">
+        <p14:creationId xmlns:p14="http://schemas.microsoft.com/office/powerpoint/2010/main" val="2678707703"/>
+      </p:ext>
+    </p:extLst>
+  </p:cSld>
+  <p:clrMapOvr>
+    <a:masterClrMapping/>
+  </p:clrMapOvr>
+  <p:timing>
+    <p:tnLst>
+      <p:par>
+        <p:cTn id="1" dur="indefinite" restart="never" nodeType="tmRoot"/>
+      </p:par>
+    </p:tnLst>
+  </p:timing>
+</p:sld>
+</file>
+
+<file path=ppt/slides/slide36.xml><?xml version="1.0" encoding="utf-8"?>
+<p:sld xmlns:a="http://schemas.openxmlformats.org/drawingml/2006/main" xmlns:r="http://schemas.openxmlformats.org/officeDocument/2006/relationships" xmlns:p="http://schemas.openxmlformats.org/presentationml/2006/main">
+  <p:cSld>
+    <p:spTree>
+      <p:nvGrpSpPr>
+        <p:cNvPr id="1" name=""/>
+        <p:cNvGrpSpPr/>
+        <p:nvPr/>
+      </p:nvGrpSpPr>
+      <p:grpSpPr>
+        <a:xfrm>
+          <a:off x="0" y="0"/>
+          <a:ext cx="0" cy="0"/>
+          <a:chOff x="0" y="0"/>
+          <a:chExt cx="0" cy="0"/>
+        </a:xfrm>
+      </p:grpSpPr>
+      <p:sp>
+        <p:nvSpPr>
+          <p:cNvPr id="2" name="제목 1"/>
+          <p:cNvSpPr>
+            <a:spLocks noGrp="1"/>
+          </p:cNvSpPr>
+          <p:nvPr>
+            <p:ph type="title"/>
+          </p:nvPr>
+        </p:nvSpPr>
+        <p:spPr>
+          <a:xfrm>
+            <a:off x="416497" y="197768"/>
+            <a:ext cx="6412780" cy="854968"/>
+          </a:xfrm>
+        </p:spPr>
+        <p:txBody>
+          <a:bodyPr>
+            <a:noAutofit/>
+          </a:bodyPr>
+          <a:lstStyle/>
+          <a:p>
+            <a:pPr algn="ctr"/>
+            <a:r>
+              <a:rPr lang="ko-KR" altLang="en-US" sz="2800" b="1" dirty="0"/>
+              <a:t>숨기기와 보이기 이벤트 효과</a:t>
+            </a:r>
+            <a:r>
+              <a:rPr lang="en-US" altLang="ko-KR" sz="2800" dirty="0"/>
+              <a:t> </a:t>
+            </a:r>
+            <a:endParaRPr lang="ko-KR" altLang="en-US" sz="2800" dirty="0"/>
+          </a:p>
+        </p:txBody>
+      </p:sp>
+      <p:sp>
+        <p:nvSpPr>
+          <p:cNvPr id="4" name="슬라이드 번호 개체 틀 3"/>
+          <p:cNvSpPr>
+            <a:spLocks noGrp="1"/>
+          </p:cNvSpPr>
+          <p:nvPr>
+            <p:ph type="sldNum" sz="quarter" idx="12"/>
+          </p:nvPr>
+        </p:nvSpPr>
+        <p:spPr/>
+        <p:txBody>
+          <a:bodyPr/>
+          <a:lstStyle/>
+          <a:p>
+            <a:fld id="{1BDE3FE7-3AEA-4B05-AC5A-802D1816ACF0}" type="slidenum">
+              <a:rPr lang="ko-KR" altLang="en-US" smtClean="0"/>
+              <a:t>36</a:t>
             </a:fld>
             <a:endParaRPr lang="ko-KR" altLang="en-US"/>
           </a:p>
@@ -14730,7 +15076,7 @@
       </p:sp>
       <p:pic>
         <p:nvPicPr>
-          <p:cNvPr id="7" name="그림 6"/>
+          <p:cNvPr id="3" name="그림 2"/>
           <p:cNvPicPr>
             <a:picLocks noChangeAspect="1"/>
           </p:cNvPicPr>
@@ -14750,8 +15096,8 @@
         </p:blipFill>
         <p:spPr>
           <a:xfrm>
-            <a:off x="1313239" y="2050374"/>
-            <a:ext cx="6424217" cy="3383573"/>
+            <a:off x="1136576" y="1970042"/>
+            <a:ext cx="7087214" cy="3436918"/>
           </a:xfrm>
           <a:prstGeom prst="rect">
             <a:avLst/>
@@ -14773,7 +15119,7 @@
         </p:nvSpPr>
         <p:spPr>
           <a:xfrm>
-            <a:off x="7041232" y="3094221"/>
+            <a:off x="7257256" y="2204864"/>
             <a:ext cx="1728192" cy="338554"/>
           </a:xfrm>
           <a:prstGeom prst="rect">
@@ -14787,13 +15133,21 @@
           </a:bodyPr>
           <a:lstStyle/>
           <a:p>
+            <a:r>
+              <a:rPr lang="en-US" altLang="ko-KR" sz="1600" dirty="0">
+                <a:solidFill>
+                  <a:srgbClr val="FF0000"/>
+                </a:solidFill>
+              </a:rPr>
+              <a:t>f</a:t>
+            </a:r>
             <a:r>
               <a:rPr lang="en-US" altLang="ko-KR" sz="1600" dirty="0" smtClean="0">
                 <a:solidFill>
                   <a:srgbClr val="FF0000"/>
                 </a:solidFill>
               </a:rPr>
-              <a:t>gugudan.html</a:t>
+              <a:t>unc_gugu.html</a:t>
             </a:r>
             <a:endParaRPr lang="ko-KR" altLang="en-US" sz="1600" dirty="0">
               <a:solidFill>

--- a/js_ppt/4강. js_함수(메서드).pptx
+++ b/js_ppt/4강. js_함수(메서드).pptx
@@ -5,7 +5,7 @@
     <p:sldMasterId id="2147483648" r:id="rId1"/>
   </p:sldMasterIdLst>
   <p:notesMasterIdLst>
-    <p:notesMasterId r:id="rId38"/>
+    <p:notesMasterId r:id="rId40"/>
   </p:notesMasterIdLst>
   <p:sldIdLst>
     <p:sldId id="256" r:id="rId2"/>
@@ -37,13 +37,15 @@
     <p:sldId id="368" r:id="rId28"/>
     <p:sldId id="407" r:id="rId29"/>
     <p:sldId id="408" r:id="rId30"/>
-    <p:sldId id="401" r:id="rId31"/>
-    <p:sldId id="403" r:id="rId32"/>
-    <p:sldId id="402" r:id="rId33"/>
-    <p:sldId id="371" r:id="rId34"/>
-    <p:sldId id="372" r:id="rId35"/>
-    <p:sldId id="373" r:id="rId36"/>
-    <p:sldId id="410" r:id="rId37"/>
+    <p:sldId id="413" r:id="rId31"/>
+    <p:sldId id="414" r:id="rId32"/>
+    <p:sldId id="401" r:id="rId33"/>
+    <p:sldId id="403" r:id="rId34"/>
+    <p:sldId id="402" r:id="rId35"/>
+    <p:sldId id="371" r:id="rId36"/>
+    <p:sldId id="372" r:id="rId37"/>
+    <p:sldId id="373" r:id="rId38"/>
+    <p:sldId id="410" r:id="rId39"/>
   </p:sldIdLst>
   <p:sldSz cx="9906000" cy="6858000" type="A4"/>
   <p:notesSz cx="6858000" cy="9144000"/>
@@ -243,7 +245,7 @@
           <a:p>
             <a:fld id="{7665CDAC-D627-4E87-877A-1B781DD4CADC}" type="datetimeFigureOut">
               <a:rPr lang="ko-KR" altLang="en-US" smtClean="0"/>
-              <a:t>2023-03-31</a:t>
+              <a:t>2023-04-04</a:t>
             </a:fld>
             <a:endParaRPr lang="ko-KR" altLang="en-US"/>
           </a:p>
@@ -657,7 +659,7 @@
           <a:p>
             <a:fld id="{C25BCFD5-C4DF-4EBC-B718-C69ED2FBDE6F}" type="datetime1">
               <a:rPr lang="ko-KR" altLang="en-US" smtClean="0"/>
-              <a:t>2023-03-31</a:t>
+              <a:t>2023-04-04</a:t>
             </a:fld>
             <a:endParaRPr lang="ko-KR" altLang="en-US"/>
           </a:p>
@@ -1075,7 +1077,7 @@
           <a:p>
             <a:fld id="{AB448CD7-D367-43D5-B461-ACE552E75063}" type="datetime1">
               <a:rPr lang="ko-KR" altLang="en-US" smtClean="0"/>
-              <a:t>2023-03-31</a:t>
+              <a:t>2023-04-04</a:t>
             </a:fld>
             <a:endParaRPr lang="ko-KR" altLang="en-US"/>
           </a:p>
@@ -1255,7 +1257,7 @@
           <a:p>
             <a:fld id="{B6E49E79-7361-4780-8BEF-7EDE3708298A}" type="datetime1">
               <a:rPr lang="ko-KR" altLang="en-US" smtClean="0"/>
-              <a:t>2023-03-31</a:t>
+              <a:t>2023-04-04</a:t>
             </a:fld>
             <a:endParaRPr lang="ko-KR" altLang="en-US"/>
           </a:p>
@@ -1429,7 +1431,7 @@
           <a:p>
             <a:fld id="{A4D42E3C-B70B-437C-85CF-1286301B9CBA}" type="datetime1">
               <a:rPr lang="ko-KR" altLang="en-US" smtClean="0"/>
-              <a:t>2023-03-31</a:t>
+              <a:t>2023-04-04</a:t>
             </a:fld>
             <a:endParaRPr lang="ko-KR" altLang="en-US"/>
           </a:p>
@@ -1675,7 +1677,7 @@
           <a:p>
             <a:fld id="{B3369A20-5B3D-4D98-A822-26B93D177A40}" type="datetime1">
               <a:rPr lang="ko-KR" altLang="en-US" smtClean="0"/>
-              <a:t>2023-03-31</a:t>
+              <a:t>2023-04-04</a:t>
             </a:fld>
             <a:endParaRPr lang="ko-KR" altLang="en-US"/>
           </a:p>
@@ -1963,7 +1965,7 @@
           <a:p>
             <a:fld id="{685CD4CE-9E43-4F70-A9D8-A2130CA7D92A}" type="datetime1">
               <a:rPr lang="ko-KR" altLang="en-US" smtClean="0"/>
-              <a:t>2023-03-31</a:t>
+              <a:t>2023-04-04</a:t>
             </a:fld>
             <a:endParaRPr lang="ko-KR" altLang="en-US"/>
           </a:p>
@@ -2385,7 +2387,7 @@
           <a:p>
             <a:fld id="{F752BD92-DA3E-4A0B-90C9-7DE5E15B6E96}" type="datetime1">
               <a:rPr lang="ko-KR" altLang="en-US" smtClean="0"/>
-              <a:t>2023-03-31</a:t>
+              <a:t>2023-04-04</a:t>
             </a:fld>
             <a:endParaRPr lang="ko-KR" altLang="en-US"/>
           </a:p>
@@ -2503,7 +2505,7 @@
           <a:p>
             <a:fld id="{8EA2B83A-F366-424E-B742-340ACF856BB5}" type="datetime1">
               <a:rPr lang="ko-KR" altLang="en-US" smtClean="0"/>
-              <a:t>2023-03-31</a:t>
+              <a:t>2023-04-04</a:t>
             </a:fld>
             <a:endParaRPr lang="ko-KR" altLang="en-US"/>
           </a:p>
@@ -2598,7 +2600,7 @@
           <a:p>
             <a:fld id="{9A49D68B-5DBD-48E9-A8D4-FCBC4B3DD9C6}" type="datetime1">
               <a:rPr lang="ko-KR" altLang="en-US" smtClean="0"/>
-              <a:t>2023-03-31</a:t>
+              <a:t>2023-04-04</a:t>
             </a:fld>
             <a:endParaRPr lang="ko-KR" altLang="en-US"/>
           </a:p>
@@ -2875,7 +2877,7 @@
           <a:p>
             <a:fld id="{4CAB534F-7D16-467B-9320-91F98915D181}" type="datetime1">
               <a:rPr lang="ko-KR" altLang="en-US" smtClean="0"/>
-              <a:t>2023-03-31</a:t>
+              <a:t>2023-04-04</a:t>
             </a:fld>
             <a:endParaRPr lang="ko-KR" altLang="en-US"/>
           </a:p>
@@ -3128,7 +3130,7 @@
           <a:p>
             <a:fld id="{A390A91F-2F8D-4486-A69D-D680F95444B0}" type="datetime1">
               <a:rPr lang="ko-KR" altLang="en-US" smtClean="0"/>
-              <a:t>2023-03-31</a:t>
+              <a:t>2023-04-04</a:t>
             </a:fld>
             <a:endParaRPr lang="ko-KR" altLang="en-US"/>
           </a:p>
@@ -3308,7 +3310,7 @@
           <a:p>
             <a:fld id="{2238BBEA-E8DD-414A-BF68-FC2AFA7CFF2D}" type="datetime1">
               <a:rPr lang="ko-KR" altLang="en-US" smtClean="0"/>
-              <a:t>2023-03-31</a:t>
+              <a:t>2023-04-04</a:t>
             </a:fld>
             <a:endParaRPr lang="ko-KR" altLang="en-US"/>
           </a:p>
@@ -10447,15 +10449,7 @@
                   <a:srgbClr val="FF0000"/>
                 </a:solidFill>
               </a:rPr>
-              <a:t>f</a:t>
-            </a:r>
-            <a:r>
-              <a:rPr lang="en-US" altLang="ko-KR" sz="1600" dirty="0" smtClean="0">
-                <a:solidFill>
-                  <a:srgbClr val="FF0000"/>
-                </a:solidFill>
-              </a:rPr>
-              <a:t>unc_gugu2.html</a:t>
+              <a:t>func_gugu2.html</a:t>
             </a:r>
             <a:endParaRPr lang="ko-KR" altLang="en-US" sz="1600" dirty="0">
               <a:solidFill>
@@ -11890,13 +11884,14 @@
           <a:p>
             <a:pPr algn="ctr"/>
             <a:r>
-              <a:rPr lang="en-US" altLang="ko-KR" sz="2800" dirty="0"/>
-              <a:t>style </a:t>
-            </a:r>
-            <a:r>
-              <a:rPr lang="ko-KR" altLang="en-US" sz="2800" dirty="0"/>
-              <a:t>속성 사용 예제</a:t>
-            </a:r>
+              <a:rPr lang="en-US" altLang="ko-KR" sz="2800" b="1" dirty="0" smtClean="0"/>
+              <a:t>Button toggle</a:t>
+            </a:r>
+            <a:r>
+              <a:rPr lang="en-US" altLang="ko-KR" sz="2800" dirty="0" smtClean="0"/>
+              <a:t> </a:t>
+            </a:r>
+            <a:endParaRPr lang="ko-KR" altLang="en-US" sz="2800" dirty="0"/>
           </a:p>
         </p:txBody>
       </p:sp>
@@ -11925,14 +11920,14 @@
       </p:sp>
       <p:sp>
         <p:nvSpPr>
-          <p:cNvPr id="14" name="TextBox 13"/>
+          <p:cNvPr id="7" name="TextBox 6"/>
           <p:cNvSpPr txBox="1"/>
           <p:nvPr/>
         </p:nvSpPr>
         <p:spPr>
           <a:xfrm>
-            <a:off x="1136576" y="1336993"/>
-            <a:ext cx="3888432" cy="507831"/>
+            <a:off x="5961112" y="1656519"/>
+            <a:ext cx="2448272" cy="338554"/>
           </a:xfrm>
           <a:prstGeom prst="rect">
             <a:avLst/>
@@ -11945,30 +11940,25 @@
           </a:bodyPr>
           <a:lstStyle/>
           <a:p>
-            <a:pPr>
-              <a:lnSpc>
-                <a:spcPct val="150000"/>
-              </a:lnSpc>
-            </a:pPr>
-            <a:r>
-              <a:rPr lang="ko-KR" altLang="en-US" dirty="0"/>
-              <a:t> </a:t>
-            </a:r>
-            <a:r>
-              <a:rPr lang="en-US" altLang="ko-KR" dirty="0" smtClean="0"/>
-              <a:t>- </a:t>
-            </a:r>
-            <a:r>
-              <a:rPr lang="ko-KR" altLang="en-US" b="1" dirty="0" smtClean="0"/>
-              <a:t>버튼을 클릭하여 배경색 넣기</a:t>
-            </a:r>
-            <a:endParaRPr lang="en-US" altLang="ko-KR" b="1" dirty="0" smtClean="0"/>
+            <a:r>
+              <a:rPr lang="en-US" altLang="ko-KR" sz="1600" dirty="0" smtClean="0">
+                <a:solidFill>
+                  <a:srgbClr val="FF0000"/>
+                </a:solidFill>
+              </a:rPr>
+              <a:t>showhide_toggle.html</a:t>
+            </a:r>
+            <a:endParaRPr lang="ko-KR" altLang="en-US" sz="1600" dirty="0">
+              <a:solidFill>
+                <a:srgbClr val="FF0000"/>
+              </a:solidFill>
+            </a:endParaRPr>
           </a:p>
         </p:txBody>
       </p:sp>
       <p:pic>
         <p:nvPicPr>
-          <p:cNvPr id="3" name="그림 2"/>
+          <p:cNvPr id="9" name="그림 8"/>
           <p:cNvPicPr>
             <a:picLocks noChangeAspect="1"/>
           </p:cNvPicPr>
@@ -11988,157 +11978,55 @@
         </p:blipFill>
         <p:spPr>
           <a:xfrm>
-            <a:off x="1424608" y="1978362"/>
-            <a:ext cx="3888432" cy="3569594"/>
+            <a:off x="1208584" y="1556792"/>
+            <a:ext cx="3087108" cy="2664296"/>
+          </a:xfrm>
+          <a:prstGeom prst="rect">
+            <a:avLst/>
+          </a:prstGeom>
+        </p:spPr>
+      </p:pic>
+      <p:pic>
+        <p:nvPicPr>
+          <p:cNvPr id="5" name="그림 4"/>
+          <p:cNvPicPr>
+            <a:picLocks noChangeAspect="1"/>
+          </p:cNvPicPr>
+          <p:nvPr/>
+        </p:nvPicPr>
+        <p:blipFill>
+          <a:blip r:embed="rId3">
+            <a:extLst>
+              <a:ext uri="{28A0092B-C50C-407E-A947-70E740481C1C}">
+                <a14:useLocalDpi xmlns:a14="http://schemas.microsoft.com/office/drawing/2010/main" val="0"/>
+              </a:ext>
+            </a:extLst>
+          </a:blip>
+          <a:stretch>
+            <a:fillRect/>
+          </a:stretch>
+        </p:blipFill>
+        <p:spPr>
+          <a:xfrm>
+            <a:off x="4376936" y="2204864"/>
+            <a:ext cx="5159187" cy="2682472"/>
           </a:xfrm>
           <a:prstGeom prst="rect">
             <a:avLst/>
           </a:prstGeom>
           <a:ln>
-            <a:noFill/>
+            <a:solidFill>
+              <a:schemeClr val="bg1">
+                <a:lumMod val="85000"/>
+              </a:schemeClr>
+            </a:solidFill>
           </a:ln>
         </p:spPr>
       </p:pic>
-      <p:sp>
-        <p:nvSpPr>
-          <p:cNvPr id="7" name="TextBox 6"/>
-          <p:cNvSpPr txBox="1"/>
-          <p:nvPr/>
-        </p:nvSpPr>
-        <p:spPr>
-          <a:xfrm>
-            <a:off x="5529064" y="2747496"/>
-            <a:ext cx="3456384" cy="2031325"/>
-          </a:xfrm>
-          <a:prstGeom prst="rect">
-            <a:avLst/>
-          </a:prstGeom>
-          <a:noFill/>
-        </p:spPr>
-        <p:txBody>
-          <a:bodyPr wrap="square" rtlCol="0">
-            <a:spAutoFit/>
-          </a:bodyPr>
-          <a:lstStyle/>
-          <a:p>
-            <a:r>
-              <a:rPr lang="ko-KR" altLang="en-US" dirty="0">
-                <a:solidFill>
-                  <a:srgbClr val="C00000"/>
-                </a:solidFill>
-              </a:rPr>
-              <a:t>버튼은 </a:t>
-            </a:r>
-            <a:r>
-              <a:rPr lang="en-US" altLang="ko-KR" dirty="0">
-                <a:solidFill>
-                  <a:srgbClr val="C00000"/>
-                </a:solidFill>
-              </a:rPr>
-              <a:t>&lt;a&gt;</a:t>
-            </a:r>
-            <a:r>
-              <a:rPr lang="ko-KR" altLang="en-US" dirty="0">
-                <a:solidFill>
-                  <a:srgbClr val="C00000"/>
-                </a:solidFill>
-              </a:rPr>
-              <a:t>태그로 만들기</a:t>
-            </a:r>
-            <a:endParaRPr lang="en-US" altLang="ko-KR" dirty="0">
-              <a:solidFill>
-                <a:srgbClr val="C00000"/>
-              </a:solidFill>
-            </a:endParaRPr>
-          </a:p>
-          <a:p>
-            <a:endParaRPr lang="en-US" altLang="ko-KR" dirty="0"/>
-          </a:p>
-          <a:p>
-            <a:r>
-              <a:rPr lang="en-US" altLang="ko-KR" dirty="0" smtClean="0"/>
-              <a:t>Green</a:t>
-            </a:r>
-            <a:r>
-              <a:rPr lang="ko-KR" altLang="en-US" dirty="0" smtClean="0"/>
-              <a:t>을 클릭 </a:t>
-            </a:r>
-            <a:r>
-              <a:rPr lang="en-US" altLang="ko-KR" dirty="0" smtClean="0"/>
-              <a:t>-&gt; </a:t>
-            </a:r>
-            <a:r>
-              <a:rPr lang="ko-KR" altLang="en-US" dirty="0" smtClean="0"/>
-              <a:t>배경색 녹색</a:t>
-            </a:r>
-            <a:endParaRPr lang="en-US" altLang="ko-KR" dirty="0" smtClean="0"/>
-          </a:p>
-          <a:p>
-            <a:endParaRPr lang="en-US" altLang="ko-KR" dirty="0"/>
-          </a:p>
-          <a:p>
-            <a:r>
-              <a:rPr lang="en-US" altLang="ko-KR" dirty="0" smtClean="0"/>
-              <a:t>Black</a:t>
-            </a:r>
-            <a:r>
-              <a:rPr lang="ko-KR" altLang="en-US" dirty="0" smtClean="0"/>
-              <a:t>을 </a:t>
-            </a:r>
-            <a:r>
-              <a:rPr lang="ko-KR" altLang="en-US" dirty="0"/>
-              <a:t>클릭 </a:t>
-            </a:r>
-            <a:r>
-              <a:rPr lang="en-US" altLang="ko-KR" dirty="0"/>
-              <a:t>-&gt; </a:t>
-            </a:r>
-            <a:r>
-              <a:rPr lang="ko-KR" altLang="en-US" dirty="0"/>
-              <a:t>배경색 </a:t>
-            </a:r>
-            <a:r>
-              <a:rPr lang="ko-KR" altLang="en-US" dirty="0" smtClean="0"/>
-              <a:t>검정색</a:t>
-            </a:r>
-            <a:endParaRPr lang="en-US" altLang="ko-KR" dirty="0"/>
-          </a:p>
-          <a:p>
-            <a:endParaRPr lang="en-US" altLang="ko-KR" dirty="0" smtClean="0"/>
-          </a:p>
-          <a:p>
-            <a:r>
-              <a:rPr lang="en-US" altLang="ko-KR" dirty="0" smtClean="0"/>
-              <a:t>Pink</a:t>
-            </a:r>
-            <a:r>
-              <a:rPr lang="ko-KR" altLang="en-US" dirty="0" smtClean="0"/>
-              <a:t>를 </a:t>
-            </a:r>
-            <a:r>
-              <a:rPr lang="ko-KR" altLang="en-US" dirty="0"/>
-              <a:t>클릭 </a:t>
-            </a:r>
-            <a:r>
-              <a:rPr lang="en-US" altLang="ko-KR" dirty="0"/>
-              <a:t>-&gt; </a:t>
-            </a:r>
-            <a:r>
-              <a:rPr lang="ko-KR" altLang="en-US" dirty="0"/>
-              <a:t>배경색 </a:t>
-            </a:r>
-            <a:r>
-              <a:rPr lang="ko-KR" altLang="en-US" dirty="0" smtClean="0"/>
-              <a:t>분홍색</a:t>
-            </a:r>
-            <a:endParaRPr lang="en-US" altLang="ko-KR" dirty="0" smtClean="0"/>
-          </a:p>
-        </p:txBody>
-      </p:sp>
     </p:spTree>
     <p:extLst>
       <p:ext uri="{BB962C8B-B14F-4D97-AF65-F5344CB8AC3E}">
-        <p14:creationId xmlns:p14="http://schemas.microsoft.com/office/powerpoint/2010/main" val="3661940421"/>
+        <p14:creationId xmlns:p14="http://schemas.microsoft.com/office/powerpoint/2010/main" val="1704865857"/>
       </p:ext>
     </p:extLst>
   </p:cSld>
@@ -12196,8 +12084,12 @@
           <a:p>
             <a:pPr algn="ctr"/>
             <a:r>
-              <a:rPr lang="ko-KR" altLang="en-US" sz="2800" dirty="0" smtClean="0"/>
-              <a:t>배경색 바꾸기</a:t>
+              <a:rPr lang="en-US" altLang="ko-KR" sz="2800" b="1" dirty="0" smtClean="0"/>
+              <a:t>Button toggle</a:t>
+            </a:r>
+            <a:r>
+              <a:rPr lang="en-US" altLang="ko-KR" sz="2800" dirty="0" smtClean="0"/>
+              <a:t> </a:t>
             </a:r>
             <a:endParaRPr lang="ko-KR" altLang="en-US" sz="2800" dirty="0"/>
           </a:p>
@@ -12226,52 +12118,9 @@
           </a:p>
         </p:txBody>
       </p:sp>
-      <p:sp>
-        <p:nvSpPr>
-          <p:cNvPr id="14" name="TextBox 13"/>
-          <p:cNvSpPr txBox="1"/>
-          <p:nvPr/>
-        </p:nvSpPr>
-        <p:spPr>
-          <a:xfrm>
-            <a:off x="920552" y="1264985"/>
-            <a:ext cx="3888432" cy="507831"/>
-          </a:xfrm>
-          <a:prstGeom prst="rect">
-            <a:avLst/>
-          </a:prstGeom>
-          <a:noFill/>
-        </p:spPr>
-        <p:txBody>
-          <a:bodyPr wrap="square" rtlCol="0">
-            <a:spAutoFit/>
-          </a:bodyPr>
-          <a:lstStyle/>
-          <a:p>
-            <a:pPr>
-              <a:lnSpc>
-                <a:spcPct val="150000"/>
-              </a:lnSpc>
-            </a:pPr>
-            <a:r>
-              <a:rPr lang="ko-KR" altLang="en-US" dirty="0"/>
-              <a:t> </a:t>
-            </a:r>
-            <a:r>
-              <a:rPr lang="en-US" altLang="ko-KR" dirty="0" smtClean="0"/>
-              <a:t>- </a:t>
-            </a:r>
-            <a:r>
-              <a:rPr lang="ko-KR" altLang="en-US" b="1" dirty="0" smtClean="0"/>
-              <a:t>버튼을 클릭하여 배경색 넣기</a:t>
-            </a:r>
-            <a:endParaRPr lang="en-US" altLang="ko-KR" b="1" dirty="0" smtClean="0"/>
-          </a:p>
-        </p:txBody>
-      </p:sp>
       <p:pic>
         <p:nvPicPr>
-          <p:cNvPr id="7" name="그림 6"/>
+          <p:cNvPr id="5" name="그림 4"/>
           <p:cNvPicPr>
             <a:picLocks noChangeAspect="1"/>
           </p:cNvPicPr>
@@ -12291,8 +12140,8 @@
         </p:blipFill>
         <p:spPr>
           <a:xfrm>
-            <a:off x="1833101" y="1772816"/>
-            <a:ext cx="5503271" cy="4752529"/>
+            <a:off x="1568624" y="1484784"/>
+            <a:ext cx="4884843" cy="4023709"/>
           </a:xfrm>
           <a:prstGeom prst="rect">
             <a:avLst/>
@@ -12306,56 +12155,10 @@
           </a:ln>
         </p:spPr>
       </p:pic>
-      <p:sp>
-        <p:nvSpPr>
-          <p:cNvPr id="5" name="TextBox 4"/>
-          <p:cNvSpPr txBox="1"/>
-          <p:nvPr/>
-        </p:nvSpPr>
-        <p:spPr>
-          <a:xfrm>
-            <a:off x="6609184" y="1962100"/>
-            <a:ext cx="1800200" cy="338554"/>
-          </a:xfrm>
-          <a:prstGeom prst="rect">
-            <a:avLst/>
-          </a:prstGeom>
-          <a:noFill/>
-        </p:spPr>
-        <p:txBody>
-          <a:bodyPr wrap="square" rtlCol="0">
-            <a:spAutoFit/>
-          </a:bodyPr>
-          <a:lstStyle/>
-          <a:p>
-            <a:r>
-              <a:rPr lang="en-US" altLang="ko-KR" sz="1600" dirty="0">
-                <a:solidFill>
-                  <a:srgbClr val="FF0000"/>
-                </a:solidFill>
-              </a:rPr>
-              <a:t>c</a:t>
-            </a:r>
-            <a:r>
-              <a:rPr lang="en-US" altLang="ko-KR" sz="1600" dirty="0" smtClean="0">
-                <a:solidFill>
-                  <a:srgbClr val="FF0000"/>
-                </a:solidFill>
-              </a:rPr>
-              <a:t>hange_bg.html</a:t>
-            </a:r>
-            <a:endParaRPr lang="ko-KR" altLang="en-US" sz="1600" dirty="0">
-              <a:solidFill>
-                <a:srgbClr val="FF0000"/>
-              </a:solidFill>
-            </a:endParaRPr>
-          </a:p>
-        </p:txBody>
-      </p:sp>
     </p:spTree>
     <p:extLst>
       <p:ext uri="{BB962C8B-B14F-4D97-AF65-F5344CB8AC3E}">
-        <p14:creationId xmlns:p14="http://schemas.microsoft.com/office/powerpoint/2010/main" val="2420352325"/>
+        <p14:creationId xmlns:p14="http://schemas.microsoft.com/office/powerpoint/2010/main" val="3569649313"/>
       </p:ext>
     </p:extLst>
   </p:cSld>
@@ -12413,8 +12216,12 @@
           <a:p>
             <a:pPr algn="ctr"/>
             <a:r>
+              <a:rPr lang="en-US" altLang="ko-KR" sz="2800" dirty="0"/>
+              <a:t>style </a:t>
+            </a:r>
+            <a:r>
               <a:rPr lang="ko-KR" altLang="en-US" sz="2800" dirty="0"/>
-              <a:t>배경색 바꾸기</a:t>
+              <a:t>속성 사용 예제</a:t>
             </a:r>
           </a:p>
         </p:txBody>
@@ -12442,9 +12249,52 @@
           </a:p>
         </p:txBody>
       </p:sp>
+      <p:sp>
+        <p:nvSpPr>
+          <p:cNvPr id="14" name="TextBox 13"/>
+          <p:cNvSpPr txBox="1"/>
+          <p:nvPr/>
+        </p:nvSpPr>
+        <p:spPr>
+          <a:xfrm>
+            <a:off x="1136576" y="1336993"/>
+            <a:ext cx="3888432" cy="507831"/>
+          </a:xfrm>
+          <a:prstGeom prst="rect">
+            <a:avLst/>
+          </a:prstGeom>
+          <a:noFill/>
+        </p:spPr>
+        <p:txBody>
+          <a:bodyPr wrap="square" rtlCol="0">
+            <a:spAutoFit/>
+          </a:bodyPr>
+          <a:lstStyle/>
+          <a:p>
+            <a:pPr>
+              <a:lnSpc>
+                <a:spcPct val="150000"/>
+              </a:lnSpc>
+            </a:pPr>
+            <a:r>
+              <a:rPr lang="ko-KR" altLang="en-US" dirty="0"/>
+              <a:t> </a:t>
+            </a:r>
+            <a:r>
+              <a:rPr lang="en-US" altLang="ko-KR" dirty="0" smtClean="0"/>
+              <a:t>- </a:t>
+            </a:r>
+            <a:r>
+              <a:rPr lang="ko-KR" altLang="en-US" b="1" dirty="0" smtClean="0"/>
+              <a:t>버튼을 클릭하여 배경색 넣기</a:t>
+            </a:r>
+            <a:endParaRPr lang="en-US" altLang="ko-KR" b="1" dirty="0" smtClean="0"/>
+          </a:p>
+        </p:txBody>
+      </p:sp>
       <p:pic>
         <p:nvPicPr>
-          <p:cNvPr id="5" name="그림 4"/>
+          <p:cNvPr id="3" name="그림 2"/>
           <p:cNvPicPr>
             <a:picLocks noChangeAspect="1"/>
           </p:cNvPicPr>
@@ -12464,31 +12314,27 @@
         </p:blipFill>
         <p:spPr>
           <a:xfrm>
-            <a:off x="1568624" y="1412776"/>
-            <a:ext cx="5997460" cy="4519052"/>
+            <a:off x="1424608" y="1978362"/>
+            <a:ext cx="3888432" cy="3569594"/>
           </a:xfrm>
           <a:prstGeom prst="rect">
             <a:avLst/>
           </a:prstGeom>
           <a:ln>
-            <a:solidFill>
-              <a:schemeClr val="bg1">
-                <a:lumMod val="85000"/>
-              </a:schemeClr>
-            </a:solidFill>
+            <a:noFill/>
           </a:ln>
         </p:spPr>
       </p:pic>
       <p:sp>
         <p:nvSpPr>
-          <p:cNvPr id="6" name="TextBox 5"/>
+          <p:cNvPr id="7" name="TextBox 6"/>
           <p:cNvSpPr txBox="1"/>
           <p:nvPr/>
         </p:nvSpPr>
         <p:spPr>
           <a:xfrm>
-            <a:off x="6609184" y="2420888"/>
-            <a:ext cx="1368152" cy="338554"/>
+            <a:off x="5529064" y="2747496"/>
+            <a:ext cx="3456384" cy="2031325"/>
           </a:xfrm>
           <a:prstGeom prst="rect">
             <a:avLst/>
@@ -12502,33 +12348,123 @@
           <a:lstStyle/>
           <a:p>
             <a:r>
-              <a:rPr lang="en-US" altLang="ko-KR" sz="1600" dirty="0">
+              <a:rPr lang="ko-KR" altLang="en-US" dirty="0">
                 <a:solidFill>
-                  <a:srgbClr val="FF0000"/>
+                  <a:srgbClr val="C00000"/>
                 </a:solidFill>
               </a:rPr>
-              <a:t>b</a:t>
-            </a:r>
-            <a:r>
-              <a:rPr lang="en-US" altLang="ko-KR" sz="1600" dirty="0" smtClean="0">
+              <a:t>버튼은 </a:t>
+            </a:r>
+            <a:r>
+              <a:rPr lang="en-US" altLang="ko-KR" dirty="0">
                 <a:solidFill>
-                  <a:srgbClr val="FF0000"/>
+                  <a:srgbClr val="C00000"/>
                 </a:solidFill>
               </a:rPr>
-              <a:t>g_color.css</a:t>
-            </a:r>
-            <a:endParaRPr lang="ko-KR" altLang="en-US" sz="1600" dirty="0">
+              <a:t>&lt;a&gt;</a:t>
+            </a:r>
+            <a:r>
+              <a:rPr lang="ko-KR" altLang="en-US" dirty="0">
+                <a:solidFill>
+                  <a:srgbClr val="C00000"/>
+                </a:solidFill>
+              </a:rPr>
+              <a:t>태그로 만들기</a:t>
+            </a:r>
+            <a:endParaRPr lang="en-US" altLang="ko-KR" dirty="0">
               <a:solidFill>
-                <a:srgbClr val="FF0000"/>
+                <a:srgbClr val="C00000"/>
               </a:solidFill>
             </a:endParaRPr>
+          </a:p>
+          <a:p>
+            <a:endParaRPr lang="en-US" altLang="ko-KR" dirty="0"/>
+          </a:p>
+          <a:p>
+            <a:r>
+              <a:rPr lang="en-US" altLang="ko-KR" dirty="0" smtClean="0"/>
+              <a:t>Green</a:t>
+            </a:r>
+            <a:r>
+              <a:rPr lang="ko-KR" altLang="en-US" dirty="0" smtClean="0"/>
+              <a:t>을 클릭 </a:t>
+            </a:r>
+            <a:r>
+              <a:rPr lang="en-US" altLang="ko-KR" dirty="0" smtClean="0"/>
+              <a:t>-&gt; </a:t>
+            </a:r>
+            <a:r>
+              <a:rPr lang="ko-KR" altLang="en-US" dirty="0" smtClean="0"/>
+              <a:t>배경색 녹색</a:t>
+            </a:r>
+            <a:endParaRPr lang="en-US" altLang="ko-KR" dirty="0" smtClean="0"/>
+          </a:p>
+          <a:p>
+            <a:endParaRPr lang="en-US" altLang="ko-KR" dirty="0"/>
+          </a:p>
+          <a:p>
+            <a:r>
+              <a:rPr lang="en-US" altLang="ko-KR" dirty="0" smtClean="0"/>
+              <a:t>Black</a:t>
+            </a:r>
+            <a:r>
+              <a:rPr lang="ko-KR" altLang="en-US" dirty="0" smtClean="0"/>
+              <a:t>을 </a:t>
+            </a:r>
+            <a:r>
+              <a:rPr lang="ko-KR" altLang="en-US" dirty="0"/>
+              <a:t>클릭 </a:t>
+            </a:r>
+            <a:r>
+              <a:rPr lang="en-US" altLang="ko-KR" dirty="0"/>
+              <a:t>-&gt; </a:t>
+            </a:r>
+            <a:r>
+              <a:rPr lang="ko-KR" altLang="en-US" dirty="0"/>
+              <a:t>배경색 </a:t>
+            </a:r>
+            <a:r>
+              <a:rPr lang="ko-KR" altLang="en-US" dirty="0" smtClean="0"/>
+              <a:t>검정색</a:t>
+            </a:r>
+            <a:endParaRPr lang="en-US" altLang="ko-KR" dirty="0"/>
+          </a:p>
+          <a:p>
+            <a:endParaRPr lang="en-US" altLang="ko-KR" dirty="0" smtClean="0"/>
+          </a:p>
+          <a:p>
+            <a:r>
+              <a:rPr lang="en-US" altLang="ko-KR" dirty="0" smtClean="0"/>
+              <a:t>Pink</a:t>
+            </a:r>
+            <a:r>
+              <a:rPr lang="ko-KR" altLang="en-US" dirty="0" smtClean="0"/>
+              <a:t>를 </a:t>
+            </a:r>
+            <a:r>
+              <a:rPr lang="ko-KR" altLang="en-US" dirty="0"/>
+              <a:t>클릭 </a:t>
+            </a:r>
+            <a:r>
+              <a:rPr lang="en-US" altLang="ko-KR" dirty="0"/>
+              <a:t>-&gt; </a:t>
+            </a:r>
+            <a:r>
+              <a:rPr lang="ko-KR" altLang="en-US" dirty="0"/>
+              <a:t>배경색 </a:t>
+            </a:r>
+            <a:r>
+              <a:rPr lang="ko-KR" altLang="en-US" dirty="0" smtClean="0"/>
+              <a:t>분홍색</a:t>
+            </a:r>
+            <a:endParaRPr lang="en-US" altLang="ko-KR" dirty="0" smtClean="0"/>
           </a:p>
         </p:txBody>
       </p:sp>
     </p:spTree>
     <p:extLst>
       <p:ext uri="{BB962C8B-B14F-4D97-AF65-F5344CB8AC3E}">
-        <p14:creationId xmlns:p14="http://schemas.microsoft.com/office/powerpoint/2010/main" val="2761823982"/>
+        <p14:creationId xmlns:p14="http://schemas.microsoft.com/office/powerpoint/2010/main" val="3661940421"/>
       </p:ext>
     </p:extLst>
   </p:cSld>
@@ -12586,12 +12522,8 @@
           <a:p>
             <a:pPr algn="ctr"/>
             <a:r>
-              <a:rPr lang="ko-KR" altLang="en-US" sz="2800" b="1" dirty="0" smtClean="0"/>
-              <a:t>숨기기와 보이기 이벤트 효과</a:t>
-            </a:r>
-            <a:r>
-              <a:rPr lang="en-US" altLang="ko-KR" sz="2800" dirty="0" smtClean="0"/>
-              <a:t> </a:t>
+              <a:rPr lang="ko-KR" altLang="en-US" sz="2800" dirty="0" smtClean="0"/>
+              <a:t>배경색 바꾸기</a:t>
             </a:r>
             <a:endParaRPr lang="ko-KR" altLang="en-US" sz="2800" dirty="0"/>
           </a:p>
@@ -12620,9 +12552,52 @@
           </a:p>
         </p:txBody>
       </p:sp>
+      <p:sp>
+        <p:nvSpPr>
+          <p:cNvPr id="14" name="TextBox 13"/>
+          <p:cNvSpPr txBox="1"/>
+          <p:nvPr/>
+        </p:nvSpPr>
+        <p:spPr>
+          <a:xfrm>
+            <a:off x="920552" y="1264985"/>
+            <a:ext cx="3888432" cy="507831"/>
+          </a:xfrm>
+          <a:prstGeom prst="rect">
+            <a:avLst/>
+          </a:prstGeom>
+          <a:noFill/>
+        </p:spPr>
+        <p:txBody>
+          <a:bodyPr wrap="square" rtlCol="0">
+            <a:spAutoFit/>
+          </a:bodyPr>
+          <a:lstStyle/>
+          <a:p>
+            <a:pPr>
+              <a:lnSpc>
+                <a:spcPct val="150000"/>
+              </a:lnSpc>
+            </a:pPr>
+            <a:r>
+              <a:rPr lang="ko-KR" altLang="en-US" dirty="0"/>
+              <a:t> </a:t>
+            </a:r>
+            <a:r>
+              <a:rPr lang="en-US" altLang="ko-KR" dirty="0" smtClean="0"/>
+              <a:t>- </a:t>
+            </a:r>
+            <a:r>
+              <a:rPr lang="ko-KR" altLang="en-US" b="1" dirty="0" smtClean="0"/>
+              <a:t>버튼을 클릭하여 배경색 넣기</a:t>
+            </a:r>
+            <a:endParaRPr lang="en-US" altLang="ko-KR" b="1" dirty="0" smtClean="0"/>
+          </a:p>
+        </p:txBody>
+      </p:sp>
       <p:pic>
         <p:nvPicPr>
-          <p:cNvPr id="3" name="그림 2"/>
+          <p:cNvPr id="7" name="그림 6"/>
           <p:cNvPicPr>
             <a:picLocks noChangeAspect="1"/>
           </p:cNvPicPr>
@@ -12642,8 +12617,8 @@
         </p:blipFill>
         <p:spPr>
           <a:xfrm>
-            <a:off x="5148807" y="2585719"/>
-            <a:ext cx="2769123" cy="3795609"/>
+            <a:off x="1833101" y="1772816"/>
+            <a:ext cx="5503271" cy="4752529"/>
           </a:xfrm>
           <a:prstGeom prst="rect">
             <a:avLst/>
@@ -12657,157 +12632,16 @@
           </a:ln>
         </p:spPr>
       </p:pic>
-      <p:pic>
-        <p:nvPicPr>
-          <p:cNvPr id="8" name="그림 7"/>
-          <p:cNvPicPr>
-            <a:picLocks noChangeAspect="1"/>
-          </p:cNvPicPr>
-          <p:nvPr/>
-        </p:nvPicPr>
-        <p:blipFill>
-          <a:blip r:embed="rId3">
-            <a:extLst>
-              <a:ext uri="{28A0092B-C50C-407E-A947-70E740481C1C}">
-                <a14:useLocalDpi xmlns:a14="http://schemas.microsoft.com/office/drawing/2010/main" val="0"/>
-              </a:ext>
-            </a:extLst>
-          </a:blip>
-          <a:stretch>
-            <a:fillRect/>
-          </a:stretch>
-        </p:blipFill>
-        <p:spPr>
-          <a:xfrm>
-            <a:off x="1352600" y="2616769"/>
-            <a:ext cx="2834534" cy="2160239"/>
-          </a:xfrm>
-          <a:prstGeom prst="rect">
-            <a:avLst/>
-          </a:prstGeom>
-          <a:ln>
-            <a:solidFill>
-              <a:schemeClr val="bg1">
-                <a:lumMod val="85000"/>
-              </a:schemeClr>
-            </a:solidFill>
-          </a:ln>
-        </p:spPr>
-      </p:pic>
-      <p:sp>
-        <p:nvSpPr>
-          <p:cNvPr id="12" name="TextBox 11"/>
+      <p:sp>
+        <p:nvSpPr>
+          <p:cNvPr id="5" name="TextBox 4"/>
           <p:cNvSpPr txBox="1"/>
           <p:nvPr/>
         </p:nvSpPr>
         <p:spPr>
           <a:xfrm>
-            <a:off x="1602900" y="1974309"/>
-            <a:ext cx="2125964" cy="374571"/>
-          </a:xfrm>
-          <a:prstGeom prst="roundRect">
-            <a:avLst/>
-          </a:prstGeom>
-        </p:spPr>
-        <p:style>
-          <a:lnRef idx="2">
-            <a:schemeClr val="accent2"/>
-          </a:lnRef>
-          <a:fillRef idx="1">
-            <a:schemeClr val="lt1"/>
-          </a:fillRef>
-          <a:effectRef idx="0">
-            <a:schemeClr val="accent2"/>
-          </a:effectRef>
-          <a:fontRef idx="minor">
-            <a:schemeClr val="dk1"/>
-          </a:fontRef>
-        </p:style>
-        <p:txBody>
-          <a:bodyPr wrap="square" rtlCol="0">
-            <a:spAutoFit/>
-          </a:bodyPr>
-          <a:lstStyle/>
-          <a:p>
-            <a:pPr algn="ctr"/>
-            <a:r>
-              <a:rPr lang="ko-KR" altLang="en-US" sz="1600" dirty="0" err="1" smtClean="0"/>
-              <a:t>설명글</a:t>
-            </a:r>
-            <a:r>
-              <a:rPr lang="ko-KR" altLang="en-US" sz="1600" dirty="0" smtClean="0"/>
-              <a:t> 숨기</a:t>
-            </a:r>
-            <a:r>
-              <a:rPr lang="ko-KR" altLang="en-US" sz="1600" dirty="0"/>
-              <a:t>기</a:t>
-            </a:r>
-            <a:endParaRPr lang="en-US" altLang="ko-KR" sz="1600" dirty="0" smtClean="0"/>
-          </a:p>
-        </p:txBody>
-      </p:sp>
-      <p:sp>
-        <p:nvSpPr>
-          <p:cNvPr id="13" name="TextBox 12"/>
-          <p:cNvSpPr txBox="1"/>
-          <p:nvPr/>
-        </p:nvSpPr>
-        <p:spPr>
-          <a:xfrm>
-            <a:off x="5275308" y="1974309"/>
-            <a:ext cx="2125964" cy="374571"/>
-          </a:xfrm>
-          <a:prstGeom prst="roundRect">
-            <a:avLst/>
-          </a:prstGeom>
-        </p:spPr>
-        <p:style>
-          <a:lnRef idx="2">
-            <a:schemeClr val="accent2"/>
-          </a:lnRef>
-          <a:fillRef idx="1">
-            <a:schemeClr val="lt1"/>
-          </a:fillRef>
-          <a:effectRef idx="0">
-            <a:schemeClr val="accent2"/>
-          </a:effectRef>
-          <a:fontRef idx="minor">
-            <a:schemeClr val="dk1"/>
-          </a:fontRef>
-        </p:style>
-        <p:txBody>
-          <a:bodyPr wrap="square" rtlCol="0">
-            <a:spAutoFit/>
-          </a:bodyPr>
-          <a:lstStyle/>
-          <a:p>
-            <a:pPr algn="ctr"/>
-            <a:r>
-              <a:rPr lang="ko-KR" altLang="en-US" sz="1600" dirty="0" err="1" smtClean="0"/>
-              <a:t>설명글</a:t>
-            </a:r>
-            <a:r>
-              <a:rPr lang="ko-KR" altLang="en-US" sz="1600" dirty="0"/>
-              <a:t> </a:t>
-            </a:r>
-            <a:r>
-              <a:rPr lang="ko-KR" altLang="en-US" sz="1600" dirty="0" smtClean="0"/>
-              <a:t>보이기</a:t>
-            </a:r>
-            <a:endParaRPr lang="en-US" altLang="ko-KR" sz="1600" dirty="0" smtClean="0"/>
-          </a:p>
-        </p:txBody>
-      </p:sp>
-      <p:sp>
-        <p:nvSpPr>
-          <p:cNvPr id="14" name="TextBox 13"/>
-          <p:cNvSpPr txBox="1"/>
-          <p:nvPr/>
-        </p:nvSpPr>
-        <p:spPr>
-          <a:xfrm>
-            <a:off x="704528" y="1264985"/>
-            <a:ext cx="7416824" cy="507831"/>
+            <a:off x="6609184" y="1962100"/>
+            <a:ext cx="1800200" cy="338554"/>
           </a:xfrm>
           <a:prstGeom prst="rect">
             <a:avLst/>
@@ -12820,31 +12654,34 @@
           </a:bodyPr>
           <a:lstStyle/>
           <a:p>
-            <a:pPr>
-              <a:lnSpc>
-                <a:spcPct val="150000"/>
-              </a:lnSpc>
-            </a:pPr>
-            <a:r>
-              <a:rPr lang="ko-KR" altLang="en-US" dirty="0"/>
-              <a:t> </a:t>
-            </a:r>
-            <a:r>
-              <a:rPr lang="en-US" altLang="ko-KR" dirty="0" smtClean="0"/>
-              <a:t>- </a:t>
-            </a:r>
-            <a:r>
-              <a:rPr lang="ko-KR" altLang="en-US" b="1" dirty="0" smtClean="0"/>
-              <a:t>버튼을 클릭하여 이미지와 텍스트를 숨기고 보이는 효과 만들기</a:t>
-            </a:r>
-            <a:endParaRPr lang="en-US" altLang="ko-KR" b="1" dirty="0" smtClean="0"/>
+            <a:r>
+              <a:rPr lang="en-US" altLang="ko-KR" sz="1600" dirty="0">
+                <a:solidFill>
+                  <a:srgbClr val="FF0000"/>
+                </a:solidFill>
+              </a:rPr>
+              <a:t>c</a:t>
+            </a:r>
+            <a:r>
+              <a:rPr lang="en-US" altLang="ko-KR" sz="1600" dirty="0" smtClean="0">
+                <a:solidFill>
+                  <a:srgbClr val="FF0000"/>
+                </a:solidFill>
+              </a:rPr>
+              <a:t>hange_bg.html</a:t>
+            </a:r>
+            <a:endParaRPr lang="ko-KR" altLang="en-US" sz="1600" dirty="0">
+              <a:solidFill>
+                <a:srgbClr val="FF0000"/>
+              </a:solidFill>
+            </a:endParaRPr>
           </a:p>
         </p:txBody>
       </p:sp>
     </p:spTree>
     <p:extLst>
       <p:ext uri="{BB962C8B-B14F-4D97-AF65-F5344CB8AC3E}">
-        <p14:creationId xmlns:p14="http://schemas.microsoft.com/office/powerpoint/2010/main" val="2861238955"/>
+        <p14:creationId xmlns:p14="http://schemas.microsoft.com/office/powerpoint/2010/main" val="2420352325"/>
       </p:ext>
     </p:extLst>
   </p:cSld>
@@ -12902,14 +12739,9 @@
           <a:p>
             <a:pPr algn="ctr"/>
             <a:r>
-              <a:rPr lang="ko-KR" altLang="en-US" sz="2800" b="1" dirty="0"/>
-              <a:t>숨기기와 보이기 이벤트 효과</a:t>
-            </a:r>
-            <a:r>
-              <a:rPr lang="en-US" altLang="ko-KR" sz="2800" dirty="0"/>
-              <a:t> </a:t>
-            </a:r>
-            <a:endParaRPr lang="ko-KR" altLang="en-US" sz="2800" dirty="0"/>
+              <a:rPr lang="ko-KR" altLang="en-US" sz="2800" dirty="0"/>
+              <a:t>배경색 바꾸기</a:t>
+            </a:r>
           </a:p>
         </p:txBody>
       </p:sp>
@@ -12938,7 +12770,7 @@
       </p:sp>
       <p:pic>
         <p:nvPicPr>
-          <p:cNvPr id="3" name="그림 2"/>
+          <p:cNvPr id="5" name="그림 4"/>
           <p:cNvPicPr>
             <a:picLocks noChangeAspect="1"/>
           </p:cNvPicPr>
@@ -12958,8 +12790,8 @@
         </p:blipFill>
         <p:spPr>
           <a:xfrm>
-            <a:off x="920552" y="1644154"/>
-            <a:ext cx="7992888" cy="3585046"/>
+            <a:off x="1568624" y="1412776"/>
+            <a:ext cx="5997460" cy="4519052"/>
           </a:xfrm>
           <a:prstGeom prst="rect">
             <a:avLst/>
@@ -12975,57 +12807,54 @@
       </p:pic>
       <p:sp>
         <p:nvSpPr>
-          <p:cNvPr id="10" name="TextBox 9"/>
+          <p:cNvPr id="6" name="TextBox 5"/>
           <p:cNvSpPr txBox="1"/>
           <p:nvPr/>
         </p:nvSpPr>
         <p:spPr>
           <a:xfrm>
-            <a:off x="7545288" y="1531361"/>
-            <a:ext cx="1872208" cy="374571"/>
-          </a:xfrm>
-          <a:prstGeom prst="roundRect">
+            <a:off x="6609184" y="2420888"/>
+            <a:ext cx="1368152" cy="338554"/>
+          </a:xfrm>
+          <a:prstGeom prst="rect">
             <a:avLst/>
           </a:prstGeom>
-          <a:ln w="19050"/>
-        </p:spPr>
-        <p:style>
-          <a:lnRef idx="2">
-            <a:schemeClr val="accent1"/>
-          </a:lnRef>
-          <a:fillRef idx="1">
-            <a:schemeClr val="lt1"/>
-          </a:fillRef>
-          <a:effectRef idx="0">
-            <a:schemeClr val="accent1"/>
-          </a:effectRef>
-          <a:fontRef idx="minor">
-            <a:schemeClr val="dk1"/>
-          </a:fontRef>
-        </p:style>
+          <a:noFill/>
+        </p:spPr>
         <p:txBody>
           <a:bodyPr wrap="square" rtlCol="0">
             <a:spAutoFit/>
           </a:bodyPr>
           <a:lstStyle/>
           <a:p>
-            <a:pPr algn="ctr"/>
-            <a:r>
-              <a:rPr lang="en-US" altLang="ko-KR" sz="1600" dirty="0"/>
-              <a:t>s</a:t>
-            </a:r>
-            <a:r>
-              <a:rPr lang="en-US" altLang="ko-KR" sz="1600" dirty="0" smtClean="0"/>
-              <a:t>how_hide2.html</a:t>
-            </a:r>
-            <a:endParaRPr lang="ko-KR" altLang="en-US" sz="1600" dirty="0"/>
+            <a:r>
+              <a:rPr lang="en-US" altLang="ko-KR" sz="1600" dirty="0">
+                <a:solidFill>
+                  <a:srgbClr val="FF0000"/>
+                </a:solidFill>
+              </a:rPr>
+              <a:t>b</a:t>
+            </a:r>
+            <a:r>
+              <a:rPr lang="en-US" altLang="ko-KR" sz="1600" dirty="0" smtClean="0">
+                <a:solidFill>
+                  <a:srgbClr val="FF0000"/>
+                </a:solidFill>
+              </a:rPr>
+              <a:t>g_color.css</a:t>
+            </a:r>
+            <a:endParaRPr lang="ko-KR" altLang="en-US" sz="1600" dirty="0">
+              <a:solidFill>
+                <a:srgbClr val="FF0000"/>
+              </a:solidFill>
+            </a:endParaRPr>
           </a:p>
         </p:txBody>
       </p:sp>
     </p:spTree>
     <p:extLst>
       <p:ext uri="{BB962C8B-B14F-4D97-AF65-F5344CB8AC3E}">
-        <p14:creationId xmlns:p14="http://schemas.microsoft.com/office/powerpoint/2010/main" val="2509129757"/>
+        <p14:creationId xmlns:p14="http://schemas.microsoft.com/office/powerpoint/2010/main" val="2761823982"/>
       </p:ext>
     </p:extLst>
   </p:cSld>
@@ -13083,11 +12912,11 @@
           <a:p>
             <a:pPr algn="ctr"/>
             <a:r>
-              <a:rPr lang="ko-KR" altLang="en-US" sz="2800" b="1" dirty="0"/>
+              <a:rPr lang="ko-KR" altLang="en-US" sz="2800" b="1" dirty="0" smtClean="0"/>
               <a:t>숨기기와 보이기 이벤트 효과</a:t>
             </a:r>
             <a:r>
-              <a:rPr lang="en-US" altLang="ko-KR" sz="2800" dirty="0"/>
+              <a:rPr lang="en-US" altLang="ko-KR" sz="2800" dirty="0" smtClean="0"/>
               <a:t> </a:t>
             </a:r>
             <a:endParaRPr lang="ko-KR" altLang="en-US" sz="2800" dirty="0"/>
@@ -13114,51 +12943,6 @@
               <a:t>35</a:t>
             </a:fld>
             <a:endParaRPr lang="ko-KR" altLang="en-US"/>
-          </a:p>
-        </p:txBody>
-      </p:sp>
-      <p:sp>
-        <p:nvSpPr>
-          <p:cNvPr id="7" name="TextBox 6"/>
-          <p:cNvSpPr txBox="1"/>
-          <p:nvPr/>
-        </p:nvSpPr>
-        <p:spPr>
-          <a:xfrm>
-            <a:off x="7113240" y="2204864"/>
-            <a:ext cx="1296144" cy="374571"/>
-          </a:xfrm>
-          <a:prstGeom prst="roundRect">
-            <a:avLst/>
-          </a:prstGeom>
-          <a:ln w="19050"/>
-        </p:spPr>
-        <p:style>
-          <a:lnRef idx="2">
-            <a:schemeClr val="accent1"/>
-          </a:lnRef>
-          <a:fillRef idx="1">
-            <a:schemeClr val="lt1"/>
-          </a:fillRef>
-          <a:effectRef idx="0">
-            <a:schemeClr val="accent1"/>
-          </a:effectRef>
-          <a:fontRef idx="minor">
-            <a:schemeClr val="dk1"/>
-          </a:fontRef>
-        </p:style>
-        <p:txBody>
-          <a:bodyPr wrap="square" rtlCol="0">
-            <a:spAutoFit/>
-          </a:bodyPr>
-          <a:lstStyle/>
-          <a:p>
-            <a:pPr algn="ctr"/>
-            <a:r>
-              <a:rPr lang="en-US" altLang="ko-KR" sz="1600" dirty="0" smtClean="0"/>
-              <a:t>event.css</a:t>
-            </a:r>
-            <a:endParaRPr lang="ko-KR" altLang="en-US" sz="1600" dirty="0"/>
           </a:p>
         </p:txBody>
       </p:sp>
@@ -13184,8 +12968,8 @@
         </p:blipFill>
         <p:spPr>
           <a:xfrm>
-            <a:off x="1352600" y="1988840"/>
-            <a:ext cx="5563082" cy="1143099"/>
+            <a:off x="5148807" y="2585719"/>
+            <a:ext cx="2769123" cy="3795609"/>
           </a:xfrm>
           <a:prstGeom prst="rect">
             <a:avLst/>
@@ -13221,8 +13005,8 @@
         </p:blipFill>
         <p:spPr>
           <a:xfrm>
-            <a:off x="1352599" y="3573016"/>
-            <a:ext cx="7500833" cy="1163307"/>
+            <a:off x="1352600" y="2616769"/>
+            <a:ext cx="2834534" cy="2160239"/>
           </a:xfrm>
           <a:prstGeom prst="rect">
             <a:avLst/>
@@ -13236,10 +13020,157 @@
           </a:ln>
         </p:spPr>
       </p:pic>
+      <p:sp>
+        <p:nvSpPr>
+          <p:cNvPr id="12" name="TextBox 11"/>
+          <p:cNvSpPr txBox="1"/>
+          <p:nvPr/>
+        </p:nvSpPr>
+        <p:spPr>
+          <a:xfrm>
+            <a:off x="1602900" y="1974309"/>
+            <a:ext cx="2125964" cy="374571"/>
+          </a:xfrm>
+          <a:prstGeom prst="roundRect">
+            <a:avLst/>
+          </a:prstGeom>
+        </p:spPr>
+        <p:style>
+          <a:lnRef idx="2">
+            <a:schemeClr val="accent2"/>
+          </a:lnRef>
+          <a:fillRef idx="1">
+            <a:schemeClr val="lt1"/>
+          </a:fillRef>
+          <a:effectRef idx="0">
+            <a:schemeClr val="accent2"/>
+          </a:effectRef>
+          <a:fontRef idx="minor">
+            <a:schemeClr val="dk1"/>
+          </a:fontRef>
+        </p:style>
+        <p:txBody>
+          <a:bodyPr wrap="square" rtlCol="0">
+            <a:spAutoFit/>
+          </a:bodyPr>
+          <a:lstStyle/>
+          <a:p>
+            <a:pPr algn="ctr"/>
+            <a:r>
+              <a:rPr lang="ko-KR" altLang="en-US" sz="1600" dirty="0" err="1" smtClean="0"/>
+              <a:t>설명글</a:t>
+            </a:r>
+            <a:r>
+              <a:rPr lang="ko-KR" altLang="en-US" sz="1600" dirty="0" smtClean="0"/>
+              <a:t> 숨기</a:t>
+            </a:r>
+            <a:r>
+              <a:rPr lang="ko-KR" altLang="en-US" sz="1600" dirty="0"/>
+              <a:t>기</a:t>
+            </a:r>
+            <a:endParaRPr lang="en-US" altLang="ko-KR" sz="1600" dirty="0" smtClean="0"/>
+          </a:p>
+        </p:txBody>
+      </p:sp>
+      <p:sp>
+        <p:nvSpPr>
+          <p:cNvPr id="13" name="TextBox 12"/>
+          <p:cNvSpPr txBox="1"/>
+          <p:nvPr/>
+        </p:nvSpPr>
+        <p:spPr>
+          <a:xfrm>
+            <a:off x="5275308" y="1974309"/>
+            <a:ext cx="2125964" cy="374571"/>
+          </a:xfrm>
+          <a:prstGeom prst="roundRect">
+            <a:avLst/>
+          </a:prstGeom>
+        </p:spPr>
+        <p:style>
+          <a:lnRef idx="2">
+            <a:schemeClr val="accent2"/>
+          </a:lnRef>
+          <a:fillRef idx="1">
+            <a:schemeClr val="lt1"/>
+          </a:fillRef>
+          <a:effectRef idx="0">
+            <a:schemeClr val="accent2"/>
+          </a:effectRef>
+          <a:fontRef idx="minor">
+            <a:schemeClr val="dk1"/>
+          </a:fontRef>
+        </p:style>
+        <p:txBody>
+          <a:bodyPr wrap="square" rtlCol="0">
+            <a:spAutoFit/>
+          </a:bodyPr>
+          <a:lstStyle/>
+          <a:p>
+            <a:pPr algn="ctr"/>
+            <a:r>
+              <a:rPr lang="ko-KR" altLang="en-US" sz="1600" dirty="0" err="1" smtClean="0"/>
+              <a:t>설명글</a:t>
+            </a:r>
+            <a:r>
+              <a:rPr lang="ko-KR" altLang="en-US" sz="1600" dirty="0"/>
+              <a:t> </a:t>
+            </a:r>
+            <a:r>
+              <a:rPr lang="ko-KR" altLang="en-US" sz="1600" dirty="0" smtClean="0"/>
+              <a:t>보이기</a:t>
+            </a:r>
+            <a:endParaRPr lang="en-US" altLang="ko-KR" sz="1600" dirty="0" smtClean="0"/>
+          </a:p>
+        </p:txBody>
+      </p:sp>
+      <p:sp>
+        <p:nvSpPr>
+          <p:cNvPr id="14" name="TextBox 13"/>
+          <p:cNvSpPr txBox="1"/>
+          <p:nvPr/>
+        </p:nvSpPr>
+        <p:spPr>
+          <a:xfrm>
+            <a:off x="704528" y="1264985"/>
+            <a:ext cx="7416824" cy="507831"/>
+          </a:xfrm>
+          <a:prstGeom prst="rect">
+            <a:avLst/>
+          </a:prstGeom>
+          <a:noFill/>
+        </p:spPr>
+        <p:txBody>
+          <a:bodyPr wrap="square" rtlCol="0">
+            <a:spAutoFit/>
+          </a:bodyPr>
+          <a:lstStyle/>
+          <a:p>
+            <a:pPr>
+              <a:lnSpc>
+                <a:spcPct val="150000"/>
+              </a:lnSpc>
+            </a:pPr>
+            <a:r>
+              <a:rPr lang="ko-KR" altLang="en-US" dirty="0"/>
+              <a:t> </a:t>
+            </a:r>
+            <a:r>
+              <a:rPr lang="en-US" altLang="ko-KR" dirty="0" smtClean="0"/>
+              <a:t>- </a:t>
+            </a:r>
+            <a:r>
+              <a:rPr lang="ko-KR" altLang="en-US" b="1" dirty="0" smtClean="0"/>
+              <a:t>버튼을 클릭하여 이미지와 텍스트를 숨기고 보이는 효과 만들기</a:t>
+            </a:r>
+            <a:endParaRPr lang="en-US" altLang="ko-KR" b="1" dirty="0" smtClean="0"/>
+          </a:p>
+        </p:txBody>
+      </p:sp>
     </p:spTree>
     <p:extLst>
       <p:ext uri="{BB962C8B-B14F-4D97-AF65-F5344CB8AC3E}">
-        <p14:creationId xmlns:p14="http://schemas.microsoft.com/office/powerpoint/2010/main" val="2678707703"/>
+        <p14:creationId xmlns:p14="http://schemas.microsoft.com/office/powerpoint/2010/main" val="2861238955"/>
       </p:ext>
     </p:extLst>
   </p:cSld>
@@ -13326,6 +13257,401 @@
             <a:fld id="{1BDE3FE7-3AEA-4B05-AC5A-802D1816ACF0}" type="slidenum">
               <a:rPr lang="ko-KR" altLang="en-US" smtClean="0"/>
               <a:t>36</a:t>
+            </a:fld>
+            <a:endParaRPr lang="ko-KR" altLang="en-US"/>
+          </a:p>
+        </p:txBody>
+      </p:sp>
+      <p:pic>
+        <p:nvPicPr>
+          <p:cNvPr id="3" name="그림 2"/>
+          <p:cNvPicPr>
+            <a:picLocks noChangeAspect="1"/>
+          </p:cNvPicPr>
+          <p:nvPr/>
+        </p:nvPicPr>
+        <p:blipFill>
+          <a:blip r:embed="rId2">
+            <a:extLst>
+              <a:ext uri="{28A0092B-C50C-407E-A947-70E740481C1C}">
+                <a14:useLocalDpi xmlns:a14="http://schemas.microsoft.com/office/drawing/2010/main" val="0"/>
+              </a:ext>
+            </a:extLst>
+          </a:blip>
+          <a:stretch>
+            <a:fillRect/>
+          </a:stretch>
+        </p:blipFill>
+        <p:spPr>
+          <a:xfrm>
+            <a:off x="920552" y="1644154"/>
+            <a:ext cx="7992888" cy="3585046"/>
+          </a:xfrm>
+          <a:prstGeom prst="rect">
+            <a:avLst/>
+          </a:prstGeom>
+          <a:ln>
+            <a:solidFill>
+              <a:schemeClr val="bg1">
+                <a:lumMod val="85000"/>
+              </a:schemeClr>
+            </a:solidFill>
+          </a:ln>
+        </p:spPr>
+      </p:pic>
+      <p:sp>
+        <p:nvSpPr>
+          <p:cNvPr id="10" name="TextBox 9"/>
+          <p:cNvSpPr txBox="1"/>
+          <p:nvPr/>
+        </p:nvSpPr>
+        <p:spPr>
+          <a:xfrm>
+            <a:off x="7545288" y="1531361"/>
+            <a:ext cx="1872208" cy="374571"/>
+          </a:xfrm>
+          <a:prstGeom prst="roundRect">
+            <a:avLst/>
+          </a:prstGeom>
+          <a:ln w="19050"/>
+        </p:spPr>
+        <p:style>
+          <a:lnRef idx="2">
+            <a:schemeClr val="accent1"/>
+          </a:lnRef>
+          <a:fillRef idx="1">
+            <a:schemeClr val="lt1"/>
+          </a:fillRef>
+          <a:effectRef idx="0">
+            <a:schemeClr val="accent1"/>
+          </a:effectRef>
+          <a:fontRef idx="minor">
+            <a:schemeClr val="dk1"/>
+          </a:fontRef>
+        </p:style>
+        <p:txBody>
+          <a:bodyPr wrap="square" rtlCol="0">
+            <a:spAutoFit/>
+          </a:bodyPr>
+          <a:lstStyle/>
+          <a:p>
+            <a:pPr algn="ctr"/>
+            <a:r>
+              <a:rPr lang="en-US" altLang="ko-KR" sz="1600" dirty="0"/>
+              <a:t>s</a:t>
+            </a:r>
+            <a:r>
+              <a:rPr lang="en-US" altLang="ko-KR" sz="1600" dirty="0" smtClean="0"/>
+              <a:t>how_hide2.html</a:t>
+            </a:r>
+            <a:endParaRPr lang="ko-KR" altLang="en-US" sz="1600" dirty="0"/>
+          </a:p>
+        </p:txBody>
+      </p:sp>
+    </p:spTree>
+    <p:extLst>
+      <p:ext uri="{BB962C8B-B14F-4D97-AF65-F5344CB8AC3E}">
+        <p14:creationId xmlns:p14="http://schemas.microsoft.com/office/powerpoint/2010/main" val="2509129757"/>
+      </p:ext>
+    </p:extLst>
+  </p:cSld>
+  <p:clrMapOvr>
+    <a:masterClrMapping/>
+  </p:clrMapOvr>
+  <p:timing>
+    <p:tnLst>
+      <p:par>
+        <p:cTn id="1" dur="indefinite" restart="never" nodeType="tmRoot"/>
+      </p:par>
+    </p:tnLst>
+  </p:timing>
+</p:sld>
+</file>
+
+<file path=ppt/slides/slide37.xml><?xml version="1.0" encoding="utf-8"?>
+<p:sld xmlns:a="http://schemas.openxmlformats.org/drawingml/2006/main" xmlns:r="http://schemas.openxmlformats.org/officeDocument/2006/relationships" xmlns:p="http://schemas.openxmlformats.org/presentationml/2006/main">
+  <p:cSld>
+    <p:spTree>
+      <p:nvGrpSpPr>
+        <p:cNvPr id="1" name=""/>
+        <p:cNvGrpSpPr/>
+        <p:nvPr/>
+      </p:nvGrpSpPr>
+      <p:grpSpPr>
+        <a:xfrm>
+          <a:off x="0" y="0"/>
+          <a:ext cx="0" cy="0"/>
+          <a:chOff x="0" y="0"/>
+          <a:chExt cx="0" cy="0"/>
+        </a:xfrm>
+      </p:grpSpPr>
+      <p:sp>
+        <p:nvSpPr>
+          <p:cNvPr id="2" name="제목 1"/>
+          <p:cNvSpPr>
+            <a:spLocks noGrp="1"/>
+          </p:cNvSpPr>
+          <p:nvPr>
+            <p:ph type="title"/>
+          </p:nvPr>
+        </p:nvSpPr>
+        <p:spPr>
+          <a:xfrm>
+            <a:off x="416497" y="197768"/>
+            <a:ext cx="6412780" cy="854968"/>
+          </a:xfrm>
+        </p:spPr>
+        <p:txBody>
+          <a:bodyPr>
+            <a:noAutofit/>
+          </a:bodyPr>
+          <a:lstStyle/>
+          <a:p>
+            <a:pPr algn="ctr"/>
+            <a:r>
+              <a:rPr lang="ko-KR" altLang="en-US" sz="2800" b="1" dirty="0"/>
+              <a:t>숨기기와 보이기 이벤트 효과</a:t>
+            </a:r>
+            <a:r>
+              <a:rPr lang="en-US" altLang="ko-KR" sz="2800" dirty="0"/>
+              <a:t> </a:t>
+            </a:r>
+            <a:endParaRPr lang="ko-KR" altLang="en-US" sz="2800" dirty="0"/>
+          </a:p>
+        </p:txBody>
+      </p:sp>
+      <p:sp>
+        <p:nvSpPr>
+          <p:cNvPr id="4" name="슬라이드 번호 개체 틀 3"/>
+          <p:cNvSpPr>
+            <a:spLocks noGrp="1"/>
+          </p:cNvSpPr>
+          <p:nvPr>
+            <p:ph type="sldNum" sz="quarter" idx="12"/>
+          </p:nvPr>
+        </p:nvSpPr>
+        <p:spPr/>
+        <p:txBody>
+          <a:bodyPr/>
+          <a:lstStyle/>
+          <a:p>
+            <a:fld id="{1BDE3FE7-3AEA-4B05-AC5A-802D1816ACF0}" type="slidenum">
+              <a:rPr lang="ko-KR" altLang="en-US" smtClean="0"/>
+              <a:t>37</a:t>
+            </a:fld>
+            <a:endParaRPr lang="ko-KR" altLang="en-US"/>
+          </a:p>
+        </p:txBody>
+      </p:sp>
+      <p:sp>
+        <p:nvSpPr>
+          <p:cNvPr id="7" name="TextBox 6"/>
+          <p:cNvSpPr txBox="1"/>
+          <p:nvPr/>
+        </p:nvSpPr>
+        <p:spPr>
+          <a:xfrm>
+            <a:off x="7113240" y="2204864"/>
+            <a:ext cx="1296144" cy="374571"/>
+          </a:xfrm>
+          <a:prstGeom prst="roundRect">
+            <a:avLst/>
+          </a:prstGeom>
+          <a:ln w="19050"/>
+        </p:spPr>
+        <p:style>
+          <a:lnRef idx="2">
+            <a:schemeClr val="accent1"/>
+          </a:lnRef>
+          <a:fillRef idx="1">
+            <a:schemeClr val="lt1"/>
+          </a:fillRef>
+          <a:effectRef idx="0">
+            <a:schemeClr val="accent1"/>
+          </a:effectRef>
+          <a:fontRef idx="minor">
+            <a:schemeClr val="dk1"/>
+          </a:fontRef>
+        </p:style>
+        <p:txBody>
+          <a:bodyPr wrap="square" rtlCol="0">
+            <a:spAutoFit/>
+          </a:bodyPr>
+          <a:lstStyle/>
+          <a:p>
+            <a:pPr algn="ctr"/>
+            <a:r>
+              <a:rPr lang="en-US" altLang="ko-KR" sz="1600" dirty="0" smtClean="0"/>
+              <a:t>event.css</a:t>
+            </a:r>
+            <a:endParaRPr lang="ko-KR" altLang="en-US" sz="1600" dirty="0"/>
+          </a:p>
+        </p:txBody>
+      </p:sp>
+      <p:pic>
+        <p:nvPicPr>
+          <p:cNvPr id="3" name="그림 2"/>
+          <p:cNvPicPr>
+            <a:picLocks noChangeAspect="1"/>
+          </p:cNvPicPr>
+          <p:nvPr/>
+        </p:nvPicPr>
+        <p:blipFill>
+          <a:blip r:embed="rId2">
+            <a:extLst>
+              <a:ext uri="{28A0092B-C50C-407E-A947-70E740481C1C}">
+                <a14:useLocalDpi xmlns:a14="http://schemas.microsoft.com/office/drawing/2010/main" val="0"/>
+              </a:ext>
+            </a:extLst>
+          </a:blip>
+          <a:stretch>
+            <a:fillRect/>
+          </a:stretch>
+        </p:blipFill>
+        <p:spPr>
+          <a:xfrm>
+            <a:off x="1352600" y="1988840"/>
+            <a:ext cx="5563082" cy="1143099"/>
+          </a:xfrm>
+          <a:prstGeom prst="rect">
+            <a:avLst/>
+          </a:prstGeom>
+          <a:ln>
+            <a:solidFill>
+              <a:schemeClr val="bg1">
+                <a:lumMod val="85000"/>
+              </a:schemeClr>
+            </a:solidFill>
+          </a:ln>
+        </p:spPr>
+      </p:pic>
+      <p:pic>
+        <p:nvPicPr>
+          <p:cNvPr id="8" name="그림 7"/>
+          <p:cNvPicPr>
+            <a:picLocks noChangeAspect="1"/>
+          </p:cNvPicPr>
+          <p:nvPr/>
+        </p:nvPicPr>
+        <p:blipFill>
+          <a:blip r:embed="rId3">
+            <a:extLst>
+              <a:ext uri="{28A0092B-C50C-407E-A947-70E740481C1C}">
+                <a14:useLocalDpi xmlns:a14="http://schemas.microsoft.com/office/drawing/2010/main" val="0"/>
+              </a:ext>
+            </a:extLst>
+          </a:blip>
+          <a:stretch>
+            <a:fillRect/>
+          </a:stretch>
+        </p:blipFill>
+        <p:spPr>
+          <a:xfrm>
+            <a:off x="1352599" y="3573016"/>
+            <a:ext cx="7500833" cy="1163307"/>
+          </a:xfrm>
+          <a:prstGeom prst="rect">
+            <a:avLst/>
+          </a:prstGeom>
+          <a:ln>
+            <a:solidFill>
+              <a:schemeClr val="bg1">
+                <a:lumMod val="85000"/>
+              </a:schemeClr>
+            </a:solidFill>
+          </a:ln>
+        </p:spPr>
+      </p:pic>
+    </p:spTree>
+    <p:extLst>
+      <p:ext uri="{BB962C8B-B14F-4D97-AF65-F5344CB8AC3E}">
+        <p14:creationId xmlns:p14="http://schemas.microsoft.com/office/powerpoint/2010/main" val="2678707703"/>
+      </p:ext>
+    </p:extLst>
+  </p:cSld>
+  <p:clrMapOvr>
+    <a:masterClrMapping/>
+  </p:clrMapOvr>
+  <p:timing>
+    <p:tnLst>
+      <p:par>
+        <p:cTn id="1" dur="indefinite" restart="never" nodeType="tmRoot"/>
+      </p:par>
+    </p:tnLst>
+  </p:timing>
+</p:sld>
+</file>
+
+<file path=ppt/slides/slide38.xml><?xml version="1.0" encoding="utf-8"?>
+<p:sld xmlns:a="http://schemas.openxmlformats.org/drawingml/2006/main" xmlns:r="http://schemas.openxmlformats.org/officeDocument/2006/relationships" xmlns:p="http://schemas.openxmlformats.org/presentationml/2006/main">
+  <p:cSld>
+    <p:spTree>
+      <p:nvGrpSpPr>
+        <p:cNvPr id="1" name=""/>
+        <p:cNvGrpSpPr/>
+        <p:nvPr/>
+      </p:nvGrpSpPr>
+      <p:grpSpPr>
+        <a:xfrm>
+          <a:off x="0" y="0"/>
+          <a:ext cx="0" cy="0"/>
+          <a:chOff x="0" y="0"/>
+          <a:chExt cx="0" cy="0"/>
+        </a:xfrm>
+      </p:grpSpPr>
+      <p:sp>
+        <p:nvSpPr>
+          <p:cNvPr id="2" name="제목 1"/>
+          <p:cNvSpPr>
+            <a:spLocks noGrp="1"/>
+          </p:cNvSpPr>
+          <p:nvPr>
+            <p:ph type="title"/>
+          </p:nvPr>
+        </p:nvSpPr>
+        <p:spPr>
+          <a:xfrm>
+            <a:off x="416497" y="197768"/>
+            <a:ext cx="6412780" cy="854968"/>
+          </a:xfrm>
+        </p:spPr>
+        <p:txBody>
+          <a:bodyPr>
+            <a:noAutofit/>
+          </a:bodyPr>
+          <a:lstStyle/>
+          <a:p>
+            <a:pPr algn="ctr"/>
+            <a:r>
+              <a:rPr lang="ko-KR" altLang="en-US" sz="2800" b="1" dirty="0"/>
+              <a:t>숨기기와 보이기 이벤트 효과</a:t>
+            </a:r>
+            <a:r>
+              <a:rPr lang="en-US" altLang="ko-KR" sz="2800" dirty="0"/>
+              <a:t> </a:t>
+            </a:r>
+            <a:endParaRPr lang="ko-KR" altLang="en-US" sz="2800" dirty="0"/>
+          </a:p>
+        </p:txBody>
+      </p:sp>
+      <p:sp>
+        <p:nvSpPr>
+          <p:cNvPr id="4" name="슬라이드 번호 개체 틀 3"/>
+          <p:cNvSpPr>
+            <a:spLocks noGrp="1"/>
+          </p:cNvSpPr>
+          <p:nvPr>
+            <p:ph type="sldNum" sz="quarter" idx="12"/>
+          </p:nvPr>
+        </p:nvSpPr>
+        <p:spPr/>
+        <p:txBody>
+          <a:bodyPr/>
+          <a:lstStyle/>
+          <a:p>
+            <a:fld id="{1BDE3FE7-3AEA-4B05-AC5A-802D1816ACF0}" type="slidenum">
+              <a:rPr lang="ko-KR" altLang="en-US" smtClean="0"/>
+              <a:t>38</a:t>
             </a:fld>
             <a:endParaRPr lang="ko-KR" altLang="en-US"/>
           </a:p>
